--- a/a_asset/n_01_uiux요구분석/n_01_UIUX요구분석.pptx
+++ b/a_asset/n_01_uiux요구분석/n_01_UIUX요구분석.pptx
@@ -20,9 +20,8 @@
     <p:sldId id="276" r:id="rId14"/>
     <p:sldId id="279" r:id="rId15"/>
     <p:sldId id="260" r:id="rId16"/>
-    <p:sldId id="277" r:id="rId17"/>
-    <p:sldId id="278" r:id="rId18"/>
-    <p:sldId id="264" r:id="rId19"/>
+    <p:sldId id="278" r:id="rId17"/>
+    <p:sldId id="264" r:id="rId18"/>
   </p:sldIdLst>
   <p:sldSz cx="12192000" cy="6858000"/>
   <p:notesSz cx="6858000" cy="9144000"/>
@@ -149,757 +148,31 @@
       </p:ext>
     </p:extLst>
   </p:cmAuthor>
+  <p:cmAuthor id="2" name="aytjoeun" initials="a" lastIdx="2" clrIdx="1">
+    <p:extLst>
+      <p:ext uri="{19B8F6BF-5375-455C-9EA6-DF929625EA0E}">
+        <p15:presenceInfo xmlns:p15="http://schemas.microsoft.com/office/powerpoint/2012/main" userId="aytjoeun" providerId="None"/>
+      </p:ext>
+    </p:extLst>
+  </p:cmAuthor>
 </p:cmAuthorLst>
 </file>
 
-<file path=ppt/diagrams/colors1.xml><?xml version="1.0" encoding="utf-8"?>
-<dgm:colorsDef xmlns:dgm="http://schemas.openxmlformats.org/drawingml/2006/diagram" xmlns:a="http://schemas.openxmlformats.org/drawingml/2006/main" uniqueId="urn:microsoft.com/office/officeart/2005/8/colors/accent1_2">
-  <dgm:title val=""/>
-  <dgm:desc val=""/>
-  <dgm:catLst>
-    <dgm:cat type="accent1" pri="11200"/>
-  </dgm:catLst>
-  <dgm:styleLbl name="node0">
-    <dgm:fillClrLst meth="repeat">
-      <a:schemeClr val="accent1"/>
-    </dgm:fillClrLst>
-    <dgm:linClrLst meth="repeat">
-      <a:schemeClr val="lt1"/>
-    </dgm:linClrLst>
-    <dgm:effectClrLst/>
-    <dgm:txLinClrLst/>
-    <dgm:txFillClrLst/>
-    <dgm:txEffectClrLst/>
-  </dgm:styleLbl>
-  <dgm:styleLbl name="alignNode1">
-    <dgm:fillClrLst meth="repeat">
-      <a:schemeClr val="accent1"/>
-    </dgm:fillClrLst>
-    <dgm:linClrLst meth="repeat">
-      <a:schemeClr val="accent1"/>
-    </dgm:linClrLst>
-    <dgm:effectClrLst/>
-    <dgm:txLinClrLst/>
-    <dgm:txFillClrLst/>
-    <dgm:txEffectClrLst/>
-  </dgm:styleLbl>
-  <dgm:styleLbl name="node1">
-    <dgm:fillClrLst meth="repeat">
-      <a:schemeClr val="accent1"/>
-    </dgm:fillClrLst>
-    <dgm:linClrLst meth="repeat">
-      <a:schemeClr val="lt1"/>
-    </dgm:linClrLst>
-    <dgm:effectClrLst/>
-    <dgm:txLinClrLst/>
-    <dgm:txFillClrLst/>
-    <dgm:txEffectClrLst/>
-  </dgm:styleLbl>
-  <dgm:styleLbl name="lnNode1">
-    <dgm:fillClrLst meth="repeat">
-      <a:schemeClr val="accent1"/>
-    </dgm:fillClrLst>
-    <dgm:linClrLst meth="repeat">
-      <a:schemeClr val="lt1"/>
-    </dgm:linClrLst>
-    <dgm:effectClrLst/>
-    <dgm:txLinClrLst/>
-    <dgm:txFillClrLst/>
-    <dgm:txEffectClrLst/>
-  </dgm:styleLbl>
-  <dgm:styleLbl name="vennNode1">
-    <dgm:fillClrLst meth="repeat">
-      <a:schemeClr val="accent1">
-        <a:alpha val="50000"/>
-      </a:schemeClr>
-    </dgm:fillClrLst>
-    <dgm:linClrLst meth="repeat">
-      <a:schemeClr val="lt1"/>
-    </dgm:linClrLst>
-    <dgm:effectClrLst/>
-    <dgm:txLinClrLst/>
-    <dgm:txFillClrLst/>
-    <dgm:txEffectClrLst/>
-  </dgm:styleLbl>
-  <dgm:styleLbl name="node2">
-    <dgm:fillClrLst meth="repeat">
-      <a:schemeClr val="accent1"/>
-    </dgm:fillClrLst>
-    <dgm:linClrLst meth="repeat">
-      <a:schemeClr val="lt1"/>
-    </dgm:linClrLst>
-    <dgm:effectClrLst/>
-    <dgm:txLinClrLst/>
-    <dgm:txFillClrLst/>
-    <dgm:txEffectClrLst/>
-  </dgm:styleLbl>
-  <dgm:styleLbl name="node3">
-    <dgm:fillClrLst meth="repeat">
-      <a:schemeClr val="accent1"/>
-    </dgm:fillClrLst>
-    <dgm:linClrLst meth="repeat">
-      <a:schemeClr val="lt1"/>
-    </dgm:linClrLst>
-    <dgm:effectClrLst/>
-    <dgm:txLinClrLst/>
-    <dgm:txFillClrLst/>
-    <dgm:txEffectClrLst/>
-  </dgm:styleLbl>
-  <dgm:styleLbl name="node4">
-    <dgm:fillClrLst meth="repeat">
-      <a:schemeClr val="accent1"/>
-    </dgm:fillClrLst>
-    <dgm:linClrLst meth="repeat">
-      <a:schemeClr val="lt1"/>
-    </dgm:linClrLst>
-    <dgm:effectClrLst/>
-    <dgm:txLinClrLst/>
-    <dgm:txFillClrLst/>
-    <dgm:txEffectClrLst/>
-  </dgm:styleLbl>
-  <dgm:styleLbl name="fgImgPlace1">
-    <dgm:fillClrLst meth="repeat">
-      <a:schemeClr val="accent1">
-        <a:tint val="50000"/>
-      </a:schemeClr>
-    </dgm:fillClrLst>
-    <dgm:linClrLst meth="repeat">
-      <a:schemeClr val="lt1"/>
-    </dgm:linClrLst>
-    <dgm:effectClrLst/>
-    <dgm:txLinClrLst/>
-    <dgm:txFillClrLst meth="repeat">
-      <a:schemeClr val="lt1"/>
-    </dgm:txFillClrLst>
-    <dgm:txEffectClrLst/>
-  </dgm:styleLbl>
-  <dgm:styleLbl name="alignImgPlace1">
-    <dgm:fillClrLst meth="repeat">
-      <a:schemeClr val="accent1">
-        <a:tint val="50000"/>
-      </a:schemeClr>
-    </dgm:fillClrLst>
-    <dgm:linClrLst meth="repeat">
-      <a:schemeClr val="lt1"/>
-    </dgm:linClrLst>
-    <dgm:effectClrLst/>
-    <dgm:txLinClrLst/>
-    <dgm:txFillClrLst meth="repeat">
-      <a:schemeClr val="lt1"/>
-    </dgm:txFillClrLst>
-    <dgm:txEffectClrLst/>
-  </dgm:styleLbl>
-  <dgm:styleLbl name="bgImgPlace1">
-    <dgm:fillClrLst meth="repeat">
-      <a:schemeClr val="accent1">
-        <a:tint val="50000"/>
-      </a:schemeClr>
-    </dgm:fillClrLst>
-    <dgm:linClrLst meth="repeat">
-      <a:schemeClr val="lt1"/>
-    </dgm:linClrLst>
-    <dgm:effectClrLst/>
-    <dgm:txLinClrLst/>
-    <dgm:txFillClrLst meth="repeat">
-      <a:schemeClr val="lt1"/>
-    </dgm:txFillClrLst>
-    <dgm:txEffectClrLst/>
-  </dgm:styleLbl>
-  <dgm:styleLbl name="sibTrans2D1">
-    <dgm:fillClrLst meth="repeat">
-      <a:schemeClr val="accent1">
-        <a:tint val="60000"/>
-      </a:schemeClr>
-    </dgm:fillClrLst>
-    <dgm:linClrLst meth="repeat">
-      <a:schemeClr val="accent1">
-        <a:tint val="60000"/>
-      </a:schemeClr>
-    </dgm:linClrLst>
-    <dgm:effectClrLst/>
-    <dgm:txLinClrLst/>
-    <dgm:txFillClrLst/>
-    <dgm:txEffectClrLst/>
-  </dgm:styleLbl>
-  <dgm:styleLbl name="fgSibTrans2D1">
-    <dgm:fillClrLst meth="repeat">
-      <a:schemeClr val="accent1">
-        <a:tint val="60000"/>
-      </a:schemeClr>
-    </dgm:fillClrLst>
-    <dgm:linClrLst meth="repeat">
-      <a:schemeClr val="accent1">
-        <a:tint val="60000"/>
-      </a:schemeClr>
-    </dgm:linClrLst>
-    <dgm:effectClrLst/>
-    <dgm:txLinClrLst/>
-    <dgm:txFillClrLst/>
-    <dgm:txEffectClrLst/>
-  </dgm:styleLbl>
-  <dgm:styleLbl name="bgSibTrans2D1">
-    <dgm:fillClrLst meth="repeat">
-      <a:schemeClr val="accent1">
-        <a:tint val="60000"/>
-      </a:schemeClr>
-    </dgm:fillClrLst>
-    <dgm:linClrLst meth="repeat">
-      <a:schemeClr val="accent1">
-        <a:tint val="60000"/>
-      </a:schemeClr>
-    </dgm:linClrLst>
-    <dgm:effectClrLst/>
-    <dgm:txLinClrLst/>
-    <dgm:txFillClrLst/>
-    <dgm:txEffectClrLst/>
-  </dgm:styleLbl>
-  <dgm:styleLbl name="sibTrans1D1">
-    <dgm:fillClrLst meth="repeat">
-      <a:schemeClr val="accent1"/>
-    </dgm:fillClrLst>
-    <dgm:linClrLst meth="repeat">
-      <a:schemeClr val="accent1"/>
-    </dgm:linClrLst>
-    <dgm:effectClrLst/>
-    <dgm:txLinClrLst/>
-    <dgm:txFillClrLst meth="repeat">
-      <a:schemeClr val="tx1"/>
-    </dgm:txFillClrLst>
-    <dgm:txEffectClrLst/>
-  </dgm:styleLbl>
-  <dgm:styleLbl name="callout">
-    <dgm:fillClrLst meth="repeat">
-      <a:schemeClr val="accent1"/>
-    </dgm:fillClrLst>
-    <dgm:linClrLst meth="repeat">
-      <a:schemeClr val="accent1">
-        <a:tint val="50000"/>
-      </a:schemeClr>
-    </dgm:linClrLst>
-    <dgm:effectClrLst/>
-    <dgm:txLinClrLst/>
-    <dgm:txFillClrLst meth="repeat">
-      <a:schemeClr val="tx1"/>
-    </dgm:txFillClrLst>
-    <dgm:txEffectClrLst/>
-  </dgm:styleLbl>
-  <dgm:styleLbl name="asst0">
-    <dgm:fillClrLst meth="repeat">
-      <a:schemeClr val="accent1"/>
-    </dgm:fillClrLst>
-    <dgm:linClrLst meth="repeat">
-      <a:schemeClr val="lt1"/>
-    </dgm:linClrLst>
-    <dgm:effectClrLst/>
-    <dgm:txLinClrLst/>
-    <dgm:txFillClrLst/>
-    <dgm:txEffectClrLst/>
-  </dgm:styleLbl>
-  <dgm:styleLbl name="asst1">
-    <dgm:fillClrLst meth="repeat">
-      <a:schemeClr val="accent1"/>
-    </dgm:fillClrLst>
-    <dgm:linClrLst meth="repeat">
-      <a:schemeClr val="lt1"/>
-    </dgm:linClrLst>
-    <dgm:effectClrLst/>
-    <dgm:txLinClrLst/>
-    <dgm:txFillClrLst/>
-    <dgm:txEffectClrLst/>
-  </dgm:styleLbl>
-  <dgm:styleLbl name="asst2">
-    <dgm:fillClrLst meth="repeat">
-      <a:schemeClr val="accent1"/>
-    </dgm:fillClrLst>
-    <dgm:linClrLst meth="repeat">
-      <a:schemeClr val="lt1"/>
-    </dgm:linClrLst>
-    <dgm:effectClrLst/>
-    <dgm:txLinClrLst/>
-    <dgm:txFillClrLst/>
-    <dgm:txEffectClrLst/>
-  </dgm:styleLbl>
-  <dgm:styleLbl name="asst3">
-    <dgm:fillClrLst meth="repeat">
-      <a:schemeClr val="accent1"/>
-    </dgm:fillClrLst>
-    <dgm:linClrLst meth="repeat">
-      <a:schemeClr val="lt1"/>
-    </dgm:linClrLst>
-    <dgm:effectClrLst/>
-    <dgm:txLinClrLst/>
-    <dgm:txFillClrLst/>
-    <dgm:txEffectClrLst/>
-  </dgm:styleLbl>
-  <dgm:styleLbl name="asst4">
-    <dgm:fillClrLst meth="repeat">
-      <a:schemeClr val="accent1"/>
-    </dgm:fillClrLst>
-    <dgm:linClrLst meth="repeat">
-      <a:schemeClr val="lt1"/>
-    </dgm:linClrLst>
-    <dgm:effectClrLst/>
-    <dgm:txLinClrLst/>
-    <dgm:txFillClrLst/>
-    <dgm:txEffectClrLst/>
-  </dgm:styleLbl>
-  <dgm:styleLbl name="parChTrans2D1">
-    <dgm:fillClrLst meth="repeat">
-      <a:schemeClr val="accent1">
-        <a:tint val="60000"/>
-      </a:schemeClr>
-    </dgm:fillClrLst>
-    <dgm:linClrLst meth="repeat">
-      <a:schemeClr val="accent1">
-        <a:tint val="60000"/>
-      </a:schemeClr>
-    </dgm:linClrLst>
-    <dgm:effectClrLst/>
-    <dgm:txLinClrLst/>
-    <dgm:txFillClrLst meth="repeat">
-      <a:schemeClr val="lt1"/>
-    </dgm:txFillClrLst>
-    <dgm:txEffectClrLst/>
-  </dgm:styleLbl>
-  <dgm:styleLbl name="parChTrans2D2">
-    <dgm:fillClrLst meth="repeat">
-      <a:schemeClr val="accent1"/>
-    </dgm:fillClrLst>
-    <dgm:linClrLst meth="repeat">
-      <a:schemeClr val="accent1"/>
-    </dgm:linClrLst>
-    <dgm:effectClrLst/>
-    <dgm:txLinClrLst/>
-    <dgm:txFillClrLst meth="repeat">
-      <a:schemeClr val="lt1"/>
-    </dgm:txFillClrLst>
-    <dgm:txEffectClrLst/>
-  </dgm:styleLbl>
-  <dgm:styleLbl name="parChTrans2D3">
-    <dgm:fillClrLst meth="repeat">
-      <a:schemeClr val="accent1"/>
-    </dgm:fillClrLst>
-    <dgm:linClrLst meth="repeat">
-      <a:schemeClr val="accent1"/>
-    </dgm:linClrLst>
-    <dgm:effectClrLst/>
-    <dgm:txLinClrLst/>
-    <dgm:txFillClrLst meth="repeat">
-      <a:schemeClr val="lt1"/>
-    </dgm:txFillClrLst>
-    <dgm:txEffectClrLst/>
-  </dgm:styleLbl>
-  <dgm:styleLbl name="parChTrans2D4">
-    <dgm:fillClrLst meth="repeat">
-      <a:schemeClr val="accent1"/>
-    </dgm:fillClrLst>
-    <dgm:linClrLst meth="repeat">
-      <a:schemeClr val="accent1"/>
-    </dgm:linClrLst>
-    <dgm:effectClrLst/>
-    <dgm:txLinClrLst/>
-    <dgm:txFillClrLst meth="repeat">
-      <a:schemeClr val="lt1"/>
-    </dgm:txFillClrLst>
-    <dgm:txEffectClrLst/>
-  </dgm:styleLbl>
-  <dgm:styleLbl name="parChTrans1D1">
-    <dgm:fillClrLst meth="repeat">
-      <a:schemeClr val="accent1"/>
-    </dgm:fillClrLst>
-    <dgm:linClrLst meth="repeat">
-      <a:schemeClr val="accent1">
-        <a:shade val="60000"/>
-      </a:schemeClr>
-    </dgm:linClrLst>
-    <dgm:effectClrLst/>
-    <dgm:txLinClrLst/>
-    <dgm:txFillClrLst meth="repeat">
-      <a:schemeClr val="tx1"/>
-    </dgm:txFillClrLst>
-    <dgm:txEffectClrLst/>
-  </dgm:styleLbl>
-  <dgm:styleLbl name="parChTrans1D2">
-    <dgm:fillClrLst meth="repeat">
-      <a:schemeClr val="accent1"/>
-    </dgm:fillClrLst>
-    <dgm:linClrLst meth="repeat">
-      <a:schemeClr val="accent1">
-        <a:shade val="60000"/>
-      </a:schemeClr>
-    </dgm:linClrLst>
-    <dgm:effectClrLst/>
-    <dgm:txLinClrLst/>
-    <dgm:txFillClrLst meth="repeat">
-      <a:schemeClr val="tx1"/>
-    </dgm:txFillClrLst>
-    <dgm:txEffectClrLst/>
-  </dgm:styleLbl>
-  <dgm:styleLbl name="parChTrans1D3">
-    <dgm:fillClrLst meth="repeat">
-      <a:schemeClr val="accent1"/>
-    </dgm:fillClrLst>
-    <dgm:linClrLst meth="repeat">
-      <a:schemeClr val="accent1">
-        <a:shade val="80000"/>
-      </a:schemeClr>
-    </dgm:linClrLst>
-    <dgm:effectClrLst/>
-    <dgm:txLinClrLst/>
-    <dgm:txFillClrLst meth="repeat">
-      <a:schemeClr val="tx1"/>
-    </dgm:txFillClrLst>
-    <dgm:txEffectClrLst/>
-  </dgm:styleLbl>
-  <dgm:styleLbl name="parChTrans1D4">
-    <dgm:fillClrLst meth="repeat">
-      <a:schemeClr val="accent1"/>
-    </dgm:fillClrLst>
-    <dgm:linClrLst meth="repeat">
-      <a:schemeClr val="accent1">
-        <a:shade val="80000"/>
-      </a:schemeClr>
-    </dgm:linClrLst>
-    <dgm:effectClrLst/>
-    <dgm:txLinClrLst/>
-    <dgm:txFillClrLst meth="repeat">
-      <a:schemeClr val="tx1"/>
-    </dgm:txFillClrLst>
-    <dgm:txEffectClrLst/>
-  </dgm:styleLbl>
-  <dgm:styleLbl name="fgAcc1">
-    <dgm:fillClrLst meth="repeat">
-      <a:schemeClr val="lt1">
-        <a:alpha val="90000"/>
-      </a:schemeClr>
-    </dgm:fillClrLst>
-    <dgm:linClrLst meth="repeat">
-      <a:schemeClr val="accent1"/>
-    </dgm:linClrLst>
-    <dgm:effectClrLst/>
-    <dgm:txLinClrLst/>
-    <dgm:txFillClrLst meth="repeat">
-      <a:schemeClr val="dk1"/>
-    </dgm:txFillClrLst>
-    <dgm:txEffectClrLst/>
-  </dgm:styleLbl>
-  <dgm:styleLbl name="conFgAcc1">
-    <dgm:fillClrLst meth="repeat">
-      <a:schemeClr val="lt1">
-        <a:alpha val="90000"/>
-      </a:schemeClr>
-    </dgm:fillClrLst>
-    <dgm:linClrLst meth="repeat">
-      <a:schemeClr val="accent1"/>
-    </dgm:linClrLst>
-    <dgm:effectClrLst/>
-    <dgm:txLinClrLst/>
-    <dgm:txFillClrLst meth="repeat">
-      <a:schemeClr val="dk1"/>
-    </dgm:txFillClrLst>
-    <dgm:txEffectClrLst/>
-  </dgm:styleLbl>
-  <dgm:styleLbl name="alignAcc1">
-    <dgm:fillClrLst meth="repeat">
-      <a:schemeClr val="lt1">
-        <a:alpha val="90000"/>
-      </a:schemeClr>
-    </dgm:fillClrLst>
-    <dgm:linClrLst meth="repeat">
-      <a:schemeClr val="accent1"/>
-    </dgm:linClrLst>
-    <dgm:effectClrLst/>
-    <dgm:txLinClrLst/>
-    <dgm:txFillClrLst meth="repeat">
-      <a:schemeClr val="dk1"/>
-    </dgm:txFillClrLst>
-    <dgm:txEffectClrLst/>
-  </dgm:styleLbl>
-  <dgm:styleLbl name="trAlignAcc1">
-    <dgm:fillClrLst meth="repeat">
-      <a:schemeClr val="lt1">
-        <a:alpha val="40000"/>
-      </a:schemeClr>
-    </dgm:fillClrLst>
-    <dgm:linClrLst meth="repeat">
-      <a:schemeClr val="accent1"/>
-    </dgm:linClrLst>
-    <dgm:effectClrLst/>
-    <dgm:txLinClrLst/>
-    <dgm:txFillClrLst meth="repeat">
-      <a:schemeClr val="dk1"/>
-    </dgm:txFillClrLst>
-    <dgm:txEffectClrLst/>
-  </dgm:styleLbl>
-  <dgm:styleLbl name="bgAcc1">
-    <dgm:fillClrLst meth="repeat">
-      <a:schemeClr val="lt1">
-        <a:alpha val="90000"/>
-      </a:schemeClr>
-    </dgm:fillClrLst>
-    <dgm:linClrLst meth="repeat">
-      <a:schemeClr val="accent1"/>
-    </dgm:linClrLst>
-    <dgm:effectClrLst/>
-    <dgm:txLinClrLst/>
-    <dgm:txFillClrLst meth="repeat">
-      <a:schemeClr val="dk1"/>
-    </dgm:txFillClrLst>
-    <dgm:txEffectClrLst/>
-  </dgm:styleLbl>
-  <dgm:styleLbl name="solidFgAcc1">
-    <dgm:fillClrLst meth="repeat">
-      <a:schemeClr val="lt1"/>
-    </dgm:fillClrLst>
-    <dgm:linClrLst meth="repeat">
-      <a:schemeClr val="accent1"/>
-    </dgm:linClrLst>
-    <dgm:effectClrLst/>
-    <dgm:txLinClrLst/>
-    <dgm:txFillClrLst meth="repeat">
-      <a:schemeClr val="dk1"/>
-    </dgm:txFillClrLst>
-    <dgm:txEffectClrLst/>
-  </dgm:styleLbl>
-  <dgm:styleLbl name="solidAlignAcc1">
-    <dgm:fillClrLst meth="repeat">
-      <a:schemeClr val="lt1"/>
-    </dgm:fillClrLst>
-    <dgm:linClrLst meth="repeat">
-      <a:schemeClr val="accent1"/>
-    </dgm:linClrLst>
-    <dgm:effectClrLst/>
-    <dgm:txLinClrLst/>
-    <dgm:txFillClrLst meth="repeat">
-      <a:schemeClr val="dk1"/>
-    </dgm:txFillClrLst>
-    <dgm:txEffectClrLst/>
-  </dgm:styleLbl>
-  <dgm:styleLbl name="solidBgAcc1">
-    <dgm:fillClrLst meth="repeat">
-      <a:schemeClr val="lt1"/>
-    </dgm:fillClrLst>
-    <dgm:linClrLst meth="repeat">
-      <a:schemeClr val="accent1"/>
-    </dgm:linClrLst>
-    <dgm:effectClrLst/>
-    <dgm:txLinClrLst/>
-    <dgm:txFillClrLst meth="repeat">
-      <a:schemeClr val="dk1"/>
-    </dgm:txFillClrLst>
-    <dgm:txEffectClrLst/>
-  </dgm:styleLbl>
-  <dgm:styleLbl name="fgAccFollowNode1">
-    <dgm:fillClrLst meth="repeat">
-      <a:schemeClr val="accent1">
-        <a:alpha val="90000"/>
-        <a:tint val="40000"/>
-      </a:schemeClr>
-    </dgm:fillClrLst>
-    <dgm:linClrLst meth="repeat">
-      <a:schemeClr val="accent1">
-        <a:alpha val="90000"/>
-        <a:tint val="40000"/>
-      </a:schemeClr>
-    </dgm:linClrLst>
-    <dgm:effectClrLst/>
-    <dgm:txLinClrLst/>
-    <dgm:txFillClrLst meth="repeat">
-      <a:schemeClr val="dk1"/>
-    </dgm:txFillClrLst>
-    <dgm:txEffectClrLst/>
-  </dgm:styleLbl>
-  <dgm:styleLbl name="alignAccFollowNode1">
-    <dgm:fillClrLst meth="repeat">
-      <a:schemeClr val="accent1">
-        <a:alpha val="90000"/>
-        <a:tint val="40000"/>
-      </a:schemeClr>
-    </dgm:fillClrLst>
-    <dgm:linClrLst meth="repeat">
-      <a:schemeClr val="accent1">
-        <a:alpha val="90000"/>
-        <a:tint val="40000"/>
-      </a:schemeClr>
-    </dgm:linClrLst>
-    <dgm:effectClrLst/>
-    <dgm:txLinClrLst/>
-    <dgm:txFillClrLst meth="repeat">
-      <a:schemeClr val="dk1"/>
-    </dgm:txFillClrLst>
-    <dgm:txEffectClrLst/>
-  </dgm:styleLbl>
-  <dgm:styleLbl name="bgAccFollowNode1">
-    <dgm:fillClrLst meth="repeat">
-      <a:schemeClr val="accent1">
-        <a:alpha val="90000"/>
-        <a:tint val="40000"/>
-      </a:schemeClr>
-    </dgm:fillClrLst>
-    <dgm:linClrLst meth="repeat">
-      <a:schemeClr val="accent1">
-        <a:alpha val="90000"/>
-        <a:tint val="40000"/>
-      </a:schemeClr>
-    </dgm:linClrLst>
-    <dgm:effectClrLst/>
-    <dgm:txLinClrLst/>
-    <dgm:txFillClrLst meth="repeat">
-      <a:schemeClr val="dk1"/>
-    </dgm:txFillClrLst>
-    <dgm:txEffectClrLst/>
-  </dgm:styleLbl>
-  <dgm:styleLbl name="fgAcc0">
-    <dgm:fillClrLst meth="repeat">
-      <a:schemeClr val="lt1">
-        <a:alpha val="90000"/>
-      </a:schemeClr>
-    </dgm:fillClrLst>
-    <dgm:linClrLst meth="repeat">
-      <a:schemeClr val="accent1"/>
-    </dgm:linClrLst>
-    <dgm:effectClrLst/>
-    <dgm:txLinClrLst/>
-    <dgm:txFillClrLst meth="repeat">
-      <a:schemeClr val="dk1"/>
-    </dgm:txFillClrLst>
-    <dgm:txEffectClrLst/>
-  </dgm:styleLbl>
-  <dgm:styleLbl name="fgAcc2">
-    <dgm:fillClrLst meth="repeat">
-      <a:schemeClr val="lt1">
-        <a:alpha val="90000"/>
-      </a:schemeClr>
-    </dgm:fillClrLst>
-    <dgm:linClrLst meth="repeat">
-      <a:schemeClr val="accent1"/>
-    </dgm:linClrLst>
-    <dgm:effectClrLst/>
-    <dgm:txLinClrLst/>
-    <dgm:txFillClrLst meth="repeat">
-      <a:schemeClr val="dk1"/>
-    </dgm:txFillClrLst>
-    <dgm:txEffectClrLst/>
-  </dgm:styleLbl>
-  <dgm:styleLbl name="fgAcc3">
-    <dgm:fillClrLst meth="repeat">
-      <a:schemeClr val="lt1">
-        <a:alpha val="90000"/>
-      </a:schemeClr>
-    </dgm:fillClrLst>
-    <dgm:linClrLst meth="repeat">
-      <a:schemeClr val="accent1"/>
-    </dgm:linClrLst>
-    <dgm:effectClrLst/>
-    <dgm:txLinClrLst/>
-    <dgm:txFillClrLst meth="repeat">
-      <a:schemeClr val="dk1"/>
-    </dgm:txFillClrLst>
-    <dgm:txEffectClrLst/>
-  </dgm:styleLbl>
-  <dgm:styleLbl name="fgAcc4">
-    <dgm:fillClrLst meth="repeat">
-      <a:schemeClr val="lt1">
-        <a:alpha val="90000"/>
-      </a:schemeClr>
-    </dgm:fillClrLst>
-    <dgm:linClrLst meth="repeat">
-      <a:schemeClr val="accent1"/>
-    </dgm:linClrLst>
-    <dgm:effectClrLst/>
-    <dgm:txLinClrLst/>
-    <dgm:txFillClrLst meth="repeat">
-      <a:schemeClr val="dk1"/>
-    </dgm:txFillClrLst>
-    <dgm:txEffectClrLst/>
-  </dgm:styleLbl>
-  <dgm:styleLbl name="bgShp">
-    <dgm:fillClrLst meth="repeat">
-      <a:schemeClr val="accent1">
-        <a:tint val="40000"/>
-      </a:schemeClr>
-    </dgm:fillClrLst>
-    <dgm:linClrLst meth="repeat">
-      <a:schemeClr val="accent1"/>
-    </dgm:linClrLst>
-    <dgm:effectClrLst/>
-    <dgm:txLinClrLst/>
-    <dgm:txFillClrLst meth="repeat">
-      <a:schemeClr val="dk1"/>
-    </dgm:txFillClrLst>
-    <dgm:txEffectClrLst/>
-  </dgm:styleLbl>
-  <dgm:styleLbl name="dkBgShp">
-    <dgm:fillClrLst meth="repeat">
-      <a:schemeClr val="accent1">
-        <a:shade val="80000"/>
-      </a:schemeClr>
-    </dgm:fillClrLst>
-    <dgm:linClrLst meth="repeat">
-      <a:schemeClr val="accent1"/>
-    </dgm:linClrLst>
-    <dgm:effectClrLst/>
-    <dgm:txLinClrLst/>
-    <dgm:txFillClrLst meth="repeat">
-      <a:schemeClr val="lt1"/>
-    </dgm:txFillClrLst>
-    <dgm:txEffectClrLst/>
-  </dgm:styleLbl>
-  <dgm:styleLbl name="trBgShp">
-    <dgm:fillClrLst meth="repeat">
-      <a:schemeClr val="accent1">
-        <a:tint val="50000"/>
-        <a:alpha val="40000"/>
-      </a:schemeClr>
-    </dgm:fillClrLst>
-    <dgm:linClrLst meth="repeat">
-      <a:schemeClr val="accent1"/>
-    </dgm:linClrLst>
-    <dgm:effectClrLst/>
-    <dgm:txLinClrLst/>
-    <dgm:txFillClrLst meth="repeat">
-      <a:schemeClr val="lt1"/>
-    </dgm:txFillClrLst>
-    <dgm:txEffectClrLst/>
-  </dgm:styleLbl>
-  <dgm:styleLbl name="fgShp">
-    <dgm:fillClrLst meth="repeat">
-      <a:schemeClr val="accent1">
-        <a:tint val="60000"/>
-      </a:schemeClr>
-    </dgm:fillClrLst>
-    <dgm:linClrLst meth="repeat">
-      <a:schemeClr val="lt1"/>
-    </dgm:linClrLst>
-    <dgm:effectClrLst/>
-    <dgm:txLinClrLst/>
-    <dgm:txFillClrLst meth="repeat">
-      <a:schemeClr val="dk1"/>
-    </dgm:txFillClrLst>
-    <dgm:txEffectClrLst/>
-  </dgm:styleLbl>
-  <dgm:styleLbl name="revTx">
-    <dgm:fillClrLst meth="repeat">
-      <a:schemeClr val="lt1">
-        <a:alpha val="0"/>
-      </a:schemeClr>
-    </dgm:fillClrLst>
-    <dgm:linClrLst meth="repeat">
-      <a:schemeClr val="dk1">
-        <a:alpha val="0"/>
-      </a:schemeClr>
-    </dgm:linClrLst>
-    <dgm:effectClrLst/>
-    <dgm:txLinClrLst/>
-    <dgm:txFillClrLst meth="repeat">
-      <a:schemeClr val="tx1"/>
-    </dgm:txFillClrLst>
-    <dgm:txEffectClrLst/>
-  </dgm:styleLbl>
-</dgm:colorsDef>
+<file path=ppt/comments/comment1.xml><?xml version="1.0" encoding="utf-8"?>
+<p:cmLst xmlns:a="http://schemas.openxmlformats.org/drawingml/2006/main" xmlns:r="http://schemas.openxmlformats.org/officeDocument/2006/relationships" xmlns:p="http://schemas.openxmlformats.org/presentationml/2006/main">
+  <p:cm authorId="2" dt="2021-09-06T16:27:29.303" idx="1">
+    <p:pos x="10" y="10"/>
+    <p:text/>
+    <p:extLst>
+      <p:ext uri="{C676402C-5697-4E1C-873F-D02D1690AC5C}">
+        <p15:threadingInfo xmlns:p15="http://schemas.microsoft.com/office/powerpoint/2012/main" timeZoneBias="-540"/>
+      </p:ext>
+    </p:extLst>
+  </p:cm>
+</p:cmLst>
 </file>
 
-<file path=ppt/diagrams/colors2.xml><?xml version="1.0" encoding="utf-8"?>
+<file path=ppt/diagrams/colors1.xml><?xml version="1.0" encoding="utf-8"?>
 <dgm:colorsDef xmlns:dgm="http://schemas.openxmlformats.org/drawingml/2006/diagram" xmlns:a="http://schemas.openxmlformats.org/drawingml/2006/main" uniqueId="urn:microsoft.com/office/officeart/2005/8/colors/accent1_2">
   <dgm:title val=""/>
   <dgm:desc val=""/>
@@ -1671,666 +944,6 @@
           <a:pPr latinLnBrk="1"/>
           <a:r>
             <a:rPr lang="ko-KR" altLang="en-US" sz="2000" b="1" dirty="0"/>
-            <a:t>개요</a:t>
-          </a:r>
-        </a:p>
-      </dgm:t>
-    </dgm:pt>
-    <dgm:pt modelId="{2A7C9E93-EB2E-4231-8DA7-1E640460AB28}" type="parTrans" cxnId="{37352D5D-983C-4B8E-B80F-BF9AB47A236D}">
-      <dgm:prSet/>
-      <dgm:spPr/>
-      <dgm:t>
-        <a:bodyPr/>
-        <a:lstStyle/>
-        <a:p>
-          <a:pPr latinLnBrk="1"/>
-          <a:endParaRPr lang="ko-KR" altLang="en-US"/>
-        </a:p>
-      </dgm:t>
-    </dgm:pt>
-    <dgm:pt modelId="{1F8783D3-8D2F-4F76-AF1C-25D324BD0D03}" type="sibTrans" cxnId="{37352D5D-983C-4B8E-B80F-BF9AB47A236D}">
-      <dgm:prSet/>
-      <dgm:spPr/>
-      <dgm:t>
-        <a:bodyPr/>
-        <a:lstStyle/>
-        <a:p>
-          <a:pPr latinLnBrk="1"/>
-          <a:endParaRPr lang="ko-KR" altLang="en-US"/>
-        </a:p>
-      </dgm:t>
-    </dgm:pt>
-    <dgm:pt modelId="{28926570-D9F9-446E-A6FE-D0A1CA8563C3}">
-      <dgm:prSet phldrT="[텍스트]" custT="1"/>
-      <dgm:spPr/>
-      <dgm:t>
-        <a:bodyPr/>
-        <a:lstStyle/>
-        <a:p>
-          <a:pPr latinLnBrk="1"/>
-          <a:r>
-            <a:rPr lang="ko-KR" altLang="en-US" sz="1100" b="1" dirty="0">
-              <a:solidFill>
-                <a:srgbClr val="2AB9C7"/>
-              </a:solidFill>
-              <a:latin typeface="+mn-lt"/>
-            </a:rPr>
-            <a:t>사이트명 </a:t>
-          </a:r>
-          <a:r>
-            <a:rPr lang="en-US" altLang="ko-KR" sz="1100" b="0" dirty="0">
-              <a:solidFill>
-                <a:schemeClr val="tx1">
-                  <a:lumMod val="75000"/>
-                  <a:lumOff val="25000"/>
-                </a:schemeClr>
-              </a:solidFill>
-              <a:latin typeface="+mn-lt"/>
-            </a:rPr>
-            <a:t>: </a:t>
-          </a:r>
-          <a:endParaRPr lang="ko-KR" altLang="en-US" sz="1100" b="0" dirty="0">
-            <a:solidFill>
-              <a:schemeClr val="tx1">
-                <a:lumMod val="75000"/>
-                <a:lumOff val="25000"/>
-              </a:schemeClr>
-            </a:solidFill>
-            <a:latin typeface="+mn-lt"/>
-          </a:endParaRPr>
-        </a:p>
-      </dgm:t>
-    </dgm:pt>
-    <dgm:pt modelId="{942DBD04-AC7E-49A2-A4AA-B91B3D259276}" type="parTrans" cxnId="{61F8C9C8-B2C0-4C9A-983D-2EACECA974A2}">
-      <dgm:prSet/>
-      <dgm:spPr/>
-      <dgm:t>
-        <a:bodyPr/>
-        <a:lstStyle/>
-        <a:p>
-          <a:pPr latinLnBrk="1"/>
-          <a:endParaRPr lang="ko-KR" altLang="en-US"/>
-        </a:p>
-      </dgm:t>
-    </dgm:pt>
-    <dgm:pt modelId="{A3E5F99B-F69F-4C7A-97B1-7D804234C214}" type="sibTrans" cxnId="{61F8C9C8-B2C0-4C9A-983D-2EACECA974A2}">
-      <dgm:prSet/>
-      <dgm:spPr/>
-      <dgm:t>
-        <a:bodyPr/>
-        <a:lstStyle/>
-        <a:p>
-          <a:pPr latinLnBrk="1"/>
-          <a:endParaRPr lang="ko-KR" altLang="en-US"/>
-        </a:p>
-      </dgm:t>
-    </dgm:pt>
-    <dgm:pt modelId="{711F28F9-5C6A-452F-B6B7-51D365DA9BE5}">
-      <dgm:prSet phldrT="[텍스트]" custT="1"/>
-      <dgm:spPr/>
-      <dgm:t>
-        <a:bodyPr/>
-        <a:lstStyle/>
-        <a:p>
-          <a:pPr latinLnBrk="1"/>
-          <a:r>
-            <a:rPr lang="ko-KR" altLang="en-US" sz="1100" b="1" dirty="0">
-              <a:solidFill>
-                <a:srgbClr val="2AB9C7"/>
-              </a:solidFill>
-              <a:latin typeface="+mn-lt"/>
-            </a:rPr>
-            <a:t>웹페이지 주소</a:t>
-          </a:r>
-          <a:r>
-            <a:rPr lang="ko-KR" altLang="en-US" sz="1100" b="0" dirty="0">
-              <a:solidFill>
-                <a:schemeClr val="tx1">
-                  <a:lumMod val="85000"/>
-                  <a:lumOff val="15000"/>
-                </a:schemeClr>
-              </a:solidFill>
-              <a:latin typeface="+mn-lt"/>
-            </a:rPr>
-            <a:t> </a:t>
-          </a:r>
-          <a:r>
-            <a:rPr lang="en-US" altLang="ko-KR" sz="1100" b="0" dirty="0">
-              <a:solidFill>
-                <a:schemeClr val="tx1">
-                  <a:lumMod val="75000"/>
-                  <a:lumOff val="25000"/>
-                </a:schemeClr>
-              </a:solidFill>
-              <a:latin typeface="+mn-lt"/>
-            </a:rPr>
-            <a:t>: </a:t>
-          </a:r>
-          <a:endParaRPr lang="ko-KR" altLang="en-US" sz="1100" b="0" dirty="0">
-            <a:solidFill>
-              <a:schemeClr val="tx1">
-                <a:lumMod val="75000"/>
-                <a:lumOff val="25000"/>
-              </a:schemeClr>
-            </a:solidFill>
-            <a:latin typeface="+mn-lt"/>
-          </a:endParaRPr>
-        </a:p>
-      </dgm:t>
-    </dgm:pt>
-    <dgm:pt modelId="{E6BBB757-E182-4A7C-AD73-090A29D9DC9D}" type="parTrans" cxnId="{49AF6182-1BA8-42FA-B606-39E71ECC384D}">
-      <dgm:prSet/>
-      <dgm:spPr/>
-      <dgm:t>
-        <a:bodyPr/>
-        <a:lstStyle/>
-        <a:p>
-          <a:pPr latinLnBrk="1"/>
-          <a:endParaRPr lang="ko-KR" altLang="en-US"/>
-        </a:p>
-      </dgm:t>
-    </dgm:pt>
-    <dgm:pt modelId="{CA49FA52-5989-4E9B-96E7-82AB9DAC88EC}" type="sibTrans" cxnId="{49AF6182-1BA8-42FA-B606-39E71ECC384D}">
-      <dgm:prSet/>
-      <dgm:spPr/>
-      <dgm:t>
-        <a:bodyPr/>
-        <a:lstStyle/>
-        <a:p>
-          <a:pPr latinLnBrk="1"/>
-          <a:endParaRPr lang="ko-KR" altLang="en-US"/>
-        </a:p>
-      </dgm:t>
-    </dgm:pt>
-    <dgm:pt modelId="{36EE2512-896A-411B-8C18-A9209D8B8486}">
-      <dgm:prSet phldrT="[텍스트]" custT="1"/>
-      <dgm:spPr/>
-      <dgm:t>
-        <a:bodyPr/>
-        <a:lstStyle/>
-        <a:p>
-          <a:pPr latinLnBrk="1"/>
-          <a:r>
-            <a:rPr lang="ko-KR" altLang="en-US" sz="1100" b="1" dirty="0">
-              <a:solidFill>
-                <a:srgbClr val="2AB9C7"/>
-              </a:solidFill>
-              <a:latin typeface="+mn-lt"/>
-            </a:rPr>
-            <a:t>주요 서비스</a:t>
-          </a:r>
-          <a:r>
-            <a:rPr lang="en-US" altLang="ko-KR" sz="1100" b="1" dirty="0">
-              <a:solidFill>
-                <a:srgbClr val="2AB9C7"/>
-              </a:solidFill>
-              <a:latin typeface="+mn-lt"/>
-            </a:rPr>
-            <a:t>/</a:t>
-          </a:r>
-          <a:r>
-            <a:rPr lang="ko-KR" altLang="en-US" sz="1100" b="1" dirty="0">
-              <a:solidFill>
-                <a:srgbClr val="2AB9C7"/>
-              </a:solidFill>
-              <a:latin typeface="+mn-lt"/>
-            </a:rPr>
-            <a:t>품목 </a:t>
-          </a:r>
-          <a:r>
-            <a:rPr lang="en-US" altLang="ko-KR" sz="1100" b="0" dirty="0">
-              <a:solidFill>
-                <a:schemeClr val="tx1">
-                  <a:lumMod val="75000"/>
-                  <a:lumOff val="25000"/>
-                </a:schemeClr>
-              </a:solidFill>
-              <a:latin typeface="+mn-lt"/>
-            </a:rPr>
-            <a:t>: </a:t>
-          </a:r>
-          <a:endParaRPr lang="ko-KR" altLang="en-US" sz="1100" b="0" dirty="0">
-            <a:solidFill>
-              <a:schemeClr val="tx1">
-                <a:lumMod val="75000"/>
-                <a:lumOff val="25000"/>
-              </a:schemeClr>
-            </a:solidFill>
-            <a:latin typeface="+mn-lt"/>
-          </a:endParaRPr>
-        </a:p>
-      </dgm:t>
-    </dgm:pt>
-    <dgm:pt modelId="{D2A8114D-A229-4172-974F-0B46CE7FB202}" type="parTrans" cxnId="{3864695B-4312-42AD-B616-2BEF5E8E430C}">
-      <dgm:prSet/>
-      <dgm:spPr/>
-      <dgm:t>
-        <a:bodyPr/>
-        <a:lstStyle/>
-        <a:p>
-          <a:pPr latinLnBrk="1"/>
-          <a:endParaRPr lang="ko-KR" altLang="en-US"/>
-        </a:p>
-      </dgm:t>
-    </dgm:pt>
-    <dgm:pt modelId="{FA1528B4-2ECC-4930-9E81-09442B71C991}" type="sibTrans" cxnId="{3864695B-4312-42AD-B616-2BEF5E8E430C}">
-      <dgm:prSet/>
-      <dgm:spPr/>
-      <dgm:t>
-        <a:bodyPr/>
-        <a:lstStyle/>
-        <a:p>
-          <a:pPr latinLnBrk="1"/>
-          <a:endParaRPr lang="ko-KR" altLang="en-US"/>
-        </a:p>
-      </dgm:t>
-    </dgm:pt>
-    <dgm:pt modelId="{48B20F56-5579-43A5-B7FC-B6921DBCF66B}">
-      <dgm:prSet phldrT="[텍스트]" custT="1"/>
-      <dgm:spPr/>
-      <dgm:t>
-        <a:bodyPr/>
-        <a:lstStyle/>
-        <a:p>
-          <a:pPr latinLnBrk="1"/>
-          <a:r>
-            <a:rPr lang="ko-KR" altLang="en-US" sz="1100" b="1" dirty="0">
-              <a:solidFill>
-                <a:srgbClr val="2AB9C7"/>
-              </a:solidFill>
-              <a:latin typeface="+mn-lt"/>
-            </a:rPr>
-            <a:t>서비스 대상</a:t>
-          </a:r>
-          <a:r>
-            <a:rPr lang="en-US" altLang="ko-KR" sz="1100" b="1" dirty="0">
-              <a:solidFill>
-                <a:srgbClr val="2AB9C7"/>
-              </a:solidFill>
-              <a:latin typeface="+mn-lt"/>
-            </a:rPr>
-            <a:t>/ </a:t>
-          </a:r>
-          <a:r>
-            <a:rPr lang="ko-KR" altLang="en-US" sz="1100" b="1" dirty="0">
-              <a:solidFill>
-                <a:srgbClr val="2AB9C7"/>
-              </a:solidFill>
-              <a:latin typeface="+mn-lt"/>
-            </a:rPr>
-            <a:t>타깃 </a:t>
-          </a:r>
-          <a:r>
-            <a:rPr lang="en-US" altLang="ko-KR" sz="1100" b="0" dirty="0">
-              <a:solidFill>
-                <a:schemeClr val="tx1">
-                  <a:lumMod val="75000"/>
-                  <a:lumOff val="25000"/>
-                </a:schemeClr>
-              </a:solidFill>
-              <a:latin typeface="+mn-lt"/>
-            </a:rPr>
-            <a:t>: </a:t>
-          </a:r>
-          <a:endParaRPr lang="ko-KR" altLang="en-US" sz="1100" b="0" dirty="0">
-            <a:solidFill>
-              <a:schemeClr val="tx1">
-                <a:lumMod val="75000"/>
-                <a:lumOff val="25000"/>
-              </a:schemeClr>
-            </a:solidFill>
-            <a:latin typeface="+mn-lt"/>
-          </a:endParaRPr>
-        </a:p>
-      </dgm:t>
-    </dgm:pt>
-    <dgm:pt modelId="{0D8B302B-B7A7-4DD5-B555-3AF9D3B6CEEC}" type="parTrans" cxnId="{258533EE-F705-4DF7-878C-CC0A3A2D4E72}">
-      <dgm:prSet/>
-      <dgm:spPr/>
-      <dgm:t>
-        <a:bodyPr/>
-        <a:lstStyle/>
-        <a:p>
-          <a:pPr latinLnBrk="1"/>
-          <a:endParaRPr lang="ko-KR" altLang="en-US"/>
-        </a:p>
-      </dgm:t>
-    </dgm:pt>
-    <dgm:pt modelId="{C4455AB2-5ACB-41BF-BA34-02D2ADDFBFC3}" type="sibTrans" cxnId="{258533EE-F705-4DF7-878C-CC0A3A2D4E72}">
-      <dgm:prSet/>
-      <dgm:spPr/>
-      <dgm:t>
-        <a:bodyPr/>
-        <a:lstStyle/>
-        <a:p>
-          <a:pPr latinLnBrk="1"/>
-          <a:endParaRPr lang="ko-KR" altLang="en-US"/>
-        </a:p>
-      </dgm:t>
-    </dgm:pt>
-    <dgm:pt modelId="{D60B39B7-B0FB-4F89-830B-0C40B4020BA1}">
-      <dgm:prSet phldrT="[텍스트]" custT="1"/>
-      <dgm:spPr/>
-      <dgm:t>
-        <a:bodyPr/>
-        <a:lstStyle/>
-        <a:p>
-          <a:pPr latinLnBrk="1"/>
-          <a:r>
-            <a:rPr lang="ko-KR" altLang="en-US" sz="1100" b="1" dirty="0">
-              <a:solidFill>
-                <a:srgbClr val="2AB9C7"/>
-              </a:solidFill>
-              <a:latin typeface="+mn-lt"/>
-            </a:rPr>
-            <a:t>로고 사용 규정 유</a:t>
-          </a:r>
-          <a:r>
-            <a:rPr lang="en-US" altLang="ko-KR" sz="1100" b="1" dirty="0">
-              <a:solidFill>
-                <a:srgbClr val="2AB9C7"/>
-              </a:solidFill>
-              <a:latin typeface="+mn-lt"/>
-            </a:rPr>
-            <a:t>/</a:t>
-          </a:r>
-          <a:r>
-            <a:rPr lang="ko-KR" altLang="en-US" sz="1100" b="1" dirty="0">
-              <a:solidFill>
-                <a:srgbClr val="2AB9C7"/>
-              </a:solidFill>
-              <a:latin typeface="+mn-lt"/>
-            </a:rPr>
-            <a:t>무 </a:t>
-          </a:r>
-          <a:r>
-            <a:rPr lang="en-US" altLang="ko-KR" sz="1100" b="0" dirty="0">
-              <a:solidFill>
-                <a:schemeClr val="tx1">
-                  <a:lumMod val="75000"/>
-                  <a:lumOff val="25000"/>
-                </a:schemeClr>
-              </a:solidFill>
-              <a:latin typeface="+mn-lt"/>
-            </a:rPr>
-            <a:t>:</a:t>
-          </a:r>
-          <a:endParaRPr lang="ko-KR" altLang="en-US" sz="1100" b="0" dirty="0">
-            <a:solidFill>
-              <a:schemeClr val="tx1">
-                <a:lumMod val="75000"/>
-                <a:lumOff val="25000"/>
-              </a:schemeClr>
-            </a:solidFill>
-            <a:latin typeface="+mn-lt"/>
-          </a:endParaRPr>
-        </a:p>
-      </dgm:t>
-    </dgm:pt>
-    <dgm:pt modelId="{01F7781F-9633-4B4A-A11D-678DA1172AEE}" type="parTrans" cxnId="{CDFDAC7E-671F-4D42-8E30-D8296EDBAF65}">
-      <dgm:prSet/>
-      <dgm:spPr/>
-      <dgm:t>
-        <a:bodyPr/>
-        <a:lstStyle/>
-        <a:p>
-          <a:pPr latinLnBrk="1"/>
-          <a:endParaRPr lang="ko-KR" altLang="en-US"/>
-        </a:p>
-      </dgm:t>
-    </dgm:pt>
-    <dgm:pt modelId="{EC4C1283-9338-443D-B6C7-66F9905552DC}" type="sibTrans" cxnId="{CDFDAC7E-671F-4D42-8E30-D8296EDBAF65}">
-      <dgm:prSet/>
-      <dgm:spPr/>
-      <dgm:t>
-        <a:bodyPr/>
-        <a:lstStyle/>
-        <a:p>
-          <a:pPr latinLnBrk="1"/>
-          <a:endParaRPr lang="ko-KR" altLang="en-US"/>
-        </a:p>
-      </dgm:t>
-    </dgm:pt>
-    <dgm:pt modelId="{29E70F29-69A1-4720-B9F8-A239D19F5874}" type="pres">
-      <dgm:prSet presAssocID="{78B4B756-542A-42DE-878E-77FF91FD2977}" presName="vert0" presStyleCnt="0">
-        <dgm:presLayoutVars>
-          <dgm:dir/>
-          <dgm:animOne val="branch"/>
-          <dgm:animLvl val="lvl"/>
-        </dgm:presLayoutVars>
-      </dgm:prSet>
-      <dgm:spPr/>
-    </dgm:pt>
-    <dgm:pt modelId="{BAECB982-55FA-4202-8E27-F6B6CC2287CD}" type="pres">
-      <dgm:prSet presAssocID="{D58B520D-A07B-4F94-8DF3-9C1500C899DC}" presName="thickLine" presStyleLbl="alignNode1" presStyleIdx="0" presStyleCnt="1"/>
-      <dgm:spPr/>
-    </dgm:pt>
-    <dgm:pt modelId="{174BC0FF-8CB4-4D37-954E-0E6C9CA76C9F}" type="pres">
-      <dgm:prSet presAssocID="{D58B520D-A07B-4F94-8DF3-9C1500C899DC}" presName="horz1" presStyleCnt="0"/>
-      <dgm:spPr/>
-    </dgm:pt>
-    <dgm:pt modelId="{53626961-974F-4A63-9DA8-CD56D99EE4DF}" type="pres">
-      <dgm:prSet presAssocID="{D58B520D-A07B-4F94-8DF3-9C1500C899DC}" presName="tx1" presStyleLbl="revTx" presStyleIdx="0" presStyleCnt="6"/>
-      <dgm:spPr/>
-    </dgm:pt>
-    <dgm:pt modelId="{CFF04302-6886-4386-9185-5D53F19CEF97}" type="pres">
-      <dgm:prSet presAssocID="{D58B520D-A07B-4F94-8DF3-9C1500C899DC}" presName="vert1" presStyleCnt="0"/>
-      <dgm:spPr/>
-    </dgm:pt>
-    <dgm:pt modelId="{0C885E0C-D76D-4125-B68C-CF5F010F7C54}" type="pres">
-      <dgm:prSet presAssocID="{28926570-D9F9-446E-A6FE-D0A1CA8563C3}" presName="vertSpace2a" presStyleCnt="0"/>
-      <dgm:spPr/>
-    </dgm:pt>
-    <dgm:pt modelId="{108F881B-6F84-420B-939B-AC9230DC744A}" type="pres">
-      <dgm:prSet presAssocID="{28926570-D9F9-446E-A6FE-D0A1CA8563C3}" presName="horz2" presStyleCnt="0"/>
-      <dgm:spPr/>
-    </dgm:pt>
-    <dgm:pt modelId="{6CF53078-51C0-4286-9F57-837D24110DC0}" type="pres">
-      <dgm:prSet presAssocID="{28926570-D9F9-446E-A6FE-D0A1CA8563C3}" presName="horzSpace2" presStyleCnt="0"/>
-      <dgm:spPr/>
-    </dgm:pt>
-    <dgm:pt modelId="{B292DB37-5DAC-4239-B187-DFD8D1E45EBC}" type="pres">
-      <dgm:prSet presAssocID="{28926570-D9F9-446E-A6FE-D0A1CA8563C3}" presName="tx2" presStyleLbl="revTx" presStyleIdx="1" presStyleCnt="6" custScaleY="67816"/>
-      <dgm:spPr/>
-    </dgm:pt>
-    <dgm:pt modelId="{AD57E317-9AA0-4DC4-A66B-22B937972D83}" type="pres">
-      <dgm:prSet presAssocID="{28926570-D9F9-446E-A6FE-D0A1CA8563C3}" presName="vert2" presStyleCnt="0"/>
-      <dgm:spPr/>
-    </dgm:pt>
-    <dgm:pt modelId="{4110832E-0718-476E-A490-037F526FEE32}" type="pres">
-      <dgm:prSet presAssocID="{28926570-D9F9-446E-A6FE-D0A1CA8563C3}" presName="thinLine2b" presStyleLbl="callout" presStyleIdx="0" presStyleCnt="5"/>
-      <dgm:spPr/>
-    </dgm:pt>
-    <dgm:pt modelId="{220FB411-F50B-4336-9755-D110E95B90D3}" type="pres">
-      <dgm:prSet presAssocID="{28926570-D9F9-446E-A6FE-D0A1CA8563C3}" presName="vertSpace2b" presStyleCnt="0"/>
-      <dgm:spPr/>
-    </dgm:pt>
-    <dgm:pt modelId="{2FB5E4A9-35E5-432A-97DB-F6B2A8589124}" type="pres">
-      <dgm:prSet presAssocID="{711F28F9-5C6A-452F-B6B7-51D365DA9BE5}" presName="horz2" presStyleCnt="0"/>
-      <dgm:spPr/>
-    </dgm:pt>
-    <dgm:pt modelId="{E086BACF-0701-48E3-8E89-0432DC99AE4A}" type="pres">
-      <dgm:prSet presAssocID="{711F28F9-5C6A-452F-B6B7-51D365DA9BE5}" presName="horzSpace2" presStyleCnt="0"/>
-      <dgm:spPr/>
-    </dgm:pt>
-    <dgm:pt modelId="{10968B22-FB99-41A1-9693-4805EB3AA705}" type="pres">
-      <dgm:prSet presAssocID="{711F28F9-5C6A-452F-B6B7-51D365DA9BE5}" presName="tx2" presStyleLbl="revTx" presStyleIdx="2" presStyleCnt="6" custScaleY="67816"/>
-      <dgm:spPr/>
-    </dgm:pt>
-    <dgm:pt modelId="{DB348B1C-28E3-4DE7-9791-71B6F7233EF7}" type="pres">
-      <dgm:prSet presAssocID="{711F28F9-5C6A-452F-B6B7-51D365DA9BE5}" presName="vert2" presStyleCnt="0"/>
-      <dgm:spPr/>
-    </dgm:pt>
-    <dgm:pt modelId="{AD911FAF-521A-4820-A828-D3E3718C95AE}" type="pres">
-      <dgm:prSet presAssocID="{711F28F9-5C6A-452F-B6B7-51D365DA9BE5}" presName="thinLine2b" presStyleLbl="callout" presStyleIdx="1" presStyleCnt="5"/>
-      <dgm:spPr/>
-    </dgm:pt>
-    <dgm:pt modelId="{4C5D2E02-8333-45C5-B679-ABAEA37859BF}" type="pres">
-      <dgm:prSet presAssocID="{711F28F9-5C6A-452F-B6B7-51D365DA9BE5}" presName="vertSpace2b" presStyleCnt="0"/>
-      <dgm:spPr/>
-    </dgm:pt>
-    <dgm:pt modelId="{7CA9ECD0-FF5F-4644-976E-A2853E7EF6C8}" type="pres">
-      <dgm:prSet presAssocID="{36EE2512-896A-411B-8C18-A9209D8B8486}" presName="horz2" presStyleCnt="0"/>
-      <dgm:spPr/>
-    </dgm:pt>
-    <dgm:pt modelId="{DAED7C83-48EA-479B-B2FB-7040B8E4E7BE}" type="pres">
-      <dgm:prSet presAssocID="{36EE2512-896A-411B-8C18-A9209D8B8486}" presName="horzSpace2" presStyleCnt="0"/>
-      <dgm:spPr/>
-    </dgm:pt>
-    <dgm:pt modelId="{9C8F1E3E-C216-4424-9670-DF95234C16C6}" type="pres">
-      <dgm:prSet presAssocID="{36EE2512-896A-411B-8C18-A9209D8B8486}" presName="tx2" presStyleLbl="revTx" presStyleIdx="3" presStyleCnt="6" custScaleY="67816"/>
-      <dgm:spPr/>
-    </dgm:pt>
-    <dgm:pt modelId="{C20FBA09-16C5-4ED9-B82C-AC601DAFD6F4}" type="pres">
-      <dgm:prSet presAssocID="{36EE2512-896A-411B-8C18-A9209D8B8486}" presName="vert2" presStyleCnt="0"/>
-      <dgm:spPr/>
-    </dgm:pt>
-    <dgm:pt modelId="{CF05C026-DB91-43DB-A06E-46B09EDF745D}" type="pres">
-      <dgm:prSet presAssocID="{36EE2512-896A-411B-8C18-A9209D8B8486}" presName="thinLine2b" presStyleLbl="callout" presStyleIdx="2" presStyleCnt="5"/>
-      <dgm:spPr/>
-    </dgm:pt>
-    <dgm:pt modelId="{B182119F-908D-475D-910B-CAC0587B2DA3}" type="pres">
-      <dgm:prSet presAssocID="{36EE2512-896A-411B-8C18-A9209D8B8486}" presName="vertSpace2b" presStyleCnt="0"/>
-      <dgm:spPr/>
-    </dgm:pt>
-    <dgm:pt modelId="{233B319F-D488-43E6-A3C3-53CDA4F8BF29}" type="pres">
-      <dgm:prSet presAssocID="{48B20F56-5579-43A5-B7FC-B6921DBCF66B}" presName="horz2" presStyleCnt="0"/>
-      <dgm:spPr/>
-    </dgm:pt>
-    <dgm:pt modelId="{1CC0291D-9759-43D9-B8D8-FDCAA87A37A3}" type="pres">
-      <dgm:prSet presAssocID="{48B20F56-5579-43A5-B7FC-B6921DBCF66B}" presName="horzSpace2" presStyleCnt="0"/>
-      <dgm:spPr/>
-    </dgm:pt>
-    <dgm:pt modelId="{81DFE6F8-DD24-492B-83E1-0830D2F01B2A}" type="pres">
-      <dgm:prSet presAssocID="{48B20F56-5579-43A5-B7FC-B6921DBCF66B}" presName="tx2" presStyleLbl="revTx" presStyleIdx="4" presStyleCnt="6" custScaleY="67816"/>
-      <dgm:spPr/>
-    </dgm:pt>
-    <dgm:pt modelId="{FE4C7192-2E36-4DBC-80C2-DFB3BB155973}" type="pres">
-      <dgm:prSet presAssocID="{48B20F56-5579-43A5-B7FC-B6921DBCF66B}" presName="vert2" presStyleCnt="0"/>
-      <dgm:spPr/>
-    </dgm:pt>
-    <dgm:pt modelId="{D235D982-58AD-4B15-9D8D-F549E4F32805}" type="pres">
-      <dgm:prSet presAssocID="{48B20F56-5579-43A5-B7FC-B6921DBCF66B}" presName="thinLine2b" presStyleLbl="callout" presStyleIdx="3" presStyleCnt="5"/>
-      <dgm:spPr/>
-    </dgm:pt>
-    <dgm:pt modelId="{94B64609-FE59-4DF2-8443-6E0352E6E9FC}" type="pres">
-      <dgm:prSet presAssocID="{48B20F56-5579-43A5-B7FC-B6921DBCF66B}" presName="vertSpace2b" presStyleCnt="0"/>
-      <dgm:spPr/>
-    </dgm:pt>
-    <dgm:pt modelId="{C6A0486D-F6C5-4042-80C6-61E19FC0691F}" type="pres">
-      <dgm:prSet presAssocID="{D60B39B7-B0FB-4F89-830B-0C40B4020BA1}" presName="horz2" presStyleCnt="0"/>
-      <dgm:spPr/>
-    </dgm:pt>
-    <dgm:pt modelId="{F253458C-A111-43C5-9C8B-E79F80EEFE6A}" type="pres">
-      <dgm:prSet presAssocID="{D60B39B7-B0FB-4F89-830B-0C40B4020BA1}" presName="horzSpace2" presStyleCnt="0"/>
-      <dgm:spPr/>
-    </dgm:pt>
-    <dgm:pt modelId="{4F06D6B1-2BB4-4075-A033-688B589B0B14}" type="pres">
-      <dgm:prSet presAssocID="{D60B39B7-B0FB-4F89-830B-0C40B4020BA1}" presName="tx2" presStyleLbl="revTx" presStyleIdx="5" presStyleCnt="6" custScaleY="67816"/>
-      <dgm:spPr/>
-    </dgm:pt>
-    <dgm:pt modelId="{D22D3395-A616-4309-9A8B-968F96B15176}" type="pres">
-      <dgm:prSet presAssocID="{D60B39B7-B0FB-4F89-830B-0C40B4020BA1}" presName="vert2" presStyleCnt="0"/>
-      <dgm:spPr/>
-    </dgm:pt>
-    <dgm:pt modelId="{D0A004F4-AD23-44AD-ADB5-BAD672B8AB1E}" type="pres">
-      <dgm:prSet presAssocID="{D60B39B7-B0FB-4F89-830B-0C40B4020BA1}" presName="thinLine2b" presStyleLbl="callout" presStyleIdx="4" presStyleCnt="5"/>
-      <dgm:spPr/>
-    </dgm:pt>
-    <dgm:pt modelId="{4244B347-B834-4540-896B-C1CDB75776CC}" type="pres">
-      <dgm:prSet presAssocID="{D60B39B7-B0FB-4F89-830B-0C40B4020BA1}" presName="vertSpace2b" presStyleCnt="0"/>
-      <dgm:spPr/>
-    </dgm:pt>
-  </dgm:ptLst>
-  <dgm:cxnLst>
-    <dgm:cxn modelId="{A43F6A05-69BA-4A7C-BD72-EF3B441F30B7}" type="presOf" srcId="{28926570-D9F9-446E-A6FE-D0A1CA8563C3}" destId="{B292DB37-5DAC-4239-B187-DFD8D1E45EBC}" srcOrd="0" destOrd="0" presId="urn:microsoft.com/office/officeart/2008/layout/LinedList"/>
-    <dgm:cxn modelId="{68E1D40E-3915-4387-99C4-74338A7B5837}" type="presOf" srcId="{D58B520D-A07B-4F94-8DF3-9C1500C899DC}" destId="{53626961-974F-4A63-9DA8-CD56D99EE4DF}" srcOrd="0" destOrd="0" presId="urn:microsoft.com/office/officeart/2008/layout/LinedList"/>
-    <dgm:cxn modelId="{4A04DA38-9CD6-4FAE-BEF9-DA47CD2A52B8}" type="presOf" srcId="{36EE2512-896A-411B-8C18-A9209D8B8486}" destId="{9C8F1E3E-C216-4424-9670-DF95234C16C6}" srcOrd="0" destOrd="0" presId="urn:microsoft.com/office/officeart/2008/layout/LinedList"/>
-    <dgm:cxn modelId="{3864695B-4312-42AD-B616-2BEF5E8E430C}" srcId="{D58B520D-A07B-4F94-8DF3-9C1500C899DC}" destId="{36EE2512-896A-411B-8C18-A9209D8B8486}" srcOrd="2" destOrd="0" parTransId="{D2A8114D-A229-4172-974F-0B46CE7FB202}" sibTransId="{FA1528B4-2ECC-4930-9E81-09442B71C991}"/>
-    <dgm:cxn modelId="{37352D5D-983C-4B8E-B80F-BF9AB47A236D}" srcId="{78B4B756-542A-42DE-878E-77FF91FD2977}" destId="{D58B520D-A07B-4F94-8DF3-9C1500C899DC}" srcOrd="0" destOrd="0" parTransId="{2A7C9E93-EB2E-4231-8DA7-1E640460AB28}" sibTransId="{1F8783D3-8D2F-4F76-AF1C-25D324BD0D03}"/>
-    <dgm:cxn modelId="{CDFDAC7E-671F-4D42-8E30-D8296EDBAF65}" srcId="{D58B520D-A07B-4F94-8DF3-9C1500C899DC}" destId="{D60B39B7-B0FB-4F89-830B-0C40B4020BA1}" srcOrd="4" destOrd="0" parTransId="{01F7781F-9633-4B4A-A11D-678DA1172AEE}" sibTransId="{EC4C1283-9338-443D-B6C7-66F9905552DC}"/>
-    <dgm:cxn modelId="{49AF6182-1BA8-42FA-B606-39E71ECC384D}" srcId="{D58B520D-A07B-4F94-8DF3-9C1500C899DC}" destId="{711F28F9-5C6A-452F-B6B7-51D365DA9BE5}" srcOrd="1" destOrd="0" parTransId="{E6BBB757-E182-4A7C-AD73-090A29D9DC9D}" sibTransId="{CA49FA52-5989-4E9B-96E7-82AB9DAC88EC}"/>
-    <dgm:cxn modelId="{3C44EB8B-6E96-4618-80BA-67174B98DA0A}" type="presOf" srcId="{48B20F56-5579-43A5-B7FC-B6921DBCF66B}" destId="{81DFE6F8-DD24-492B-83E1-0830D2F01B2A}" srcOrd="0" destOrd="0" presId="urn:microsoft.com/office/officeart/2008/layout/LinedList"/>
-    <dgm:cxn modelId="{61F8C9C8-B2C0-4C9A-983D-2EACECA974A2}" srcId="{D58B520D-A07B-4F94-8DF3-9C1500C899DC}" destId="{28926570-D9F9-446E-A6FE-D0A1CA8563C3}" srcOrd="0" destOrd="0" parTransId="{942DBD04-AC7E-49A2-A4AA-B91B3D259276}" sibTransId="{A3E5F99B-F69F-4C7A-97B1-7D804234C214}"/>
-    <dgm:cxn modelId="{040649DB-B7E2-40E6-B8F1-079AC4E5E770}" type="presOf" srcId="{78B4B756-542A-42DE-878E-77FF91FD2977}" destId="{29E70F29-69A1-4720-B9F8-A239D19F5874}" srcOrd="0" destOrd="0" presId="urn:microsoft.com/office/officeart/2008/layout/LinedList"/>
-    <dgm:cxn modelId="{E2F4C5E9-E815-47F5-9B07-14C10E731888}" type="presOf" srcId="{711F28F9-5C6A-452F-B6B7-51D365DA9BE5}" destId="{10968B22-FB99-41A1-9693-4805EB3AA705}" srcOrd="0" destOrd="0" presId="urn:microsoft.com/office/officeart/2008/layout/LinedList"/>
-    <dgm:cxn modelId="{258533EE-F705-4DF7-878C-CC0A3A2D4E72}" srcId="{D58B520D-A07B-4F94-8DF3-9C1500C899DC}" destId="{48B20F56-5579-43A5-B7FC-B6921DBCF66B}" srcOrd="3" destOrd="0" parTransId="{0D8B302B-B7A7-4DD5-B555-3AF9D3B6CEEC}" sibTransId="{C4455AB2-5ACB-41BF-BA34-02D2ADDFBFC3}"/>
-    <dgm:cxn modelId="{99BEB4FC-C7B0-41BD-B961-E7A774109E9F}" type="presOf" srcId="{D60B39B7-B0FB-4F89-830B-0C40B4020BA1}" destId="{4F06D6B1-2BB4-4075-A033-688B589B0B14}" srcOrd="0" destOrd="0" presId="urn:microsoft.com/office/officeart/2008/layout/LinedList"/>
-    <dgm:cxn modelId="{E802829F-B414-4F58-85D9-779B444B32C1}" type="presParOf" srcId="{29E70F29-69A1-4720-B9F8-A239D19F5874}" destId="{BAECB982-55FA-4202-8E27-F6B6CC2287CD}" srcOrd="0" destOrd="0" presId="urn:microsoft.com/office/officeart/2008/layout/LinedList"/>
-    <dgm:cxn modelId="{E6D3800E-25BB-4FC4-BAF3-A8D056ACD405}" type="presParOf" srcId="{29E70F29-69A1-4720-B9F8-A239D19F5874}" destId="{174BC0FF-8CB4-4D37-954E-0E6C9CA76C9F}" srcOrd="1" destOrd="0" presId="urn:microsoft.com/office/officeart/2008/layout/LinedList"/>
-    <dgm:cxn modelId="{F64CC9CD-A485-4F52-9E5E-1EA00C98B199}" type="presParOf" srcId="{174BC0FF-8CB4-4D37-954E-0E6C9CA76C9F}" destId="{53626961-974F-4A63-9DA8-CD56D99EE4DF}" srcOrd="0" destOrd="0" presId="urn:microsoft.com/office/officeart/2008/layout/LinedList"/>
-    <dgm:cxn modelId="{A93E3F1F-AEFB-45EC-8B30-B907D02FDD21}" type="presParOf" srcId="{174BC0FF-8CB4-4D37-954E-0E6C9CA76C9F}" destId="{CFF04302-6886-4386-9185-5D53F19CEF97}" srcOrd="1" destOrd="0" presId="urn:microsoft.com/office/officeart/2008/layout/LinedList"/>
-    <dgm:cxn modelId="{474B2D15-4033-4168-B028-CA92E66BA2C0}" type="presParOf" srcId="{CFF04302-6886-4386-9185-5D53F19CEF97}" destId="{0C885E0C-D76D-4125-B68C-CF5F010F7C54}" srcOrd="0" destOrd="0" presId="urn:microsoft.com/office/officeart/2008/layout/LinedList"/>
-    <dgm:cxn modelId="{32225969-42FC-47AF-84E3-C2890432A4CC}" type="presParOf" srcId="{CFF04302-6886-4386-9185-5D53F19CEF97}" destId="{108F881B-6F84-420B-939B-AC9230DC744A}" srcOrd="1" destOrd="0" presId="urn:microsoft.com/office/officeart/2008/layout/LinedList"/>
-    <dgm:cxn modelId="{D29A0A27-3B2D-4584-8343-EBAD8B0C5F89}" type="presParOf" srcId="{108F881B-6F84-420B-939B-AC9230DC744A}" destId="{6CF53078-51C0-4286-9F57-837D24110DC0}" srcOrd="0" destOrd="0" presId="urn:microsoft.com/office/officeart/2008/layout/LinedList"/>
-    <dgm:cxn modelId="{CC5849D8-72FC-4253-8E52-F9A9ABE6FA37}" type="presParOf" srcId="{108F881B-6F84-420B-939B-AC9230DC744A}" destId="{B292DB37-5DAC-4239-B187-DFD8D1E45EBC}" srcOrd="1" destOrd="0" presId="urn:microsoft.com/office/officeart/2008/layout/LinedList"/>
-    <dgm:cxn modelId="{3211012D-2869-4F54-9F7E-7BE3E75EF86B}" type="presParOf" srcId="{108F881B-6F84-420B-939B-AC9230DC744A}" destId="{AD57E317-9AA0-4DC4-A66B-22B937972D83}" srcOrd="2" destOrd="0" presId="urn:microsoft.com/office/officeart/2008/layout/LinedList"/>
-    <dgm:cxn modelId="{6384BF65-C2B1-4FA2-9F12-A136E8A4DF44}" type="presParOf" srcId="{CFF04302-6886-4386-9185-5D53F19CEF97}" destId="{4110832E-0718-476E-A490-037F526FEE32}" srcOrd="2" destOrd="0" presId="urn:microsoft.com/office/officeart/2008/layout/LinedList"/>
-    <dgm:cxn modelId="{10529DC7-6948-4751-9936-BF30B8FA5309}" type="presParOf" srcId="{CFF04302-6886-4386-9185-5D53F19CEF97}" destId="{220FB411-F50B-4336-9755-D110E95B90D3}" srcOrd="3" destOrd="0" presId="urn:microsoft.com/office/officeart/2008/layout/LinedList"/>
-    <dgm:cxn modelId="{421C04EA-6E61-4DA3-AE18-D4BC707F59B9}" type="presParOf" srcId="{CFF04302-6886-4386-9185-5D53F19CEF97}" destId="{2FB5E4A9-35E5-432A-97DB-F6B2A8589124}" srcOrd="4" destOrd="0" presId="urn:microsoft.com/office/officeart/2008/layout/LinedList"/>
-    <dgm:cxn modelId="{47756905-2295-4A49-8452-835B7BA26480}" type="presParOf" srcId="{2FB5E4A9-35E5-432A-97DB-F6B2A8589124}" destId="{E086BACF-0701-48E3-8E89-0432DC99AE4A}" srcOrd="0" destOrd="0" presId="urn:microsoft.com/office/officeart/2008/layout/LinedList"/>
-    <dgm:cxn modelId="{16F52470-5B50-400B-ACAB-59CD9222E91A}" type="presParOf" srcId="{2FB5E4A9-35E5-432A-97DB-F6B2A8589124}" destId="{10968B22-FB99-41A1-9693-4805EB3AA705}" srcOrd="1" destOrd="0" presId="urn:microsoft.com/office/officeart/2008/layout/LinedList"/>
-    <dgm:cxn modelId="{F69B06FD-69EC-431A-B56C-019F6C8922E1}" type="presParOf" srcId="{2FB5E4A9-35E5-432A-97DB-F6B2A8589124}" destId="{DB348B1C-28E3-4DE7-9791-71B6F7233EF7}" srcOrd="2" destOrd="0" presId="urn:microsoft.com/office/officeart/2008/layout/LinedList"/>
-    <dgm:cxn modelId="{72F13B86-50BB-4B16-934F-23B591607D02}" type="presParOf" srcId="{CFF04302-6886-4386-9185-5D53F19CEF97}" destId="{AD911FAF-521A-4820-A828-D3E3718C95AE}" srcOrd="5" destOrd="0" presId="urn:microsoft.com/office/officeart/2008/layout/LinedList"/>
-    <dgm:cxn modelId="{F996FE4E-38C1-4EC0-A981-E9B1432C2C52}" type="presParOf" srcId="{CFF04302-6886-4386-9185-5D53F19CEF97}" destId="{4C5D2E02-8333-45C5-B679-ABAEA37859BF}" srcOrd="6" destOrd="0" presId="urn:microsoft.com/office/officeart/2008/layout/LinedList"/>
-    <dgm:cxn modelId="{3F8E89E7-9EDE-401E-859C-E8B00A8F8BDD}" type="presParOf" srcId="{CFF04302-6886-4386-9185-5D53F19CEF97}" destId="{7CA9ECD0-FF5F-4644-976E-A2853E7EF6C8}" srcOrd="7" destOrd="0" presId="urn:microsoft.com/office/officeart/2008/layout/LinedList"/>
-    <dgm:cxn modelId="{3289464F-955D-42ED-AEAE-C29FCAFD2111}" type="presParOf" srcId="{7CA9ECD0-FF5F-4644-976E-A2853E7EF6C8}" destId="{DAED7C83-48EA-479B-B2FB-7040B8E4E7BE}" srcOrd="0" destOrd="0" presId="urn:microsoft.com/office/officeart/2008/layout/LinedList"/>
-    <dgm:cxn modelId="{F8630230-C318-4802-B246-4CB2438707EE}" type="presParOf" srcId="{7CA9ECD0-FF5F-4644-976E-A2853E7EF6C8}" destId="{9C8F1E3E-C216-4424-9670-DF95234C16C6}" srcOrd="1" destOrd="0" presId="urn:microsoft.com/office/officeart/2008/layout/LinedList"/>
-    <dgm:cxn modelId="{4810BD09-077D-4641-A604-0A75C6CFDDE1}" type="presParOf" srcId="{7CA9ECD0-FF5F-4644-976E-A2853E7EF6C8}" destId="{C20FBA09-16C5-4ED9-B82C-AC601DAFD6F4}" srcOrd="2" destOrd="0" presId="urn:microsoft.com/office/officeart/2008/layout/LinedList"/>
-    <dgm:cxn modelId="{40604B36-871F-4833-9ED6-625D6BCA6D5C}" type="presParOf" srcId="{CFF04302-6886-4386-9185-5D53F19CEF97}" destId="{CF05C026-DB91-43DB-A06E-46B09EDF745D}" srcOrd="8" destOrd="0" presId="urn:microsoft.com/office/officeart/2008/layout/LinedList"/>
-    <dgm:cxn modelId="{3ED68484-F527-4D5A-9EF7-BA2C26D9B65C}" type="presParOf" srcId="{CFF04302-6886-4386-9185-5D53F19CEF97}" destId="{B182119F-908D-475D-910B-CAC0587B2DA3}" srcOrd="9" destOrd="0" presId="urn:microsoft.com/office/officeart/2008/layout/LinedList"/>
-    <dgm:cxn modelId="{A4FB4CA6-2A9B-4034-991B-372F6DAA6A99}" type="presParOf" srcId="{CFF04302-6886-4386-9185-5D53F19CEF97}" destId="{233B319F-D488-43E6-A3C3-53CDA4F8BF29}" srcOrd="10" destOrd="0" presId="urn:microsoft.com/office/officeart/2008/layout/LinedList"/>
-    <dgm:cxn modelId="{CE46452B-74B1-4428-AB1B-D30649A2E44E}" type="presParOf" srcId="{233B319F-D488-43E6-A3C3-53CDA4F8BF29}" destId="{1CC0291D-9759-43D9-B8D8-FDCAA87A37A3}" srcOrd="0" destOrd="0" presId="urn:microsoft.com/office/officeart/2008/layout/LinedList"/>
-    <dgm:cxn modelId="{E4888E48-2C30-440A-9EAC-0D4FD9AC9638}" type="presParOf" srcId="{233B319F-D488-43E6-A3C3-53CDA4F8BF29}" destId="{81DFE6F8-DD24-492B-83E1-0830D2F01B2A}" srcOrd="1" destOrd="0" presId="urn:microsoft.com/office/officeart/2008/layout/LinedList"/>
-    <dgm:cxn modelId="{8D6D659F-CAC5-43BC-80FE-94AB7037F498}" type="presParOf" srcId="{233B319F-D488-43E6-A3C3-53CDA4F8BF29}" destId="{FE4C7192-2E36-4DBC-80C2-DFB3BB155973}" srcOrd="2" destOrd="0" presId="urn:microsoft.com/office/officeart/2008/layout/LinedList"/>
-    <dgm:cxn modelId="{C3534527-9D8B-4F38-9FBB-1A8842B2A4E0}" type="presParOf" srcId="{CFF04302-6886-4386-9185-5D53F19CEF97}" destId="{D235D982-58AD-4B15-9D8D-F549E4F32805}" srcOrd="11" destOrd="0" presId="urn:microsoft.com/office/officeart/2008/layout/LinedList"/>
-    <dgm:cxn modelId="{9CBBD2E8-41AA-4111-99DD-57DACBC4647E}" type="presParOf" srcId="{CFF04302-6886-4386-9185-5D53F19CEF97}" destId="{94B64609-FE59-4DF2-8443-6E0352E6E9FC}" srcOrd="12" destOrd="0" presId="urn:microsoft.com/office/officeart/2008/layout/LinedList"/>
-    <dgm:cxn modelId="{50BC9665-7992-4AF5-AEC0-158255D4E331}" type="presParOf" srcId="{CFF04302-6886-4386-9185-5D53F19CEF97}" destId="{C6A0486D-F6C5-4042-80C6-61E19FC0691F}" srcOrd="13" destOrd="0" presId="urn:microsoft.com/office/officeart/2008/layout/LinedList"/>
-    <dgm:cxn modelId="{862809D5-D05A-4A8D-9F5D-3B585B13C6C6}" type="presParOf" srcId="{C6A0486D-F6C5-4042-80C6-61E19FC0691F}" destId="{F253458C-A111-43C5-9C8B-E79F80EEFE6A}" srcOrd="0" destOrd="0" presId="urn:microsoft.com/office/officeart/2008/layout/LinedList"/>
-    <dgm:cxn modelId="{96386CFA-1F42-48EE-90BB-53A58630E55C}" type="presParOf" srcId="{C6A0486D-F6C5-4042-80C6-61E19FC0691F}" destId="{4F06D6B1-2BB4-4075-A033-688B589B0B14}" srcOrd="1" destOrd="0" presId="urn:microsoft.com/office/officeart/2008/layout/LinedList"/>
-    <dgm:cxn modelId="{0E5E172A-F7A6-4452-AC0E-524BB4848C09}" type="presParOf" srcId="{C6A0486D-F6C5-4042-80C6-61E19FC0691F}" destId="{D22D3395-A616-4309-9A8B-968F96B15176}" srcOrd="2" destOrd="0" presId="urn:microsoft.com/office/officeart/2008/layout/LinedList"/>
-    <dgm:cxn modelId="{4A44D11B-286B-414F-887D-AEB68B162567}" type="presParOf" srcId="{CFF04302-6886-4386-9185-5D53F19CEF97}" destId="{D0A004F4-AD23-44AD-ADB5-BAD672B8AB1E}" srcOrd="14" destOrd="0" presId="urn:microsoft.com/office/officeart/2008/layout/LinedList"/>
-    <dgm:cxn modelId="{15EB5019-FC5E-4F78-9825-9BED6F4FCEE1}" type="presParOf" srcId="{CFF04302-6886-4386-9185-5D53F19CEF97}" destId="{4244B347-B834-4540-896B-C1CDB75776CC}" srcOrd="15" destOrd="0" presId="urn:microsoft.com/office/officeart/2008/layout/LinedList"/>
-  </dgm:cxnLst>
-  <dgm:bg/>
-  <dgm:whole>
-    <a:ln>
-      <a:noFill/>
-    </a:ln>
-  </dgm:whole>
-  <dgm:extLst>
-    <a:ext uri="http://schemas.microsoft.com/office/drawing/2008/diagram">
-      <dsp:dataModelExt xmlns:dsp="http://schemas.microsoft.com/office/drawing/2008/diagram" relId="rId6" minVer="http://schemas.openxmlformats.org/drawingml/2006/diagram"/>
-    </a:ext>
-  </dgm:extLst>
-</dgm:dataModel>
-</file>
-
-<file path=ppt/diagrams/data2.xml><?xml version="1.0" encoding="utf-8"?>
-<dgm:dataModel xmlns:dgm="http://schemas.openxmlformats.org/drawingml/2006/diagram" xmlns:a="http://schemas.openxmlformats.org/drawingml/2006/main">
-  <dgm:ptLst>
-    <dgm:pt modelId="{78B4B756-542A-42DE-878E-77FF91FD2977}" type="doc">
-      <dgm:prSet loTypeId="urn:microsoft.com/office/officeart/2008/layout/LinedList" loCatId="list" qsTypeId="urn:microsoft.com/office/officeart/2005/8/quickstyle/simple1" qsCatId="simple" csTypeId="urn:microsoft.com/office/officeart/2005/8/colors/accent1_2" csCatId="accent1" phldr="1"/>
-      <dgm:spPr/>
-      <dgm:t>
-        <a:bodyPr/>
-        <a:lstStyle/>
-        <a:p>
-          <a:pPr latinLnBrk="1"/>
-          <a:endParaRPr lang="ko-KR" altLang="en-US"/>
-        </a:p>
-      </dgm:t>
-    </dgm:pt>
-    <dgm:pt modelId="{D58B520D-A07B-4F94-8DF3-9C1500C899DC}">
-      <dgm:prSet phldrT="[텍스트]" custT="1"/>
-      <dgm:spPr/>
-      <dgm:t>
-        <a:bodyPr/>
-        <a:lstStyle/>
-        <a:p>
-          <a:pPr latinLnBrk="1"/>
-          <a:r>
-            <a:rPr lang="ko-KR" altLang="en-US" sz="2000" b="1" dirty="0"/>
             <a:t>요구사항</a:t>
           </a:r>
         </a:p>
@@ -2388,6 +1001,114 @@
               <a:latin typeface="+mn-lt"/>
             </a:rPr>
             <a:t>: </a:t>
+          </a:r>
+          <a:r>
+            <a:rPr lang="ko-KR" altLang="en-US" sz="1100" b="0" dirty="0">
+              <a:solidFill>
+                <a:schemeClr val="tx1">
+                  <a:lumMod val="75000"/>
+                  <a:lumOff val="25000"/>
+                </a:schemeClr>
+              </a:solidFill>
+              <a:latin typeface="+mn-lt"/>
+            </a:rPr>
+            <a:t>단순하고 심플하지만 기능적인 부분에서 좀더 새로운 변화를 원함</a:t>
+          </a:r>
+          <a:endParaRPr lang="en-US" altLang="ko-KR" sz="1100" b="0" dirty="0">
+            <a:solidFill>
+              <a:schemeClr val="tx1">
+                <a:lumMod val="75000"/>
+                <a:lumOff val="25000"/>
+              </a:schemeClr>
+            </a:solidFill>
+            <a:latin typeface="+mn-lt"/>
+          </a:endParaRPr>
+        </a:p>
+        <a:p>
+          <a:pPr latinLnBrk="1"/>
+          <a:r>
+            <a:rPr lang="ko-KR" altLang="en-US" sz="1100" b="0" dirty="0">
+              <a:solidFill>
+                <a:schemeClr val="tx1">
+                  <a:lumMod val="75000"/>
+                  <a:lumOff val="25000"/>
+                </a:schemeClr>
+              </a:solidFill>
+              <a:latin typeface="+mn-lt"/>
+            </a:rPr>
+            <a:t>좀더 </a:t>
+          </a:r>
+          <a:r>
+            <a:rPr lang="ko-KR" altLang="en-US" sz="1100" b="0" dirty="0" err="1">
+              <a:solidFill>
+                <a:schemeClr val="tx1">
+                  <a:lumMod val="75000"/>
+                  <a:lumOff val="25000"/>
+                </a:schemeClr>
+              </a:solidFill>
+              <a:latin typeface="+mn-lt"/>
+            </a:rPr>
+            <a:t>트렌드있는</a:t>
+          </a:r>
+          <a:r>
+            <a:rPr lang="ko-KR" altLang="en-US" sz="1100" b="0" dirty="0">
+              <a:solidFill>
+                <a:schemeClr val="tx1">
+                  <a:lumMod val="75000"/>
+                  <a:lumOff val="25000"/>
+                </a:schemeClr>
+              </a:solidFill>
+              <a:latin typeface="+mn-lt"/>
+            </a:rPr>
+            <a:t> 변화와 </a:t>
+          </a:r>
+          <a:r>
+            <a:rPr lang="ko-KR" altLang="en-US" sz="1100" b="0" dirty="0" err="1">
+              <a:solidFill>
+                <a:schemeClr val="tx1">
+                  <a:lumMod val="75000"/>
+                  <a:lumOff val="25000"/>
+                </a:schemeClr>
+              </a:solidFill>
+              <a:latin typeface="+mn-lt"/>
+            </a:rPr>
+            <a:t>새로운기술이</a:t>
+          </a:r>
+          <a:r>
+            <a:rPr lang="ko-KR" altLang="en-US" sz="1100" b="0" dirty="0">
+              <a:solidFill>
+                <a:schemeClr val="tx1">
+                  <a:lumMod val="75000"/>
+                  <a:lumOff val="25000"/>
+                </a:schemeClr>
+              </a:solidFill>
+              <a:latin typeface="+mn-lt"/>
+            </a:rPr>
+            <a:t> </a:t>
+          </a:r>
+          <a:r>
+            <a:rPr lang="ko-KR" altLang="en-US" sz="1100" b="0" dirty="0" err="1">
+              <a:solidFill>
+                <a:schemeClr val="tx1">
+                  <a:lumMod val="75000"/>
+                  <a:lumOff val="25000"/>
+                </a:schemeClr>
+              </a:solidFill>
+              <a:latin typeface="+mn-lt"/>
+            </a:rPr>
+            <a:t>적용되길바람</a:t>
+          </a:r>
+          <a:r>
+            <a:rPr lang="en-US" altLang="ko-KR" sz="1100" b="0" dirty="0">
+              <a:solidFill>
+                <a:schemeClr val="tx1">
+                  <a:lumMod val="75000"/>
+                  <a:lumOff val="25000"/>
+                </a:schemeClr>
+              </a:solidFill>
+              <a:latin typeface="+mn-lt"/>
+            </a:rPr>
+            <a:t> </a:t>
           </a:r>
           <a:endParaRPr lang="ko-KR" altLang="en-US" sz="1100" b="0" dirty="0">
             <a:solidFill>
@@ -2466,15 +1187,246 @@
             </a:rPr>
             <a:t>: </a:t>
           </a:r>
-          <a:endParaRPr lang="ko-KR" altLang="en-US" sz="1100" b="0" dirty="0">
-            <a:solidFill>
-              <a:schemeClr val="tx1">
-                <a:lumMod val="75000"/>
-                <a:lumOff val="25000"/>
-              </a:schemeClr>
-            </a:solidFill>
-            <a:latin typeface="+mn-lt"/>
-          </a:endParaRPr>
+          <a:r>
+            <a:rPr lang="ko-KR" altLang="en-US" sz="1100" b="0" dirty="0" err="1">
+              <a:solidFill>
+                <a:schemeClr val="tx1">
+                  <a:lumMod val="75000"/>
+                  <a:lumOff val="25000"/>
+                </a:schemeClr>
+              </a:solidFill>
+              <a:latin typeface="+mn-lt"/>
+            </a:rPr>
+            <a:t>쿠첸의</a:t>
+          </a:r>
+          <a:r>
+            <a:rPr lang="ko-KR" altLang="en-US" sz="1100" b="0" dirty="0">
+              <a:solidFill>
+                <a:schemeClr val="tx1">
+                  <a:lumMod val="75000"/>
+                  <a:lumOff val="25000"/>
+                </a:schemeClr>
+              </a:solidFill>
+              <a:latin typeface="+mn-lt"/>
+            </a:rPr>
+            <a:t> </a:t>
+          </a:r>
+          <a:r>
+            <a:rPr lang="ko-KR" altLang="en-US" sz="1100" b="0" dirty="0" err="1">
+              <a:solidFill>
+                <a:schemeClr val="tx1">
+                  <a:lumMod val="75000"/>
+                  <a:lumOff val="25000"/>
+                </a:schemeClr>
+              </a:solidFill>
+              <a:latin typeface="+mn-lt"/>
+            </a:rPr>
+            <a:t>바른기업의</a:t>
+          </a:r>
+          <a:r>
+            <a:rPr lang="ko-KR" altLang="en-US" sz="1100" b="0" dirty="0">
+              <a:solidFill>
+                <a:schemeClr val="tx1">
+                  <a:lumMod val="75000"/>
+                  <a:lumOff val="25000"/>
+                </a:schemeClr>
+              </a:solidFill>
+              <a:latin typeface="+mn-lt"/>
+            </a:rPr>
+            <a:t> 이미지와 </a:t>
+          </a:r>
+          <a:r>
+            <a:rPr lang="ko-KR" altLang="en-US" sz="1100" b="0" dirty="0" err="1">
+              <a:solidFill>
+                <a:schemeClr val="tx1">
+                  <a:lumMod val="75000"/>
+                  <a:lumOff val="25000"/>
+                </a:schemeClr>
+              </a:solidFill>
+              <a:latin typeface="+mn-lt"/>
+            </a:rPr>
+            <a:t>소비자를위한</a:t>
+          </a:r>
+          <a:r>
+            <a:rPr lang="ko-KR" altLang="en-US" sz="1100" b="0" dirty="0">
+              <a:solidFill>
+                <a:schemeClr val="tx1">
+                  <a:lumMod val="75000"/>
+                  <a:lumOff val="25000"/>
+                </a:schemeClr>
+              </a:solidFill>
+              <a:latin typeface="+mn-lt"/>
+            </a:rPr>
+            <a:t> 경영이 돋보일수록 </a:t>
+          </a:r>
+          <a:r>
+            <a:rPr lang="ko-KR" altLang="en-US" sz="1100" b="0" dirty="0" err="1">
+              <a:solidFill>
+                <a:schemeClr val="tx1">
+                  <a:lumMod val="75000"/>
+                  <a:lumOff val="25000"/>
+                </a:schemeClr>
+              </a:solidFill>
+              <a:latin typeface="+mn-lt"/>
+            </a:rPr>
+            <a:t>조금더</a:t>
+          </a:r>
+          <a:r>
+            <a:rPr lang="ko-KR" altLang="en-US" sz="1100" b="0" dirty="0">
+              <a:solidFill>
+                <a:schemeClr val="tx1">
+                  <a:lumMod val="75000"/>
+                  <a:lumOff val="25000"/>
+                </a:schemeClr>
+              </a:solidFill>
+              <a:latin typeface="+mn-lt"/>
+            </a:rPr>
+            <a:t> </a:t>
+          </a:r>
+          <a:r>
+            <a:rPr lang="ko-KR" altLang="en-US" sz="1100" b="0" dirty="0" err="1">
+              <a:solidFill>
+                <a:schemeClr val="tx1">
+                  <a:lumMod val="75000"/>
+                  <a:lumOff val="25000"/>
+                </a:schemeClr>
+              </a:solidFill>
+              <a:latin typeface="+mn-lt"/>
+            </a:rPr>
+            <a:t>소비자의편리함과</a:t>
+          </a:r>
+          <a:r>
+            <a:rPr lang="ko-KR" altLang="en-US" sz="1100" b="0" dirty="0">
+              <a:solidFill>
+                <a:schemeClr val="tx1">
+                  <a:lumMod val="75000"/>
+                  <a:lumOff val="25000"/>
+                </a:schemeClr>
+              </a:solidFill>
+              <a:latin typeface="+mn-lt"/>
+            </a:rPr>
+            <a:t> </a:t>
+          </a:r>
+          <a:r>
+            <a:rPr lang="ko-KR" altLang="en-US" sz="1100" b="0" dirty="0" err="1">
+              <a:solidFill>
+                <a:schemeClr val="tx1">
+                  <a:lumMod val="75000"/>
+                  <a:lumOff val="25000"/>
+                </a:schemeClr>
+              </a:solidFill>
+              <a:latin typeface="+mn-lt"/>
+            </a:rPr>
+            <a:t>합리적인가격을제시하며</a:t>
+          </a:r>
+          <a:r>
+            <a:rPr lang="ko-KR" altLang="en-US" sz="1100" b="0" dirty="0">
+              <a:solidFill>
+                <a:schemeClr val="tx1">
+                  <a:lumMod val="75000"/>
+                  <a:lumOff val="25000"/>
+                </a:schemeClr>
+              </a:solidFill>
+              <a:latin typeface="+mn-lt"/>
+            </a:rPr>
+            <a:t> </a:t>
+          </a:r>
+          <a:r>
+            <a:rPr lang="ko-KR" altLang="en-US" sz="1100" b="0" dirty="0" err="1">
+              <a:solidFill>
+                <a:schemeClr val="tx1">
+                  <a:lumMod val="75000"/>
+                  <a:lumOff val="25000"/>
+                </a:schemeClr>
+              </a:solidFill>
+              <a:latin typeface="+mn-lt"/>
+            </a:rPr>
+            <a:t>쿠첸의</a:t>
+          </a:r>
+          <a:r>
+            <a:rPr lang="ko-KR" altLang="en-US" sz="1100" b="0" dirty="0">
+              <a:solidFill>
+                <a:schemeClr val="tx1">
+                  <a:lumMod val="75000"/>
+                  <a:lumOff val="25000"/>
+                </a:schemeClr>
+              </a:solidFill>
+              <a:latin typeface="+mn-lt"/>
+            </a:rPr>
+            <a:t> 비전이 </a:t>
+          </a:r>
+          <a:r>
+            <a:rPr lang="ko-KR" altLang="en-US" sz="1100" b="0" dirty="0" err="1">
+              <a:solidFill>
+                <a:schemeClr val="tx1">
+                  <a:lumMod val="75000"/>
+                  <a:lumOff val="25000"/>
+                </a:schemeClr>
+              </a:solidFill>
+              <a:latin typeface="+mn-lt"/>
+            </a:rPr>
+            <a:t>돋보이길바라며</a:t>
+          </a:r>
+          <a:r>
+            <a:rPr lang="ko-KR" altLang="en-US" sz="1100" b="0" dirty="0">
+              <a:solidFill>
+                <a:schemeClr val="tx1">
+                  <a:lumMod val="75000"/>
+                  <a:lumOff val="25000"/>
+                </a:schemeClr>
+              </a:solidFill>
+              <a:latin typeface="+mn-lt"/>
+            </a:rPr>
+            <a:t> </a:t>
+          </a:r>
+          <a:r>
+            <a:rPr lang="ko-KR" altLang="en-US" sz="1100" b="0" dirty="0" err="1">
+              <a:solidFill>
+                <a:schemeClr val="tx1">
+                  <a:lumMod val="75000"/>
+                  <a:lumOff val="25000"/>
+                </a:schemeClr>
+              </a:solidFill>
+              <a:latin typeface="+mn-lt"/>
+            </a:rPr>
+            <a:t>새로운기술도입과</a:t>
+          </a:r>
+          <a:r>
+            <a:rPr lang="ko-KR" altLang="en-US" sz="1100" b="0" dirty="0">
+              <a:solidFill>
+                <a:schemeClr val="tx1">
+                  <a:lumMod val="75000"/>
+                  <a:lumOff val="25000"/>
+                </a:schemeClr>
+              </a:solidFill>
+              <a:latin typeface="+mn-lt"/>
+            </a:rPr>
+            <a:t> 트렌드에 맞는 </a:t>
+          </a:r>
+          <a:r>
+            <a:rPr lang="ko-KR" altLang="en-US" sz="1100" b="0" dirty="0" err="1">
+              <a:solidFill>
+                <a:schemeClr val="tx1">
+                  <a:lumMod val="75000"/>
+                  <a:lumOff val="25000"/>
+                </a:schemeClr>
+              </a:solidFill>
+              <a:latin typeface="+mn-lt"/>
+            </a:rPr>
+            <a:t>휘기전인</a:t>
+          </a:r>
+          <a:r>
+            <a:rPr lang="ko-KR" altLang="en-US" sz="1100" b="0" dirty="0">
+              <a:solidFill>
+                <a:schemeClr val="tx1">
+                  <a:lumMod val="75000"/>
+                  <a:lumOff val="25000"/>
+                </a:schemeClr>
+              </a:solidFill>
+              <a:latin typeface="+mn-lt"/>
+            </a:rPr>
+            <a:t> 신선함이 필요</a:t>
+          </a:r>
         </a:p>
       </dgm:t>
     </dgm:pt>
@@ -2530,6 +1482,30 @@
               <a:latin typeface="+mn-lt"/>
             </a:rPr>
             <a:t>: </a:t>
+          </a:r>
+          <a:r>
+            <a:rPr lang="ko-KR" altLang="en-US" sz="1100" b="0" dirty="0">
+              <a:solidFill>
+                <a:schemeClr val="tx1">
+                  <a:lumMod val="75000"/>
+                  <a:lumOff val="25000"/>
+                </a:schemeClr>
+              </a:solidFill>
+              <a:latin typeface="+mn-lt"/>
+            </a:rPr>
+            <a:t>새로운 기능 도입</a:t>
+          </a:r>
+          <a:r>
+            <a:rPr lang="en-US" altLang="ko-KR" sz="1100" b="0" dirty="0">
+              <a:solidFill>
+                <a:schemeClr val="tx1">
+                  <a:lumMod val="75000"/>
+                  <a:lumOff val="25000"/>
+                </a:schemeClr>
+              </a:solidFill>
+              <a:latin typeface="+mn-lt"/>
+            </a:rPr>
+            <a:t>	 </a:t>
           </a:r>
           <a:endParaRPr lang="ko-KR" altLang="en-US" sz="1100" b="0" dirty="0">
             <a:solidFill>
@@ -2594,17 +1570,20 @@
               </a:solidFill>
               <a:latin typeface="+mn-lt"/>
             </a:rPr>
-            <a:t>: </a:t>
+            <a:t>:  </a:t>
           </a:r>
-          <a:endParaRPr lang="ko-KR" altLang="en-US" sz="1100" b="0" dirty="0">
-            <a:solidFill>
-              <a:schemeClr val="tx1">
-                <a:lumMod val="75000"/>
-                <a:lumOff val="25000"/>
-              </a:schemeClr>
-            </a:solidFill>
-            <a:latin typeface="+mn-lt"/>
-          </a:endParaRPr>
+          <a:r>
+            <a:rPr lang="ko-KR" altLang="en-US" sz="1100" b="0" dirty="0">
+              <a:solidFill>
+                <a:schemeClr val="tx1">
+                  <a:lumMod val="75000"/>
+                  <a:lumOff val="25000"/>
+                </a:schemeClr>
+              </a:solidFill>
+              <a:latin typeface="+mn-lt"/>
+            </a:rPr>
+            <a:t>흰색 그레이 오렌지 보리 블랙  </a:t>
+          </a:r>
         </a:p>
       </dgm:t>
     </dgm:pt>
@@ -2659,17 +1638,44 @@
               </a:solidFill>
               <a:latin typeface="+mn-lt"/>
             </a:rPr>
-            <a:t>:</a:t>
+            <a:t>: </a:t>
           </a:r>
-          <a:endParaRPr lang="ko-KR" altLang="en-US" sz="1100" b="0" dirty="0">
-            <a:solidFill>
-              <a:schemeClr val="tx1">
-                <a:lumMod val="75000"/>
-                <a:lumOff val="25000"/>
-              </a:schemeClr>
-            </a:solidFill>
-            <a:latin typeface="+mn-lt"/>
-          </a:endParaRPr>
+          <a:r>
+            <a:rPr lang="ko-KR" altLang="en-US" sz="1100" b="0" dirty="0">
+              <a:solidFill>
+                <a:schemeClr val="tx1">
+                  <a:lumMod val="75000"/>
+                  <a:lumOff val="25000"/>
+                </a:schemeClr>
+              </a:solidFill>
+              <a:latin typeface="+mn-lt"/>
+            </a:rPr>
+            <a:t>단순 </a:t>
+          </a:r>
+          <a:r>
+            <a:rPr lang="ko-KR" altLang="en-US" sz="1100" b="0" dirty="0" err="1">
+              <a:solidFill>
+                <a:schemeClr val="tx1">
+                  <a:lumMod val="75000"/>
+                  <a:lumOff val="25000"/>
+                </a:schemeClr>
+              </a:solidFill>
+              <a:latin typeface="+mn-lt"/>
+            </a:rPr>
+            <a:t>심플</a:t>
+          </a:r>
+          <a:r>
+            <a:rPr lang="ko-KR" altLang="en-US" sz="1100" b="0" dirty="0">
+              <a:solidFill>
+                <a:schemeClr val="tx1">
+                  <a:lumMod val="75000"/>
+                  <a:lumOff val="25000"/>
+                </a:schemeClr>
+              </a:solidFill>
+              <a:latin typeface="+mn-lt"/>
+            </a:rPr>
+            <a:t> 간단 </a:t>
+          </a:r>
         </a:p>
       </dgm:t>
     </dgm:pt>
@@ -2760,17 +1766,20 @@
               </a:solidFill>
               <a:latin typeface="+mn-lt"/>
             </a:rPr>
-            <a:t>:</a:t>
+            <a:t>: </a:t>
           </a:r>
-          <a:endParaRPr lang="ko-KR" altLang="en-US" sz="1100" b="0" dirty="0">
-            <a:solidFill>
-              <a:schemeClr val="tx1">
-                <a:lumMod val="75000"/>
-                <a:lumOff val="25000"/>
-              </a:schemeClr>
-            </a:solidFill>
-            <a:latin typeface="+mn-lt"/>
-          </a:endParaRPr>
+          <a:r>
+            <a:rPr lang="ko-KR" altLang="en-US" sz="1100" b="0" dirty="0">
+              <a:solidFill>
+                <a:schemeClr val="tx1">
+                  <a:lumMod val="75000"/>
+                  <a:lumOff val="25000"/>
+                </a:schemeClr>
+              </a:solidFill>
+              <a:latin typeface="+mn-lt"/>
+            </a:rPr>
+            <a:t>전기 밥솥 전자레인지 </a:t>
+          </a:r>
         </a:p>
       </dgm:t>
     </dgm:pt>
@@ -3060,7 +2069,7 @@
       </dsp:nvSpPr>
       <dsp:spPr>
         <a:xfrm>
-          <a:off x="0" y="0"/>
+          <a:off x="0" y="1909"/>
           <a:ext cx="9684201" cy="0"/>
         </a:xfrm>
         <a:prstGeom prst="line">
@@ -3110,871 +2119,8 @@
       </dsp:nvSpPr>
       <dsp:spPr>
         <a:xfrm>
-          <a:off x="0" y="0"/>
-          <a:ext cx="1936840" cy="3480879"/>
-        </a:xfrm>
-        <a:prstGeom prst="rect">
-          <a:avLst/>
-        </a:prstGeom>
-        <a:noFill/>
-        <a:ln>
-          <a:noFill/>
-        </a:ln>
-        <a:effectLst/>
-      </dsp:spPr>
-      <dsp:style>
-        <a:lnRef idx="0">
-          <a:scrgbClr r="0" g="0" b="0"/>
-        </a:lnRef>
-        <a:fillRef idx="0">
-          <a:scrgbClr r="0" g="0" b="0"/>
-        </a:fillRef>
-        <a:effectRef idx="0">
-          <a:scrgbClr r="0" g="0" b="0"/>
-        </a:effectRef>
-        <a:fontRef idx="minor"/>
-      </dsp:style>
-      <dsp:txBody>
-        <a:bodyPr spcFirstLastPara="0" vert="horz" wrap="square" lIns="76200" tIns="76200" rIns="76200" bIns="76200" numCol="1" spcCol="1270" anchor="t" anchorCtr="0">
-          <a:noAutofit/>
-        </a:bodyPr>
-        <a:lstStyle/>
-        <a:p>
-          <a:pPr marL="0" lvl="0" indent="0" algn="l" defTabSz="889000" latinLnBrk="1">
-            <a:lnSpc>
-              <a:spcPct val="90000"/>
-            </a:lnSpc>
-            <a:spcBef>
-              <a:spcPct val="0"/>
-            </a:spcBef>
-            <a:spcAft>
-              <a:spcPct val="35000"/>
-            </a:spcAft>
-            <a:buNone/>
-          </a:pPr>
-          <a:r>
-            <a:rPr lang="ko-KR" altLang="en-US" sz="2000" b="1" kern="1200" dirty="0"/>
-            <a:t>개요</a:t>
-          </a:r>
-        </a:p>
-      </dsp:txBody>
-      <dsp:txXfrm>
-        <a:off x="0" y="0"/>
-        <a:ext cx="1936840" cy="3480879"/>
-      </dsp:txXfrm>
-    </dsp:sp>
-    <dsp:sp modelId="{B292DB37-5DAC-4239-B187-DFD8D1E45EBC}">
-      <dsp:nvSpPr>
-        <dsp:cNvPr id="0" name=""/>
-        <dsp:cNvSpPr/>
-      </dsp:nvSpPr>
-      <dsp:spPr>
-        <a:xfrm>
-          <a:off x="2082103" y="47080"/>
-          <a:ext cx="7602097" cy="638558"/>
-        </a:xfrm>
-        <a:prstGeom prst="rect">
-          <a:avLst/>
-        </a:prstGeom>
-        <a:noFill/>
-        <a:ln>
-          <a:noFill/>
-        </a:ln>
-        <a:effectLst/>
-      </dsp:spPr>
-      <dsp:style>
-        <a:lnRef idx="0">
-          <a:scrgbClr r="0" g="0" b="0"/>
-        </a:lnRef>
-        <a:fillRef idx="0">
-          <a:scrgbClr r="0" g="0" b="0"/>
-        </a:fillRef>
-        <a:effectRef idx="0">
-          <a:scrgbClr r="0" g="0" b="0"/>
-        </a:effectRef>
-        <a:fontRef idx="minor"/>
-      </dsp:style>
-      <dsp:txBody>
-        <a:bodyPr spcFirstLastPara="0" vert="horz" wrap="square" lIns="41910" tIns="41910" rIns="41910" bIns="41910" numCol="1" spcCol="1270" anchor="t" anchorCtr="0">
-          <a:noAutofit/>
-        </a:bodyPr>
-        <a:lstStyle/>
-        <a:p>
-          <a:pPr marL="0" lvl="0" indent="0" algn="l" defTabSz="488950" latinLnBrk="1">
-            <a:lnSpc>
-              <a:spcPct val="90000"/>
-            </a:lnSpc>
-            <a:spcBef>
-              <a:spcPct val="0"/>
-            </a:spcBef>
-            <a:spcAft>
-              <a:spcPct val="35000"/>
-            </a:spcAft>
-            <a:buNone/>
-          </a:pPr>
-          <a:r>
-            <a:rPr lang="ko-KR" altLang="en-US" sz="1100" b="1" kern="1200" dirty="0">
-              <a:solidFill>
-                <a:srgbClr val="2AB9C7"/>
-              </a:solidFill>
-              <a:latin typeface="+mn-lt"/>
-            </a:rPr>
-            <a:t>사이트명 </a:t>
-          </a:r>
-          <a:r>
-            <a:rPr lang="en-US" altLang="ko-KR" sz="1100" b="0" kern="1200" dirty="0">
-              <a:solidFill>
-                <a:schemeClr val="tx1">
-                  <a:lumMod val="75000"/>
-                  <a:lumOff val="25000"/>
-                </a:schemeClr>
-              </a:solidFill>
-              <a:latin typeface="+mn-lt"/>
-            </a:rPr>
-            <a:t>: </a:t>
-          </a:r>
-          <a:endParaRPr lang="ko-KR" altLang="en-US" sz="1100" b="0" kern="1200" dirty="0">
-            <a:solidFill>
-              <a:schemeClr val="tx1">
-                <a:lumMod val="75000"/>
-                <a:lumOff val="25000"/>
-              </a:schemeClr>
-            </a:solidFill>
-            <a:latin typeface="+mn-lt"/>
-          </a:endParaRPr>
-        </a:p>
-      </dsp:txBody>
-      <dsp:txXfrm>
-        <a:off x="2082103" y="47080"/>
-        <a:ext cx="7602097" cy="638558"/>
-      </dsp:txXfrm>
-    </dsp:sp>
-    <dsp:sp modelId="{4110832E-0718-476E-A490-037F526FEE32}">
-      <dsp:nvSpPr>
-        <dsp:cNvPr id="0" name=""/>
-        <dsp:cNvSpPr/>
-      </dsp:nvSpPr>
-      <dsp:spPr>
-        <a:xfrm>
-          <a:off x="1936840" y="685639"/>
-          <a:ext cx="7747360" cy="0"/>
-        </a:xfrm>
-        <a:prstGeom prst="line">
-          <a:avLst/>
-        </a:prstGeom>
-        <a:solidFill>
-          <a:schemeClr val="accent1">
-            <a:hueOff val="0"/>
-            <a:satOff val="0"/>
-            <a:lumOff val="0"/>
-            <a:alphaOff val="0"/>
-          </a:schemeClr>
-        </a:solidFill>
-        <a:ln w="12700" cap="flat" cmpd="sng" algn="ctr">
-          <a:solidFill>
-            <a:schemeClr val="accent1">
-              <a:tint val="50000"/>
-              <a:hueOff val="0"/>
-              <a:satOff val="0"/>
-              <a:lumOff val="0"/>
-              <a:alphaOff val="0"/>
-            </a:schemeClr>
-          </a:solidFill>
-          <a:prstDash val="solid"/>
-          <a:miter lim="800000"/>
-        </a:ln>
-        <a:effectLst/>
-      </dsp:spPr>
-      <dsp:style>
-        <a:lnRef idx="2">
-          <a:scrgbClr r="0" g="0" b="0"/>
-        </a:lnRef>
-        <a:fillRef idx="1">
-          <a:scrgbClr r="0" g="0" b="0"/>
-        </a:fillRef>
-        <a:effectRef idx="0">
-          <a:scrgbClr r="0" g="0" b="0"/>
-        </a:effectRef>
-        <a:fontRef idx="minor"/>
-      </dsp:style>
-    </dsp:sp>
-    <dsp:sp modelId="{10968B22-FB99-41A1-9693-4805EB3AA705}">
-      <dsp:nvSpPr>
-        <dsp:cNvPr id="0" name=""/>
-        <dsp:cNvSpPr/>
-      </dsp:nvSpPr>
-      <dsp:spPr>
-        <a:xfrm>
-          <a:off x="2082103" y="732719"/>
-          <a:ext cx="7602097" cy="638558"/>
-        </a:xfrm>
-        <a:prstGeom prst="rect">
-          <a:avLst/>
-        </a:prstGeom>
-        <a:noFill/>
-        <a:ln>
-          <a:noFill/>
-        </a:ln>
-        <a:effectLst/>
-      </dsp:spPr>
-      <dsp:style>
-        <a:lnRef idx="0">
-          <a:scrgbClr r="0" g="0" b="0"/>
-        </a:lnRef>
-        <a:fillRef idx="0">
-          <a:scrgbClr r="0" g="0" b="0"/>
-        </a:fillRef>
-        <a:effectRef idx="0">
-          <a:scrgbClr r="0" g="0" b="0"/>
-        </a:effectRef>
-        <a:fontRef idx="minor"/>
-      </dsp:style>
-      <dsp:txBody>
-        <a:bodyPr spcFirstLastPara="0" vert="horz" wrap="square" lIns="41910" tIns="41910" rIns="41910" bIns="41910" numCol="1" spcCol="1270" anchor="t" anchorCtr="0">
-          <a:noAutofit/>
-        </a:bodyPr>
-        <a:lstStyle/>
-        <a:p>
-          <a:pPr marL="0" lvl="0" indent="0" algn="l" defTabSz="488950" latinLnBrk="1">
-            <a:lnSpc>
-              <a:spcPct val="90000"/>
-            </a:lnSpc>
-            <a:spcBef>
-              <a:spcPct val="0"/>
-            </a:spcBef>
-            <a:spcAft>
-              <a:spcPct val="35000"/>
-            </a:spcAft>
-            <a:buNone/>
-          </a:pPr>
-          <a:r>
-            <a:rPr lang="ko-KR" altLang="en-US" sz="1100" b="1" kern="1200" dirty="0">
-              <a:solidFill>
-                <a:srgbClr val="2AB9C7"/>
-              </a:solidFill>
-              <a:latin typeface="+mn-lt"/>
-            </a:rPr>
-            <a:t>웹페이지 주소</a:t>
-          </a:r>
-          <a:r>
-            <a:rPr lang="ko-KR" altLang="en-US" sz="1100" b="0" kern="1200" dirty="0">
-              <a:solidFill>
-                <a:schemeClr val="tx1">
-                  <a:lumMod val="85000"/>
-                  <a:lumOff val="15000"/>
-                </a:schemeClr>
-              </a:solidFill>
-              <a:latin typeface="+mn-lt"/>
-            </a:rPr>
-            <a:t> </a:t>
-          </a:r>
-          <a:r>
-            <a:rPr lang="en-US" altLang="ko-KR" sz="1100" b="0" kern="1200" dirty="0">
-              <a:solidFill>
-                <a:schemeClr val="tx1">
-                  <a:lumMod val="75000"/>
-                  <a:lumOff val="25000"/>
-                </a:schemeClr>
-              </a:solidFill>
-              <a:latin typeface="+mn-lt"/>
-            </a:rPr>
-            <a:t>: </a:t>
-          </a:r>
-          <a:endParaRPr lang="ko-KR" altLang="en-US" sz="1100" b="0" kern="1200" dirty="0">
-            <a:solidFill>
-              <a:schemeClr val="tx1">
-                <a:lumMod val="75000"/>
-                <a:lumOff val="25000"/>
-              </a:schemeClr>
-            </a:solidFill>
-            <a:latin typeface="+mn-lt"/>
-          </a:endParaRPr>
-        </a:p>
-      </dsp:txBody>
-      <dsp:txXfrm>
-        <a:off x="2082103" y="732719"/>
-        <a:ext cx="7602097" cy="638558"/>
-      </dsp:txXfrm>
-    </dsp:sp>
-    <dsp:sp modelId="{AD911FAF-521A-4820-A828-D3E3718C95AE}">
-      <dsp:nvSpPr>
-        <dsp:cNvPr id="0" name=""/>
-        <dsp:cNvSpPr/>
-      </dsp:nvSpPr>
-      <dsp:spPr>
-        <a:xfrm>
-          <a:off x="1936840" y="1371278"/>
-          <a:ext cx="7747360" cy="0"/>
-        </a:xfrm>
-        <a:prstGeom prst="line">
-          <a:avLst/>
-        </a:prstGeom>
-        <a:solidFill>
-          <a:schemeClr val="accent1">
-            <a:hueOff val="0"/>
-            <a:satOff val="0"/>
-            <a:lumOff val="0"/>
-            <a:alphaOff val="0"/>
-          </a:schemeClr>
-        </a:solidFill>
-        <a:ln w="12700" cap="flat" cmpd="sng" algn="ctr">
-          <a:solidFill>
-            <a:schemeClr val="accent1">
-              <a:tint val="50000"/>
-              <a:hueOff val="0"/>
-              <a:satOff val="0"/>
-              <a:lumOff val="0"/>
-              <a:alphaOff val="0"/>
-            </a:schemeClr>
-          </a:solidFill>
-          <a:prstDash val="solid"/>
-          <a:miter lim="800000"/>
-        </a:ln>
-        <a:effectLst/>
-      </dsp:spPr>
-      <dsp:style>
-        <a:lnRef idx="2">
-          <a:scrgbClr r="0" g="0" b="0"/>
-        </a:lnRef>
-        <a:fillRef idx="1">
-          <a:scrgbClr r="0" g="0" b="0"/>
-        </a:fillRef>
-        <a:effectRef idx="0">
-          <a:scrgbClr r="0" g="0" b="0"/>
-        </a:effectRef>
-        <a:fontRef idx="minor"/>
-      </dsp:style>
-    </dsp:sp>
-    <dsp:sp modelId="{9C8F1E3E-C216-4424-9670-DF95234C16C6}">
-      <dsp:nvSpPr>
-        <dsp:cNvPr id="0" name=""/>
-        <dsp:cNvSpPr/>
-      </dsp:nvSpPr>
-      <dsp:spPr>
-        <a:xfrm>
-          <a:off x="2082103" y="1418358"/>
-          <a:ext cx="7602097" cy="638558"/>
-        </a:xfrm>
-        <a:prstGeom prst="rect">
-          <a:avLst/>
-        </a:prstGeom>
-        <a:noFill/>
-        <a:ln>
-          <a:noFill/>
-        </a:ln>
-        <a:effectLst/>
-      </dsp:spPr>
-      <dsp:style>
-        <a:lnRef idx="0">
-          <a:scrgbClr r="0" g="0" b="0"/>
-        </a:lnRef>
-        <a:fillRef idx="0">
-          <a:scrgbClr r="0" g="0" b="0"/>
-        </a:fillRef>
-        <a:effectRef idx="0">
-          <a:scrgbClr r="0" g="0" b="0"/>
-        </a:effectRef>
-        <a:fontRef idx="minor"/>
-      </dsp:style>
-      <dsp:txBody>
-        <a:bodyPr spcFirstLastPara="0" vert="horz" wrap="square" lIns="41910" tIns="41910" rIns="41910" bIns="41910" numCol="1" spcCol="1270" anchor="t" anchorCtr="0">
-          <a:noAutofit/>
-        </a:bodyPr>
-        <a:lstStyle/>
-        <a:p>
-          <a:pPr marL="0" lvl="0" indent="0" algn="l" defTabSz="488950" latinLnBrk="1">
-            <a:lnSpc>
-              <a:spcPct val="90000"/>
-            </a:lnSpc>
-            <a:spcBef>
-              <a:spcPct val="0"/>
-            </a:spcBef>
-            <a:spcAft>
-              <a:spcPct val="35000"/>
-            </a:spcAft>
-            <a:buNone/>
-          </a:pPr>
-          <a:r>
-            <a:rPr lang="ko-KR" altLang="en-US" sz="1100" b="1" kern="1200" dirty="0">
-              <a:solidFill>
-                <a:srgbClr val="2AB9C7"/>
-              </a:solidFill>
-              <a:latin typeface="+mn-lt"/>
-            </a:rPr>
-            <a:t>주요 서비스</a:t>
-          </a:r>
-          <a:r>
-            <a:rPr lang="en-US" altLang="ko-KR" sz="1100" b="1" kern="1200" dirty="0">
-              <a:solidFill>
-                <a:srgbClr val="2AB9C7"/>
-              </a:solidFill>
-              <a:latin typeface="+mn-lt"/>
-            </a:rPr>
-            <a:t>/</a:t>
-          </a:r>
-          <a:r>
-            <a:rPr lang="ko-KR" altLang="en-US" sz="1100" b="1" kern="1200" dirty="0">
-              <a:solidFill>
-                <a:srgbClr val="2AB9C7"/>
-              </a:solidFill>
-              <a:latin typeface="+mn-lt"/>
-            </a:rPr>
-            <a:t>품목 </a:t>
-          </a:r>
-          <a:r>
-            <a:rPr lang="en-US" altLang="ko-KR" sz="1100" b="0" kern="1200" dirty="0">
-              <a:solidFill>
-                <a:schemeClr val="tx1">
-                  <a:lumMod val="75000"/>
-                  <a:lumOff val="25000"/>
-                </a:schemeClr>
-              </a:solidFill>
-              <a:latin typeface="+mn-lt"/>
-            </a:rPr>
-            <a:t>: </a:t>
-          </a:r>
-          <a:endParaRPr lang="ko-KR" altLang="en-US" sz="1100" b="0" kern="1200" dirty="0">
-            <a:solidFill>
-              <a:schemeClr val="tx1">
-                <a:lumMod val="75000"/>
-                <a:lumOff val="25000"/>
-              </a:schemeClr>
-            </a:solidFill>
-            <a:latin typeface="+mn-lt"/>
-          </a:endParaRPr>
-        </a:p>
-      </dsp:txBody>
-      <dsp:txXfrm>
-        <a:off x="2082103" y="1418358"/>
-        <a:ext cx="7602097" cy="638558"/>
-      </dsp:txXfrm>
-    </dsp:sp>
-    <dsp:sp modelId="{CF05C026-DB91-43DB-A06E-46B09EDF745D}">
-      <dsp:nvSpPr>
-        <dsp:cNvPr id="0" name=""/>
-        <dsp:cNvSpPr/>
-      </dsp:nvSpPr>
-      <dsp:spPr>
-        <a:xfrm>
-          <a:off x="1936840" y="2056917"/>
-          <a:ext cx="7747360" cy="0"/>
-        </a:xfrm>
-        <a:prstGeom prst="line">
-          <a:avLst/>
-        </a:prstGeom>
-        <a:solidFill>
-          <a:schemeClr val="accent1">
-            <a:hueOff val="0"/>
-            <a:satOff val="0"/>
-            <a:lumOff val="0"/>
-            <a:alphaOff val="0"/>
-          </a:schemeClr>
-        </a:solidFill>
-        <a:ln w="12700" cap="flat" cmpd="sng" algn="ctr">
-          <a:solidFill>
-            <a:schemeClr val="accent1">
-              <a:tint val="50000"/>
-              <a:hueOff val="0"/>
-              <a:satOff val="0"/>
-              <a:lumOff val="0"/>
-              <a:alphaOff val="0"/>
-            </a:schemeClr>
-          </a:solidFill>
-          <a:prstDash val="solid"/>
-          <a:miter lim="800000"/>
-        </a:ln>
-        <a:effectLst/>
-      </dsp:spPr>
-      <dsp:style>
-        <a:lnRef idx="2">
-          <a:scrgbClr r="0" g="0" b="0"/>
-        </a:lnRef>
-        <a:fillRef idx="1">
-          <a:scrgbClr r="0" g="0" b="0"/>
-        </a:fillRef>
-        <a:effectRef idx="0">
-          <a:scrgbClr r="0" g="0" b="0"/>
-        </a:effectRef>
-        <a:fontRef idx="minor"/>
-      </dsp:style>
-    </dsp:sp>
-    <dsp:sp modelId="{81DFE6F8-DD24-492B-83E1-0830D2F01B2A}">
-      <dsp:nvSpPr>
-        <dsp:cNvPr id="0" name=""/>
-        <dsp:cNvSpPr/>
-      </dsp:nvSpPr>
-      <dsp:spPr>
-        <a:xfrm>
-          <a:off x="2082103" y="2103997"/>
-          <a:ext cx="7602097" cy="638558"/>
-        </a:xfrm>
-        <a:prstGeom prst="rect">
-          <a:avLst/>
-        </a:prstGeom>
-        <a:noFill/>
-        <a:ln>
-          <a:noFill/>
-        </a:ln>
-        <a:effectLst/>
-      </dsp:spPr>
-      <dsp:style>
-        <a:lnRef idx="0">
-          <a:scrgbClr r="0" g="0" b="0"/>
-        </a:lnRef>
-        <a:fillRef idx="0">
-          <a:scrgbClr r="0" g="0" b="0"/>
-        </a:fillRef>
-        <a:effectRef idx="0">
-          <a:scrgbClr r="0" g="0" b="0"/>
-        </a:effectRef>
-        <a:fontRef idx="minor"/>
-      </dsp:style>
-      <dsp:txBody>
-        <a:bodyPr spcFirstLastPara="0" vert="horz" wrap="square" lIns="41910" tIns="41910" rIns="41910" bIns="41910" numCol="1" spcCol="1270" anchor="t" anchorCtr="0">
-          <a:noAutofit/>
-        </a:bodyPr>
-        <a:lstStyle/>
-        <a:p>
-          <a:pPr marL="0" lvl="0" indent="0" algn="l" defTabSz="488950" latinLnBrk="1">
-            <a:lnSpc>
-              <a:spcPct val="90000"/>
-            </a:lnSpc>
-            <a:spcBef>
-              <a:spcPct val="0"/>
-            </a:spcBef>
-            <a:spcAft>
-              <a:spcPct val="35000"/>
-            </a:spcAft>
-            <a:buNone/>
-          </a:pPr>
-          <a:r>
-            <a:rPr lang="ko-KR" altLang="en-US" sz="1100" b="1" kern="1200" dirty="0">
-              <a:solidFill>
-                <a:srgbClr val="2AB9C7"/>
-              </a:solidFill>
-              <a:latin typeface="+mn-lt"/>
-            </a:rPr>
-            <a:t>서비스 대상</a:t>
-          </a:r>
-          <a:r>
-            <a:rPr lang="en-US" altLang="ko-KR" sz="1100" b="1" kern="1200" dirty="0">
-              <a:solidFill>
-                <a:srgbClr val="2AB9C7"/>
-              </a:solidFill>
-              <a:latin typeface="+mn-lt"/>
-            </a:rPr>
-            <a:t>/ </a:t>
-          </a:r>
-          <a:r>
-            <a:rPr lang="ko-KR" altLang="en-US" sz="1100" b="1" kern="1200" dirty="0">
-              <a:solidFill>
-                <a:srgbClr val="2AB9C7"/>
-              </a:solidFill>
-              <a:latin typeface="+mn-lt"/>
-            </a:rPr>
-            <a:t>타깃 </a:t>
-          </a:r>
-          <a:r>
-            <a:rPr lang="en-US" altLang="ko-KR" sz="1100" b="0" kern="1200" dirty="0">
-              <a:solidFill>
-                <a:schemeClr val="tx1">
-                  <a:lumMod val="75000"/>
-                  <a:lumOff val="25000"/>
-                </a:schemeClr>
-              </a:solidFill>
-              <a:latin typeface="+mn-lt"/>
-            </a:rPr>
-            <a:t>: </a:t>
-          </a:r>
-          <a:endParaRPr lang="ko-KR" altLang="en-US" sz="1100" b="0" kern="1200" dirty="0">
-            <a:solidFill>
-              <a:schemeClr val="tx1">
-                <a:lumMod val="75000"/>
-                <a:lumOff val="25000"/>
-              </a:schemeClr>
-            </a:solidFill>
-            <a:latin typeface="+mn-lt"/>
-          </a:endParaRPr>
-        </a:p>
-      </dsp:txBody>
-      <dsp:txXfrm>
-        <a:off x="2082103" y="2103997"/>
-        <a:ext cx="7602097" cy="638558"/>
-      </dsp:txXfrm>
-    </dsp:sp>
-    <dsp:sp modelId="{D235D982-58AD-4B15-9D8D-F549E4F32805}">
-      <dsp:nvSpPr>
-        <dsp:cNvPr id="0" name=""/>
-        <dsp:cNvSpPr/>
-      </dsp:nvSpPr>
-      <dsp:spPr>
-        <a:xfrm>
-          <a:off x="1936840" y="2742556"/>
-          <a:ext cx="7747360" cy="0"/>
-        </a:xfrm>
-        <a:prstGeom prst="line">
-          <a:avLst/>
-        </a:prstGeom>
-        <a:solidFill>
-          <a:schemeClr val="accent1">
-            <a:hueOff val="0"/>
-            <a:satOff val="0"/>
-            <a:lumOff val="0"/>
-            <a:alphaOff val="0"/>
-          </a:schemeClr>
-        </a:solidFill>
-        <a:ln w="12700" cap="flat" cmpd="sng" algn="ctr">
-          <a:solidFill>
-            <a:schemeClr val="accent1">
-              <a:tint val="50000"/>
-              <a:hueOff val="0"/>
-              <a:satOff val="0"/>
-              <a:lumOff val="0"/>
-              <a:alphaOff val="0"/>
-            </a:schemeClr>
-          </a:solidFill>
-          <a:prstDash val="solid"/>
-          <a:miter lim="800000"/>
-        </a:ln>
-        <a:effectLst/>
-      </dsp:spPr>
-      <dsp:style>
-        <a:lnRef idx="2">
-          <a:scrgbClr r="0" g="0" b="0"/>
-        </a:lnRef>
-        <a:fillRef idx="1">
-          <a:scrgbClr r="0" g="0" b="0"/>
-        </a:fillRef>
-        <a:effectRef idx="0">
-          <a:scrgbClr r="0" g="0" b="0"/>
-        </a:effectRef>
-        <a:fontRef idx="minor"/>
-      </dsp:style>
-    </dsp:sp>
-    <dsp:sp modelId="{4F06D6B1-2BB4-4075-A033-688B589B0B14}">
-      <dsp:nvSpPr>
-        <dsp:cNvPr id="0" name=""/>
-        <dsp:cNvSpPr/>
-      </dsp:nvSpPr>
-      <dsp:spPr>
-        <a:xfrm>
-          <a:off x="2082103" y="2789636"/>
-          <a:ext cx="7602097" cy="638558"/>
-        </a:xfrm>
-        <a:prstGeom prst="rect">
-          <a:avLst/>
-        </a:prstGeom>
-        <a:noFill/>
-        <a:ln>
-          <a:noFill/>
-        </a:ln>
-        <a:effectLst/>
-      </dsp:spPr>
-      <dsp:style>
-        <a:lnRef idx="0">
-          <a:scrgbClr r="0" g="0" b="0"/>
-        </a:lnRef>
-        <a:fillRef idx="0">
-          <a:scrgbClr r="0" g="0" b="0"/>
-        </a:fillRef>
-        <a:effectRef idx="0">
-          <a:scrgbClr r="0" g="0" b="0"/>
-        </a:effectRef>
-        <a:fontRef idx="minor"/>
-      </dsp:style>
-      <dsp:txBody>
-        <a:bodyPr spcFirstLastPara="0" vert="horz" wrap="square" lIns="41910" tIns="41910" rIns="41910" bIns="41910" numCol="1" spcCol="1270" anchor="t" anchorCtr="0">
-          <a:noAutofit/>
-        </a:bodyPr>
-        <a:lstStyle/>
-        <a:p>
-          <a:pPr marL="0" lvl="0" indent="0" algn="l" defTabSz="488950" latinLnBrk="1">
-            <a:lnSpc>
-              <a:spcPct val="90000"/>
-            </a:lnSpc>
-            <a:spcBef>
-              <a:spcPct val="0"/>
-            </a:spcBef>
-            <a:spcAft>
-              <a:spcPct val="35000"/>
-            </a:spcAft>
-            <a:buNone/>
-          </a:pPr>
-          <a:r>
-            <a:rPr lang="ko-KR" altLang="en-US" sz="1100" b="1" kern="1200" dirty="0">
-              <a:solidFill>
-                <a:srgbClr val="2AB9C7"/>
-              </a:solidFill>
-              <a:latin typeface="+mn-lt"/>
-            </a:rPr>
-            <a:t>로고 사용 규정 유</a:t>
-          </a:r>
-          <a:r>
-            <a:rPr lang="en-US" altLang="ko-KR" sz="1100" b="1" kern="1200" dirty="0">
-              <a:solidFill>
-                <a:srgbClr val="2AB9C7"/>
-              </a:solidFill>
-              <a:latin typeface="+mn-lt"/>
-            </a:rPr>
-            <a:t>/</a:t>
-          </a:r>
-          <a:r>
-            <a:rPr lang="ko-KR" altLang="en-US" sz="1100" b="1" kern="1200" dirty="0">
-              <a:solidFill>
-                <a:srgbClr val="2AB9C7"/>
-              </a:solidFill>
-              <a:latin typeface="+mn-lt"/>
-            </a:rPr>
-            <a:t>무 </a:t>
-          </a:r>
-          <a:r>
-            <a:rPr lang="en-US" altLang="ko-KR" sz="1100" b="0" kern="1200" dirty="0">
-              <a:solidFill>
-                <a:schemeClr val="tx1">
-                  <a:lumMod val="75000"/>
-                  <a:lumOff val="25000"/>
-                </a:schemeClr>
-              </a:solidFill>
-              <a:latin typeface="+mn-lt"/>
-            </a:rPr>
-            <a:t>:</a:t>
-          </a:r>
-          <a:endParaRPr lang="ko-KR" altLang="en-US" sz="1100" b="0" kern="1200" dirty="0">
-            <a:solidFill>
-              <a:schemeClr val="tx1">
-                <a:lumMod val="75000"/>
-                <a:lumOff val="25000"/>
-              </a:schemeClr>
-            </a:solidFill>
-            <a:latin typeface="+mn-lt"/>
-          </a:endParaRPr>
-        </a:p>
-      </dsp:txBody>
-      <dsp:txXfrm>
-        <a:off x="2082103" y="2789636"/>
-        <a:ext cx="7602097" cy="638558"/>
-      </dsp:txXfrm>
-    </dsp:sp>
-    <dsp:sp modelId="{D0A004F4-AD23-44AD-ADB5-BAD672B8AB1E}">
-      <dsp:nvSpPr>
-        <dsp:cNvPr id="0" name=""/>
-        <dsp:cNvSpPr/>
-      </dsp:nvSpPr>
-      <dsp:spPr>
-        <a:xfrm>
-          <a:off x="1936840" y="3428195"/>
-          <a:ext cx="7747360" cy="0"/>
-        </a:xfrm>
-        <a:prstGeom prst="line">
-          <a:avLst/>
-        </a:prstGeom>
-        <a:solidFill>
-          <a:schemeClr val="accent1">
-            <a:hueOff val="0"/>
-            <a:satOff val="0"/>
-            <a:lumOff val="0"/>
-            <a:alphaOff val="0"/>
-          </a:schemeClr>
-        </a:solidFill>
-        <a:ln w="12700" cap="flat" cmpd="sng" algn="ctr">
-          <a:solidFill>
-            <a:schemeClr val="accent1">
-              <a:tint val="50000"/>
-              <a:hueOff val="0"/>
-              <a:satOff val="0"/>
-              <a:lumOff val="0"/>
-              <a:alphaOff val="0"/>
-            </a:schemeClr>
-          </a:solidFill>
-          <a:prstDash val="solid"/>
-          <a:miter lim="800000"/>
-        </a:ln>
-        <a:effectLst/>
-      </dsp:spPr>
-      <dsp:style>
-        <a:lnRef idx="2">
-          <a:scrgbClr r="0" g="0" b="0"/>
-        </a:lnRef>
-        <a:fillRef idx="1">
-          <a:scrgbClr r="0" g="0" b="0"/>
-        </a:fillRef>
-        <a:effectRef idx="0">
-          <a:scrgbClr r="0" g="0" b="0"/>
-        </a:effectRef>
-        <a:fontRef idx="minor"/>
-      </dsp:style>
-    </dsp:sp>
-  </dsp:spTree>
-</dsp:drawing>
-</file>
-
-<file path=ppt/diagrams/drawing2.xml><?xml version="1.0" encoding="utf-8"?>
-<dsp:drawing xmlns:dgm="http://schemas.openxmlformats.org/drawingml/2006/diagram" xmlns:dsp="http://schemas.microsoft.com/office/drawing/2008/diagram" xmlns:a="http://schemas.openxmlformats.org/drawingml/2006/main">
-  <dsp:spTree>
-    <dsp:nvGrpSpPr>
-      <dsp:cNvPr id="0" name=""/>
-      <dsp:cNvGrpSpPr/>
-    </dsp:nvGrpSpPr>
-    <dsp:grpSpPr/>
-    <dsp:sp modelId="{BAECB982-55FA-4202-8E27-F6B6CC2287CD}">
-      <dsp:nvSpPr>
-        <dsp:cNvPr id="0" name=""/>
-        <dsp:cNvSpPr/>
-      </dsp:nvSpPr>
-      <dsp:spPr>
-        <a:xfrm>
-          <a:off x="0" y="0"/>
-          <a:ext cx="9684201" cy="0"/>
-        </a:xfrm>
-        <a:prstGeom prst="line">
-          <a:avLst/>
-        </a:prstGeom>
-        <a:solidFill>
-          <a:schemeClr val="accent1">
-            <a:hueOff val="0"/>
-            <a:satOff val="0"/>
-            <a:lumOff val="0"/>
-            <a:alphaOff val="0"/>
-          </a:schemeClr>
-        </a:solidFill>
-        <a:ln w="12700" cap="flat" cmpd="sng" algn="ctr">
-          <a:solidFill>
-            <a:schemeClr val="accent1">
-              <a:hueOff val="0"/>
-              <a:satOff val="0"/>
-              <a:lumOff val="0"/>
-              <a:alphaOff val="0"/>
-            </a:schemeClr>
-          </a:solidFill>
-          <a:prstDash val="solid"/>
-          <a:miter lim="800000"/>
-        </a:ln>
-        <a:effectLst/>
-      </dsp:spPr>
-      <dsp:style>
-        <a:lnRef idx="2">
-          <a:scrgbClr r="0" g="0" b="0"/>
-        </a:lnRef>
-        <a:fillRef idx="1">
-          <a:scrgbClr r="0" g="0" b="0"/>
-        </a:fillRef>
-        <a:effectRef idx="0">
-          <a:scrgbClr r="0" g="0" b="0"/>
-        </a:effectRef>
-        <a:fontRef idx="minor">
-          <a:schemeClr val="lt1"/>
-        </a:fontRef>
-      </dsp:style>
-    </dsp:sp>
-    <dsp:sp modelId="{53626961-974F-4A63-9DA8-CD56D99EE4DF}">
-      <dsp:nvSpPr>
-        <dsp:cNvPr id="0" name=""/>
-        <dsp:cNvSpPr/>
-      </dsp:nvSpPr>
-      <dsp:spPr>
-        <a:xfrm>
-          <a:off x="0" y="0"/>
-          <a:ext cx="1936840" cy="3910020"/>
+          <a:off x="0" y="1909"/>
+          <a:ext cx="1936840" cy="3906201"/>
         </a:xfrm>
         <a:prstGeom prst="rect">
           <a:avLst/>
@@ -4022,8 +2168,8 @@
         </a:p>
       </dsp:txBody>
       <dsp:txXfrm>
-        <a:off x="0" y="0"/>
-        <a:ext cx="1936840" cy="3910020"/>
+        <a:off x="0" y="1909"/>
+        <a:ext cx="1936840" cy="3906201"/>
       </dsp:txXfrm>
     </dsp:sp>
     <dsp:sp modelId="{B292DB37-5DAC-4239-B187-DFD8D1E45EBC}">
@@ -4033,8 +2179,8 @@
       </dsp:nvSpPr>
       <dsp:spPr>
         <a:xfrm>
-          <a:off x="2082103" y="44197"/>
-          <a:ext cx="7602097" cy="599462"/>
+          <a:off x="2082103" y="46063"/>
+          <a:ext cx="7602097" cy="598877"/>
         </a:xfrm>
         <a:prstGeom prst="rect">
           <a:avLst/>
@@ -4096,6 +2242,125 @@
             </a:rPr>
             <a:t>: </a:t>
           </a:r>
+          <a:r>
+            <a:rPr lang="ko-KR" altLang="en-US" sz="1100" b="0" kern="1200" dirty="0">
+              <a:solidFill>
+                <a:schemeClr val="tx1">
+                  <a:lumMod val="75000"/>
+                  <a:lumOff val="25000"/>
+                </a:schemeClr>
+              </a:solidFill>
+              <a:latin typeface="+mn-lt"/>
+            </a:rPr>
+            <a:t>단순하고 심플하지만 기능적인 부분에서 좀더 새로운 변화를 원함</a:t>
+          </a:r>
+          <a:endParaRPr lang="en-US" altLang="ko-KR" sz="1100" b="0" kern="1200" dirty="0">
+            <a:solidFill>
+              <a:schemeClr val="tx1">
+                <a:lumMod val="75000"/>
+                <a:lumOff val="25000"/>
+              </a:schemeClr>
+            </a:solidFill>
+            <a:latin typeface="+mn-lt"/>
+          </a:endParaRPr>
+        </a:p>
+        <a:p>
+          <a:pPr marL="0" lvl="0" indent="0" algn="l" defTabSz="488950" latinLnBrk="1">
+            <a:lnSpc>
+              <a:spcPct val="90000"/>
+            </a:lnSpc>
+            <a:spcBef>
+              <a:spcPct val="0"/>
+            </a:spcBef>
+            <a:spcAft>
+              <a:spcPct val="35000"/>
+            </a:spcAft>
+            <a:buNone/>
+          </a:pPr>
+          <a:r>
+            <a:rPr lang="ko-KR" altLang="en-US" sz="1100" b="0" kern="1200" dirty="0">
+              <a:solidFill>
+                <a:schemeClr val="tx1">
+                  <a:lumMod val="75000"/>
+                  <a:lumOff val="25000"/>
+                </a:schemeClr>
+              </a:solidFill>
+              <a:latin typeface="+mn-lt"/>
+            </a:rPr>
+            <a:t>좀더 </a:t>
+          </a:r>
+          <a:r>
+            <a:rPr lang="ko-KR" altLang="en-US" sz="1100" b="0" kern="1200" dirty="0" err="1">
+              <a:solidFill>
+                <a:schemeClr val="tx1">
+                  <a:lumMod val="75000"/>
+                  <a:lumOff val="25000"/>
+                </a:schemeClr>
+              </a:solidFill>
+              <a:latin typeface="+mn-lt"/>
+            </a:rPr>
+            <a:t>트렌드있는</a:t>
+          </a:r>
+          <a:r>
+            <a:rPr lang="ko-KR" altLang="en-US" sz="1100" b="0" kern="1200" dirty="0">
+              <a:solidFill>
+                <a:schemeClr val="tx1">
+                  <a:lumMod val="75000"/>
+                  <a:lumOff val="25000"/>
+                </a:schemeClr>
+              </a:solidFill>
+              <a:latin typeface="+mn-lt"/>
+            </a:rPr>
+            <a:t> 변화와 </a:t>
+          </a:r>
+          <a:r>
+            <a:rPr lang="ko-KR" altLang="en-US" sz="1100" b="0" kern="1200" dirty="0" err="1">
+              <a:solidFill>
+                <a:schemeClr val="tx1">
+                  <a:lumMod val="75000"/>
+                  <a:lumOff val="25000"/>
+                </a:schemeClr>
+              </a:solidFill>
+              <a:latin typeface="+mn-lt"/>
+            </a:rPr>
+            <a:t>새로운기술이</a:t>
+          </a:r>
+          <a:r>
+            <a:rPr lang="ko-KR" altLang="en-US" sz="1100" b="0" kern="1200" dirty="0">
+              <a:solidFill>
+                <a:schemeClr val="tx1">
+                  <a:lumMod val="75000"/>
+                  <a:lumOff val="25000"/>
+                </a:schemeClr>
+              </a:solidFill>
+              <a:latin typeface="+mn-lt"/>
+            </a:rPr>
+            <a:t> </a:t>
+          </a:r>
+          <a:r>
+            <a:rPr lang="ko-KR" altLang="en-US" sz="1100" b="0" kern="1200" dirty="0" err="1">
+              <a:solidFill>
+                <a:schemeClr val="tx1">
+                  <a:lumMod val="75000"/>
+                  <a:lumOff val="25000"/>
+                </a:schemeClr>
+              </a:solidFill>
+              <a:latin typeface="+mn-lt"/>
+            </a:rPr>
+            <a:t>적용되길바람</a:t>
+          </a:r>
+          <a:r>
+            <a:rPr lang="en-US" altLang="ko-KR" sz="1100" b="0" kern="1200" dirty="0">
+              <a:solidFill>
+                <a:schemeClr val="tx1">
+                  <a:lumMod val="75000"/>
+                  <a:lumOff val="25000"/>
+                </a:schemeClr>
+              </a:solidFill>
+              <a:latin typeface="+mn-lt"/>
+            </a:rPr>
+            <a:t> </a:t>
+          </a:r>
           <a:endParaRPr lang="ko-KR" altLang="en-US" sz="1100" b="0" kern="1200" dirty="0">
             <a:solidFill>
               <a:schemeClr val="tx1">
@@ -4108,8 +2373,8 @@
         </a:p>
       </dsp:txBody>
       <dsp:txXfrm>
-        <a:off x="2082103" y="44197"/>
-        <a:ext cx="7602097" cy="599462"/>
+        <a:off x="2082103" y="46063"/>
+        <a:ext cx="7602097" cy="598877"/>
       </dsp:txXfrm>
     </dsp:sp>
     <dsp:sp modelId="{4110832E-0718-476E-A490-037F526FEE32}">
@@ -4119,7 +2384,7 @@
       </dsp:nvSpPr>
       <dsp:spPr>
         <a:xfrm>
-          <a:off x="1936840" y="643660"/>
+          <a:off x="1936840" y="644941"/>
           <a:ext cx="7747360" cy="0"/>
         </a:xfrm>
         <a:prstGeom prst="line">
@@ -4168,8 +2433,8 @@
       </dsp:nvSpPr>
       <dsp:spPr>
         <a:xfrm>
-          <a:off x="2082103" y="687858"/>
-          <a:ext cx="7602097" cy="599462"/>
+          <a:off x="2082103" y="689095"/>
+          <a:ext cx="7602097" cy="598877"/>
         </a:xfrm>
         <a:prstGeom prst="rect">
           <a:avLst/>
@@ -4243,20 +2508,251 @@
             </a:rPr>
             <a:t>: </a:t>
           </a:r>
-          <a:endParaRPr lang="ko-KR" altLang="en-US" sz="1100" b="0" kern="1200" dirty="0">
-            <a:solidFill>
-              <a:schemeClr val="tx1">
-                <a:lumMod val="75000"/>
-                <a:lumOff val="25000"/>
-              </a:schemeClr>
-            </a:solidFill>
-            <a:latin typeface="+mn-lt"/>
-          </a:endParaRPr>
+          <a:r>
+            <a:rPr lang="ko-KR" altLang="en-US" sz="1100" b="0" kern="1200" dirty="0" err="1">
+              <a:solidFill>
+                <a:schemeClr val="tx1">
+                  <a:lumMod val="75000"/>
+                  <a:lumOff val="25000"/>
+                </a:schemeClr>
+              </a:solidFill>
+              <a:latin typeface="+mn-lt"/>
+            </a:rPr>
+            <a:t>쿠첸의</a:t>
+          </a:r>
+          <a:r>
+            <a:rPr lang="ko-KR" altLang="en-US" sz="1100" b="0" kern="1200" dirty="0">
+              <a:solidFill>
+                <a:schemeClr val="tx1">
+                  <a:lumMod val="75000"/>
+                  <a:lumOff val="25000"/>
+                </a:schemeClr>
+              </a:solidFill>
+              <a:latin typeface="+mn-lt"/>
+            </a:rPr>
+            <a:t> </a:t>
+          </a:r>
+          <a:r>
+            <a:rPr lang="ko-KR" altLang="en-US" sz="1100" b="0" kern="1200" dirty="0" err="1">
+              <a:solidFill>
+                <a:schemeClr val="tx1">
+                  <a:lumMod val="75000"/>
+                  <a:lumOff val="25000"/>
+                </a:schemeClr>
+              </a:solidFill>
+              <a:latin typeface="+mn-lt"/>
+            </a:rPr>
+            <a:t>바른기업의</a:t>
+          </a:r>
+          <a:r>
+            <a:rPr lang="ko-KR" altLang="en-US" sz="1100" b="0" kern="1200" dirty="0">
+              <a:solidFill>
+                <a:schemeClr val="tx1">
+                  <a:lumMod val="75000"/>
+                  <a:lumOff val="25000"/>
+                </a:schemeClr>
+              </a:solidFill>
+              <a:latin typeface="+mn-lt"/>
+            </a:rPr>
+            <a:t> 이미지와 </a:t>
+          </a:r>
+          <a:r>
+            <a:rPr lang="ko-KR" altLang="en-US" sz="1100" b="0" kern="1200" dirty="0" err="1">
+              <a:solidFill>
+                <a:schemeClr val="tx1">
+                  <a:lumMod val="75000"/>
+                  <a:lumOff val="25000"/>
+                </a:schemeClr>
+              </a:solidFill>
+              <a:latin typeface="+mn-lt"/>
+            </a:rPr>
+            <a:t>소비자를위한</a:t>
+          </a:r>
+          <a:r>
+            <a:rPr lang="ko-KR" altLang="en-US" sz="1100" b="0" kern="1200" dirty="0">
+              <a:solidFill>
+                <a:schemeClr val="tx1">
+                  <a:lumMod val="75000"/>
+                  <a:lumOff val="25000"/>
+                </a:schemeClr>
+              </a:solidFill>
+              <a:latin typeface="+mn-lt"/>
+            </a:rPr>
+            <a:t> 경영이 돋보일수록 </a:t>
+          </a:r>
+          <a:r>
+            <a:rPr lang="ko-KR" altLang="en-US" sz="1100" b="0" kern="1200" dirty="0" err="1">
+              <a:solidFill>
+                <a:schemeClr val="tx1">
+                  <a:lumMod val="75000"/>
+                  <a:lumOff val="25000"/>
+                </a:schemeClr>
+              </a:solidFill>
+              <a:latin typeface="+mn-lt"/>
+            </a:rPr>
+            <a:t>조금더</a:t>
+          </a:r>
+          <a:r>
+            <a:rPr lang="ko-KR" altLang="en-US" sz="1100" b="0" kern="1200" dirty="0">
+              <a:solidFill>
+                <a:schemeClr val="tx1">
+                  <a:lumMod val="75000"/>
+                  <a:lumOff val="25000"/>
+                </a:schemeClr>
+              </a:solidFill>
+              <a:latin typeface="+mn-lt"/>
+            </a:rPr>
+            <a:t> </a:t>
+          </a:r>
+          <a:r>
+            <a:rPr lang="ko-KR" altLang="en-US" sz="1100" b="0" kern="1200" dirty="0" err="1">
+              <a:solidFill>
+                <a:schemeClr val="tx1">
+                  <a:lumMod val="75000"/>
+                  <a:lumOff val="25000"/>
+                </a:schemeClr>
+              </a:solidFill>
+              <a:latin typeface="+mn-lt"/>
+            </a:rPr>
+            <a:t>소비자의편리함과</a:t>
+          </a:r>
+          <a:r>
+            <a:rPr lang="ko-KR" altLang="en-US" sz="1100" b="0" kern="1200" dirty="0">
+              <a:solidFill>
+                <a:schemeClr val="tx1">
+                  <a:lumMod val="75000"/>
+                  <a:lumOff val="25000"/>
+                </a:schemeClr>
+              </a:solidFill>
+              <a:latin typeface="+mn-lt"/>
+            </a:rPr>
+            <a:t> </a:t>
+          </a:r>
+          <a:r>
+            <a:rPr lang="ko-KR" altLang="en-US" sz="1100" b="0" kern="1200" dirty="0" err="1">
+              <a:solidFill>
+                <a:schemeClr val="tx1">
+                  <a:lumMod val="75000"/>
+                  <a:lumOff val="25000"/>
+                </a:schemeClr>
+              </a:solidFill>
+              <a:latin typeface="+mn-lt"/>
+            </a:rPr>
+            <a:t>합리적인가격을제시하며</a:t>
+          </a:r>
+          <a:r>
+            <a:rPr lang="ko-KR" altLang="en-US" sz="1100" b="0" kern="1200" dirty="0">
+              <a:solidFill>
+                <a:schemeClr val="tx1">
+                  <a:lumMod val="75000"/>
+                  <a:lumOff val="25000"/>
+                </a:schemeClr>
+              </a:solidFill>
+              <a:latin typeface="+mn-lt"/>
+            </a:rPr>
+            <a:t> </a:t>
+          </a:r>
+          <a:r>
+            <a:rPr lang="ko-KR" altLang="en-US" sz="1100" b="0" kern="1200" dirty="0" err="1">
+              <a:solidFill>
+                <a:schemeClr val="tx1">
+                  <a:lumMod val="75000"/>
+                  <a:lumOff val="25000"/>
+                </a:schemeClr>
+              </a:solidFill>
+              <a:latin typeface="+mn-lt"/>
+            </a:rPr>
+            <a:t>쿠첸의</a:t>
+          </a:r>
+          <a:r>
+            <a:rPr lang="ko-KR" altLang="en-US" sz="1100" b="0" kern="1200" dirty="0">
+              <a:solidFill>
+                <a:schemeClr val="tx1">
+                  <a:lumMod val="75000"/>
+                  <a:lumOff val="25000"/>
+                </a:schemeClr>
+              </a:solidFill>
+              <a:latin typeface="+mn-lt"/>
+            </a:rPr>
+            <a:t> 비전이 </a:t>
+          </a:r>
+          <a:r>
+            <a:rPr lang="ko-KR" altLang="en-US" sz="1100" b="0" kern="1200" dirty="0" err="1">
+              <a:solidFill>
+                <a:schemeClr val="tx1">
+                  <a:lumMod val="75000"/>
+                  <a:lumOff val="25000"/>
+                </a:schemeClr>
+              </a:solidFill>
+              <a:latin typeface="+mn-lt"/>
+            </a:rPr>
+            <a:t>돋보이길바라며</a:t>
+          </a:r>
+          <a:r>
+            <a:rPr lang="ko-KR" altLang="en-US" sz="1100" b="0" kern="1200" dirty="0">
+              <a:solidFill>
+                <a:schemeClr val="tx1">
+                  <a:lumMod val="75000"/>
+                  <a:lumOff val="25000"/>
+                </a:schemeClr>
+              </a:solidFill>
+              <a:latin typeface="+mn-lt"/>
+            </a:rPr>
+            <a:t> </a:t>
+          </a:r>
+          <a:r>
+            <a:rPr lang="ko-KR" altLang="en-US" sz="1100" b="0" kern="1200" dirty="0" err="1">
+              <a:solidFill>
+                <a:schemeClr val="tx1">
+                  <a:lumMod val="75000"/>
+                  <a:lumOff val="25000"/>
+                </a:schemeClr>
+              </a:solidFill>
+              <a:latin typeface="+mn-lt"/>
+            </a:rPr>
+            <a:t>새로운기술도입과</a:t>
+          </a:r>
+          <a:r>
+            <a:rPr lang="ko-KR" altLang="en-US" sz="1100" b="0" kern="1200" dirty="0">
+              <a:solidFill>
+                <a:schemeClr val="tx1">
+                  <a:lumMod val="75000"/>
+                  <a:lumOff val="25000"/>
+                </a:schemeClr>
+              </a:solidFill>
+              <a:latin typeface="+mn-lt"/>
+            </a:rPr>
+            <a:t> 트렌드에 맞는 </a:t>
+          </a:r>
+          <a:r>
+            <a:rPr lang="ko-KR" altLang="en-US" sz="1100" b="0" kern="1200" dirty="0" err="1">
+              <a:solidFill>
+                <a:schemeClr val="tx1">
+                  <a:lumMod val="75000"/>
+                  <a:lumOff val="25000"/>
+                </a:schemeClr>
+              </a:solidFill>
+              <a:latin typeface="+mn-lt"/>
+            </a:rPr>
+            <a:t>휘기전인</a:t>
+          </a:r>
+          <a:r>
+            <a:rPr lang="ko-KR" altLang="en-US" sz="1100" b="0" kern="1200" dirty="0">
+              <a:solidFill>
+                <a:schemeClr val="tx1">
+                  <a:lumMod val="75000"/>
+                  <a:lumOff val="25000"/>
+                </a:schemeClr>
+              </a:solidFill>
+              <a:latin typeface="+mn-lt"/>
+            </a:rPr>
+            <a:t> 신선함이 필요</a:t>
+          </a:r>
         </a:p>
       </dsp:txBody>
       <dsp:txXfrm>
-        <a:off x="2082103" y="687858"/>
-        <a:ext cx="7602097" cy="599462"/>
+        <a:off x="2082103" y="689095"/>
+        <a:ext cx="7602097" cy="598877"/>
       </dsp:txXfrm>
     </dsp:sp>
     <dsp:sp modelId="{AD911FAF-521A-4820-A828-D3E3718C95AE}">
@@ -4266,7 +2762,7 @@
       </dsp:nvSpPr>
       <dsp:spPr>
         <a:xfrm>
-          <a:off x="1936840" y="1287320"/>
+          <a:off x="1936840" y="1287972"/>
           <a:ext cx="7747360" cy="0"/>
         </a:xfrm>
         <a:prstGeom prst="line">
@@ -4315,8 +2811,8 @@
       </dsp:nvSpPr>
       <dsp:spPr>
         <a:xfrm>
-          <a:off x="2082103" y="1331518"/>
-          <a:ext cx="7602097" cy="599462"/>
+          <a:off x="2082103" y="1332127"/>
+          <a:ext cx="7602097" cy="598877"/>
         </a:xfrm>
         <a:prstGeom prst="rect">
           <a:avLst/>
@@ -4378,6 +2874,30 @@
             </a:rPr>
             <a:t>: </a:t>
           </a:r>
+          <a:r>
+            <a:rPr lang="ko-KR" altLang="en-US" sz="1100" b="0" kern="1200" dirty="0">
+              <a:solidFill>
+                <a:schemeClr val="tx1">
+                  <a:lumMod val="75000"/>
+                  <a:lumOff val="25000"/>
+                </a:schemeClr>
+              </a:solidFill>
+              <a:latin typeface="+mn-lt"/>
+            </a:rPr>
+            <a:t>새로운 기능 도입</a:t>
+          </a:r>
+          <a:r>
+            <a:rPr lang="en-US" altLang="ko-KR" sz="1100" b="0" kern="1200" dirty="0">
+              <a:solidFill>
+                <a:schemeClr val="tx1">
+                  <a:lumMod val="75000"/>
+                  <a:lumOff val="25000"/>
+                </a:schemeClr>
+              </a:solidFill>
+              <a:latin typeface="+mn-lt"/>
+            </a:rPr>
+            <a:t>	 </a:t>
+          </a:r>
           <a:endParaRPr lang="ko-KR" altLang="en-US" sz="1100" b="0" kern="1200" dirty="0">
             <a:solidFill>
               <a:schemeClr val="tx1">
@@ -4390,8 +2910,8 @@
         </a:p>
       </dsp:txBody>
       <dsp:txXfrm>
-        <a:off x="2082103" y="1331518"/>
-        <a:ext cx="7602097" cy="599462"/>
+        <a:off x="2082103" y="1332127"/>
+        <a:ext cx="7602097" cy="598877"/>
       </dsp:txXfrm>
     </dsp:sp>
     <dsp:sp modelId="{CF05C026-DB91-43DB-A06E-46B09EDF745D}">
@@ -4401,7 +2921,7 @@
       </dsp:nvSpPr>
       <dsp:spPr>
         <a:xfrm>
-          <a:off x="1936840" y="1930981"/>
+          <a:off x="1936840" y="1931004"/>
           <a:ext cx="7747360" cy="0"/>
         </a:xfrm>
         <a:prstGeom prst="line">
@@ -4450,8 +2970,8 @@
       </dsp:nvSpPr>
       <dsp:spPr>
         <a:xfrm>
-          <a:off x="2082103" y="1975179"/>
-          <a:ext cx="7602097" cy="599462"/>
+          <a:off x="2082103" y="1975159"/>
+          <a:ext cx="7602097" cy="598877"/>
         </a:xfrm>
         <a:prstGeom prst="rect">
           <a:avLst/>
@@ -4511,22 +3031,25 @@
               </a:solidFill>
               <a:latin typeface="+mn-lt"/>
             </a:rPr>
-            <a:t>: </a:t>
+            <a:t>:  </a:t>
           </a:r>
-          <a:endParaRPr lang="ko-KR" altLang="en-US" sz="1100" b="0" kern="1200" dirty="0">
-            <a:solidFill>
-              <a:schemeClr val="tx1">
-                <a:lumMod val="75000"/>
-                <a:lumOff val="25000"/>
-              </a:schemeClr>
-            </a:solidFill>
-            <a:latin typeface="+mn-lt"/>
-          </a:endParaRPr>
+          <a:r>
+            <a:rPr lang="ko-KR" altLang="en-US" sz="1100" b="0" kern="1200" dirty="0">
+              <a:solidFill>
+                <a:schemeClr val="tx1">
+                  <a:lumMod val="75000"/>
+                  <a:lumOff val="25000"/>
+                </a:schemeClr>
+              </a:solidFill>
+              <a:latin typeface="+mn-lt"/>
+            </a:rPr>
+            <a:t>흰색 그레이 오렌지 보리 블랙  </a:t>
+          </a:r>
         </a:p>
       </dsp:txBody>
       <dsp:txXfrm>
-        <a:off x="2082103" y="1975179"/>
-        <a:ext cx="7602097" cy="599462"/>
+        <a:off x="2082103" y="1975159"/>
+        <a:ext cx="7602097" cy="598877"/>
       </dsp:txXfrm>
     </dsp:sp>
     <dsp:sp modelId="{D235D982-58AD-4B15-9D8D-F549E4F32805}">
@@ -4536,7 +3059,7 @@
       </dsp:nvSpPr>
       <dsp:spPr>
         <a:xfrm>
-          <a:off x="1936840" y="2574641"/>
+          <a:off x="1936840" y="2574036"/>
           <a:ext cx="7747360" cy="0"/>
         </a:xfrm>
         <a:prstGeom prst="line">
@@ -4585,8 +3108,8 @@
       </dsp:nvSpPr>
       <dsp:spPr>
         <a:xfrm>
-          <a:off x="2082103" y="2618839"/>
-          <a:ext cx="7602097" cy="599462"/>
+          <a:off x="2082103" y="2618191"/>
+          <a:ext cx="7602097" cy="598877"/>
         </a:xfrm>
         <a:prstGeom prst="rect">
           <a:avLst/>
@@ -4646,22 +3169,49 @@
               </a:solidFill>
               <a:latin typeface="+mn-lt"/>
             </a:rPr>
-            <a:t>:</a:t>
+            <a:t>: </a:t>
           </a:r>
-          <a:endParaRPr lang="ko-KR" altLang="en-US" sz="1100" b="0" kern="1200" dirty="0">
-            <a:solidFill>
-              <a:schemeClr val="tx1">
-                <a:lumMod val="75000"/>
-                <a:lumOff val="25000"/>
-              </a:schemeClr>
-            </a:solidFill>
-            <a:latin typeface="+mn-lt"/>
-          </a:endParaRPr>
+          <a:r>
+            <a:rPr lang="ko-KR" altLang="en-US" sz="1100" b="0" kern="1200" dirty="0">
+              <a:solidFill>
+                <a:schemeClr val="tx1">
+                  <a:lumMod val="75000"/>
+                  <a:lumOff val="25000"/>
+                </a:schemeClr>
+              </a:solidFill>
+              <a:latin typeface="+mn-lt"/>
+            </a:rPr>
+            <a:t>단순 </a:t>
+          </a:r>
+          <a:r>
+            <a:rPr lang="ko-KR" altLang="en-US" sz="1100" b="0" kern="1200" dirty="0" err="1">
+              <a:solidFill>
+                <a:schemeClr val="tx1">
+                  <a:lumMod val="75000"/>
+                  <a:lumOff val="25000"/>
+                </a:schemeClr>
+              </a:solidFill>
+              <a:latin typeface="+mn-lt"/>
+            </a:rPr>
+            <a:t>심플</a:t>
+          </a:r>
+          <a:r>
+            <a:rPr lang="ko-KR" altLang="en-US" sz="1100" b="0" kern="1200" dirty="0">
+              <a:solidFill>
+                <a:schemeClr val="tx1">
+                  <a:lumMod val="75000"/>
+                  <a:lumOff val="25000"/>
+                </a:schemeClr>
+              </a:solidFill>
+              <a:latin typeface="+mn-lt"/>
+            </a:rPr>
+            <a:t> 간단 </a:t>
+          </a:r>
         </a:p>
       </dsp:txBody>
       <dsp:txXfrm>
-        <a:off x="2082103" y="2618839"/>
-        <a:ext cx="7602097" cy="599462"/>
+        <a:off x="2082103" y="2618191"/>
+        <a:ext cx="7602097" cy="598877"/>
       </dsp:txXfrm>
     </dsp:sp>
     <dsp:sp modelId="{D0A004F4-AD23-44AD-ADB5-BAD672B8AB1E}">
@@ -4671,7 +3221,7 @@
       </dsp:nvSpPr>
       <dsp:spPr>
         <a:xfrm>
-          <a:off x="1936840" y="3218302"/>
+          <a:off x="1936840" y="3217068"/>
           <a:ext cx="7747360" cy="0"/>
         </a:xfrm>
         <a:prstGeom prst="line">
@@ -4720,8 +3270,8 @@
       </dsp:nvSpPr>
       <dsp:spPr>
         <a:xfrm>
-          <a:off x="2082103" y="3262500"/>
-          <a:ext cx="7602097" cy="599462"/>
+          <a:off x="2082103" y="3261223"/>
+          <a:ext cx="7602097" cy="598877"/>
         </a:xfrm>
         <a:prstGeom prst="rect">
           <a:avLst/>
@@ -4817,22 +3367,25 @@
               </a:solidFill>
               <a:latin typeface="+mn-lt"/>
             </a:rPr>
-            <a:t>:</a:t>
+            <a:t>: </a:t>
           </a:r>
-          <a:endParaRPr lang="ko-KR" altLang="en-US" sz="1100" b="0" kern="1200" dirty="0">
-            <a:solidFill>
-              <a:schemeClr val="tx1">
-                <a:lumMod val="75000"/>
-                <a:lumOff val="25000"/>
-              </a:schemeClr>
-            </a:solidFill>
-            <a:latin typeface="+mn-lt"/>
-          </a:endParaRPr>
+          <a:r>
+            <a:rPr lang="ko-KR" altLang="en-US" sz="1100" b="0" kern="1200" dirty="0">
+              <a:solidFill>
+                <a:schemeClr val="tx1">
+                  <a:lumMod val="75000"/>
+                  <a:lumOff val="25000"/>
+                </a:schemeClr>
+              </a:solidFill>
+              <a:latin typeface="+mn-lt"/>
+            </a:rPr>
+            <a:t>전기 밥솥 전자레인지 </a:t>
+          </a:r>
         </a:p>
       </dsp:txBody>
       <dsp:txXfrm>
-        <a:off x="2082103" y="3262500"/>
-        <a:ext cx="7602097" cy="599462"/>
+        <a:off x="2082103" y="3261223"/>
+        <a:ext cx="7602097" cy="598877"/>
       </dsp:txXfrm>
     </dsp:sp>
     <dsp:sp modelId="{6E096DDC-14C4-46D7-B231-32A1E2CCD90A}">
@@ -4842,7 +3395,7 @@
       </dsp:nvSpPr>
       <dsp:spPr>
         <a:xfrm>
-          <a:off x="1936840" y="3861962"/>
+          <a:off x="1936840" y="3860100"/>
           <a:ext cx="7747360" cy="0"/>
         </a:xfrm>
         <a:prstGeom prst="line">
@@ -4889,472 +3442,6 @@
 </file>
 
 <file path=ppt/diagrams/layout1.xml><?xml version="1.0" encoding="utf-8"?>
-<dgm:layoutDef xmlns:dgm="http://schemas.openxmlformats.org/drawingml/2006/diagram" xmlns:a="http://schemas.openxmlformats.org/drawingml/2006/main" uniqueId="urn:microsoft.com/office/officeart/2008/layout/LinedList">
-  <dgm:title val=""/>
-  <dgm:desc val=""/>
-  <dgm:catLst>
-    <dgm:cat type="hierarchy" pri="8000"/>
-    <dgm:cat type="list" pri="2500"/>
-  </dgm:catLst>
-  <dgm:sampData>
-    <dgm:dataModel>
-      <dgm:ptLst>
-        <dgm:pt modelId="0" type="doc"/>
-        <dgm:pt modelId="1">
-          <dgm:prSet phldr="1"/>
-        </dgm:pt>
-        <dgm:pt modelId="11">
-          <dgm:prSet phldr="1"/>
-        </dgm:pt>
-        <dgm:pt modelId="12">
-          <dgm:prSet phldr="1"/>
-        </dgm:pt>
-        <dgm:pt modelId="13">
-          <dgm:prSet phldr="1"/>
-        </dgm:pt>
-      </dgm:ptLst>
-      <dgm:cxnLst>
-        <dgm:cxn modelId="2" srcId="0" destId="1" srcOrd="0" destOrd="0"/>
-        <dgm:cxn modelId="3" srcId="1" destId="11" srcOrd="0" destOrd="0"/>
-        <dgm:cxn modelId="4" srcId="1" destId="12" srcOrd="1" destOrd="0"/>
-        <dgm:cxn modelId="5" srcId="1" destId="13" srcOrd="2" destOrd="0"/>
-      </dgm:cxnLst>
-      <dgm:bg/>
-      <dgm:whole/>
-    </dgm:dataModel>
-  </dgm:sampData>
-  <dgm:styleData>
-    <dgm:dataModel>
-      <dgm:ptLst>
-        <dgm:pt modelId="0" type="doc"/>
-        <dgm:pt modelId="1">
-          <dgm:prSet phldr="1"/>
-        </dgm:pt>
-        <dgm:pt modelId="11">
-          <dgm:prSet phldr="1"/>
-        </dgm:pt>
-        <dgm:pt modelId="12">
-          <dgm:prSet phldr="1"/>
-        </dgm:pt>
-      </dgm:ptLst>
-      <dgm:cxnLst>
-        <dgm:cxn modelId="2" srcId="0" destId="1" srcOrd="0" destOrd="0"/>
-        <dgm:cxn modelId="3" srcId="1" destId="11" srcOrd="0" destOrd="0"/>
-        <dgm:cxn modelId="4" srcId="1" destId="12" srcOrd="1" destOrd="0"/>
-      </dgm:cxnLst>
-      <dgm:bg/>
-      <dgm:whole/>
-    </dgm:dataModel>
-  </dgm:styleData>
-  <dgm:clrData>
-    <dgm:dataModel>
-      <dgm:ptLst>
-        <dgm:pt modelId="0" type="doc"/>
-        <dgm:pt modelId="1">
-          <dgm:prSet phldr="1"/>
-        </dgm:pt>
-        <dgm:pt modelId="11">
-          <dgm:prSet phldr="1"/>
-        </dgm:pt>
-        <dgm:pt modelId="12">
-          <dgm:prSet phldr="1"/>
-        </dgm:pt>
-      </dgm:ptLst>
-      <dgm:cxnLst>
-        <dgm:cxn modelId="2" srcId="0" destId="1" srcOrd="0" destOrd="0"/>
-        <dgm:cxn modelId="3" srcId="1" destId="11" srcOrd="0" destOrd="0"/>
-        <dgm:cxn modelId="4" srcId="1" destId="12" srcOrd="1" destOrd="0"/>
-      </dgm:cxnLst>
-      <dgm:bg/>
-      <dgm:whole/>
-    </dgm:dataModel>
-  </dgm:clrData>
-  <dgm:layoutNode name="vert0">
-    <dgm:varLst>
-      <dgm:dir/>
-      <dgm:animOne val="branch"/>
-      <dgm:animLvl val="lvl"/>
-    </dgm:varLst>
-    <dgm:choose name="Name0">
-      <dgm:if name="Name1" func="var" arg="dir" op="equ" val="norm">
-        <dgm:alg type="lin">
-          <dgm:param type="linDir" val="fromT"/>
-          <dgm:param type="nodeHorzAlign" val="l"/>
-        </dgm:alg>
-      </dgm:if>
-      <dgm:else name="Name2">
-        <dgm:alg type="lin">
-          <dgm:param type="linDir" val="fromT"/>
-          <dgm:param type="nodeHorzAlign" val="r"/>
-        </dgm:alg>
-      </dgm:else>
-    </dgm:choose>
-    <dgm:shape xmlns:r="http://schemas.openxmlformats.org/officeDocument/2006/relationships" r:blip="">
-      <dgm:adjLst/>
-    </dgm:shape>
-    <dgm:presOf/>
-    <dgm:constrLst>
-      <dgm:constr type="w" for="ch" forName="horz1" refType="w"/>
-      <dgm:constr type="h" for="ch" forName="horz1" refType="h"/>
-      <dgm:constr type="h" for="des" forName="vert1" refType="h"/>
-      <dgm:constr type="h" for="des" forName="tx1" refType="h"/>
-      <dgm:constr type="h" for="des" forName="horz2" refType="h"/>
-      <dgm:constr type="h" for="des" forName="vert2" refType="h"/>
-      <dgm:constr type="h" for="des" forName="horz3" refType="h"/>
-      <dgm:constr type="h" for="des" forName="vert3" refType="h"/>
-      <dgm:constr type="h" for="des" forName="horz4" refType="h"/>
-      <dgm:constr type="h" for="des" ptType="node" refType="h"/>
-      <dgm:constr type="primFontSz" for="des" forName="tx1" op="equ" val="65"/>
-      <dgm:constr type="primFontSz" for="des" forName="tx2" op="equ" val="65"/>
-      <dgm:constr type="primFontSz" for="des" forName="tx3" op="equ" val="65"/>
-      <dgm:constr type="primFontSz" for="des" forName="tx4" op="equ" val="65"/>
-      <dgm:constr type="w" for="des" forName="thickLine" refType="w"/>
-      <dgm:constr type="h" for="des" forName="thickLine"/>
-      <dgm:constr type="h" for="des" forName="thinLine1"/>
-      <dgm:constr type="h" for="des" forName="thinLine2b"/>
-      <dgm:constr type="h" for="des" forName="thinLine3"/>
-      <dgm:constr type="h" for="des" forName="vertSpace2a" refType="h" fact="0.05"/>
-      <dgm:constr type="h" for="des" forName="vertSpace2b" refType="h" refFor="des" refForName="vertSpace2a"/>
-    </dgm:constrLst>
-    <dgm:forEach name="Name3" axis="ch" ptType="node">
-      <dgm:layoutNode name="thickLine" styleLbl="alignNode1">
-        <dgm:alg type="sp"/>
-        <dgm:shape xmlns:r="http://schemas.openxmlformats.org/officeDocument/2006/relationships" type="line" r:blip="">
-          <dgm:adjLst/>
-        </dgm:shape>
-        <dgm:presOf/>
-      </dgm:layoutNode>
-      <dgm:layoutNode name="horz1">
-        <dgm:choose name="Name4">
-          <dgm:if name="Name5" func="var" arg="dir" op="equ" val="norm">
-            <dgm:alg type="lin">
-              <dgm:param type="linDir" val="fromL"/>
-              <dgm:param type="nodeVertAlign" val="t"/>
-            </dgm:alg>
-          </dgm:if>
-          <dgm:else name="Name6">
-            <dgm:alg type="lin">
-              <dgm:param type="linDir" val="fromR"/>
-              <dgm:param type="nodeVertAlign" val="t"/>
-            </dgm:alg>
-          </dgm:else>
-        </dgm:choose>
-        <dgm:shape xmlns:r="http://schemas.openxmlformats.org/officeDocument/2006/relationships" r:blip="">
-          <dgm:adjLst/>
-        </dgm:shape>
-        <dgm:presOf/>
-        <dgm:choose name="Name7">
-          <dgm:if name="Name8" axis="root des" func="maxDepth" op="equ" val="1">
-            <dgm:constrLst>
-              <dgm:constr type="w" for="ch" forName="tx1" refType="w"/>
-            </dgm:constrLst>
-          </dgm:if>
-          <dgm:if name="Name9" axis="root des" func="maxDepth" op="equ" val="2">
-            <dgm:constrLst>
-              <dgm:constr type="w" for="ch" forName="tx1" refType="w" fact="0.2"/>
-              <dgm:constr type="w" for="des" forName="tx2" refType="w" fact="0.785"/>
-              <dgm:constr type="w" for="des" forName="horzSpace2" refType="w" fact="0.015"/>
-              <dgm:constr type="w" for="des" forName="thinLine2b" refType="w" fact="0.8"/>
-            </dgm:constrLst>
-          </dgm:if>
-          <dgm:if name="Name10" axis="root des" func="maxDepth" op="equ" val="3">
-            <dgm:constrLst>
-              <dgm:constr type="w" for="ch" forName="tx1" refType="w" fact="0.2"/>
-              <dgm:constr type="w" for="des" forName="tx2" refType="w" fact="0.385"/>
-              <dgm:constr type="w" for="des" forName="tx3" refType="w" fact="0.385"/>
-              <dgm:constr type="w" for="des" forName="horzSpace2" refType="w" fact="0.015"/>
-              <dgm:constr type="w" for="des" forName="horzSpace3" refType="w" fact="0.015"/>
-              <dgm:constr type="w" for="des" forName="thinLine2b" refType="w" fact="0.8"/>
-              <dgm:constr type="w" for="des" forName="thinLine3" refType="w" fact="0.385"/>
-            </dgm:constrLst>
-          </dgm:if>
-          <dgm:if name="Name11" axis="root des" func="maxDepth" op="gte" val="4">
-            <dgm:constrLst>
-              <dgm:constr type="w" for="ch" forName="tx1" refType="w" fact="0.2"/>
-              <dgm:constr type="w" for="des" forName="tx2" refType="w" fact="0.2516"/>
-              <dgm:constr type="w" for="des" forName="tx3" refType="w" fact="0.2516"/>
-              <dgm:constr type="w" for="des" forName="tx4" refType="w" fact="0.2516"/>
-              <dgm:constr type="w" for="des" forName="horzSpace2" refType="w" fact="0.015"/>
-              <dgm:constr type="w" for="des" forName="horzSpace3" refType="w" fact="0.015"/>
-              <dgm:constr type="w" for="des" forName="horzSpace4" refType="w" fact="0.015"/>
-              <dgm:constr type="w" for="des" forName="thinLine2b" refType="w" fact="0.8"/>
-              <dgm:constr type="w" for="des" forName="thinLine3" refType="w" fact="0.5332"/>
-            </dgm:constrLst>
-          </dgm:if>
-          <dgm:else name="Name12"/>
-        </dgm:choose>
-        <dgm:layoutNode name="tx1" styleLbl="revTx">
-          <dgm:alg type="tx">
-            <dgm:param type="parTxLTRAlign" val="l"/>
-            <dgm:param type="parTxRTLAlign" val="r"/>
-            <dgm:param type="txAnchorVert" val="t"/>
-          </dgm:alg>
-          <dgm:shape xmlns:r="http://schemas.openxmlformats.org/officeDocument/2006/relationships" type="rect" r:blip="">
-            <dgm:adjLst/>
-          </dgm:shape>
-          <dgm:presOf axis="self"/>
-          <dgm:constrLst>
-            <dgm:constr type="tMarg" refType="primFontSz" fact="0.3"/>
-            <dgm:constr type="bMarg" refType="primFontSz" fact="0.3"/>
-            <dgm:constr type="lMarg" refType="primFontSz" fact="0.3"/>
-            <dgm:constr type="rMarg" refType="primFontSz" fact="0.3"/>
-          </dgm:constrLst>
-          <dgm:ruleLst>
-            <dgm:rule type="primFontSz" val="5" fact="NaN" max="NaN"/>
-          </dgm:ruleLst>
-        </dgm:layoutNode>
-        <dgm:layoutNode name="vert1">
-          <dgm:choose name="Name13">
-            <dgm:if name="Name14" func="var" arg="dir" op="equ" val="norm">
-              <dgm:alg type="lin">
-                <dgm:param type="linDir" val="fromT"/>
-                <dgm:param type="nodeHorzAlign" val="l"/>
-              </dgm:alg>
-            </dgm:if>
-            <dgm:else name="Name15">
-              <dgm:alg type="lin">
-                <dgm:param type="linDir" val="fromT"/>
-                <dgm:param type="nodeHorzAlign" val="r"/>
-              </dgm:alg>
-            </dgm:else>
-          </dgm:choose>
-          <dgm:shape xmlns:r="http://schemas.openxmlformats.org/officeDocument/2006/relationships" r:blip="">
-            <dgm:adjLst/>
-          </dgm:shape>
-          <dgm:presOf/>
-          <dgm:forEach name="Name16" axis="ch" ptType="node">
-            <dgm:choose name="Name17">
-              <dgm:if name="Name18" axis="self" ptType="node" func="pos" op="equ" val="1">
-                <dgm:layoutNode name="vertSpace2a">
-                  <dgm:alg type="sp"/>
-                  <dgm:shape xmlns:r="http://schemas.openxmlformats.org/officeDocument/2006/relationships" r:blip="">
-                    <dgm:adjLst/>
-                  </dgm:shape>
-                  <dgm:presOf/>
-                </dgm:layoutNode>
-              </dgm:if>
-              <dgm:else name="Name19"/>
-            </dgm:choose>
-            <dgm:layoutNode name="horz2">
-              <dgm:choose name="Name20">
-                <dgm:if name="Name21" func="var" arg="dir" op="equ" val="norm">
-                  <dgm:alg type="lin">
-                    <dgm:param type="linDir" val="fromL"/>
-                    <dgm:param type="nodeVertAlign" val="t"/>
-                  </dgm:alg>
-                </dgm:if>
-                <dgm:else name="Name22">
-                  <dgm:alg type="lin">
-                    <dgm:param type="linDir" val="fromR"/>
-                    <dgm:param type="nodeVertAlign" val="t"/>
-                  </dgm:alg>
-                </dgm:else>
-              </dgm:choose>
-              <dgm:shape xmlns:r="http://schemas.openxmlformats.org/officeDocument/2006/relationships" r:blip="">
-                <dgm:adjLst/>
-              </dgm:shape>
-              <dgm:presOf/>
-              <dgm:layoutNode name="horzSpace2">
-                <dgm:alg type="sp"/>
-                <dgm:shape xmlns:r="http://schemas.openxmlformats.org/officeDocument/2006/relationships" r:blip="">
-                  <dgm:adjLst/>
-                </dgm:shape>
-                <dgm:presOf/>
-              </dgm:layoutNode>
-              <dgm:layoutNode name="tx2" styleLbl="revTx">
-                <dgm:alg type="tx">
-                  <dgm:param type="parTxLTRAlign" val="l"/>
-                  <dgm:param type="parTxRTLAlign" val="r"/>
-                  <dgm:param type="txAnchorVert" val="t"/>
-                </dgm:alg>
-                <dgm:shape xmlns:r="http://schemas.openxmlformats.org/officeDocument/2006/relationships" type="rect" r:blip="">
-                  <dgm:adjLst/>
-                </dgm:shape>
-                <dgm:presOf axis="self"/>
-                <dgm:constrLst>
-                  <dgm:constr type="tMarg" refType="primFontSz" fact="0.3"/>
-                  <dgm:constr type="bMarg" refType="primFontSz" fact="0.3"/>
-                  <dgm:constr type="lMarg" refType="primFontSz" fact="0.3"/>
-                  <dgm:constr type="rMarg" refType="primFontSz" fact="0.3"/>
-                </dgm:constrLst>
-                <dgm:ruleLst>
-                  <dgm:rule type="primFontSz" val="5" fact="NaN" max="NaN"/>
-                </dgm:ruleLst>
-              </dgm:layoutNode>
-              <dgm:layoutNode name="vert2">
-                <dgm:choose name="Name23">
-                  <dgm:if name="Name24" func="var" arg="dir" op="equ" val="norm">
-                    <dgm:alg type="lin">
-                      <dgm:param type="linDir" val="fromT"/>
-                      <dgm:param type="nodeHorzAlign" val="l"/>
-                    </dgm:alg>
-                  </dgm:if>
-                  <dgm:else name="Name25">
-                    <dgm:alg type="lin">
-                      <dgm:param type="linDir" val="fromT"/>
-                      <dgm:param type="nodeHorzAlign" val="r"/>
-                    </dgm:alg>
-                  </dgm:else>
-                </dgm:choose>
-                <dgm:shape xmlns:r="http://schemas.openxmlformats.org/officeDocument/2006/relationships" r:blip="">
-                  <dgm:adjLst/>
-                </dgm:shape>
-                <dgm:presOf/>
-                <dgm:forEach name="Name26" axis="ch" ptType="node">
-                  <dgm:layoutNode name="horz3">
-                    <dgm:choose name="Name27">
-                      <dgm:if name="Name28" func="var" arg="dir" op="equ" val="norm">
-                        <dgm:alg type="lin">
-                          <dgm:param type="linDir" val="fromL"/>
-                          <dgm:param type="nodeVertAlign" val="t"/>
-                        </dgm:alg>
-                      </dgm:if>
-                      <dgm:else name="Name29">
-                        <dgm:alg type="lin">
-                          <dgm:param type="linDir" val="fromR"/>
-                          <dgm:param type="nodeVertAlign" val="t"/>
-                        </dgm:alg>
-                      </dgm:else>
-                    </dgm:choose>
-                    <dgm:shape xmlns:r="http://schemas.openxmlformats.org/officeDocument/2006/relationships" r:blip="">
-                      <dgm:adjLst/>
-                    </dgm:shape>
-                    <dgm:presOf/>
-                    <dgm:layoutNode name="horzSpace3">
-                      <dgm:alg type="sp"/>
-                      <dgm:shape xmlns:r="http://schemas.openxmlformats.org/officeDocument/2006/relationships" r:blip="">
-                        <dgm:adjLst/>
-                      </dgm:shape>
-                      <dgm:presOf/>
-                    </dgm:layoutNode>
-                    <dgm:layoutNode name="tx3" styleLbl="revTx">
-                      <dgm:alg type="tx">
-                        <dgm:param type="parTxLTRAlign" val="l"/>
-                        <dgm:param type="parTxRTLAlign" val="r"/>
-                        <dgm:param type="txAnchorVert" val="t"/>
-                      </dgm:alg>
-                      <dgm:shape xmlns:r="http://schemas.openxmlformats.org/officeDocument/2006/relationships" type="rect" r:blip="">
-                        <dgm:adjLst/>
-                      </dgm:shape>
-                      <dgm:presOf axis="self"/>
-                      <dgm:constrLst>
-                        <dgm:constr type="tMarg" refType="primFontSz" fact="0.3"/>
-                        <dgm:constr type="bMarg" refType="primFontSz" fact="0.3"/>
-                        <dgm:constr type="lMarg" refType="primFontSz" fact="0.3"/>
-                        <dgm:constr type="rMarg" refType="primFontSz" fact="0.3"/>
-                      </dgm:constrLst>
-                      <dgm:ruleLst>
-                        <dgm:rule type="primFontSz" val="5" fact="NaN" max="NaN"/>
-                      </dgm:ruleLst>
-                    </dgm:layoutNode>
-                    <dgm:layoutNode name="vert3">
-                      <dgm:choose name="Name30">
-                        <dgm:if name="Name31" func="var" arg="dir" op="equ" val="norm">
-                          <dgm:alg type="lin">
-                            <dgm:param type="linDir" val="fromT"/>
-                            <dgm:param type="nodeHorzAlign" val="l"/>
-                          </dgm:alg>
-                        </dgm:if>
-                        <dgm:else name="Name32">
-                          <dgm:alg type="lin">
-                            <dgm:param type="linDir" val="fromT"/>
-                            <dgm:param type="nodeHorzAlign" val="r"/>
-                          </dgm:alg>
-                        </dgm:else>
-                      </dgm:choose>
-                      <dgm:shape xmlns:r="http://schemas.openxmlformats.org/officeDocument/2006/relationships" r:blip="">
-                        <dgm:adjLst/>
-                      </dgm:shape>
-                      <dgm:presOf/>
-                      <dgm:forEach name="Name33" axis="ch" ptType="node">
-                        <dgm:layoutNode name="horz4">
-                          <dgm:choose name="Name34">
-                            <dgm:if name="Name35" func="var" arg="dir" op="equ" val="norm">
-                              <dgm:alg type="lin">
-                                <dgm:param type="linDir" val="fromL"/>
-                                <dgm:param type="nodeVertAlign" val="t"/>
-                              </dgm:alg>
-                            </dgm:if>
-                            <dgm:else name="Name36">
-                              <dgm:alg type="lin">
-                                <dgm:param type="linDir" val="fromR"/>
-                                <dgm:param type="nodeVertAlign" val="t"/>
-                              </dgm:alg>
-                            </dgm:else>
-                          </dgm:choose>
-                          <dgm:shape xmlns:r="http://schemas.openxmlformats.org/officeDocument/2006/relationships" r:blip="">
-                            <dgm:adjLst/>
-                          </dgm:shape>
-                          <dgm:presOf/>
-                          <dgm:layoutNode name="horzSpace4">
-                            <dgm:alg type="sp"/>
-                            <dgm:shape xmlns:r="http://schemas.openxmlformats.org/officeDocument/2006/relationships" r:blip="">
-                              <dgm:adjLst/>
-                            </dgm:shape>
-                            <dgm:presOf/>
-                          </dgm:layoutNode>
-                          <dgm:layoutNode name="tx4" styleLbl="revTx">
-                            <dgm:varLst>
-                              <dgm:bulletEnabled val="1"/>
-                            </dgm:varLst>
-                            <dgm:alg type="tx">
-                              <dgm:param type="parTxLTRAlign" val="l"/>
-                              <dgm:param type="parTxRTLAlign" val="r"/>
-                              <dgm:param type="txAnchorVert" val="t"/>
-                            </dgm:alg>
-                            <dgm:shape xmlns:r="http://schemas.openxmlformats.org/officeDocument/2006/relationships" type="rect" r:blip="">
-                              <dgm:adjLst/>
-                            </dgm:shape>
-                            <dgm:presOf axis="desOrSelf" ptType="node"/>
-                            <dgm:constrLst>
-                              <dgm:constr type="tMarg" refType="primFontSz" fact="0.3"/>
-                              <dgm:constr type="bMarg" refType="primFontSz" fact="0.3"/>
-                              <dgm:constr type="lMarg" refType="primFontSz" fact="0.3"/>
-                              <dgm:constr type="rMarg" refType="primFontSz" fact="0.3"/>
-                            </dgm:constrLst>
-                            <dgm:ruleLst>
-                              <dgm:rule type="primFontSz" val="5" fact="NaN" max="NaN"/>
-                            </dgm:ruleLst>
-                          </dgm:layoutNode>
-                        </dgm:layoutNode>
-                      </dgm:forEach>
-                    </dgm:layoutNode>
-                  </dgm:layoutNode>
-                  <dgm:forEach name="Name37" axis="followSib" ptType="sibTrans" cnt="1">
-                    <dgm:layoutNode name="thinLine3" styleLbl="callout">
-                      <dgm:alg type="sp"/>
-                      <dgm:shape xmlns:r="http://schemas.openxmlformats.org/officeDocument/2006/relationships" type="line" r:blip="">
-                        <dgm:adjLst/>
-                      </dgm:shape>
-                      <dgm:presOf/>
-                    </dgm:layoutNode>
-                  </dgm:forEach>
-                </dgm:forEach>
-              </dgm:layoutNode>
-            </dgm:layoutNode>
-            <dgm:layoutNode name="thinLine2b" styleLbl="callout">
-              <dgm:alg type="sp"/>
-              <dgm:shape xmlns:r="http://schemas.openxmlformats.org/officeDocument/2006/relationships" type="line" r:blip="">
-                <dgm:adjLst/>
-              </dgm:shape>
-              <dgm:presOf/>
-            </dgm:layoutNode>
-            <dgm:layoutNode name="vertSpace2b">
-              <dgm:alg type="sp"/>
-              <dgm:shape xmlns:r="http://schemas.openxmlformats.org/officeDocument/2006/relationships" r:blip="">
-                <dgm:adjLst/>
-              </dgm:shape>
-              <dgm:presOf/>
-            </dgm:layoutNode>
-          </dgm:forEach>
-        </dgm:layoutNode>
-      </dgm:layoutNode>
-    </dgm:forEach>
-  </dgm:layoutNode>
-</dgm:layoutDef>
-</file>
-
-<file path=ppt/diagrams/layout2.xml><?xml version="1.0" encoding="utf-8"?>
 <dgm:layoutDef xmlns:dgm="http://schemas.openxmlformats.org/drawingml/2006/diagram" xmlns:a="http://schemas.openxmlformats.org/drawingml/2006/main" uniqueId="urn:microsoft.com/office/officeart/2008/layout/LinedList">
   <dgm:title val=""/>
   <dgm:desc val=""/>
@@ -6854,1040 +4941,6 @@
 </dgm:styleDef>
 </file>
 
-<file path=ppt/diagrams/quickStyle2.xml><?xml version="1.0" encoding="utf-8"?>
-<dgm:styleDef xmlns:dgm="http://schemas.openxmlformats.org/drawingml/2006/diagram" xmlns:a="http://schemas.openxmlformats.org/drawingml/2006/main" uniqueId="urn:microsoft.com/office/officeart/2005/8/quickstyle/simple1">
-  <dgm:title val=""/>
-  <dgm:desc val=""/>
-  <dgm:catLst>
-    <dgm:cat type="simple" pri="10100"/>
-  </dgm:catLst>
-  <dgm:scene3d>
-    <a:camera prst="orthographicFront"/>
-    <a:lightRig rig="threePt" dir="t"/>
-  </dgm:scene3d>
-  <dgm:styleLbl name="node0">
-    <dgm:scene3d>
-      <a:camera prst="orthographicFront"/>
-      <a:lightRig rig="threePt" dir="t"/>
-    </dgm:scene3d>
-    <dgm:sp3d/>
-    <dgm:txPr/>
-    <dgm:style>
-      <a:lnRef idx="2">
-        <a:scrgbClr r="0" g="0" b="0"/>
-      </a:lnRef>
-      <a:fillRef idx="1">
-        <a:scrgbClr r="0" g="0" b="0"/>
-      </a:fillRef>
-      <a:effectRef idx="0">
-        <a:scrgbClr r="0" g="0" b="0"/>
-      </a:effectRef>
-      <a:fontRef idx="minor">
-        <a:schemeClr val="lt1"/>
-      </a:fontRef>
-    </dgm:style>
-  </dgm:styleLbl>
-  <dgm:styleLbl name="lnNode1">
-    <dgm:scene3d>
-      <a:camera prst="orthographicFront"/>
-      <a:lightRig rig="threePt" dir="t"/>
-    </dgm:scene3d>
-    <dgm:sp3d/>
-    <dgm:txPr/>
-    <dgm:style>
-      <a:lnRef idx="2">
-        <a:scrgbClr r="0" g="0" b="0"/>
-      </a:lnRef>
-      <a:fillRef idx="1">
-        <a:scrgbClr r="0" g="0" b="0"/>
-      </a:fillRef>
-      <a:effectRef idx="0">
-        <a:scrgbClr r="0" g="0" b="0"/>
-      </a:effectRef>
-      <a:fontRef idx="minor">
-        <a:schemeClr val="lt1"/>
-      </a:fontRef>
-    </dgm:style>
-  </dgm:styleLbl>
-  <dgm:styleLbl name="vennNode1">
-    <dgm:scene3d>
-      <a:camera prst="orthographicFront"/>
-      <a:lightRig rig="threePt" dir="t"/>
-    </dgm:scene3d>
-    <dgm:sp3d/>
-    <dgm:txPr/>
-    <dgm:style>
-      <a:lnRef idx="2">
-        <a:scrgbClr r="0" g="0" b="0"/>
-      </a:lnRef>
-      <a:fillRef idx="1">
-        <a:scrgbClr r="0" g="0" b="0"/>
-      </a:fillRef>
-      <a:effectRef idx="0">
-        <a:scrgbClr r="0" g="0" b="0"/>
-      </a:effectRef>
-      <a:fontRef idx="minor">
-        <a:schemeClr val="tx1"/>
-      </a:fontRef>
-    </dgm:style>
-  </dgm:styleLbl>
-  <dgm:styleLbl name="alignNode1">
-    <dgm:scene3d>
-      <a:camera prst="orthographicFront"/>
-      <a:lightRig rig="threePt" dir="t"/>
-    </dgm:scene3d>
-    <dgm:sp3d/>
-    <dgm:txPr/>
-    <dgm:style>
-      <a:lnRef idx="2">
-        <a:scrgbClr r="0" g="0" b="0"/>
-      </a:lnRef>
-      <a:fillRef idx="1">
-        <a:scrgbClr r="0" g="0" b="0"/>
-      </a:fillRef>
-      <a:effectRef idx="0">
-        <a:scrgbClr r="0" g="0" b="0"/>
-      </a:effectRef>
-      <a:fontRef idx="minor">
-        <a:schemeClr val="lt1"/>
-      </a:fontRef>
-    </dgm:style>
-  </dgm:styleLbl>
-  <dgm:styleLbl name="node1">
-    <dgm:scene3d>
-      <a:camera prst="orthographicFront"/>
-      <a:lightRig rig="threePt" dir="t"/>
-    </dgm:scene3d>
-    <dgm:sp3d/>
-    <dgm:txPr/>
-    <dgm:style>
-      <a:lnRef idx="2">
-        <a:scrgbClr r="0" g="0" b="0"/>
-      </a:lnRef>
-      <a:fillRef idx="1">
-        <a:scrgbClr r="0" g="0" b="0"/>
-      </a:fillRef>
-      <a:effectRef idx="0">
-        <a:scrgbClr r="0" g="0" b="0"/>
-      </a:effectRef>
-      <a:fontRef idx="minor">
-        <a:schemeClr val="lt1"/>
-      </a:fontRef>
-    </dgm:style>
-  </dgm:styleLbl>
-  <dgm:styleLbl name="node2">
-    <dgm:scene3d>
-      <a:camera prst="orthographicFront"/>
-      <a:lightRig rig="threePt" dir="t"/>
-    </dgm:scene3d>
-    <dgm:sp3d/>
-    <dgm:txPr/>
-    <dgm:style>
-      <a:lnRef idx="2">
-        <a:scrgbClr r="0" g="0" b="0"/>
-      </a:lnRef>
-      <a:fillRef idx="1">
-        <a:scrgbClr r="0" g="0" b="0"/>
-      </a:fillRef>
-      <a:effectRef idx="0">
-        <a:scrgbClr r="0" g="0" b="0"/>
-      </a:effectRef>
-      <a:fontRef idx="minor">
-        <a:schemeClr val="lt1"/>
-      </a:fontRef>
-    </dgm:style>
-  </dgm:styleLbl>
-  <dgm:styleLbl name="node3">
-    <dgm:scene3d>
-      <a:camera prst="orthographicFront"/>
-      <a:lightRig rig="threePt" dir="t"/>
-    </dgm:scene3d>
-    <dgm:sp3d/>
-    <dgm:txPr/>
-    <dgm:style>
-      <a:lnRef idx="2">
-        <a:scrgbClr r="0" g="0" b="0"/>
-      </a:lnRef>
-      <a:fillRef idx="1">
-        <a:scrgbClr r="0" g="0" b="0"/>
-      </a:fillRef>
-      <a:effectRef idx="0">
-        <a:scrgbClr r="0" g="0" b="0"/>
-      </a:effectRef>
-      <a:fontRef idx="minor">
-        <a:schemeClr val="lt1"/>
-      </a:fontRef>
-    </dgm:style>
-  </dgm:styleLbl>
-  <dgm:styleLbl name="node4">
-    <dgm:scene3d>
-      <a:camera prst="orthographicFront"/>
-      <a:lightRig rig="threePt" dir="t"/>
-    </dgm:scene3d>
-    <dgm:sp3d/>
-    <dgm:txPr/>
-    <dgm:style>
-      <a:lnRef idx="2">
-        <a:scrgbClr r="0" g="0" b="0"/>
-      </a:lnRef>
-      <a:fillRef idx="1">
-        <a:scrgbClr r="0" g="0" b="0"/>
-      </a:fillRef>
-      <a:effectRef idx="0">
-        <a:scrgbClr r="0" g="0" b="0"/>
-      </a:effectRef>
-      <a:fontRef idx="minor">
-        <a:schemeClr val="lt1"/>
-      </a:fontRef>
-    </dgm:style>
-  </dgm:styleLbl>
-  <dgm:styleLbl name="fgImgPlace1">
-    <dgm:scene3d>
-      <a:camera prst="orthographicFront"/>
-      <a:lightRig rig="threePt" dir="t"/>
-    </dgm:scene3d>
-    <dgm:sp3d/>
-    <dgm:txPr/>
-    <dgm:style>
-      <a:lnRef idx="2">
-        <a:scrgbClr r="0" g="0" b="0"/>
-      </a:lnRef>
-      <a:fillRef idx="1">
-        <a:scrgbClr r="0" g="0" b="0"/>
-      </a:fillRef>
-      <a:effectRef idx="0">
-        <a:scrgbClr r="0" g="0" b="0"/>
-      </a:effectRef>
-      <a:fontRef idx="minor"/>
-    </dgm:style>
-  </dgm:styleLbl>
-  <dgm:styleLbl name="alignImgPlace1">
-    <dgm:scene3d>
-      <a:camera prst="orthographicFront"/>
-      <a:lightRig rig="threePt" dir="t"/>
-    </dgm:scene3d>
-    <dgm:sp3d/>
-    <dgm:txPr/>
-    <dgm:style>
-      <a:lnRef idx="2">
-        <a:scrgbClr r="0" g="0" b="0"/>
-      </a:lnRef>
-      <a:fillRef idx="1">
-        <a:scrgbClr r="0" g="0" b="0"/>
-      </a:fillRef>
-      <a:effectRef idx="0">
-        <a:scrgbClr r="0" g="0" b="0"/>
-      </a:effectRef>
-      <a:fontRef idx="minor"/>
-    </dgm:style>
-  </dgm:styleLbl>
-  <dgm:styleLbl name="bgImgPlace1">
-    <dgm:scene3d>
-      <a:camera prst="orthographicFront"/>
-      <a:lightRig rig="threePt" dir="t"/>
-    </dgm:scene3d>
-    <dgm:sp3d/>
-    <dgm:txPr/>
-    <dgm:style>
-      <a:lnRef idx="2">
-        <a:scrgbClr r="0" g="0" b="0"/>
-      </a:lnRef>
-      <a:fillRef idx="1">
-        <a:scrgbClr r="0" g="0" b="0"/>
-      </a:fillRef>
-      <a:effectRef idx="0">
-        <a:scrgbClr r="0" g="0" b="0"/>
-      </a:effectRef>
-      <a:fontRef idx="minor"/>
-    </dgm:style>
-  </dgm:styleLbl>
-  <dgm:styleLbl name="sibTrans2D1">
-    <dgm:scene3d>
-      <a:camera prst="orthographicFront"/>
-      <a:lightRig rig="threePt" dir="t"/>
-    </dgm:scene3d>
-    <dgm:sp3d/>
-    <dgm:txPr/>
-    <dgm:style>
-      <a:lnRef idx="0">
-        <a:scrgbClr r="0" g="0" b="0"/>
-      </a:lnRef>
-      <a:fillRef idx="1">
-        <a:scrgbClr r="0" g="0" b="0"/>
-      </a:fillRef>
-      <a:effectRef idx="0">
-        <a:scrgbClr r="0" g="0" b="0"/>
-      </a:effectRef>
-      <a:fontRef idx="minor">
-        <a:schemeClr val="lt1"/>
-      </a:fontRef>
-    </dgm:style>
-  </dgm:styleLbl>
-  <dgm:styleLbl name="fgSibTrans2D1">
-    <dgm:scene3d>
-      <a:camera prst="orthographicFront"/>
-      <a:lightRig rig="threePt" dir="t"/>
-    </dgm:scene3d>
-    <dgm:sp3d/>
-    <dgm:txPr/>
-    <dgm:style>
-      <a:lnRef idx="0">
-        <a:scrgbClr r="0" g="0" b="0"/>
-      </a:lnRef>
-      <a:fillRef idx="1">
-        <a:scrgbClr r="0" g="0" b="0"/>
-      </a:fillRef>
-      <a:effectRef idx="0">
-        <a:scrgbClr r="0" g="0" b="0"/>
-      </a:effectRef>
-      <a:fontRef idx="minor">
-        <a:schemeClr val="lt1"/>
-      </a:fontRef>
-    </dgm:style>
-  </dgm:styleLbl>
-  <dgm:styleLbl name="bgSibTrans2D1">
-    <dgm:scene3d>
-      <a:camera prst="orthographicFront"/>
-      <a:lightRig rig="threePt" dir="t"/>
-    </dgm:scene3d>
-    <dgm:sp3d/>
-    <dgm:txPr/>
-    <dgm:style>
-      <a:lnRef idx="0">
-        <a:scrgbClr r="0" g="0" b="0"/>
-      </a:lnRef>
-      <a:fillRef idx="1">
-        <a:scrgbClr r="0" g="0" b="0"/>
-      </a:fillRef>
-      <a:effectRef idx="0">
-        <a:scrgbClr r="0" g="0" b="0"/>
-      </a:effectRef>
-      <a:fontRef idx="minor">
-        <a:schemeClr val="lt1"/>
-      </a:fontRef>
-    </dgm:style>
-  </dgm:styleLbl>
-  <dgm:styleLbl name="sibTrans1D1">
-    <dgm:scene3d>
-      <a:camera prst="orthographicFront"/>
-      <a:lightRig rig="threePt" dir="t"/>
-    </dgm:scene3d>
-    <dgm:sp3d/>
-    <dgm:txPr/>
-    <dgm:style>
-      <a:lnRef idx="1">
-        <a:scrgbClr r="0" g="0" b="0"/>
-      </a:lnRef>
-      <a:fillRef idx="0">
-        <a:scrgbClr r="0" g="0" b="0"/>
-      </a:fillRef>
-      <a:effectRef idx="0">
-        <a:scrgbClr r="0" g="0" b="0"/>
-      </a:effectRef>
-      <a:fontRef idx="minor"/>
-    </dgm:style>
-  </dgm:styleLbl>
-  <dgm:styleLbl name="callout">
-    <dgm:scene3d>
-      <a:camera prst="orthographicFront"/>
-      <a:lightRig rig="threePt" dir="t"/>
-    </dgm:scene3d>
-    <dgm:sp3d/>
-    <dgm:txPr/>
-    <dgm:style>
-      <a:lnRef idx="2">
-        <a:scrgbClr r="0" g="0" b="0"/>
-      </a:lnRef>
-      <a:fillRef idx="1">
-        <a:scrgbClr r="0" g="0" b="0"/>
-      </a:fillRef>
-      <a:effectRef idx="0">
-        <a:scrgbClr r="0" g="0" b="0"/>
-      </a:effectRef>
-      <a:fontRef idx="minor"/>
-    </dgm:style>
-  </dgm:styleLbl>
-  <dgm:styleLbl name="asst0">
-    <dgm:scene3d>
-      <a:camera prst="orthographicFront"/>
-      <a:lightRig rig="threePt" dir="t"/>
-    </dgm:scene3d>
-    <dgm:sp3d/>
-    <dgm:txPr/>
-    <dgm:style>
-      <a:lnRef idx="2">
-        <a:scrgbClr r="0" g="0" b="0"/>
-      </a:lnRef>
-      <a:fillRef idx="1">
-        <a:scrgbClr r="0" g="0" b="0"/>
-      </a:fillRef>
-      <a:effectRef idx="0">
-        <a:scrgbClr r="0" g="0" b="0"/>
-      </a:effectRef>
-      <a:fontRef idx="minor">
-        <a:schemeClr val="lt1"/>
-      </a:fontRef>
-    </dgm:style>
-  </dgm:styleLbl>
-  <dgm:styleLbl name="asst1">
-    <dgm:scene3d>
-      <a:camera prst="orthographicFront"/>
-      <a:lightRig rig="threePt" dir="t"/>
-    </dgm:scene3d>
-    <dgm:sp3d/>
-    <dgm:txPr/>
-    <dgm:style>
-      <a:lnRef idx="2">
-        <a:scrgbClr r="0" g="0" b="0"/>
-      </a:lnRef>
-      <a:fillRef idx="1">
-        <a:scrgbClr r="0" g="0" b="0"/>
-      </a:fillRef>
-      <a:effectRef idx="0">
-        <a:scrgbClr r="0" g="0" b="0"/>
-      </a:effectRef>
-      <a:fontRef idx="minor">
-        <a:schemeClr val="lt1"/>
-      </a:fontRef>
-    </dgm:style>
-  </dgm:styleLbl>
-  <dgm:styleLbl name="asst2">
-    <dgm:scene3d>
-      <a:camera prst="orthographicFront"/>
-      <a:lightRig rig="threePt" dir="t"/>
-    </dgm:scene3d>
-    <dgm:sp3d/>
-    <dgm:txPr/>
-    <dgm:style>
-      <a:lnRef idx="2">
-        <a:scrgbClr r="0" g="0" b="0"/>
-      </a:lnRef>
-      <a:fillRef idx="1">
-        <a:scrgbClr r="0" g="0" b="0"/>
-      </a:fillRef>
-      <a:effectRef idx="0">
-        <a:scrgbClr r="0" g="0" b="0"/>
-      </a:effectRef>
-      <a:fontRef idx="minor">
-        <a:schemeClr val="lt1"/>
-      </a:fontRef>
-    </dgm:style>
-  </dgm:styleLbl>
-  <dgm:styleLbl name="asst3">
-    <dgm:scene3d>
-      <a:camera prst="orthographicFront"/>
-      <a:lightRig rig="threePt" dir="t"/>
-    </dgm:scene3d>
-    <dgm:sp3d/>
-    <dgm:txPr/>
-    <dgm:style>
-      <a:lnRef idx="2">
-        <a:scrgbClr r="0" g="0" b="0"/>
-      </a:lnRef>
-      <a:fillRef idx="1">
-        <a:scrgbClr r="0" g="0" b="0"/>
-      </a:fillRef>
-      <a:effectRef idx="0">
-        <a:scrgbClr r="0" g="0" b="0"/>
-      </a:effectRef>
-      <a:fontRef idx="minor">
-        <a:schemeClr val="lt1"/>
-      </a:fontRef>
-    </dgm:style>
-  </dgm:styleLbl>
-  <dgm:styleLbl name="asst4">
-    <dgm:scene3d>
-      <a:camera prst="orthographicFront"/>
-      <a:lightRig rig="threePt" dir="t"/>
-    </dgm:scene3d>
-    <dgm:sp3d/>
-    <dgm:txPr/>
-    <dgm:style>
-      <a:lnRef idx="2">
-        <a:scrgbClr r="0" g="0" b="0"/>
-      </a:lnRef>
-      <a:fillRef idx="1">
-        <a:scrgbClr r="0" g="0" b="0"/>
-      </a:fillRef>
-      <a:effectRef idx="0">
-        <a:scrgbClr r="0" g="0" b="0"/>
-      </a:effectRef>
-      <a:fontRef idx="minor">
-        <a:schemeClr val="lt1"/>
-      </a:fontRef>
-    </dgm:style>
-  </dgm:styleLbl>
-  <dgm:styleLbl name="parChTrans2D1">
-    <dgm:scene3d>
-      <a:camera prst="orthographicFront"/>
-      <a:lightRig rig="threePt" dir="t"/>
-    </dgm:scene3d>
-    <dgm:sp3d/>
-    <dgm:txPr/>
-    <dgm:style>
-      <a:lnRef idx="2">
-        <a:scrgbClr r="0" g="0" b="0"/>
-      </a:lnRef>
-      <a:fillRef idx="1">
-        <a:scrgbClr r="0" g="0" b="0"/>
-      </a:fillRef>
-      <a:effectRef idx="0">
-        <a:scrgbClr r="0" g="0" b="0"/>
-      </a:effectRef>
-      <a:fontRef idx="minor">
-        <a:schemeClr val="lt1"/>
-      </a:fontRef>
-    </dgm:style>
-  </dgm:styleLbl>
-  <dgm:styleLbl name="parChTrans2D2">
-    <dgm:scene3d>
-      <a:camera prst="orthographicFront"/>
-      <a:lightRig rig="threePt" dir="t"/>
-    </dgm:scene3d>
-    <dgm:sp3d/>
-    <dgm:txPr/>
-    <dgm:style>
-      <a:lnRef idx="2">
-        <a:scrgbClr r="0" g="0" b="0"/>
-      </a:lnRef>
-      <a:fillRef idx="1">
-        <a:scrgbClr r="0" g="0" b="0"/>
-      </a:fillRef>
-      <a:effectRef idx="0">
-        <a:scrgbClr r="0" g="0" b="0"/>
-      </a:effectRef>
-      <a:fontRef idx="minor">
-        <a:schemeClr val="lt1"/>
-      </a:fontRef>
-    </dgm:style>
-  </dgm:styleLbl>
-  <dgm:styleLbl name="parChTrans2D3">
-    <dgm:scene3d>
-      <a:camera prst="orthographicFront"/>
-      <a:lightRig rig="threePt" dir="t"/>
-    </dgm:scene3d>
-    <dgm:sp3d/>
-    <dgm:txPr/>
-    <dgm:style>
-      <a:lnRef idx="2">
-        <a:scrgbClr r="0" g="0" b="0"/>
-      </a:lnRef>
-      <a:fillRef idx="1">
-        <a:scrgbClr r="0" g="0" b="0"/>
-      </a:fillRef>
-      <a:effectRef idx="0">
-        <a:scrgbClr r="0" g="0" b="0"/>
-      </a:effectRef>
-      <a:fontRef idx="minor">
-        <a:schemeClr val="lt1"/>
-      </a:fontRef>
-    </dgm:style>
-  </dgm:styleLbl>
-  <dgm:styleLbl name="parChTrans2D4">
-    <dgm:scene3d>
-      <a:camera prst="orthographicFront"/>
-      <a:lightRig rig="threePt" dir="t"/>
-    </dgm:scene3d>
-    <dgm:sp3d/>
-    <dgm:txPr/>
-    <dgm:style>
-      <a:lnRef idx="2">
-        <a:scrgbClr r="0" g="0" b="0"/>
-      </a:lnRef>
-      <a:fillRef idx="1">
-        <a:scrgbClr r="0" g="0" b="0"/>
-      </a:fillRef>
-      <a:effectRef idx="0">
-        <a:scrgbClr r="0" g="0" b="0"/>
-      </a:effectRef>
-      <a:fontRef idx="minor">
-        <a:schemeClr val="lt1"/>
-      </a:fontRef>
-    </dgm:style>
-  </dgm:styleLbl>
-  <dgm:styleLbl name="parChTrans1D1">
-    <dgm:scene3d>
-      <a:camera prst="orthographicFront"/>
-      <a:lightRig rig="threePt" dir="t"/>
-    </dgm:scene3d>
-    <dgm:sp3d/>
-    <dgm:txPr/>
-    <dgm:style>
-      <a:lnRef idx="2">
-        <a:scrgbClr r="0" g="0" b="0"/>
-      </a:lnRef>
-      <a:fillRef idx="0">
-        <a:scrgbClr r="0" g="0" b="0"/>
-      </a:fillRef>
-      <a:effectRef idx="0">
-        <a:scrgbClr r="0" g="0" b="0"/>
-      </a:effectRef>
-      <a:fontRef idx="minor"/>
-    </dgm:style>
-  </dgm:styleLbl>
-  <dgm:styleLbl name="parChTrans1D2">
-    <dgm:scene3d>
-      <a:camera prst="orthographicFront"/>
-      <a:lightRig rig="threePt" dir="t"/>
-    </dgm:scene3d>
-    <dgm:sp3d/>
-    <dgm:txPr/>
-    <dgm:style>
-      <a:lnRef idx="2">
-        <a:scrgbClr r="0" g="0" b="0"/>
-      </a:lnRef>
-      <a:fillRef idx="0">
-        <a:scrgbClr r="0" g="0" b="0"/>
-      </a:fillRef>
-      <a:effectRef idx="0">
-        <a:scrgbClr r="0" g="0" b="0"/>
-      </a:effectRef>
-      <a:fontRef idx="minor"/>
-    </dgm:style>
-  </dgm:styleLbl>
-  <dgm:styleLbl name="parChTrans1D3">
-    <dgm:scene3d>
-      <a:camera prst="orthographicFront"/>
-      <a:lightRig rig="threePt" dir="t"/>
-    </dgm:scene3d>
-    <dgm:sp3d/>
-    <dgm:txPr/>
-    <dgm:style>
-      <a:lnRef idx="2">
-        <a:scrgbClr r="0" g="0" b="0"/>
-      </a:lnRef>
-      <a:fillRef idx="0">
-        <a:scrgbClr r="0" g="0" b="0"/>
-      </a:fillRef>
-      <a:effectRef idx="0">
-        <a:scrgbClr r="0" g="0" b="0"/>
-      </a:effectRef>
-      <a:fontRef idx="minor"/>
-    </dgm:style>
-  </dgm:styleLbl>
-  <dgm:styleLbl name="parChTrans1D4">
-    <dgm:scene3d>
-      <a:camera prst="orthographicFront"/>
-      <a:lightRig rig="threePt" dir="t"/>
-    </dgm:scene3d>
-    <dgm:sp3d/>
-    <dgm:txPr/>
-    <dgm:style>
-      <a:lnRef idx="2">
-        <a:scrgbClr r="0" g="0" b="0"/>
-      </a:lnRef>
-      <a:fillRef idx="0">
-        <a:scrgbClr r="0" g="0" b="0"/>
-      </a:fillRef>
-      <a:effectRef idx="0">
-        <a:scrgbClr r="0" g="0" b="0"/>
-      </a:effectRef>
-      <a:fontRef idx="minor"/>
-    </dgm:style>
-  </dgm:styleLbl>
-  <dgm:styleLbl name="fgAcc1">
-    <dgm:scene3d>
-      <a:camera prst="orthographicFront"/>
-      <a:lightRig rig="threePt" dir="t"/>
-    </dgm:scene3d>
-    <dgm:sp3d/>
-    <dgm:txPr/>
-    <dgm:style>
-      <a:lnRef idx="2">
-        <a:scrgbClr r="0" g="0" b="0"/>
-      </a:lnRef>
-      <a:fillRef idx="1">
-        <a:scrgbClr r="0" g="0" b="0"/>
-      </a:fillRef>
-      <a:effectRef idx="0">
-        <a:scrgbClr r="0" g="0" b="0"/>
-      </a:effectRef>
-      <a:fontRef idx="minor"/>
-    </dgm:style>
-  </dgm:styleLbl>
-  <dgm:styleLbl name="conFgAcc1">
-    <dgm:scene3d>
-      <a:camera prst="orthographicFront"/>
-      <a:lightRig rig="threePt" dir="t"/>
-    </dgm:scene3d>
-    <dgm:sp3d/>
-    <dgm:txPr/>
-    <dgm:style>
-      <a:lnRef idx="2">
-        <a:scrgbClr r="0" g="0" b="0"/>
-      </a:lnRef>
-      <a:fillRef idx="1">
-        <a:scrgbClr r="0" g="0" b="0"/>
-      </a:fillRef>
-      <a:effectRef idx="0">
-        <a:scrgbClr r="0" g="0" b="0"/>
-      </a:effectRef>
-      <a:fontRef idx="minor"/>
-    </dgm:style>
-  </dgm:styleLbl>
-  <dgm:styleLbl name="alignAcc1">
-    <dgm:scene3d>
-      <a:camera prst="orthographicFront"/>
-      <a:lightRig rig="threePt" dir="t"/>
-    </dgm:scene3d>
-    <dgm:sp3d/>
-    <dgm:txPr/>
-    <dgm:style>
-      <a:lnRef idx="2">
-        <a:scrgbClr r="0" g="0" b="0"/>
-      </a:lnRef>
-      <a:fillRef idx="1">
-        <a:scrgbClr r="0" g="0" b="0"/>
-      </a:fillRef>
-      <a:effectRef idx="0">
-        <a:scrgbClr r="0" g="0" b="0"/>
-      </a:effectRef>
-      <a:fontRef idx="minor"/>
-    </dgm:style>
-  </dgm:styleLbl>
-  <dgm:styleLbl name="trAlignAcc1">
-    <dgm:scene3d>
-      <a:camera prst="orthographicFront"/>
-      <a:lightRig rig="threePt" dir="t"/>
-    </dgm:scene3d>
-    <dgm:sp3d/>
-    <dgm:txPr/>
-    <dgm:style>
-      <a:lnRef idx="1">
-        <a:scrgbClr r="0" g="0" b="0"/>
-      </a:lnRef>
-      <a:fillRef idx="1">
-        <a:scrgbClr r="0" g="0" b="0"/>
-      </a:fillRef>
-      <a:effectRef idx="0">
-        <a:scrgbClr r="0" g="0" b="0"/>
-      </a:effectRef>
-      <a:fontRef idx="minor"/>
-    </dgm:style>
-  </dgm:styleLbl>
-  <dgm:styleLbl name="bgAcc1">
-    <dgm:scene3d>
-      <a:camera prst="orthographicFront"/>
-      <a:lightRig rig="threePt" dir="t"/>
-    </dgm:scene3d>
-    <dgm:sp3d/>
-    <dgm:txPr/>
-    <dgm:style>
-      <a:lnRef idx="2">
-        <a:scrgbClr r="0" g="0" b="0"/>
-      </a:lnRef>
-      <a:fillRef idx="1">
-        <a:scrgbClr r="0" g="0" b="0"/>
-      </a:fillRef>
-      <a:effectRef idx="0">
-        <a:scrgbClr r="0" g="0" b="0"/>
-      </a:effectRef>
-      <a:fontRef idx="minor"/>
-    </dgm:style>
-  </dgm:styleLbl>
-  <dgm:styleLbl name="solidFgAcc1">
-    <dgm:scene3d>
-      <a:camera prst="orthographicFront"/>
-      <a:lightRig rig="threePt" dir="t"/>
-    </dgm:scene3d>
-    <dgm:sp3d/>
-    <dgm:txPr/>
-    <dgm:style>
-      <a:lnRef idx="2">
-        <a:scrgbClr r="0" g="0" b="0"/>
-      </a:lnRef>
-      <a:fillRef idx="1">
-        <a:scrgbClr r="0" g="0" b="0"/>
-      </a:fillRef>
-      <a:effectRef idx="0">
-        <a:scrgbClr r="0" g="0" b="0"/>
-      </a:effectRef>
-      <a:fontRef idx="minor"/>
-    </dgm:style>
-  </dgm:styleLbl>
-  <dgm:styleLbl name="solidAlignAcc1">
-    <dgm:scene3d>
-      <a:camera prst="orthographicFront"/>
-      <a:lightRig rig="threePt" dir="t"/>
-    </dgm:scene3d>
-    <dgm:sp3d/>
-    <dgm:txPr/>
-    <dgm:style>
-      <a:lnRef idx="2">
-        <a:scrgbClr r="0" g="0" b="0"/>
-      </a:lnRef>
-      <a:fillRef idx="1">
-        <a:scrgbClr r="0" g="0" b="0"/>
-      </a:fillRef>
-      <a:effectRef idx="0">
-        <a:scrgbClr r="0" g="0" b="0"/>
-      </a:effectRef>
-      <a:fontRef idx="minor"/>
-    </dgm:style>
-  </dgm:styleLbl>
-  <dgm:styleLbl name="solidBgAcc1">
-    <dgm:scene3d>
-      <a:camera prst="orthographicFront"/>
-      <a:lightRig rig="threePt" dir="t"/>
-    </dgm:scene3d>
-    <dgm:sp3d/>
-    <dgm:txPr/>
-    <dgm:style>
-      <a:lnRef idx="2">
-        <a:scrgbClr r="0" g="0" b="0"/>
-      </a:lnRef>
-      <a:fillRef idx="1">
-        <a:scrgbClr r="0" g="0" b="0"/>
-      </a:fillRef>
-      <a:effectRef idx="0">
-        <a:scrgbClr r="0" g="0" b="0"/>
-      </a:effectRef>
-      <a:fontRef idx="minor"/>
-    </dgm:style>
-  </dgm:styleLbl>
-  <dgm:styleLbl name="fgAccFollowNode1">
-    <dgm:scene3d>
-      <a:camera prst="orthographicFront"/>
-      <a:lightRig rig="threePt" dir="t"/>
-    </dgm:scene3d>
-    <dgm:sp3d/>
-    <dgm:txPr/>
-    <dgm:style>
-      <a:lnRef idx="2">
-        <a:scrgbClr r="0" g="0" b="0"/>
-      </a:lnRef>
-      <a:fillRef idx="1">
-        <a:scrgbClr r="0" g="0" b="0"/>
-      </a:fillRef>
-      <a:effectRef idx="0">
-        <a:scrgbClr r="0" g="0" b="0"/>
-      </a:effectRef>
-      <a:fontRef idx="minor"/>
-    </dgm:style>
-  </dgm:styleLbl>
-  <dgm:styleLbl name="alignAccFollowNode1">
-    <dgm:scene3d>
-      <a:camera prst="orthographicFront"/>
-      <a:lightRig rig="threePt" dir="t"/>
-    </dgm:scene3d>
-    <dgm:sp3d/>
-    <dgm:txPr/>
-    <dgm:style>
-      <a:lnRef idx="2">
-        <a:scrgbClr r="0" g="0" b="0"/>
-      </a:lnRef>
-      <a:fillRef idx="1">
-        <a:scrgbClr r="0" g="0" b="0"/>
-      </a:fillRef>
-      <a:effectRef idx="0">
-        <a:scrgbClr r="0" g="0" b="0"/>
-      </a:effectRef>
-      <a:fontRef idx="minor"/>
-    </dgm:style>
-  </dgm:styleLbl>
-  <dgm:styleLbl name="bgAccFollowNode1">
-    <dgm:scene3d>
-      <a:camera prst="orthographicFront"/>
-      <a:lightRig rig="threePt" dir="t"/>
-    </dgm:scene3d>
-    <dgm:sp3d/>
-    <dgm:txPr/>
-    <dgm:style>
-      <a:lnRef idx="2">
-        <a:scrgbClr r="0" g="0" b="0"/>
-      </a:lnRef>
-      <a:fillRef idx="1">
-        <a:scrgbClr r="0" g="0" b="0"/>
-      </a:fillRef>
-      <a:effectRef idx="0">
-        <a:scrgbClr r="0" g="0" b="0"/>
-      </a:effectRef>
-      <a:fontRef idx="minor"/>
-    </dgm:style>
-  </dgm:styleLbl>
-  <dgm:styleLbl name="fgAcc0">
-    <dgm:scene3d>
-      <a:camera prst="orthographicFront"/>
-      <a:lightRig rig="threePt" dir="t"/>
-    </dgm:scene3d>
-    <dgm:sp3d/>
-    <dgm:txPr/>
-    <dgm:style>
-      <a:lnRef idx="2">
-        <a:scrgbClr r="0" g="0" b="0"/>
-      </a:lnRef>
-      <a:fillRef idx="1">
-        <a:scrgbClr r="0" g="0" b="0"/>
-      </a:fillRef>
-      <a:effectRef idx="0">
-        <a:scrgbClr r="0" g="0" b="0"/>
-      </a:effectRef>
-      <a:fontRef idx="minor"/>
-    </dgm:style>
-  </dgm:styleLbl>
-  <dgm:styleLbl name="fgAcc2">
-    <dgm:scene3d>
-      <a:camera prst="orthographicFront"/>
-      <a:lightRig rig="threePt" dir="t"/>
-    </dgm:scene3d>
-    <dgm:sp3d/>
-    <dgm:txPr/>
-    <dgm:style>
-      <a:lnRef idx="2">
-        <a:scrgbClr r="0" g="0" b="0"/>
-      </a:lnRef>
-      <a:fillRef idx="1">
-        <a:scrgbClr r="0" g="0" b="0"/>
-      </a:fillRef>
-      <a:effectRef idx="0">
-        <a:scrgbClr r="0" g="0" b="0"/>
-      </a:effectRef>
-      <a:fontRef idx="minor"/>
-    </dgm:style>
-  </dgm:styleLbl>
-  <dgm:styleLbl name="fgAcc3">
-    <dgm:scene3d>
-      <a:camera prst="orthographicFront"/>
-      <a:lightRig rig="threePt" dir="t"/>
-    </dgm:scene3d>
-    <dgm:sp3d/>
-    <dgm:txPr/>
-    <dgm:style>
-      <a:lnRef idx="2">
-        <a:scrgbClr r="0" g="0" b="0"/>
-      </a:lnRef>
-      <a:fillRef idx="1">
-        <a:scrgbClr r="0" g="0" b="0"/>
-      </a:fillRef>
-      <a:effectRef idx="0">
-        <a:scrgbClr r="0" g="0" b="0"/>
-      </a:effectRef>
-      <a:fontRef idx="minor"/>
-    </dgm:style>
-  </dgm:styleLbl>
-  <dgm:styleLbl name="fgAcc4">
-    <dgm:scene3d>
-      <a:camera prst="orthographicFront"/>
-      <a:lightRig rig="threePt" dir="t"/>
-    </dgm:scene3d>
-    <dgm:sp3d/>
-    <dgm:txPr/>
-    <dgm:style>
-      <a:lnRef idx="2">
-        <a:scrgbClr r="0" g="0" b="0"/>
-      </a:lnRef>
-      <a:fillRef idx="1">
-        <a:scrgbClr r="0" g="0" b="0"/>
-      </a:fillRef>
-      <a:effectRef idx="0">
-        <a:scrgbClr r="0" g="0" b="0"/>
-      </a:effectRef>
-      <a:fontRef idx="minor"/>
-    </dgm:style>
-  </dgm:styleLbl>
-  <dgm:styleLbl name="bgShp">
-    <dgm:scene3d>
-      <a:camera prst="orthographicFront"/>
-      <a:lightRig rig="threePt" dir="t"/>
-    </dgm:scene3d>
-    <dgm:sp3d/>
-    <dgm:txPr/>
-    <dgm:style>
-      <a:lnRef idx="0">
-        <a:scrgbClr r="0" g="0" b="0"/>
-      </a:lnRef>
-      <a:fillRef idx="1">
-        <a:scrgbClr r="0" g="0" b="0"/>
-      </a:fillRef>
-      <a:effectRef idx="0">
-        <a:scrgbClr r="0" g="0" b="0"/>
-      </a:effectRef>
-      <a:fontRef idx="minor"/>
-    </dgm:style>
-  </dgm:styleLbl>
-  <dgm:styleLbl name="dkBgShp">
-    <dgm:scene3d>
-      <a:camera prst="orthographicFront"/>
-      <a:lightRig rig="threePt" dir="t"/>
-    </dgm:scene3d>
-    <dgm:sp3d/>
-    <dgm:txPr/>
-    <dgm:style>
-      <a:lnRef idx="0">
-        <a:scrgbClr r="0" g="0" b="0"/>
-      </a:lnRef>
-      <a:fillRef idx="1">
-        <a:scrgbClr r="0" g="0" b="0"/>
-      </a:fillRef>
-      <a:effectRef idx="0">
-        <a:scrgbClr r="0" g="0" b="0"/>
-      </a:effectRef>
-      <a:fontRef idx="minor"/>
-    </dgm:style>
-  </dgm:styleLbl>
-  <dgm:styleLbl name="trBgShp">
-    <dgm:scene3d>
-      <a:camera prst="orthographicFront"/>
-      <a:lightRig rig="threePt" dir="t"/>
-    </dgm:scene3d>
-    <dgm:sp3d/>
-    <dgm:txPr/>
-    <dgm:style>
-      <a:lnRef idx="0">
-        <a:scrgbClr r="0" g="0" b="0"/>
-      </a:lnRef>
-      <a:fillRef idx="1">
-        <a:scrgbClr r="0" g="0" b="0"/>
-      </a:fillRef>
-      <a:effectRef idx="0">
-        <a:scrgbClr r="0" g="0" b="0"/>
-      </a:effectRef>
-      <a:fontRef idx="minor"/>
-    </dgm:style>
-  </dgm:styleLbl>
-  <dgm:styleLbl name="fgShp">
-    <dgm:scene3d>
-      <a:camera prst="orthographicFront"/>
-      <a:lightRig rig="threePt" dir="t"/>
-    </dgm:scene3d>
-    <dgm:sp3d/>
-    <dgm:txPr/>
-    <dgm:style>
-      <a:lnRef idx="2">
-        <a:scrgbClr r="0" g="0" b="0"/>
-      </a:lnRef>
-      <a:fillRef idx="1">
-        <a:scrgbClr r="0" g="0" b="0"/>
-      </a:fillRef>
-      <a:effectRef idx="0">
-        <a:scrgbClr r="0" g="0" b="0"/>
-      </a:effectRef>
-      <a:fontRef idx="minor"/>
-    </dgm:style>
-  </dgm:styleLbl>
-  <dgm:styleLbl name="revTx">
-    <dgm:scene3d>
-      <a:camera prst="orthographicFront"/>
-      <a:lightRig rig="threePt" dir="t"/>
-    </dgm:scene3d>
-    <dgm:sp3d/>
-    <dgm:txPr/>
-    <dgm:style>
-      <a:lnRef idx="0">
-        <a:scrgbClr r="0" g="0" b="0"/>
-      </a:lnRef>
-      <a:fillRef idx="0">
-        <a:scrgbClr r="0" g="0" b="0"/>
-      </a:fillRef>
-      <a:effectRef idx="0">
-        <a:scrgbClr r="0" g="0" b="0"/>
-      </a:effectRef>
-      <a:fontRef idx="minor"/>
-    </dgm:style>
-  </dgm:styleLbl>
-</dgm:styleDef>
-</file>
-
 <file path=ppt/slideLayouts/slideLayout1.xml><?xml version="1.0" encoding="utf-8"?>
 <p:sldLayout xmlns:a="http://schemas.openxmlformats.org/drawingml/2006/main" xmlns:r="http://schemas.openxmlformats.org/officeDocument/2006/relationships" xmlns:p="http://schemas.openxmlformats.org/presentationml/2006/main" type="secHead" preserve="1">
   <p:cSld name="구역 머리글">
@@ -8252,7 +5305,7 @@
             <a:fld id="{6921685B-8A46-4547-B47D-D09C9DEE3113}" type="datetimeFigureOut">
               <a:rPr lang="ko-KR" altLang="en-US" smtClean="0"/>
               <a:pPr/>
-              <a:t>2021-09-03</a:t>
+              <a:t>2021-09-06</a:t>
             </a:fld>
             <a:endParaRPr lang="ko-KR" altLang="en-US" dirty="0"/>
           </a:p>
@@ -11018,7 +8071,7 @@
           <a:p>
             <a:fld id="{305352ED-F847-431A-9C4E-9984B483267A}" type="datetimeFigureOut">
               <a:rPr lang="ko-KR" altLang="en-US" smtClean="0"/>
-              <a:t>2021-09-03</a:t>
+              <a:t>2021-09-06</a:t>
             </a:fld>
             <a:endParaRPr lang="ko-KR" altLang="en-US"/>
           </a:p>
@@ -11704,6 +8757,11 @@
               <a:rPr lang="en-US" altLang="ko-KR" sz="1800" dirty="0"/>
               <a:t>:</a:t>
             </a:r>
+            <a:r>
+              <a:rPr lang="ko-KR" altLang="en-US" sz="1800" dirty="0" err="1"/>
+              <a:t>쿠첸</a:t>
+            </a:r>
+            <a:endParaRPr lang="en-US" altLang="ko-KR" sz="1800" dirty="0"/>
           </a:p>
           <a:p>
             <a:pPr marL="342891" indent="-342891">
@@ -11716,7 +8774,7 @@
             </a:r>
             <a:r>
               <a:rPr lang="en-US" altLang="ko-KR" sz="1800" dirty="0"/>
-              <a:t>:</a:t>
+              <a:t>:https://www.cuchenmall.co.kr/</a:t>
             </a:r>
           </a:p>
           <a:p>
@@ -11746,7 +8804,7 @@
             </a:r>
             <a:r>
               <a:rPr lang="en-US" altLang="ko-KR" sz="1800" dirty="0"/>
-              <a:t>: </a:t>
+              <a:t>:2021-09-06 </a:t>
             </a:r>
           </a:p>
           <a:p>
@@ -11770,7 +8828,14 @@
               <a:rPr lang="en-US" altLang="ko-KR" sz="1800" dirty="0"/>
               <a:t>:</a:t>
             </a:r>
-            <a:endParaRPr lang="ko-KR" altLang="en-US" sz="1800" dirty="0"/>
+            <a:r>
+              <a:rPr lang="ko-KR" altLang="en-US" sz="1800" dirty="0" err="1"/>
+              <a:t>송민철</a:t>
+            </a:r>
+            <a:r>
+              <a:rPr lang="ko-KR" altLang="en-US" sz="1800" dirty="0"/>
+              <a:t> </a:t>
+            </a:r>
           </a:p>
         </p:txBody>
       </p:sp>
@@ -11984,7 +9049,7 @@
           <p:nvPr>
             <p:extLst>
               <p:ext uri="{D42A27DB-BD31-4B8C-83A1-F6EECF244321}">
-                <p14:modId xmlns:p14="http://schemas.microsoft.com/office/powerpoint/2010/main" val="1402558534"/>
+                <p14:modId xmlns:p14="http://schemas.microsoft.com/office/powerpoint/2010/main" val="142932335"/>
               </p:ext>
             </p:extLst>
           </p:nvPr>
@@ -12067,7 +9132,84 @@
                           <a:latin typeface="맑은 고딕" panose="020B0503020000020004" pitchFamily="50" charset="-127"/>
                           <a:ea typeface="맑은 고딕" panose="020B0503020000020004" pitchFamily="50" charset="-127"/>
                         </a:rPr>
-                        <a:t>요구사항 요약</a:t>
+                        <a:t>요구사항 요약 새로운 기술 도입과 기업의 </a:t>
+                      </a:r>
+                      <a:r>
+                        <a:rPr lang="ko-KR" altLang="en-US" sz="1500" b="0" kern="0" spc="0" dirty="0" err="1">
+                          <a:solidFill>
+                            <a:srgbClr val="191919"/>
+                          </a:solidFill>
+                          <a:effectLst/>
+                          <a:latin typeface="맑은 고딕" panose="020B0503020000020004" pitchFamily="50" charset="-127"/>
+                          <a:ea typeface="맑은 고딕" panose="020B0503020000020004" pitchFamily="50" charset="-127"/>
+                        </a:rPr>
+                        <a:t>이윤추구에맞는</a:t>
+                      </a:r>
+                      <a:r>
+                        <a:rPr lang="ko-KR" altLang="en-US" sz="1500" b="0" kern="0" spc="0" dirty="0">
+                          <a:solidFill>
+                            <a:srgbClr val="191919"/>
+                          </a:solidFill>
+                          <a:effectLst/>
+                          <a:latin typeface="맑은 고딕" panose="020B0503020000020004" pitchFamily="50" charset="-127"/>
+                          <a:ea typeface="맑은 고딕" panose="020B0503020000020004" pitchFamily="50" charset="-127"/>
+                        </a:rPr>
+                        <a:t> 새로운 변화로 기업의 비전이 발전하고 소비자중심경영인 만큼 소비자위취향과 </a:t>
+                      </a:r>
+                      <a:r>
+                        <a:rPr lang="ko-KR" altLang="en-US" sz="1500" b="0" kern="0" spc="0" dirty="0" err="1">
+                          <a:solidFill>
+                            <a:srgbClr val="191919"/>
+                          </a:solidFill>
+                          <a:effectLst/>
+                          <a:latin typeface="맑은 고딕" panose="020B0503020000020004" pitchFamily="50" charset="-127"/>
+                          <a:ea typeface="맑은 고딕" panose="020B0503020000020004" pitchFamily="50" charset="-127"/>
+                        </a:rPr>
+                        <a:t>트렌드에맞게</a:t>
+                      </a:r>
+                      <a:r>
+                        <a:rPr lang="ko-KR" altLang="en-US" sz="1500" b="0" kern="0" spc="0" dirty="0">
+                          <a:solidFill>
+                            <a:srgbClr val="191919"/>
+                          </a:solidFill>
+                          <a:effectLst/>
+                          <a:latin typeface="맑은 고딕" panose="020B0503020000020004" pitchFamily="50" charset="-127"/>
+                          <a:ea typeface="맑은 고딕" panose="020B0503020000020004" pitchFamily="50" charset="-127"/>
+                        </a:rPr>
+                        <a:t> 앞으로의 </a:t>
+                      </a:r>
+                      <a:r>
+                        <a:rPr lang="ko-KR" altLang="en-US" sz="1500" b="0" kern="0" spc="0" dirty="0" err="1">
+                          <a:solidFill>
+                            <a:srgbClr val="191919"/>
+                          </a:solidFill>
+                          <a:effectLst/>
+                          <a:latin typeface="맑은 고딕" panose="020B0503020000020004" pitchFamily="50" charset="-127"/>
+                          <a:ea typeface="맑은 고딕" panose="020B0503020000020004" pitchFamily="50" charset="-127"/>
+                        </a:rPr>
+                        <a:t>발전가능성이있도록</a:t>
+                      </a:r>
+                      <a:r>
+                        <a:rPr lang="ko-KR" altLang="en-US" sz="1500" b="0" kern="0" spc="0" dirty="0">
+                          <a:solidFill>
+                            <a:srgbClr val="191919"/>
+                          </a:solidFill>
+                          <a:effectLst/>
+                          <a:latin typeface="맑은 고딕" panose="020B0503020000020004" pitchFamily="50" charset="-127"/>
+                          <a:ea typeface="맑은 고딕" panose="020B0503020000020004" pitchFamily="50" charset="-127"/>
+                        </a:rPr>
+                        <a:t> </a:t>
+                      </a:r>
+                      <a:r>
+                        <a:rPr lang="ko-KR" altLang="en-US" sz="1500" b="0" kern="0" spc="0" dirty="0" err="1">
+                          <a:solidFill>
+                            <a:srgbClr val="191919"/>
+                          </a:solidFill>
+                          <a:effectLst/>
+                          <a:latin typeface="맑은 고딕" panose="020B0503020000020004" pitchFamily="50" charset="-127"/>
+                          <a:ea typeface="맑은 고딕" panose="020B0503020000020004" pitchFamily="50" charset="-127"/>
+                        </a:rPr>
+                        <a:t>원하는것</a:t>
                       </a:r>
                       <a:endParaRPr lang="ko-KR" altLang="en-US" sz="1500" b="0" kern="0" spc="0" dirty="0">
                         <a:solidFill>
@@ -12298,12 +9440,7 @@
             <p:ph type="body" sz="half" idx="2"/>
           </p:nvPr>
         </p:nvSpPr>
-        <p:spPr>
-          <a:xfrm>
-            <a:off x="1458687" y="1546230"/>
-            <a:ext cx="9491991" cy="312057"/>
-          </a:xfrm>
-        </p:spPr>
+        <p:spPr/>
         <p:txBody>
           <a:bodyPr/>
           <a:lstStyle/>
@@ -12473,7 +9610,7 @@
           <p:nvPr>
             <p:extLst>
               <p:ext uri="{D42A27DB-BD31-4B8C-83A1-F6EECF244321}">
-                <p14:modId xmlns:p14="http://schemas.microsoft.com/office/powerpoint/2010/main" val="3146240579"/>
+                <p14:modId xmlns:p14="http://schemas.microsoft.com/office/powerpoint/2010/main" val="3586689395"/>
               </p:ext>
             </p:extLst>
           </p:nvPr>
@@ -12600,7 +9737,167 @@
                           <a:spcPts val="0"/>
                         </a:spcAft>
                       </a:pPr>
-                      <a:endParaRPr lang="ko-KR" altLang="en-US" sz="1100" kern="0" spc="0" dirty="0">
+                      <a:r>
+                        <a:rPr lang="ko-KR" altLang="en-US" sz="1100" kern="0" spc="0" dirty="0">
+                          <a:solidFill>
+                            <a:srgbClr val="191919"/>
+                          </a:solidFill>
+                          <a:effectLst/>
+                          <a:latin typeface="맑은 고딕" panose="020B0503020000020004" pitchFamily="50" charset="-127"/>
+                        </a:rPr>
+                        <a:t>밥솥 전기레인지</a:t>
+                      </a:r>
+                      <a:endParaRPr lang="en-US" altLang="ko-KR" sz="1100" kern="0" spc="0" dirty="0">
+                        <a:solidFill>
+                          <a:srgbClr val="191919"/>
+                        </a:solidFill>
+                        <a:effectLst/>
+                        <a:latin typeface="맑은 고딕" panose="020B0503020000020004" pitchFamily="50" charset="-127"/>
+                      </a:endParaRPr>
+                    </a:p>
+                    <a:p>
+                      <a:pPr marL="0" marR="0" indent="0" algn="just" fontAlgn="base" latinLnBrk="1">
+                        <a:lnSpc>
+                          <a:spcPct val="130000"/>
+                        </a:lnSpc>
+                        <a:spcBef>
+                          <a:spcPts val="0"/>
+                        </a:spcBef>
+                        <a:spcAft>
+                          <a:spcPts val="0"/>
+                        </a:spcAft>
+                      </a:pPr>
+                      <a:r>
+                        <a:rPr lang="ko-KR" altLang="en-US" sz="1100" kern="0" spc="0" dirty="0">
+                          <a:solidFill>
+                            <a:srgbClr val="191919"/>
+                          </a:solidFill>
+                          <a:effectLst/>
+                          <a:latin typeface="맑은 고딕" panose="020B0503020000020004" pitchFamily="50" charset="-127"/>
+                        </a:rPr>
+                        <a:t>주바 생황가전</a:t>
+                      </a:r>
+                      <a:endParaRPr lang="en-US" altLang="ko-KR" sz="1100" kern="0" spc="0" dirty="0">
+                        <a:solidFill>
+                          <a:srgbClr val="191919"/>
+                        </a:solidFill>
+                        <a:effectLst/>
+                        <a:latin typeface="맑은 고딕" panose="020B0503020000020004" pitchFamily="50" charset="-127"/>
+                      </a:endParaRPr>
+                    </a:p>
+                    <a:p>
+                      <a:pPr marL="0" marR="0" indent="0" algn="just" fontAlgn="base" latinLnBrk="1">
+                        <a:lnSpc>
+                          <a:spcPct val="130000"/>
+                        </a:lnSpc>
+                        <a:spcBef>
+                          <a:spcPts val="0"/>
+                        </a:spcBef>
+                        <a:spcAft>
+                          <a:spcPts val="0"/>
+                        </a:spcAft>
+                      </a:pPr>
+                      <a:r>
+                        <a:rPr lang="ko-KR" altLang="en-US" sz="1100" kern="0" spc="0" dirty="0">
+                          <a:solidFill>
+                            <a:srgbClr val="191919"/>
+                          </a:solidFill>
+                          <a:effectLst/>
+                          <a:latin typeface="맑은 고딕" panose="020B0503020000020004" pitchFamily="50" charset="-127"/>
+                        </a:rPr>
+                        <a:t>소모품 기타 기획전 아울렛</a:t>
+                      </a:r>
+                      <a:endParaRPr lang="en-US" altLang="ko-KR" sz="1100" kern="0" spc="0" dirty="0">
+                        <a:solidFill>
+                          <a:srgbClr val="191919"/>
+                        </a:solidFill>
+                        <a:effectLst/>
+                        <a:latin typeface="맑은 고딕" panose="020B0503020000020004" pitchFamily="50" charset="-127"/>
+                      </a:endParaRPr>
+                    </a:p>
+                    <a:p>
+                      <a:pPr marL="0" marR="0" indent="0" algn="just" fontAlgn="base" latinLnBrk="1">
+                        <a:lnSpc>
+                          <a:spcPct val="130000"/>
+                        </a:lnSpc>
+                        <a:spcBef>
+                          <a:spcPts val="0"/>
+                        </a:spcBef>
+                        <a:spcAft>
+                          <a:spcPts val="0"/>
+                        </a:spcAft>
+                      </a:pPr>
+                      <a:r>
+                        <a:rPr lang="ko-KR" altLang="en-US" sz="1100" kern="0" spc="0" dirty="0">
+                          <a:solidFill>
+                            <a:srgbClr val="191919"/>
+                          </a:solidFill>
+                          <a:effectLst/>
+                          <a:latin typeface="맑은 고딕" panose="020B0503020000020004" pitchFamily="50" charset="-127"/>
+                        </a:rPr>
+                        <a:t>이벤트쿠폰</a:t>
+                      </a:r>
+                      <a:endParaRPr lang="en-US" altLang="ko-KR" sz="1100" kern="0" spc="0" dirty="0">
+                        <a:solidFill>
+                          <a:srgbClr val="191919"/>
+                        </a:solidFill>
+                        <a:effectLst/>
+                        <a:latin typeface="맑은 고딕" panose="020B0503020000020004" pitchFamily="50" charset="-127"/>
+                      </a:endParaRPr>
+                    </a:p>
+                    <a:p>
+                      <a:pPr marL="0" marR="0" indent="0" algn="just" fontAlgn="base" latinLnBrk="1">
+                        <a:lnSpc>
+                          <a:spcPct val="130000"/>
+                        </a:lnSpc>
+                        <a:spcBef>
+                          <a:spcPts val="0"/>
+                        </a:spcBef>
+                        <a:spcAft>
+                          <a:spcPts val="0"/>
+                        </a:spcAft>
+                      </a:pPr>
+                      <a:r>
+                        <a:rPr lang="ko-KR" altLang="en-US" sz="1100" kern="0" spc="0" dirty="0">
+                          <a:solidFill>
+                            <a:srgbClr val="191919"/>
+                          </a:solidFill>
+                          <a:effectLst/>
+                          <a:latin typeface="맑은 고딕" panose="020B0503020000020004" pitchFamily="50" charset="-127"/>
+                        </a:rPr>
+                        <a:t>공지사항 </a:t>
+                      </a:r>
+                      <a:endParaRPr lang="en-US" altLang="ko-KR" sz="1100" kern="0" spc="0" dirty="0">
+                        <a:solidFill>
+                          <a:srgbClr val="191919"/>
+                        </a:solidFill>
+                        <a:effectLst/>
+                        <a:latin typeface="맑은 고딕" panose="020B0503020000020004" pitchFamily="50" charset="-127"/>
+                      </a:endParaRPr>
+                    </a:p>
+                    <a:p>
+                      <a:pPr marL="0" marR="0" indent="0" algn="just" fontAlgn="base" latinLnBrk="1">
+                        <a:lnSpc>
+                          <a:spcPct val="130000"/>
+                        </a:lnSpc>
+                        <a:spcBef>
+                          <a:spcPts val="0"/>
+                        </a:spcBef>
+                        <a:spcAft>
+                          <a:spcPts val="0"/>
+                        </a:spcAft>
+                      </a:pPr>
+                      <a:r>
+                        <a:rPr lang="ko-KR" altLang="en-US" sz="1100" kern="0" spc="0" dirty="0">
+                          <a:solidFill>
+                            <a:srgbClr val="191919"/>
+                          </a:solidFill>
+                          <a:effectLst/>
+                          <a:latin typeface="맑은 고딕" panose="020B0503020000020004" pitchFamily="50" charset="-127"/>
+                        </a:rPr>
+                        <a:t>고객센터 </a:t>
+                      </a:r>
+                      <a:endParaRPr lang="en-US" altLang="ko-KR" sz="1100" kern="0" spc="0" dirty="0">
                         <a:solidFill>
                           <a:srgbClr val="191919"/>
                         </a:solidFill>
@@ -12706,6 +10003,178 @@
               <a:t>샘플</a:t>
             </a:r>
             <a:endParaRPr lang="ko-KR" altLang="en-US" sz="1200" dirty="0"/>
+          </a:p>
+        </p:txBody>
+      </p:sp>
+      <p:sp>
+        <p:nvSpPr>
+          <p:cNvPr id="14" name="TextBox 13">
+            <a:extLst>
+              <a:ext uri="{FF2B5EF4-FFF2-40B4-BE49-F238E27FC236}">
+                <a16:creationId xmlns:a16="http://schemas.microsoft.com/office/drawing/2014/main" id="{ADE09764-B5CE-4A94-ACE2-35270DAAA174}"/>
+              </a:ext>
+            </a:extLst>
+          </p:cNvPr>
+          <p:cNvSpPr txBox="1"/>
+          <p:nvPr/>
+        </p:nvSpPr>
+        <p:spPr>
+          <a:xfrm>
+            <a:off x="8381148" y="2712619"/>
+            <a:ext cx="422328" cy="646331"/>
+          </a:xfrm>
+          <a:prstGeom prst="rect">
+            <a:avLst/>
+          </a:prstGeom>
+          <a:noFill/>
+        </p:spPr>
+        <p:txBody>
+          <a:bodyPr wrap="square">
+            <a:spAutoFit/>
+          </a:bodyPr>
+          <a:lstStyle/>
+          <a:p>
+            <a:pPr lvl="0" latinLnBrk="1"/>
+            <a:r>
+              <a:rPr lang="ko-KR" altLang="en-US" dirty="0"/>
+              <a:t>밥솥</a:t>
+            </a:r>
+          </a:p>
+        </p:txBody>
+      </p:sp>
+      <p:sp>
+        <p:nvSpPr>
+          <p:cNvPr id="16" name="TextBox 15">
+            <a:extLst>
+              <a:ext uri="{FF2B5EF4-FFF2-40B4-BE49-F238E27FC236}">
+                <a16:creationId xmlns:a16="http://schemas.microsoft.com/office/drawing/2014/main" id="{C4C21D00-A891-4693-A114-D549D893F9B5}"/>
+              </a:ext>
+            </a:extLst>
+          </p:cNvPr>
+          <p:cNvSpPr txBox="1"/>
+          <p:nvPr/>
+        </p:nvSpPr>
+        <p:spPr>
+          <a:xfrm>
+            <a:off x="8803476" y="3902317"/>
+            <a:ext cx="750788" cy="923330"/>
+          </a:xfrm>
+          <a:prstGeom prst="rect">
+            <a:avLst/>
+          </a:prstGeom>
+          <a:noFill/>
+        </p:spPr>
+        <p:txBody>
+          <a:bodyPr wrap="square">
+            <a:spAutoFit/>
+          </a:bodyPr>
+          <a:lstStyle/>
+          <a:p>
+            <a:pPr lvl="0" latinLnBrk="1"/>
+            <a:r>
+              <a:rPr lang="ko-KR" altLang="en-US" dirty="0"/>
+              <a:t>전기 레인지 </a:t>
+            </a:r>
+          </a:p>
+        </p:txBody>
+      </p:sp>
+      <p:sp>
+        <p:nvSpPr>
+          <p:cNvPr id="21" name="TextBox 20">
+            <a:extLst>
+              <a:ext uri="{FF2B5EF4-FFF2-40B4-BE49-F238E27FC236}">
+                <a16:creationId xmlns:a16="http://schemas.microsoft.com/office/drawing/2014/main" id="{6E360A0C-04F5-49A5-BB99-95AB609DE48A}"/>
+              </a:ext>
+            </a:extLst>
+          </p:cNvPr>
+          <p:cNvSpPr txBox="1"/>
+          <p:nvPr/>
+        </p:nvSpPr>
+        <p:spPr>
+          <a:xfrm>
+            <a:off x="7285184" y="4201288"/>
+            <a:ext cx="1518292" cy="1754326"/>
+          </a:xfrm>
+          <a:prstGeom prst="rect">
+            <a:avLst/>
+          </a:prstGeom>
+          <a:noFill/>
+        </p:spPr>
+        <p:txBody>
+          <a:bodyPr wrap="square">
+            <a:spAutoFit/>
+          </a:bodyPr>
+          <a:lstStyle/>
+          <a:p>
+            <a:pPr lvl="0" latinLnBrk="1"/>
+            <a:r>
+              <a:rPr lang="ko-KR" altLang="en-US" dirty="0"/>
+              <a:t>전자레인지  </a:t>
+            </a:r>
+            <a:endParaRPr lang="en-US" altLang="ko-KR" dirty="0"/>
+          </a:p>
+          <a:p>
+            <a:pPr lvl="0" latinLnBrk="1"/>
+            <a:endParaRPr lang="en-US" altLang="ko-KR" dirty="0"/>
+          </a:p>
+          <a:p>
+            <a:pPr lvl="0" latinLnBrk="1"/>
+            <a:r>
+              <a:rPr lang="ko-KR" altLang="en-US" dirty="0" err="1"/>
+              <a:t>에어프라이</a:t>
+            </a:r>
+            <a:endParaRPr lang="en-US" altLang="ko-KR" dirty="0"/>
+          </a:p>
+          <a:p>
+            <a:pPr lvl="0" latinLnBrk="1"/>
+            <a:r>
+              <a:rPr lang="ko-KR" altLang="en-US" dirty="0"/>
+              <a:t>기</a:t>
+            </a:r>
+            <a:endParaRPr lang="en-US" altLang="ko-KR" dirty="0"/>
+          </a:p>
+          <a:p>
+            <a:pPr lvl="0" latinLnBrk="1"/>
+            <a:r>
+              <a:rPr lang="ko-KR" altLang="en-US" dirty="0"/>
+              <a:t>소독기  스탠드 케이스 </a:t>
+            </a:r>
+          </a:p>
+        </p:txBody>
+      </p:sp>
+      <p:sp>
+        <p:nvSpPr>
+          <p:cNvPr id="22" name="TextBox 21">
+            <a:extLst>
+              <a:ext uri="{FF2B5EF4-FFF2-40B4-BE49-F238E27FC236}">
+                <a16:creationId xmlns:a16="http://schemas.microsoft.com/office/drawing/2014/main" id="{0EBAD44B-0674-4476-86F8-4178ADBCDD22}"/>
+              </a:ext>
+            </a:extLst>
+          </p:cNvPr>
+          <p:cNvSpPr txBox="1"/>
+          <p:nvPr/>
+        </p:nvSpPr>
+        <p:spPr>
+          <a:xfrm>
+            <a:off x="8044331" y="3992199"/>
+            <a:ext cx="759145" cy="369332"/>
+          </a:xfrm>
+          <a:prstGeom prst="rect">
+            <a:avLst/>
+          </a:prstGeom>
+          <a:noFill/>
+        </p:spPr>
+        <p:txBody>
+          <a:bodyPr wrap="square">
+            <a:spAutoFit/>
+          </a:bodyPr>
+          <a:lstStyle/>
+          <a:p>
+            <a:pPr lvl="0" latinLnBrk="1"/>
+            <a:r>
+              <a:rPr lang="ko-KR" altLang="en-US" dirty="0"/>
+              <a:t>패킹 </a:t>
+            </a:r>
           </a:p>
         </p:txBody>
       </p:sp>
@@ -13569,7 +11038,7 @@
           <p:nvPr>
             <p:extLst>
               <p:ext uri="{D42A27DB-BD31-4B8C-83A1-F6EECF244321}">
-                <p14:modId xmlns:p14="http://schemas.microsoft.com/office/powerpoint/2010/main" val="3220430994"/>
+                <p14:modId xmlns:p14="http://schemas.microsoft.com/office/powerpoint/2010/main" val="537835635"/>
               </p:ext>
             </p:extLst>
           </p:nvPr>
@@ -13696,7 +11165,19 @@
                           <a:spcPts val="0"/>
                         </a:spcAft>
                       </a:pPr>
-                      <a:endParaRPr lang="ko-KR" altLang="en-US" sz="1500" b="0" kern="0" spc="0" dirty="0">
+                      <a:r>
+                        <a:rPr lang="ko-KR" altLang="en-US" sz="1500" b="0" kern="0" spc="0" dirty="0">
+                          <a:solidFill>
+                            <a:schemeClr val="bg1">
+                              <a:lumMod val="50000"/>
+                            </a:schemeClr>
+                          </a:solidFill>
+                          <a:effectLst/>
+                          <a:latin typeface="맑은 고딕" panose="020B0503020000020004" pitchFamily="50" charset="-127"/>
+                        </a:rPr>
+                        <a:t>딱딱하면서도 정적인 느낌이 있지만 깔끔하면서도 제품의 깨끗하고 심플한 이미지를 돋보이기 위해 </a:t>
+                      </a:r>
+                      <a:endParaRPr lang="en-US" altLang="ko-KR" sz="1500" b="0" kern="0" spc="0" dirty="0">
                         <a:solidFill>
                           <a:schemeClr val="bg1">
                             <a:lumMod val="50000"/>
@@ -13705,6 +11186,31 @@
                         <a:effectLst/>
                         <a:latin typeface="맑은 고딕" panose="020B0503020000020004" pitchFamily="50" charset="-127"/>
                       </a:endParaRPr>
+                    </a:p>
+                    <a:p>
+                      <a:pPr marL="0" marR="0" indent="0" algn="l" fontAlgn="base" latinLnBrk="0">
+                        <a:lnSpc>
+                          <a:spcPct val="130000"/>
+                        </a:lnSpc>
+                        <a:spcBef>
+                          <a:spcPts val="0"/>
+                        </a:spcBef>
+                        <a:spcAft>
+                          <a:spcPts val="0"/>
+                        </a:spcAft>
+                      </a:pPr>
+                      <a:r>
+                        <a:rPr lang="ko-KR" altLang="en-US" sz="1500" b="0" kern="0" spc="0" dirty="0">
+                          <a:solidFill>
+                            <a:schemeClr val="bg1">
+                              <a:lumMod val="50000"/>
+                            </a:schemeClr>
+                          </a:solidFill>
+                          <a:effectLst/>
+                          <a:latin typeface="맑은 고딕" panose="020B0503020000020004" pitchFamily="50" charset="-127"/>
+                        </a:rPr>
+                        <a:t>소비자의입장에서 고르기 쉬운 기준의 이미지로 좀더 간편하고 편리함을 추구한다 주 타깃층이 주부나 가정에 쓰이는 제품 이므로 조금 더 편리함을 공략한다</a:t>
+                      </a:r>
                     </a:p>
                   </a:txBody>
                   <a:tcPr marL="64771" marR="64771" marT="17907" marB="17907">
@@ -13972,13 +11478,13 @@
           <p:nvPr>
             <p:extLst>
               <p:ext uri="{D42A27DB-BD31-4B8C-83A1-F6EECF244321}">
-                <p14:modId xmlns:p14="http://schemas.microsoft.com/office/powerpoint/2010/main" val="304065596"/>
+                <p14:modId xmlns:p14="http://schemas.microsoft.com/office/powerpoint/2010/main" val="4216597765"/>
               </p:ext>
             </p:extLst>
           </p:nvPr>
         </p:nvGraphicFramePr>
         <p:xfrm>
-          <a:off x="1561763" y="3091160"/>
+          <a:off x="1577261" y="3091160"/>
           <a:ext cx="9144000" cy="3081041"/>
         </p:xfrm>
         <a:graphic>
@@ -14099,15 +11605,66 @@
                           <a:spcPts val="0"/>
                         </a:spcAft>
                       </a:pPr>
-                      <a:endParaRPr lang="ko-KR" altLang="en-US" sz="1500" b="0" kern="0" spc="0" dirty="0">
-                        <a:solidFill>
-                          <a:schemeClr val="bg1">
-                            <a:lumMod val="50000"/>
-                          </a:schemeClr>
-                        </a:solidFill>
-                        <a:effectLst/>
-                        <a:latin typeface="맑은 고딕" panose="020B0503020000020004" pitchFamily="50" charset="-127"/>
-                      </a:endParaRPr>
+                      <a:r>
+                        <a:rPr lang="ko-KR" altLang="en-US" sz="1500" b="0" kern="0" spc="0" dirty="0">
+                          <a:solidFill>
+                            <a:schemeClr val="bg1">
+                              <a:lumMod val="50000"/>
+                            </a:schemeClr>
+                          </a:solidFill>
+                          <a:effectLst/>
+                          <a:latin typeface="맑은 고딕" panose="020B0503020000020004" pitchFamily="50" charset="-127"/>
+                        </a:rPr>
+                        <a:t>기업의 이미지가 소비자중심에 맞게 합리적가격과 가정에 타깃 중점을 둔 만큼 다소 간단하고 심플한 것이 딱딱해 보이고 </a:t>
+                      </a:r>
+                      <a:r>
+                        <a:rPr lang="ko-KR" altLang="en-US" sz="1500" b="0" kern="0" spc="0" dirty="0" err="1">
+                          <a:solidFill>
+                            <a:schemeClr val="bg1">
+                              <a:lumMod val="50000"/>
+                            </a:schemeClr>
+                          </a:solidFill>
+                          <a:effectLst/>
+                          <a:latin typeface="맑은 고딕" panose="020B0503020000020004" pitchFamily="50" charset="-127"/>
+                        </a:rPr>
+                        <a:t>젋은층들에겐</a:t>
+                      </a:r>
+                      <a:r>
+                        <a:rPr lang="ko-KR" altLang="en-US" sz="1500" b="0" kern="0" spc="0" dirty="0">
+                          <a:solidFill>
+                            <a:schemeClr val="bg1">
+                              <a:lumMod val="50000"/>
+                            </a:schemeClr>
+                          </a:solidFill>
+                          <a:effectLst/>
+                          <a:latin typeface="맑은 고딕" panose="020B0503020000020004" pitchFamily="50" charset="-127"/>
+                        </a:rPr>
+                        <a:t> 식상해 보이지만 가정주부의 소비자 비율이 높은 만큼 구매하기 쉽고 제품을 볼 때 좀더 간편하게 구매를 </a:t>
+                      </a:r>
+                      <a:r>
+                        <a:rPr lang="ko-KR" altLang="en-US" sz="1500" b="0" kern="0" spc="0" dirty="0" err="1">
+                          <a:solidFill>
+                            <a:schemeClr val="bg1">
+                              <a:lumMod val="50000"/>
+                            </a:schemeClr>
+                          </a:solidFill>
+                          <a:effectLst/>
+                          <a:latin typeface="맑은 고딕" panose="020B0503020000020004" pitchFamily="50" charset="-127"/>
+                        </a:rPr>
+                        <a:t>할수있다</a:t>
+                      </a:r>
+                      <a:r>
+                        <a:rPr lang="ko-KR" altLang="en-US" sz="1500" b="0" kern="0" spc="0" dirty="0">
+                          <a:solidFill>
+                            <a:schemeClr val="bg1">
+                              <a:lumMod val="50000"/>
+                            </a:schemeClr>
+                          </a:solidFill>
+                          <a:effectLst/>
+                          <a:latin typeface="맑은 고딕" panose="020B0503020000020004" pitchFamily="50" charset="-127"/>
+                        </a:rPr>
+                        <a:t> 그리고 합리적인 가격에 맞춰 매니아 층들에게 인기를 끌 가능성이 높다</a:t>
+                      </a:r>
                     </a:p>
                   </a:txBody>
                   <a:tcPr marL="64771" marR="64771" marT="17907" marB="17907">
@@ -14898,7 +12455,7 @@
                 <a:latin typeface="맑은 고딕" panose="020B0503020000020004" pitchFamily="50" charset="-127"/>
                 <a:ea typeface="맑은 고딕" panose="020B0503020000020004" pitchFamily="50" charset="-127"/>
               </a:rPr>
-              <a:t>메인</a:t>
+              <a:t>서브</a:t>
             </a:r>
             <a:r>
               <a:rPr lang="ko-KR" altLang="en-US" b="1" dirty="0">
@@ -14918,7 +12475,7 @@
                 <a:latin typeface="맑은 고딕" panose="020B0503020000020004" pitchFamily="50" charset="-127"/>
                 <a:ea typeface="맑은 고딕" panose="020B0503020000020004" pitchFamily="50" charset="-127"/>
               </a:rPr>
-              <a:t>)</a:t>
+              <a:t>-3)</a:t>
             </a:r>
             <a:endParaRPr lang="ko-KR" altLang="en-US" b="1" dirty="0">
               <a:solidFill>
@@ -15057,742 +12614,504 @@
             <p:ph type="body" sz="half" idx="2"/>
           </p:nvPr>
         </p:nvSpPr>
-        <p:spPr/>
+        <p:spPr>
+          <a:xfrm>
+            <a:off x="1458686" y="1836060"/>
+            <a:ext cx="9491991" cy="4107540"/>
+          </a:xfrm>
+        </p:spPr>
         <p:txBody>
           <a:bodyPr/>
           <a:lstStyle/>
           <a:p>
             <a:r>
               <a:rPr lang="ko-KR" altLang="en-US" dirty="0"/>
-              <a:t>페이지 구성에 따른 레이아웃 구성을 위한 구조 정리</a:t>
+              <a:t>페이지 구성에 따른 레이아웃 구성을 위한 구조 정</a:t>
             </a:r>
           </a:p>
-        </p:txBody>
-      </p:sp>
-      <p:sp>
-        <p:nvSpPr>
-          <p:cNvPr id="13" name="텍스트 개체 틀 7">
-            <a:extLst>
-              <a:ext uri="{FF2B5EF4-FFF2-40B4-BE49-F238E27FC236}">
-                <a16:creationId xmlns:a16="http://schemas.microsoft.com/office/drawing/2014/main" id="{E4712E7B-275C-4E91-B4F6-F77FF3DFC65F}"/>
-              </a:ext>
-            </a:extLst>
-          </p:cNvPr>
-          <p:cNvSpPr txBox="1">
-            <a:spLocks/>
-          </p:cNvSpPr>
-          <p:nvPr/>
-        </p:nvSpPr>
-        <p:spPr>
-          <a:xfrm>
-            <a:off x="1458687" y="6291945"/>
-            <a:ext cx="9491991" cy="312057"/>
-          </a:xfrm>
-          <a:prstGeom prst="rect">
-            <a:avLst/>
-          </a:prstGeom>
-        </p:spPr>
-        <p:txBody>
-          <a:bodyPr/>
-          <a:lstStyle>
-            <a:lvl1pPr marL="285750" indent="-285750" algn="l" defTabSz="914400" rtl="0" eaLnBrk="1" latinLnBrk="1" hangingPunct="1">
-              <a:lnSpc>
-                <a:spcPct val="90000"/>
-              </a:lnSpc>
-              <a:spcBef>
-                <a:spcPts val="1000"/>
-              </a:spcBef>
-              <a:buClr>
-                <a:srgbClr val="2AB9C7"/>
-              </a:buClr>
-              <a:buSzPct val="80000"/>
-              <a:buFont typeface="Wingdings" panose="05000000000000000000" pitchFamily="2" charset="2"/>
-              <a:buChar char="l"/>
-              <a:defRPr sz="1600" kern="1200">
-                <a:solidFill>
-                  <a:srgbClr val="595959"/>
-                </a:solidFill>
-                <a:latin typeface="+mn-lt"/>
-                <a:ea typeface="+mn-ea"/>
-                <a:cs typeface="+mn-cs"/>
-              </a:defRPr>
-            </a:lvl1pPr>
-            <a:lvl2pPr marL="457200" indent="0" algn="l" defTabSz="914400" rtl="0" eaLnBrk="1" latinLnBrk="1" hangingPunct="1">
-              <a:lnSpc>
-                <a:spcPct val="90000"/>
-              </a:lnSpc>
-              <a:spcBef>
-                <a:spcPts val="500"/>
-              </a:spcBef>
-              <a:buFont typeface="Arial" panose="020B0604020202020204" pitchFamily="34" charset="0"/>
+          <a:p>
+            <a:pPr marL="0" indent="0">
               <a:buNone/>
-              <a:defRPr sz="1400" kern="1200">
-                <a:solidFill>
-                  <a:schemeClr val="tx1"/>
-                </a:solidFill>
-                <a:latin typeface="+mn-lt"/>
-                <a:ea typeface="+mn-ea"/>
-                <a:cs typeface="+mn-cs"/>
-              </a:defRPr>
-            </a:lvl2pPr>
-            <a:lvl3pPr marL="914400" indent="0" algn="l" defTabSz="914400" rtl="0" eaLnBrk="1" latinLnBrk="1" hangingPunct="1">
-              <a:lnSpc>
-                <a:spcPct val="90000"/>
-              </a:lnSpc>
-              <a:spcBef>
-                <a:spcPts val="500"/>
-              </a:spcBef>
-              <a:buFont typeface="Arial" panose="020B0604020202020204" pitchFamily="34" charset="0"/>
-              <a:buNone/>
-              <a:defRPr sz="1200" kern="1200">
-                <a:solidFill>
-                  <a:schemeClr val="tx1"/>
-                </a:solidFill>
-                <a:latin typeface="+mn-lt"/>
-                <a:ea typeface="+mn-ea"/>
-                <a:cs typeface="+mn-cs"/>
-              </a:defRPr>
-            </a:lvl3pPr>
-            <a:lvl4pPr marL="1371600" indent="0" algn="l" defTabSz="914400" rtl="0" eaLnBrk="1" latinLnBrk="1" hangingPunct="1">
-              <a:lnSpc>
-                <a:spcPct val="90000"/>
-              </a:lnSpc>
-              <a:spcBef>
-                <a:spcPts val="500"/>
-              </a:spcBef>
-              <a:buFont typeface="Arial" panose="020B0604020202020204" pitchFamily="34" charset="0"/>
-              <a:buNone/>
-              <a:defRPr sz="1000" kern="1200">
-                <a:solidFill>
-                  <a:schemeClr val="tx1"/>
-                </a:solidFill>
-                <a:latin typeface="+mn-lt"/>
-                <a:ea typeface="+mn-ea"/>
-                <a:cs typeface="+mn-cs"/>
-              </a:defRPr>
-            </a:lvl4pPr>
-            <a:lvl5pPr marL="1828800" indent="0" algn="l" defTabSz="914400" rtl="0" eaLnBrk="1" latinLnBrk="1" hangingPunct="1">
-              <a:lnSpc>
-                <a:spcPct val="90000"/>
-              </a:lnSpc>
-              <a:spcBef>
-                <a:spcPts val="500"/>
-              </a:spcBef>
-              <a:buFont typeface="Arial" panose="020B0604020202020204" pitchFamily="34" charset="0"/>
-              <a:buNone/>
-              <a:defRPr sz="1000" kern="1200">
-                <a:solidFill>
-                  <a:schemeClr val="tx1"/>
-                </a:solidFill>
-                <a:latin typeface="+mn-lt"/>
-                <a:ea typeface="+mn-ea"/>
-                <a:cs typeface="+mn-cs"/>
-              </a:defRPr>
-            </a:lvl5pPr>
-            <a:lvl6pPr marL="2286000" indent="0" algn="l" defTabSz="914400" rtl="0" eaLnBrk="1" latinLnBrk="1" hangingPunct="1">
-              <a:lnSpc>
-                <a:spcPct val="90000"/>
-              </a:lnSpc>
-              <a:spcBef>
-                <a:spcPts val="500"/>
-              </a:spcBef>
-              <a:buFont typeface="Arial" panose="020B0604020202020204" pitchFamily="34" charset="0"/>
-              <a:buNone/>
-              <a:defRPr sz="1000" kern="1200">
-                <a:solidFill>
-                  <a:schemeClr val="tx1"/>
-                </a:solidFill>
-                <a:latin typeface="+mn-lt"/>
-                <a:ea typeface="+mn-ea"/>
-                <a:cs typeface="+mn-cs"/>
-              </a:defRPr>
-            </a:lvl6pPr>
-            <a:lvl7pPr marL="2743200" indent="0" algn="l" defTabSz="914400" rtl="0" eaLnBrk="1" latinLnBrk="1" hangingPunct="1">
-              <a:lnSpc>
-                <a:spcPct val="90000"/>
-              </a:lnSpc>
-              <a:spcBef>
-                <a:spcPts val="500"/>
-              </a:spcBef>
-              <a:buFont typeface="Arial" panose="020B0604020202020204" pitchFamily="34" charset="0"/>
-              <a:buNone/>
-              <a:defRPr sz="1000" kern="1200">
-                <a:solidFill>
-                  <a:schemeClr val="tx1"/>
-                </a:solidFill>
-                <a:latin typeface="+mn-lt"/>
-                <a:ea typeface="+mn-ea"/>
-                <a:cs typeface="+mn-cs"/>
-              </a:defRPr>
-            </a:lvl7pPr>
-            <a:lvl8pPr marL="3200400" indent="0" algn="l" defTabSz="914400" rtl="0" eaLnBrk="1" latinLnBrk="1" hangingPunct="1">
-              <a:lnSpc>
-                <a:spcPct val="90000"/>
-              </a:lnSpc>
-              <a:spcBef>
-                <a:spcPts val="500"/>
-              </a:spcBef>
-              <a:buFont typeface="Arial" panose="020B0604020202020204" pitchFamily="34" charset="0"/>
-              <a:buNone/>
-              <a:defRPr sz="1000" kern="1200">
-                <a:solidFill>
-                  <a:schemeClr val="tx1"/>
-                </a:solidFill>
-                <a:latin typeface="+mn-lt"/>
-                <a:ea typeface="+mn-ea"/>
-                <a:cs typeface="+mn-cs"/>
-              </a:defRPr>
-            </a:lvl8pPr>
-            <a:lvl9pPr marL="3657600" indent="0" algn="l" defTabSz="914400" rtl="0" eaLnBrk="1" latinLnBrk="1" hangingPunct="1">
-              <a:lnSpc>
-                <a:spcPct val="90000"/>
-              </a:lnSpc>
-              <a:spcBef>
-                <a:spcPts val="500"/>
-              </a:spcBef>
-              <a:buFont typeface="Arial" panose="020B0604020202020204" pitchFamily="34" charset="0"/>
-              <a:buNone/>
-              <a:defRPr sz="1000" kern="1200">
-                <a:solidFill>
-                  <a:schemeClr val="tx1"/>
-                </a:solidFill>
-                <a:latin typeface="+mn-lt"/>
-                <a:ea typeface="+mn-ea"/>
-                <a:cs typeface="+mn-cs"/>
-              </a:defRPr>
-            </a:lvl9pPr>
-          </a:lstStyle>
+            </a:pPr>
+            <a:endParaRPr lang="ko-KR" altLang="en-US" sz="800" dirty="0"/>
+          </a:p>
           <a:p>
             <a:r>
               <a:rPr lang="en-US" altLang="ko-KR" dirty="0"/>
-              <a:t>git-mind</a:t>
-            </a:r>
-            <a:r>
-              <a:rPr lang="ko-KR" altLang="en-US" dirty="0"/>
-              <a:t> 활용 내용 구성요소 배치</a:t>
-            </a:r>
-          </a:p>
-        </p:txBody>
-      </p:sp>
-      <p:sp>
-        <p:nvSpPr>
-          <p:cNvPr id="9" name="텍스트 개체 틀 7">
-            <a:extLst>
-              <a:ext uri="{FF2B5EF4-FFF2-40B4-BE49-F238E27FC236}">
-                <a16:creationId xmlns:a16="http://schemas.microsoft.com/office/drawing/2014/main" id="{7F75F380-C0E6-45A1-A0BB-0FFFC339A5F2}"/>
-              </a:ext>
-            </a:extLst>
-          </p:cNvPr>
-          <p:cNvSpPr txBox="1">
-            <a:spLocks/>
-          </p:cNvSpPr>
-          <p:nvPr/>
-        </p:nvSpPr>
-        <p:spPr>
-          <a:xfrm>
-            <a:off x="1458687" y="1916696"/>
-            <a:ext cx="9491991" cy="312057"/>
-          </a:xfrm>
-          <a:prstGeom prst="rect">
-            <a:avLst/>
-          </a:prstGeom>
-        </p:spPr>
-        <p:txBody>
-          <a:bodyPr/>
-          <a:lstStyle>
-            <a:lvl1pPr marL="285750" indent="-285750" algn="l" defTabSz="914400" rtl="0" eaLnBrk="1" latinLnBrk="1" hangingPunct="1">
-              <a:lnSpc>
-                <a:spcPct val="90000"/>
-              </a:lnSpc>
-              <a:spcBef>
-                <a:spcPts val="1000"/>
-              </a:spcBef>
-              <a:buClr>
-                <a:srgbClr val="2AB9C7"/>
-              </a:buClr>
-              <a:buSzPct val="80000"/>
-              <a:buFont typeface="Wingdings" panose="05000000000000000000" pitchFamily="2" charset="2"/>
-              <a:buChar char="l"/>
-              <a:defRPr sz="1600" kern="1200">
-                <a:solidFill>
-                  <a:srgbClr val="595959"/>
-                </a:solidFill>
-                <a:latin typeface="+mn-lt"/>
-                <a:ea typeface="+mn-ea"/>
-                <a:cs typeface="+mn-cs"/>
-              </a:defRPr>
-            </a:lvl1pPr>
-            <a:lvl2pPr marL="457200" indent="0" algn="l" defTabSz="914400" rtl="0" eaLnBrk="1" latinLnBrk="1" hangingPunct="1">
-              <a:lnSpc>
-                <a:spcPct val="90000"/>
-              </a:lnSpc>
-              <a:spcBef>
-                <a:spcPts val="500"/>
-              </a:spcBef>
-              <a:buFont typeface="Arial" panose="020B0604020202020204" pitchFamily="34" charset="0"/>
-              <a:buNone/>
-              <a:defRPr sz="1400" kern="1200">
-                <a:solidFill>
-                  <a:schemeClr val="tx1"/>
-                </a:solidFill>
-                <a:latin typeface="+mn-lt"/>
-                <a:ea typeface="+mn-ea"/>
-                <a:cs typeface="+mn-cs"/>
-              </a:defRPr>
-            </a:lvl2pPr>
-            <a:lvl3pPr marL="914400" indent="0" algn="l" defTabSz="914400" rtl="0" eaLnBrk="1" latinLnBrk="1" hangingPunct="1">
-              <a:lnSpc>
-                <a:spcPct val="90000"/>
-              </a:lnSpc>
-              <a:spcBef>
-                <a:spcPts val="500"/>
-              </a:spcBef>
-              <a:buFont typeface="Arial" panose="020B0604020202020204" pitchFamily="34" charset="0"/>
-              <a:buNone/>
-              <a:defRPr sz="1200" kern="1200">
-                <a:solidFill>
-                  <a:schemeClr val="tx1"/>
-                </a:solidFill>
-                <a:latin typeface="+mn-lt"/>
-                <a:ea typeface="+mn-ea"/>
-                <a:cs typeface="+mn-cs"/>
-              </a:defRPr>
-            </a:lvl3pPr>
-            <a:lvl4pPr marL="1371600" indent="0" algn="l" defTabSz="914400" rtl="0" eaLnBrk="1" latinLnBrk="1" hangingPunct="1">
-              <a:lnSpc>
-                <a:spcPct val="90000"/>
-              </a:lnSpc>
-              <a:spcBef>
-                <a:spcPts val="500"/>
-              </a:spcBef>
-              <a:buFont typeface="Arial" panose="020B0604020202020204" pitchFamily="34" charset="0"/>
-              <a:buNone/>
-              <a:defRPr sz="1000" kern="1200">
-                <a:solidFill>
-                  <a:schemeClr val="tx1"/>
-                </a:solidFill>
-                <a:latin typeface="+mn-lt"/>
-                <a:ea typeface="+mn-ea"/>
-                <a:cs typeface="+mn-cs"/>
-              </a:defRPr>
-            </a:lvl4pPr>
-            <a:lvl5pPr marL="1828800" indent="0" algn="l" defTabSz="914400" rtl="0" eaLnBrk="1" latinLnBrk="1" hangingPunct="1">
-              <a:lnSpc>
-                <a:spcPct val="90000"/>
-              </a:lnSpc>
-              <a:spcBef>
-                <a:spcPts val="500"/>
-              </a:spcBef>
-              <a:buFont typeface="Arial" panose="020B0604020202020204" pitchFamily="34" charset="0"/>
-              <a:buNone/>
-              <a:defRPr sz="1000" kern="1200">
-                <a:solidFill>
-                  <a:schemeClr val="tx1"/>
-                </a:solidFill>
-                <a:latin typeface="+mn-lt"/>
-                <a:ea typeface="+mn-ea"/>
-                <a:cs typeface="+mn-cs"/>
-              </a:defRPr>
-            </a:lvl5pPr>
-            <a:lvl6pPr marL="2286000" indent="0" algn="l" defTabSz="914400" rtl="0" eaLnBrk="1" latinLnBrk="1" hangingPunct="1">
-              <a:lnSpc>
-                <a:spcPct val="90000"/>
-              </a:lnSpc>
-              <a:spcBef>
-                <a:spcPts val="500"/>
-              </a:spcBef>
-              <a:buFont typeface="Arial" panose="020B0604020202020204" pitchFamily="34" charset="0"/>
-              <a:buNone/>
-              <a:defRPr sz="1000" kern="1200">
-                <a:solidFill>
-                  <a:schemeClr val="tx1"/>
-                </a:solidFill>
-                <a:latin typeface="+mn-lt"/>
-                <a:ea typeface="+mn-ea"/>
-                <a:cs typeface="+mn-cs"/>
-              </a:defRPr>
-            </a:lvl6pPr>
-            <a:lvl7pPr marL="2743200" indent="0" algn="l" defTabSz="914400" rtl="0" eaLnBrk="1" latinLnBrk="1" hangingPunct="1">
-              <a:lnSpc>
-                <a:spcPct val="90000"/>
-              </a:lnSpc>
-              <a:spcBef>
-                <a:spcPts val="500"/>
-              </a:spcBef>
-              <a:buFont typeface="Arial" panose="020B0604020202020204" pitchFamily="34" charset="0"/>
-              <a:buNone/>
-              <a:defRPr sz="1000" kern="1200">
-                <a:solidFill>
-                  <a:schemeClr val="tx1"/>
-                </a:solidFill>
-                <a:latin typeface="+mn-lt"/>
-                <a:ea typeface="+mn-ea"/>
-                <a:cs typeface="+mn-cs"/>
-              </a:defRPr>
-            </a:lvl7pPr>
-            <a:lvl8pPr marL="3200400" indent="0" algn="l" defTabSz="914400" rtl="0" eaLnBrk="1" latinLnBrk="1" hangingPunct="1">
-              <a:lnSpc>
-                <a:spcPct val="90000"/>
-              </a:lnSpc>
-              <a:spcBef>
-                <a:spcPts val="500"/>
-              </a:spcBef>
-              <a:buFont typeface="Arial" panose="020B0604020202020204" pitchFamily="34" charset="0"/>
-              <a:buNone/>
-              <a:defRPr sz="1000" kern="1200">
-                <a:solidFill>
-                  <a:schemeClr val="tx1"/>
-                </a:solidFill>
-                <a:latin typeface="+mn-lt"/>
-                <a:ea typeface="+mn-ea"/>
-                <a:cs typeface="+mn-cs"/>
-              </a:defRPr>
-            </a:lvl8pPr>
-            <a:lvl9pPr marL="3657600" indent="0" algn="l" defTabSz="914400" rtl="0" eaLnBrk="1" latinLnBrk="1" hangingPunct="1">
-              <a:lnSpc>
-                <a:spcPct val="90000"/>
-              </a:lnSpc>
-              <a:spcBef>
-                <a:spcPts val="500"/>
-              </a:spcBef>
-              <a:buFont typeface="Arial" panose="020B0604020202020204" pitchFamily="34" charset="0"/>
-              <a:buNone/>
-              <a:defRPr sz="1000" kern="1200">
-                <a:solidFill>
-                  <a:schemeClr val="tx1"/>
-                </a:solidFill>
-                <a:latin typeface="+mn-lt"/>
-                <a:ea typeface="+mn-ea"/>
-                <a:cs typeface="+mn-cs"/>
-              </a:defRPr>
-            </a:lvl9pPr>
-          </a:lstStyle>
-          <a:p>
-            <a:r>
-              <a:rPr lang="ko-KR" altLang="en-US" dirty="0"/>
-              <a:t>페이지명 </a:t>
-            </a:r>
-            <a:r>
-              <a:rPr lang="en-US" altLang="ko-KR" dirty="0"/>
-              <a:t>: </a:t>
+              <a:t># </a:t>
             </a:r>
             <a:r>
               <a:rPr lang="ko-KR" altLang="en-US" dirty="0" err="1"/>
-              <a:t>메인페이지</a:t>
+              <a:t>쿠첸</a:t>
             </a:r>
             <a:endParaRPr lang="ko-KR" altLang="en-US" dirty="0"/>
           </a:p>
-        </p:txBody>
-      </p:sp>
-      <p:sp>
-        <p:nvSpPr>
-          <p:cNvPr id="10" name="슬라이드 번호 개체 틀 3">
-            <a:extLst>
-              <a:ext uri="{FF2B5EF4-FFF2-40B4-BE49-F238E27FC236}">
-                <a16:creationId xmlns:a16="http://schemas.microsoft.com/office/drawing/2014/main" id="{F2D5D29C-6727-4527-AADA-B59895CE75E3}"/>
-              </a:ext>
-            </a:extLst>
-          </p:cNvPr>
-          <p:cNvSpPr>
-            <a:spLocks noGrp="1"/>
-          </p:cNvSpPr>
-          <p:nvPr>
-            <p:ph type="sldNum" sz="quarter" idx="4"/>
-          </p:nvPr>
-        </p:nvSpPr>
-        <p:spPr>
-          <a:xfrm>
-            <a:off x="10305288" y="6292343"/>
-            <a:ext cx="539496" cy="365125"/>
-          </a:xfrm>
-          <a:prstGeom prst="rect">
-            <a:avLst/>
-          </a:prstGeom>
-        </p:spPr>
-        <p:txBody>
-          <a:bodyPr/>
-          <a:lstStyle>
-            <a:lvl1pPr algn="r">
-              <a:defRPr>
-                <a:solidFill>
-                  <a:schemeClr val="bg1">
-                    <a:lumMod val="50000"/>
-                  </a:schemeClr>
-                </a:solidFill>
-              </a:defRPr>
-            </a:lvl1pPr>
-          </a:lstStyle>
           <a:p>
-            <a:fld id="{418EBCF5-7C0D-4452-BD99-4798E1600F69}" type="slidenum">
-              <a:rPr lang="ko-KR" altLang="en-US" sz="1100"/>
-              <a:pPr/>
-              <a:t>16</a:t>
-            </a:fld>
-            <a:endParaRPr lang="ko-KR" altLang="en-US" sz="1100"/>
+            <a:endParaRPr lang="ko-KR" altLang="en-US" dirty="0"/>
           </a:p>
-        </p:txBody>
-      </p:sp>
-    </p:spTree>
-    <p:extLst>
-      <p:ext uri="{BB962C8B-B14F-4D97-AF65-F5344CB8AC3E}">
-        <p14:creationId xmlns:p14="http://schemas.microsoft.com/office/powerpoint/2010/main" val="3909138015"/>
-      </p:ext>
-    </p:extLst>
-  </p:cSld>
-  <p:clrMapOvr>
-    <a:masterClrMapping/>
-  </p:clrMapOvr>
-</p:sld>
-</file>
-
-<file path=ppt/slides/slide17.xml><?xml version="1.0" encoding="utf-8"?>
-<p:sld xmlns:a="http://schemas.openxmlformats.org/drawingml/2006/main" xmlns:r="http://schemas.openxmlformats.org/officeDocument/2006/relationships" xmlns:p="http://schemas.openxmlformats.org/presentationml/2006/main">
-  <p:cSld>
-    <p:spTree>
-      <p:nvGrpSpPr>
-        <p:cNvPr id="1" name=""/>
-        <p:cNvGrpSpPr/>
-        <p:nvPr/>
-      </p:nvGrpSpPr>
-      <p:grpSpPr>
-        <a:xfrm>
-          <a:off x="0" y="0"/>
-          <a:ext cx="0" cy="0"/>
-          <a:chOff x="0" y="0"/>
-          <a:chExt cx="0" cy="0"/>
-        </a:xfrm>
-      </p:grpSpPr>
-      <p:sp>
-        <p:nvSpPr>
-          <p:cNvPr id="2" name="제목 1">
-            <a:extLst>
-              <a:ext uri="{FF2B5EF4-FFF2-40B4-BE49-F238E27FC236}">
-                <a16:creationId xmlns:a16="http://schemas.microsoft.com/office/drawing/2014/main" id="{1772E769-8912-421D-8154-14DF4C253CCD}"/>
-              </a:ext>
-            </a:extLst>
-          </p:cNvPr>
-          <p:cNvSpPr>
-            <a:spLocks noGrp="1"/>
-          </p:cNvSpPr>
-          <p:nvPr>
-            <p:ph type="ctrTitle"/>
-          </p:nvPr>
-        </p:nvSpPr>
-        <p:spPr/>
-        <p:txBody>
-          <a:bodyPr/>
-          <a:lstStyle/>
           <a:p>
-            <a:pPr>
-              <a:defRPr/>
+            <a:r>
+              <a:rPr lang="en-US" altLang="ko-KR" dirty="0"/>
+              <a:t>## </a:t>
+            </a:r>
+            <a:r>
+              <a:rPr lang="ko-KR" altLang="en-US" dirty="0"/>
+              <a:t>주요페이지 네비게이션</a:t>
+            </a:r>
+          </a:p>
+          <a:p>
+            <a:endParaRPr lang="ko-KR" altLang="en-US" dirty="0"/>
+          </a:p>
+          <a:p>
+            <a:r>
+              <a:rPr lang="en-US" altLang="ko-KR" dirty="0"/>
+              <a:t>##  </a:t>
+            </a:r>
+            <a:r>
+              <a:rPr lang="ko-KR" altLang="en-US" dirty="0"/>
+              <a:t>전체메뉴</a:t>
+            </a:r>
+          </a:p>
+          <a:p>
+            <a:endParaRPr lang="ko-KR" altLang="en-US" dirty="0"/>
+          </a:p>
+          <a:p>
+            <a:r>
+              <a:rPr lang="ko-KR" altLang="en-US" dirty="0"/>
+              <a:t>*  밥솥</a:t>
+            </a:r>
+          </a:p>
+          <a:p>
+            <a:r>
+              <a:rPr lang="ko-KR" altLang="en-US" dirty="0"/>
+              <a:t>   </a:t>
+            </a:r>
+            <a:r>
+              <a:rPr lang="ko-KR" altLang="en-US" dirty="0" err="1"/>
+              <a:t>쿠첸밥솥</a:t>
+            </a:r>
+            <a:endParaRPr lang="ko-KR" altLang="en-US" dirty="0"/>
+          </a:p>
+          <a:p>
+            <a:r>
+              <a:rPr lang="ko-KR" altLang="en-US" dirty="0"/>
+              <a:t>   밥솥 모두보기</a:t>
+            </a:r>
+          </a:p>
+          <a:p>
+            <a:r>
+              <a:rPr lang="ko-KR" altLang="en-US" dirty="0"/>
+              <a:t>   </a:t>
+            </a:r>
+            <a:r>
+              <a:rPr lang="en-US" altLang="ko-KR" dirty="0"/>
+              <a:t>[IR</a:t>
+            </a:r>
+            <a:r>
+              <a:rPr lang="ko-KR" altLang="en-US" dirty="0"/>
+              <a:t>압력밥솥</a:t>
+            </a:r>
+            <a:r>
+              <a:rPr lang="en-US" altLang="ko-KR" dirty="0"/>
+              <a:t>]()</a:t>
+            </a:r>
+          </a:p>
+          <a:p>
+            <a:r>
+              <a:rPr lang="en-US" altLang="ko-KR" dirty="0"/>
+              <a:t>   IH</a:t>
+            </a:r>
+            <a:r>
+              <a:rPr lang="ko-KR" altLang="en-US" dirty="0"/>
+              <a:t>압력밥솥</a:t>
+            </a:r>
+          </a:p>
+          <a:p>
+            <a:r>
+              <a:rPr lang="ko-KR" altLang="en-US" dirty="0"/>
+              <a:t>   압력밥솥</a:t>
+            </a:r>
+          </a:p>
+          <a:p>
+            <a:r>
+              <a:rPr lang="ko-KR" altLang="en-US" dirty="0"/>
+              <a:t>   </a:t>
+            </a:r>
+            <a:r>
+              <a:rPr lang="ko-KR" altLang="en-US" dirty="0" err="1"/>
+              <a:t>무압밥솥</a:t>
+            </a:r>
+            <a:endParaRPr lang="ko-KR" altLang="en-US" dirty="0"/>
+          </a:p>
+          <a:p>
+            <a:endParaRPr lang="ko-KR" altLang="en-US" dirty="0"/>
+          </a:p>
+          <a:p>
+            <a:r>
+              <a:rPr lang="ko-KR" altLang="en-US" dirty="0"/>
+              <a:t>*  전기레인지</a:t>
+            </a:r>
+          </a:p>
+          <a:p>
+            <a:r>
+              <a:rPr lang="ko-KR" altLang="en-US" dirty="0"/>
+              <a:t>   </a:t>
+            </a:r>
+            <a:r>
+              <a:rPr lang="ko-KR" altLang="en-US" dirty="0" err="1"/>
+              <a:t>쿠첸</a:t>
+            </a:r>
+            <a:r>
+              <a:rPr lang="ko-KR" altLang="en-US" dirty="0"/>
+              <a:t> 전기레인지</a:t>
+            </a:r>
+          </a:p>
+          <a:p>
+            <a:r>
+              <a:rPr lang="ko-KR" altLang="en-US" dirty="0"/>
+              <a:t>   전기레인지 모두보기</a:t>
+            </a:r>
+          </a:p>
+          <a:p>
+            <a:r>
+              <a:rPr lang="ko-KR" altLang="en-US" dirty="0"/>
+              <a:t>   </a:t>
+            </a:r>
+            <a:r>
+              <a:rPr lang="ko-KR" altLang="en-US" dirty="0" err="1"/>
+              <a:t>인덕션</a:t>
+            </a:r>
+            <a:r>
+              <a:rPr lang="ko-KR" altLang="en-US" dirty="0"/>
+              <a:t> 레인지</a:t>
+            </a:r>
+          </a:p>
+          <a:p>
+            <a:r>
+              <a:rPr lang="ko-KR" altLang="en-US" dirty="0"/>
+              <a:t>   하이브리드 레인지</a:t>
+            </a:r>
+          </a:p>
+          <a:p>
+            <a:r>
+              <a:rPr lang="ko-KR" altLang="en-US" dirty="0"/>
+              <a:t>   </a:t>
+            </a:r>
+            <a:r>
+              <a:rPr lang="en-US" altLang="ko-KR" dirty="0"/>
+              <a:t>1</a:t>
+            </a:r>
+            <a:r>
+              <a:rPr lang="ko-KR" altLang="en-US" dirty="0" err="1"/>
+              <a:t>구인덕션</a:t>
+            </a:r>
+            <a:r>
+              <a:rPr lang="ko-KR" altLang="en-US" dirty="0"/>
+              <a:t> 레인지</a:t>
+            </a:r>
+          </a:p>
+          <a:p>
+            <a:endParaRPr lang="ko-KR" altLang="en-US" dirty="0"/>
+          </a:p>
+          <a:p>
+            <a:r>
+              <a:rPr lang="ko-KR" altLang="en-US" dirty="0"/>
+              <a:t>*  주방</a:t>
+            </a:r>
+            <a:r>
+              <a:rPr lang="en-US" altLang="ko-KR" dirty="0"/>
+              <a:t>/</a:t>
+            </a:r>
+            <a:r>
+              <a:rPr lang="ko-KR" altLang="en-US" dirty="0"/>
+              <a:t>생황가전</a:t>
+            </a:r>
+          </a:p>
+          <a:p>
+            <a:r>
+              <a:rPr lang="ko-KR" altLang="en-US" dirty="0"/>
+              <a:t>   모두보기</a:t>
+            </a:r>
+          </a:p>
+          <a:p>
+            <a:r>
+              <a:rPr lang="ko-KR" altLang="en-US" dirty="0"/>
+              <a:t>   </a:t>
+            </a:r>
+            <a:r>
+              <a:rPr lang="ko-KR" altLang="en-US" dirty="0" err="1"/>
+              <a:t>플랙스쿡</a:t>
+            </a:r>
+            <a:endParaRPr lang="ko-KR" altLang="en-US" dirty="0"/>
+          </a:p>
+          <a:p>
+            <a:r>
+              <a:rPr lang="ko-KR" altLang="en-US" dirty="0"/>
+              <a:t>   포트</a:t>
+            </a:r>
+          </a:p>
+          <a:p>
+            <a:r>
+              <a:rPr lang="ko-KR" altLang="en-US" dirty="0"/>
+              <a:t>   전자레인지</a:t>
+            </a:r>
+          </a:p>
+          <a:p>
+            <a:r>
+              <a:rPr lang="ko-KR" altLang="en-US" dirty="0"/>
+              <a:t>   에어 프라이어</a:t>
+            </a:r>
+          </a:p>
+          <a:p>
+            <a:r>
+              <a:rPr lang="ko-KR" altLang="en-US" dirty="0"/>
+              <a:t>   소독기</a:t>
+            </a:r>
+          </a:p>
+          <a:p>
+            <a:endParaRPr lang="ko-KR" altLang="en-US" dirty="0"/>
+          </a:p>
+          <a:p>
+            <a:endParaRPr lang="ko-KR" altLang="en-US" dirty="0"/>
+          </a:p>
+          <a:p>
+            <a:r>
+              <a:rPr lang="en-US" altLang="ko-KR" dirty="0"/>
+              <a:t>###  </a:t>
+            </a:r>
+            <a:r>
+              <a:rPr lang="ko-KR" altLang="en-US" dirty="0"/>
+              <a:t>소모품 기타</a:t>
+            </a:r>
+          </a:p>
+          <a:p>
+            <a:endParaRPr lang="ko-KR" altLang="en-US" dirty="0"/>
+          </a:p>
+          <a:p>
+            <a:r>
+              <a:rPr lang="ko-KR" altLang="en-US" dirty="0"/>
+              <a:t> 모두보기</a:t>
+            </a:r>
+          </a:p>
+          <a:p>
+            <a:r>
+              <a:rPr lang="ko-KR" altLang="en-US" dirty="0"/>
+              <a:t> 패킹</a:t>
+            </a:r>
+          </a:p>
+          <a:p>
+            <a:r>
+              <a:rPr lang="ko-KR" altLang="en-US" dirty="0"/>
+              <a:t> 스탠드 케이스</a:t>
+            </a:r>
+          </a:p>
+          <a:p>
+            <a:r>
+              <a:rPr lang="ko-KR" altLang="en-US" dirty="0"/>
+              <a:t> 기타</a:t>
+            </a:r>
+          </a:p>
+          <a:p>
+            <a:endParaRPr lang="ko-KR" altLang="en-US" dirty="0"/>
+          </a:p>
+          <a:p>
+            <a:r>
+              <a:rPr lang="en-US" altLang="ko-KR" dirty="0"/>
+              <a:t>### </a:t>
+            </a:r>
+            <a:r>
+              <a:rPr lang="ko-KR" altLang="en-US" dirty="0"/>
+              <a:t>광고</a:t>
+            </a:r>
+          </a:p>
+          <a:p>
+            <a:endParaRPr lang="ko-KR" altLang="en-US" dirty="0"/>
+          </a:p>
+          <a:p>
+            <a:r>
+              <a:rPr lang="ko-KR" altLang="en-US" dirty="0"/>
+              <a:t> 기획전</a:t>
+            </a:r>
+            <a:r>
+              <a:rPr lang="en-US" altLang="ko-KR" dirty="0"/>
+              <a:t>/</a:t>
+            </a:r>
+            <a:r>
+              <a:rPr lang="ko-KR" altLang="en-US" dirty="0"/>
+              <a:t>아울렛</a:t>
+            </a:r>
+          </a:p>
+          <a:p>
+            <a:r>
+              <a:rPr lang="ko-KR" altLang="en-US" dirty="0"/>
+              <a:t> </a:t>
+            </a:r>
+            <a:r>
+              <a:rPr lang="ko-KR" altLang="en-US" dirty="0" err="1"/>
+              <a:t>기확</a:t>
+            </a:r>
+            <a:r>
+              <a:rPr lang="ko-KR" altLang="en-US" dirty="0"/>
+              <a:t> 아울렛</a:t>
+            </a:r>
+          </a:p>
+          <a:p>
+            <a:endParaRPr lang="ko-KR" altLang="en-US" dirty="0"/>
+          </a:p>
+          <a:p>
+            <a:endParaRPr lang="ko-KR" altLang="en-US" dirty="0"/>
+          </a:p>
+          <a:p>
+            <a:endParaRPr lang="ko-KR" altLang="en-US" dirty="0"/>
+          </a:p>
+          <a:p>
+            <a:r>
+              <a:rPr lang="ko-KR" altLang="en-US" dirty="0"/>
+              <a:t>* 이벤트</a:t>
+            </a:r>
+            <a:r>
+              <a:rPr lang="en-US" altLang="ko-KR" dirty="0"/>
+              <a:t>/</a:t>
+            </a:r>
+            <a:r>
+              <a:rPr lang="ko-KR" altLang="en-US" dirty="0"/>
+              <a:t>쿠폰</a:t>
+            </a:r>
+          </a:p>
+          <a:p>
+            <a:r>
+              <a:rPr lang="ko-KR" altLang="en-US" dirty="0"/>
+              <a:t>  이벤트</a:t>
+            </a:r>
+          </a:p>
+          <a:p>
+            <a:r>
+              <a:rPr lang="ko-KR" altLang="en-US" dirty="0"/>
+              <a:t>  당첨자 발표 </a:t>
+            </a:r>
+          </a:p>
+          <a:p>
+            <a:r>
+              <a:rPr lang="ko-KR" altLang="en-US" dirty="0"/>
+              <a:t>  </a:t>
+            </a:r>
+            <a:r>
+              <a:rPr lang="ko-KR" altLang="en-US" dirty="0" err="1"/>
+              <a:t>쿠폰존</a:t>
+            </a:r>
+            <a:endParaRPr lang="ko-KR" altLang="en-US" dirty="0"/>
+          </a:p>
+          <a:p>
+            <a:endParaRPr lang="ko-KR" altLang="en-US" dirty="0"/>
+          </a:p>
+          <a:p>
+            <a:endParaRPr lang="ko-KR" altLang="en-US" dirty="0"/>
+          </a:p>
+          <a:p>
+            <a:r>
+              <a:rPr lang="ko-KR" altLang="en-US" dirty="0"/>
+              <a:t>* 리뷰</a:t>
+            </a:r>
+            <a:r>
+              <a:rPr lang="en-US" altLang="ko-KR" dirty="0"/>
+              <a:t>/</a:t>
+            </a:r>
+            <a:r>
+              <a:rPr lang="ko-KR" altLang="en-US" dirty="0"/>
+              <a:t>공지사항</a:t>
+            </a:r>
+          </a:p>
+          <a:p>
+            <a:r>
+              <a:rPr lang="ko-KR" altLang="en-US" dirty="0"/>
+              <a:t>  베스트 구매리뷰</a:t>
+            </a:r>
+          </a:p>
+          <a:p>
+            <a:r>
+              <a:rPr lang="ko-KR" altLang="en-US" dirty="0"/>
+              <a:t>  공지사항</a:t>
+            </a:r>
+          </a:p>
+          <a:p>
+            <a:endParaRPr lang="ko-KR" altLang="en-US" dirty="0"/>
+          </a:p>
+          <a:p>
+            <a:r>
+              <a:rPr lang="ko-KR" altLang="en-US" dirty="0"/>
+              <a:t>* 고객센터</a:t>
+            </a:r>
+          </a:p>
+          <a:p>
+            <a:r>
+              <a:rPr lang="ko-KR" altLang="en-US" dirty="0"/>
+              <a:t>  질문</a:t>
+            </a:r>
+          </a:p>
+          <a:p>
+            <a:r>
+              <a:rPr lang="ko-KR" altLang="en-US" dirty="0"/>
+              <a:t>  </a:t>
+            </a:r>
+            <a:r>
+              <a:rPr lang="ko-KR" altLang="en-US" dirty="0" err="1"/>
+              <a:t>동여상</a:t>
+            </a:r>
+            <a:endParaRPr lang="ko-KR" altLang="en-US" dirty="0"/>
+          </a:p>
+          <a:p>
+            <a:r>
+              <a:rPr lang="ko-KR" altLang="en-US" dirty="0"/>
+              <a:t>  제품 메뉴얼</a:t>
+            </a:r>
+          </a:p>
+          <a:p>
+            <a:r>
+              <a:rPr lang="ko-KR" altLang="en-US" dirty="0"/>
+              <a:t>  </a:t>
+            </a:r>
+            <a:r>
+              <a:rPr lang="en-US" altLang="ko-KR" dirty="0"/>
+              <a:t>1:1</a:t>
+            </a:r>
+            <a:r>
+              <a:rPr lang="ko-KR" altLang="en-US" dirty="0"/>
+              <a:t>문의</a:t>
+            </a:r>
+          </a:p>
+          <a:p>
+            <a:r>
+              <a:rPr lang="ko-KR" altLang="en-US" dirty="0"/>
+              <a:t>  </a:t>
+            </a:r>
+            <a:r>
+              <a:rPr lang="en-US" altLang="ko-KR" dirty="0"/>
+              <a:t>A/S </a:t>
+            </a:r>
+            <a:r>
+              <a:rPr lang="ko-KR" altLang="en-US" dirty="0"/>
+              <a:t>안내</a:t>
+            </a:r>
+          </a:p>
+          <a:p>
+            <a:endParaRPr lang="ko-KR" altLang="en-US" sz="800" b="1" u="sng" dirty="0"/>
+          </a:p>
+          <a:p>
+            <a:endParaRPr lang="ko-KR" altLang="en-US" sz="800" b="1" u="sng" dirty="0"/>
+          </a:p>
+          <a:p>
+            <a:endParaRPr lang="ko-KR" altLang="en-US" sz="800" b="1" u="sng" dirty="0"/>
+          </a:p>
+          <a:p>
+            <a:endParaRPr lang="ko-KR" altLang="en-US" sz="800" b="1" u="sng" dirty="0"/>
+          </a:p>
+          <a:p>
+            <a:endParaRPr lang="ko-KR" altLang="en-US" dirty="0"/>
+          </a:p>
+          <a:p>
+            <a:pPr marL="0" indent="0">
+              <a:buNone/>
             </a:pPr>
-            <a:r>
-              <a:rPr lang="en-US" altLang="ko-KR" b="1" dirty="0">
-                <a:solidFill>
-                  <a:srgbClr val="2AB9C7"/>
-                </a:solidFill>
-                <a:latin typeface="맑은 고딕" panose="020B0503020000020004" pitchFamily="50" charset="-127"/>
-                <a:ea typeface="맑은 고딕" panose="020B0503020000020004" pitchFamily="50" charset="-127"/>
-              </a:rPr>
-              <a:t>5.</a:t>
-            </a:r>
-            <a:r>
-              <a:rPr lang="ko-KR" altLang="en-US" b="1" dirty="0">
-                <a:solidFill>
-                  <a:srgbClr val="2AB9C7"/>
-                </a:solidFill>
-                <a:latin typeface="맑은 고딕" panose="020B0503020000020004" pitchFamily="50" charset="-127"/>
-                <a:ea typeface="맑은 고딕" panose="020B0503020000020004" pitchFamily="50" charset="-127"/>
-              </a:rPr>
-              <a:t> 웹페이지 구조 </a:t>
-            </a:r>
-            <a:r>
-              <a:rPr lang="en-US" altLang="ko-KR" b="1" dirty="0">
-                <a:solidFill>
-                  <a:srgbClr val="2AB9C7"/>
-                </a:solidFill>
-                <a:latin typeface="맑은 고딕" panose="020B0503020000020004" pitchFamily="50" charset="-127"/>
-                <a:ea typeface="맑은 고딕" panose="020B0503020000020004" pitchFamily="50" charset="-127"/>
-              </a:rPr>
-              <a:t>(</a:t>
-            </a:r>
-            <a:r>
-              <a:rPr lang="ko-KR" altLang="en-US" dirty="0">
-                <a:latin typeface="맑은 고딕" panose="020B0503020000020004" pitchFamily="50" charset="-127"/>
-                <a:ea typeface="맑은 고딕" panose="020B0503020000020004" pitchFamily="50" charset="-127"/>
-              </a:rPr>
-              <a:t>서브</a:t>
-            </a:r>
-            <a:r>
-              <a:rPr lang="ko-KR" altLang="en-US" b="1" dirty="0">
-                <a:solidFill>
-                  <a:srgbClr val="2AB9C7"/>
-                </a:solidFill>
-                <a:latin typeface="맑은 고딕" panose="020B0503020000020004" pitchFamily="50" charset="-127"/>
-                <a:ea typeface="맑은 고딕" panose="020B0503020000020004" pitchFamily="50" charset="-127"/>
-              </a:rPr>
-              <a:t> 페이지 구성</a:t>
-            </a:r>
-            <a:r>
-              <a:rPr lang="en-US" altLang="ko-KR" b="1" dirty="0">
-                <a:solidFill>
-                  <a:srgbClr val="2AB9C7"/>
-                </a:solidFill>
-                <a:latin typeface="맑은 고딕" panose="020B0503020000020004" pitchFamily="50" charset="-127"/>
-                <a:ea typeface="맑은 고딕" panose="020B0503020000020004" pitchFamily="50" charset="-127"/>
-              </a:rPr>
-              <a:t>-3)</a:t>
-            </a:r>
-            <a:endParaRPr lang="ko-KR" altLang="en-US" b="1" dirty="0">
-              <a:solidFill>
-                <a:srgbClr val="2AB9C7"/>
-              </a:solidFill>
-              <a:latin typeface="맑은 고딕" panose="020B0503020000020004" pitchFamily="50" charset="-127"/>
-              <a:ea typeface="맑은 고딕" panose="020B0503020000020004" pitchFamily="50" charset="-127"/>
-            </a:endParaRPr>
-          </a:p>
-        </p:txBody>
-      </p:sp>
-      <p:sp>
-        <p:nvSpPr>
-          <p:cNvPr id="4" name="부제목 3">
-            <a:extLst>
-              <a:ext uri="{FF2B5EF4-FFF2-40B4-BE49-F238E27FC236}">
-                <a16:creationId xmlns:a16="http://schemas.microsoft.com/office/drawing/2014/main" id="{F8129F98-56B5-4E0B-A242-C6F75CE43D38}"/>
-              </a:ext>
-            </a:extLst>
-          </p:cNvPr>
-          <p:cNvSpPr>
-            <a:spLocks noGrp="1"/>
-          </p:cNvSpPr>
-          <p:nvPr>
-            <p:ph type="subTitle" idx="1"/>
-          </p:nvPr>
-        </p:nvSpPr>
-        <p:spPr/>
-        <p:txBody>
-          <a:bodyPr/>
-          <a:lstStyle/>
-          <a:p>
-            <a:pPr>
-              <a:defRPr/>
-            </a:pPr>
-            <a:r>
-              <a:rPr lang="ko-KR" altLang="en-US" dirty="0">
-                <a:solidFill>
-                  <a:prstClr val="white">
-                    <a:lumMod val="50000"/>
-                  </a:prstClr>
-                </a:solidFill>
-                <a:latin typeface="맑은 고딕" panose="020B0503020000020004" pitchFamily="50" charset="-127"/>
-                <a:ea typeface="맑은 고딕" panose="020B0503020000020004" pitchFamily="50" charset="-127"/>
-              </a:rPr>
-              <a:t>0</a:t>
-            </a:r>
-            <a:r>
-              <a:rPr lang="en-US" altLang="ko-KR" dirty="0">
-                <a:solidFill>
-                  <a:prstClr val="white">
-                    <a:lumMod val="50000"/>
-                  </a:prstClr>
-                </a:solidFill>
-                <a:latin typeface="맑은 고딕" panose="020B0503020000020004" pitchFamily="50" charset="-127"/>
-                <a:ea typeface="맑은 고딕" panose="020B0503020000020004" pitchFamily="50" charset="-127"/>
-              </a:rPr>
-              <a:t>5</a:t>
-            </a:r>
-            <a:r>
-              <a:rPr lang="ko-KR" altLang="en-US" dirty="0">
-                <a:solidFill>
-                  <a:prstClr val="white">
-                    <a:lumMod val="50000"/>
-                  </a:prstClr>
-                </a:solidFill>
-                <a:latin typeface="맑은 고딕" panose="020B0503020000020004" pitchFamily="50" charset="-127"/>
-                <a:ea typeface="맑은 고딕" panose="020B0503020000020004" pitchFamily="50" charset="-127"/>
-              </a:rPr>
-              <a:t>-</a:t>
-            </a:r>
-            <a:r>
-              <a:rPr lang="en-US" altLang="ko-KR" dirty="0">
-                <a:solidFill>
-                  <a:prstClr val="white">
-                    <a:lumMod val="50000"/>
-                  </a:prstClr>
-                </a:solidFill>
-                <a:latin typeface="맑은 고딕" panose="020B0503020000020004" pitchFamily="50" charset="-127"/>
-                <a:ea typeface="맑은 고딕" panose="020B0503020000020004" pitchFamily="50" charset="-127"/>
-              </a:rPr>
-              <a:t>2</a:t>
-            </a:r>
-            <a:r>
-              <a:rPr lang="ko-KR" altLang="en-US" dirty="0">
-                <a:solidFill>
-                  <a:prstClr val="white">
-                    <a:lumMod val="50000"/>
-                  </a:prstClr>
-                </a:solidFill>
-                <a:latin typeface="맑은 고딕" panose="020B0503020000020004" pitchFamily="50" charset="-127"/>
-                <a:ea typeface="맑은 고딕" panose="020B0503020000020004" pitchFamily="50" charset="-127"/>
-              </a:rPr>
-              <a:t> </a:t>
-            </a:r>
-            <a:r>
-              <a:rPr lang="ko-KR" altLang="en-US" dirty="0" err="1">
-                <a:solidFill>
-                  <a:prstClr val="white">
-                    <a:lumMod val="50000"/>
-                  </a:prstClr>
-                </a:solidFill>
-                <a:latin typeface="맑은 고딕" panose="020B0503020000020004" pitchFamily="50" charset="-127"/>
-                <a:ea typeface="맑은 고딕" panose="020B0503020000020004" pitchFamily="50" charset="-127"/>
-              </a:rPr>
-              <a:t>메인페이지</a:t>
-            </a:r>
-            <a:r>
-              <a:rPr lang="ko-KR" altLang="en-US" dirty="0">
-                <a:solidFill>
-                  <a:prstClr val="white">
-                    <a:lumMod val="50000"/>
-                  </a:prstClr>
-                </a:solidFill>
-                <a:latin typeface="맑은 고딕" panose="020B0503020000020004" pitchFamily="50" charset="-127"/>
-                <a:ea typeface="맑은 고딕" panose="020B0503020000020004" pitchFamily="50" charset="-127"/>
-              </a:rPr>
-              <a:t> 구조화 처리 </a:t>
-            </a:r>
-          </a:p>
-        </p:txBody>
-      </p:sp>
-      <p:sp>
-        <p:nvSpPr>
-          <p:cNvPr id="8" name="텍스트 개체 틀 7">
-            <a:extLst>
-              <a:ext uri="{FF2B5EF4-FFF2-40B4-BE49-F238E27FC236}">
-                <a16:creationId xmlns:a16="http://schemas.microsoft.com/office/drawing/2014/main" id="{2E208BD1-DA3A-440C-BAA8-8A3A24DA24F6}"/>
-              </a:ext>
-            </a:extLst>
-          </p:cNvPr>
-          <p:cNvSpPr>
-            <a:spLocks noGrp="1"/>
-          </p:cNvSpPr>
-          <p:nvPr>
-            <p:ph type="body" sz="half" idx="2"/>
-          </p:nvPr>
-        </p:nvSpPr>
-        <p:spPr/>
-        <p:txBody>
-          <a:bodyPr/>
-          <a:lstStyle/>
-          <a:p>
-            <a:r>
-              <a:rPr lang="ko-KR" altLang="en-US" dirty="0"/>
-              <a:t>페이지 구성에 따른 레이아웃 구성을 위한 구조 정리 </a:t>
-            </a:r>
-            <a:r>
-              <a:rPr lang="en-US" altLang="ko-KR" dirty="0"/>
-              <a:t>2</a:t>
-            </a:r>
             <a:endParaRPr lang="ko-KR" altLang="en-US" dirty="0"/>
           </a:p>
         </p:txBody>
@@ -16004,212 +13323,6 @@
       </p:sp>
       <p:sp>
         <p:nvSpPr>
-          <p:cNvPr id="7" name="텍스트 개체 틀 7">
-            <a:extLst>
-              <a:ext uri="{FF2B5EF4-FFF2-40B4-BE49-F238E27FC236}">
-                <a16:creationId xmlns:a16="http://schemas.microsoft.com/office/drawing/2014/main" id="{74386ABC-1706-44B6-A06D-8CAEF21B52F4}"/>
-              </a:ext>
-            </a:extLst>
-          </p:cNvPr>
-          <p:cNvSpPr txBox="1">
-            <a:spLocks/>
-          </p:cNvSpPr>
-          <p:nvPr/>
-        </p:nvSpPr>
-        <p:spPr>
-          <a:xfrm>
-            <a:off x="1458687" y="1869376"/>
-            <a:ext cx="9491991" cy="312057"/>
-          </a:xfrm>
-          <a:prstGeom prst="rect">
-            <a:avLst/>
-          </a:prstGeom>
-        </p:spPr>
-        <p:txBody>
-          <a:bodyPr/>
-          <a:lstStyle>
-            <a:lvl1pPr marL="285750" indent="-285750" algn="l" defTabSz="914400" rtl="0" eaLnBrk="1" latinLnBrk="1" hangingPunct="1">
-              <a:lnSpc>
-                <a:spcPct val="90000"/>
-              </a:lnSpc>
-              <a:spcBef>
-                <a:spcPts val="1000"/>
-              </a:spcBef>
-              <a:buClr>
-                <a:srgbClr val="2AB9C7"/>
-              </a:buClr>
-              <a:buSzPct val="80000"/>
-              <a:buFont typeface="Wingdings" panose="05000000000000000000" pitchFamily="2" charset="2"/>
-              <a:buChar char="l"/>
-              <a:defRPr sz="1600" kern="1200">
-                <a:solidFill>
-                  <a:srgbClr val="595959"/>
-                </a:solidFill>
-                <a:latin typeface="+mn-lt"/>
-                <a:ea typeface="+mn-ea"/>
-                <a:cs typeface="+mn-cs"/>
-              </a:defRPr>
-            </a:lvl1pPr>
-            <a:lvl2pPr marL="457200" indent="0" algn="l" defTabSz="914400" rtl="0" eaLnBrk="1" latinLnBrk="1" hangingPunct="1">
-              <a:lnSpc>
-                <a:spcPct val="90000"/>
-              </a:lnSpc>
-              <a:spcBef>
-                <a:spcPts val="500"/>
-              </a:spcBef>
-              <a:buFont typeface="Arial" panose="020B0604020202020204" pitchFamily="34" charset="0"/>
-              <a:buNone/>
-              <a:defRPr sz="1400" kern="1200">
-                <a:solidFill>
-                  <a:schemeClr val="tx1"/>
-                </a:solidFill>
-                <a:latin typeface="+mn-lt"/>
-                <a:ea typeface="+mn-ea"/>
-                <a:cs typeface="+mn-cs"/>
-              </a:defRPr>
-            </a:lvl2pPr>
-            <a:lvl3pPr marL="914400" indent="0" algn="l" defTabSz="914400" rtl="0" eaLnBrk="1" latinLnBrk="1" hangingPunct="1">
-              <a:lnSpc>
-                <a:spcPct val="90000"/>
-              </a:lnSpc>
-              <a:spcBef>
-                <a:spcPts val="500"/>
-              </a:spcBef>
-              <a:buFont typeface="Arial" panose="020B0604020202020204" pitchFamily="34" charset="0"/>
-              <a:buNone/>
-              <a:defRPr sz="1200" kern="1200">
-                <a:solidFill>
-                  <a:schemeClr val="tx1"/>
-                </a:solidFill>
-                <a:latin typeface="+mn-lt"/>
-                <a:ea typeface="+mn-ea"/>
-                <a:cs typeface="+mn-cs"/>
-              </a:defRPr>
-            </a:lvl3pPr>
-            <a:lvl4pPr marL="1371600" indent="0" algn="l" defTabSz="914400" rtl="0" eaLnBrk="1" latinLnBrk="1" hangingPunct="1">
-              <a:lnSpc>
-                <a:spcPct val="90000"/>
-              </a:lnSpc>
-              <a:spcBef>
-                <a:spcPts val="500"/>
-              </a:spcBef>
-              <a:buFont typeface="Arial" panose="020B0604020202020204" pitchFamily="34" charset="0"/>
-              <a:buNone/>
-              <a:defRPr sz="1000" kern="1200">
-                <a:solidFill>
-                  <a:schemeClr val="tx1"/>
-                </a:solidFill>
-                <a:latin typeface="+mn-lt"/>
-                <a:ea typeface="+mn-ea"/>
-                <a:cs typeface="+mn-cs"/>
-              </a:defRPr>
-            </a:lvl4pPr>
-            <a:lvl5pPr marL="1828800" indent="0" algn="l" defTabSz="914400" rtl="0" eaLnBrk="1" latinLnBrk="1" hangingPunct="1">
-              <a:lnSpc>
-                <a:spcPct val="90000"/>
-              </a:lnSpc>
-              <a:spcBef>
-                <a:spcPts val="500"/>
-              </a:spcBef>
-              <a:buFont typeface="Arial" panose="020B0604020202020204" pitchFamily="34" charset="0"/>
-              <a:buNone/>
-              <a:defRPr sz="1000" kern="1200">
-                <a:solidFill>
-                  <a:schemeClr val="tx1"/>
-                </a:solidFill>
-                <a:latin typeface="+mn-lt"/>
-                <a:ea typeface="+mn-ea"/>
-                <a:cs typeface="+mn-cs"/>
-              </a:defRPr>
-            </a:lvl5pPr>
-            <a:lvl6pPr marL="2286000" indent="0" algn="l" defTabSz="914400" rtl="0" eaLnBrk="1" latinLnBrk="1" hangingPunct="1">
-              <a:lnSpc>
-                <a:spcPct val="90000"/>
-              </a:lnSpc>
-              <a:spcBef>
-                <a:spcPts val="500"/>
-              </a:spcBef>
-              <a:buFont typeface="Arial" panose="020B0604020202020204" pitchFamily="34" charset="0"/>
-              <a:buNone/>
-              <a:defRPr sz="1000" kern="1200">
-                <a:solidFill>
-                  <a:schemeClr val="tx1"/>
-                </a:solidFill>
-                <a:latin typeface="+mn-lt"/>
-                <a:ea typeface="+mn-ea"/>
-                <a:cs typeface="+mn-cs"/>
-              </a:defRPr>
-            </a:lvl6pPr>
-            <a:lvl7pPr marL="2743200" indent="0" algn="l" defTabSz="914400" rtl="0" eaLnBrk="1" latinLnBrk="1" hangingPunct="1">
-              <a:lnSpc>
-                <a:spcPct val="90000"/>
-              </a:lnSpc>
-              <a:spcBef>
-                <a:spcPts val="500"/>
-              </a:spcBef>
-              <a:buFont typeface="Arial" panose="020B0604020202020204" pitchFamily="34" charset="0"/>
-              <a:buNone/>
-              <a:defRPr sz="1000" kern="1200">
-                <a:solidFill>
-                  <a:schemeClr val="tx1"/>
-                </a:solidFill>
-                <a:latin typeface="+mn-lt"/>
-                <a:ea typeface="+mn-ea"/>
-                <a:cs typeface="+mn-cs"/>
-              </a:defRPr>
-            </a:lvl7pPr>
-            <a:lvl8pPr marL="3200400" indent="0" algn="l" defTabSz="914400" rtl="0" eaLnBrk="1" latinLnBrk="1" hangingPunct="1">
-              <a:lnSpc>
-                <a:spcPct val="90000"/>
-              </a:lnSpc>
-              <a:spcBef>
-                <a:spcPts val="500"/>
-              </a:spcBef>
-              <a:buFont typeface="Arial" panose="020B0604020202020204" pitchFamily="34" charset="0"/>
-              <a:buNone/>
-              <a:defRPr sz="1000" kern="1200">
-                <a:solidFill>
-                  <a:schemeClr val="tx1"/>
-                </a:solidFill>
-                <a:latin typeface="+mn-lt"/>
-                <a:ea typeface="+mn-ea"/>
-                <a:cs typeface="+mn-cs"/>
-              </a:defRPr>
-            </a:lvl8pPr>
-            <a:lvl9pPr marL="3657600" indent="0" algn="l" defTabSz="914400" rtl="0" eaLnBrk="1" latinLnBrk="1" hangingPunct="1">
-              <a:lnSpc>
-                <a:spcPct val="90000"/>
-              </a:lnSpc>
-              <a:spcBef>
-                <a:spcPts val="500"/>
-              </a:spcBef>
-              <a:buFont typeface="Arial" panose="020B0604020202020204" pitchFamily="34" charset="0"/>
-              <a:buNone/>
-              <a:defRPr sz="1000" kern="1200">
-                <a:solidFill>
-                  <a:schemeClr val="tx1"/>
-                </a:solidFill>
-                <a:latin typeface="+mn-lt"/>
-                <a:ea typeface="+mn-ea"/>
-                <a:cs typeface="+mn-cs"/>
-              </a:defRPr>
-            </a:lvl9pPr>
-          </a:lstStyle>
-          <a:p>
-            <a:r>
-              <a:rPr lang="ko-KR" altLang="en-US" dirty="0"/>
-              <a:t>페이지 명 </a:t>
-            </a:r>
-            <a:r>
-              <a:rPr lang="en-US" altLang="ko-KR" dirty="0"/>
-              <a:t>: </a:t>
-            </a:r>
-            <a:endParaRPr lang="ko-KR" altLang="en-US" dirty="0"/>
-          </a:p>
-        </p:txBody>
-      </p:sp>
-      <p:sp>
-        <p:nvSpPr>
           <p:cNvPr id="9" name="슬라이드 번호 개체 틀 3">
             <a:extLst>
               <a:ext uri="{FF2B5EF4-FFF2-40B4-BE49-F238E27FC236}">
@@ -16250,7 +13363,7 @@
             <a:fld id="{418EBCF5-7C0D-4452-BD99-4798E1600F69}" type="slidenum">
               <a:rPr lang="ko-KR" altLang="en-US" sz="1100"/>
               <a:pPr/>
-              <a:t>17</a:t>
+              <a:t>16</a:t>
             </a:fld>
             <a:endParaRPr lang="ko-KR" altLang="en-US" sz="1100"/>
           </a:p>
@@ -16269,7 +13382,7 @@
 </p:sld>
 </file>
 
-<file path=ppt/slides/slide18.xml><?xml version="1.0" encoding="utf-8"?>
+<file path=ppt/slides/slide17.xml><?xml version="1.0" encoding="utf-8"?>
 <p:sld xmlns:a="http://schemas.openxmlformats.org/drawingml/2006/main" xmlns:r="http://schemas.openxmlformats.org/officeDocument/2006/relationships" xmlns:p="http://schemas.openxmlformats.org/presentationml/2006/main">
   <p:cSld>
     <p:spTree>
@@ -16764,34 +13877,6 @@
           </a:p>
         </p:txBody>
       </p:sp>
-      <p:graphicFrame>
-        <p:nvGraphicFramePr>
-          <p:cNvPr id="5" name="다이어그램 4">
-            <a:extLst>
-              <a:ext uri="{FF2B5EF4-FFF2-40B4-BE49-F238E27FC236}">
-                <a16:creationId xmlns:a16="http://schemas.microsoft.com/office/drawing/2014/main" id="{9975EFEE-8E82-4F16-91E4-FFAF9E185D13}"/>
-              </a:ext>
-            </a:extLst>
-          </p:cNvPr>
-          <p:cNvGraphicFramePr/>
-          <p:nvPr>
-            <p:extLst>
-              <p:ext uri="{D42A27DB-BD31-4B8C-83A1-F6EECF244321}">
-                <p14:modId xmlns:p14="http://schemas.microsoft.com/office/powerpoint/2010/main" val="3500526157"/>
-              </p:ext>
-            </p:extLst>
-          </p:nvPr>
-        </p:nvGraphicFramePr>
-        <p:xfrm>
-          <a:off x="1095830" y="2538250"/>
-          <a:ext cx="9684201" cy="3480879"/>
-        </p:xfrm>
-        <a:graphic>
-          <a:graphicData uri="http://schemas.openxmlformats.org/drawingml/2006/diagram">
-            <dgm:relIds xmlns:dgm="http://schemas.openxmlformats.org/drawingml/2006/diagram" xmlns:r="http://schemas.openxmlformats.org/officeDocument/2006/relationships" r:dm="rId2" r:lo="rId3" r:qs="rId4" r:cs="rId5"/>
-          </a:graphicData>
-        </a:graphic>
-      </p:graphicFrame>
       <p:sp>
         <p:nvSpPr>
           <p:cNvPr id="28" name="슬라이드 번호 개체 틀 3">
@@ -17051,7 +14136,7 @@
           <p:nvPr>
             <p:extLst>
               <p:ext uri="{D42A27DB-BD31-4B8C-83A1-F6EECF244321}">
-                <p14:modId xmlns:p14="http://schemas.microsoft.com/office/powerpoint/2010/main" val="4069197345"/>
+                <p14:modId xmlns:p14="http://schemas.microsoft.com/office/powerpoint/2010/main" val="724279427"/>
               </p:ext>
             </p:extLst>
           </p:nvPr>
@@ -17420,7 +14505,7 @@
           <p:nvPr>
             <p:extLst>
               <p:ext uri="{D42A27DB-BD31-4B8C-83A1-F6EECF244321}">
-                <p14:modId xmlns:p14="http://schemas.microsoft.com/office/powerpoint/2010/main" val="3392640906"/>
+                <p14:modId xmlns:p14="http://schemas.microsoft.com/office/powerpoint/2010/main" val="1175160418"/>
               </p:ext>
             </p:extLst>
           </p:nvPr>
@@ -17752,7 +14837,7 @@
                             </a:schemeClr>
                           </a:solidFill>
                         </a:rPr>
-                        <a:t>강점</a:t>
+                        <a:t>강점  바른 기업이미지와 합리적인 가격으로 인기를 끌고 있다 소비자중심 기업으로 믿음과 신뢰가 가는 기업 이미지를 갖고 있음</a:t>
                       </a:r>
                       <a:endParaRPr lang="ko-KR" altLang="en-US" sz="1200" dirty="0">
                         <a:solidFill>
@@ -17833,7 +14918,117 @@
                             </a:schemeClr>
                           </a:solidFill>
                         </a:rPr>
-                        <a:t>약점</a:t>
+                        <a:t>약점 많은 경쟁사들 가운데 </a:t>
+                      </a:r>
+                      <a:r>
+                        <a:rPr lang="ko-KR" altLang="en-US" sz="1200" b="1" dirty="0" err="1">
+                          <a:solidFill>
+                            <a:schemeClr val="tx1">
+                              <a:lumMod val="75000"/>
+                              <a:lumOff val="25000"/>
+                            </a:schemeClr>
+                          </a:solidFill>
+                        </a:rPr>
+                        <a:t>매리트</a:t>
+                      </a:r>
+                      <a:r>
+                        <a:rPr lang="ko-KR" altLang="en-US" sz="1200" b="1" dirty="0">
+                          <a:solidFill>
+                            <a:schemeClr val="tx1">
+                              <a:lumMod val="75000"/>
+                              <a:lumOff val="25000"/>
+                            </a:schemeClr>
+                          </a:solidFill>
+                        </a:rPr>
+                        <a:t> 가 약하고 새로운 기술도입이 필요하다</a:t>
+                      </a:r>
+                      <a:endParaRPr lang="en-US" altLang="ko-KR" sz="1200" b="1" dirty="0">
+                        <a:solidFill>
+                          <a:schemeClr val="tx1">
+                            <a:lumMod val="75000"/>
+                            <a:lumOff val="25000"/>
+                          </a:schemeClr>
+                        </a:solidFill>
+                      </a:endParaRPr>
+                    </a:p>
+                    <a:p>
+                      <a:pPr latinLnBrk="1"/>
+                      <a:r>
+                        <a:rPr lang="ko-KR" altLang="en-US" sz="1200" b="1" dirty="0">
+                          <a:solidFill>
+                            <a:schemeClr val="tx1">
+                              <a:lumMod val="75000"/>
+                              <a:lumOff val="25000"/>
+                            </a:schemeClr>
+                          </a:solidFill>
+                        </a:rPr>
+                        <a:t>단순하고 심플하지만 </a:t>
+                      </a:r>
+                      <a:r>
+                        <a:rPr lang="ko-KR" altLang="en-US" sz="1200" b="1" dirty="0" err="1">
+                          <a:solidFill>
+                            <a:schemeClr val="tx1">
+                              <a:lumMod val="75000"/>
+                              <a:lumOff val="25000"/>
+                            </a:schemeClr>
+                          </a:solidFill>
+                        </a:rPr>
+                        <a:t>트렌에비해</a:t>
+                      </a:r>
+                      <a:r>
+                        <a:rPr lang="ko-KR" altLang="en-US" sz="1200" b="1" dirty="0">
+                          <a:solidFill>
+                            <a:schemeClr val="tx1">
+                              <a:lumMod val="75000"/>
+                              <a:lumOff val="25000"/>
+                            </a:schemeClr>
+                          </a:solidFill>
+                        </a:rPr>
+                        <a:t> </a:t>
+                      </a:r>
+                      <a:r>
+                        <a:rPr lang="ko-KR" altLang="en-US" sz="1200" b="1" dirty="0" err="1">
+                          <a:solidFill>
+                            <a:schemeClr val="tx1">
+                              <a:lumMod val="75000"/>
+                              <a:lumOff val="25000"/>
+                            </a:schemeClr>
+                          </a:solidFill>
+                        </a:rPr>
+                        <a:t>고객들의이목을</a:t>
+                      </a:r>
+                      <a:r>
+                        <a:rPr lang="ko-KR" altLang="en-US" sz="1200" b="1" dirty="0">
+                          <a:solidFill>
+                            <a:schemeClr val="tx1">
+                              <a:lumMod val="75000"/>
+                              <a:lumOff val="25000"/>
+                            </a:schemeClr>
+                          </a:solidFill>
+                        </a:rPr>
+                        <a:t> </a:t>
+                      </a:r>
+                      <a:r>
+                        <a:rPr lang="ko-KR" altLang="en-US" sz="1200" b="1" dirty="0" err="1">
+                          <a:solidFill>
+                            <a:schemeClr val="tx1">
+                              <a:lumMod val="75000"/>
+                              <a:lumOff val="25000"/>
+                            </a:schemeClr>
+                          </a:solidFill>
+                        </a:rPr>
+                        <a:t>끌만한</a:t>
+                      </a:r>
+                      <a:r>
+                        <a:rPr lang="ko-KR" altLang="en-US" sz="1200" b="1" dirty="0">
+                          <a:solidFill>
+                            <a:schemeClr val="tx1">
+                              <a:lumMod val="75000"/>
+                              <a:lumOff val="25000"/>
+                            </a:schemeClr>
+                          </a:solidFill>
+                        </a:rPr>
+                        <a:t> 신선도개입이 필요하다</a:t>
                       </a:r>
                       <a:endParaRPr lang="ko-KR" altLang="en-US" sz="1200" dirty="0">
                         <a:solidFill>
@@ -18006,7 +15201,7 @@
                             </a:schemeClr>
                           </a:solidFill>
                         </a:rPr>
-                        <a:t>기회</a:t>
+                        <a:t>기회 새로운 기술을 적용시켜 기업의 변화를 맞이함 성장가능성을 제기</a:t>
                       </a:r>
                       <a:endParaRPr lang="en-US" altLang="ko-KR" sz="1200" b="1" dirty="0">
                         <a:solidFill>
@@ -18103,7 +15298,73 @@
                             </a:schemeClr>
                           </a:solidFill>
                         </a:rPr>
-                        <a:t>위협</a:t>
+                        <a:t>위협 </a:t>
+                      </a:r>
+                      <a:r>
+                        <a:rPr lang="ko-KR" altLang="en-US" sz="1200" b="1" dirty="0" err="1">
+                          <a:solidFill>
+                            <a:schemeClr val="tx1">
+                              <a:lumMod val="75000"/>
+                              <a:lumOff val="25000"/>
+                            </a:schemeClr>
+                          </a:solidFill>
+                        </a:rPr>
+                        <a:t>많은경쟁삳의</a:t>
+                      </a:r>
+                      <a:r>
+                        <a:rPr lang="ko-KR" altLang="en-US" sz="1200" b="1" dirty="0">
+                          <a:solidFill>
+                            <a:schemeClr val="tx1">
+                              <a:lumMod val="75000"/>
+                              <a:lumOff val="25000"/>
+                            </a:schemeClr>
+                          </a:solidFill>
+                        </a:rPr>
+                        <a:t> 기술적 도입과 </a:t>
+                      </a:r>
+                      <a:r>
+                        <a:rPr lang="ko-KR" altLang="en-US" sz="1200" b="1" dirty="0" err="1">
+                          <a:solidFill>
+                            <a:schemeClr val="tx1">
+                              <a:lumMod val="75000"/>
+                              <a:lumOff val="25000"/>
+                            </a:schemeClr>
+                          </a:solidFill>
+                        </a:rPr>
+                        <a:t>새로운변화가ㅣ</a:t>
+                      </a:r>
+                      <a:r>
+                        <a:rPr lang="ko-KR" altLang="en-US" sz="1200" b="1" dirty="0">
+                          <a:solidFill>
+                            <a:schemeClr val="tx1">
+                              <a:lumMod val="75000"/>
+                              <a:lumOff val="25000"/>
+                            </a:schemeClr>
+                          </a:solidFill>
+                        </a:rPr>
+                        <a:t> </a:t>
+                      </a:r>
+                      <a:r>
+                        <a:rPr lang="ko-KR" altLang="en-US" sz="1200" b="1" dirty="0" err="1">
+                          <a:solidFill>
+                            <a:schemeClr val="tx1">
+                              <a:lumMod val="75000"/>
+                              <a:lumOff val="25000"/>
+                            </a:schemeClr>
+                          </a:solidFill>
+                        </a:rPr>
+                        <a:t>도입되지않으면</a:t>
+                      </a:r>
+                      <a:r>
+                        <a:rPr lang="ko-KR" altLang="en-US" sz="1200" b="1" dirty="0">
+                          <a:solidFill>
+                            <a:schemeClr val="tx1">
+                              <a:lumMod val="75000"/>
+                              <a:lumOff val="25000"/>
+                            </a:schemeClr>
+                          </a:solidFill>
+                        </a:rPr>
+                        <a:t> 기업매출과 비전은 성장가능성이 우려</a:t>
                       </a:r>
                       <a:endParaRPr lang="en-US" altLang="ko-KR" sz="1200" b="1" dirty="0">
                         <a:solidFill>
@@ -18193,7 +15454,7 @@
         </p:nvSpPr>
         <p:spPr>
           <a:xfrm>
-            <a:off x="1427792" y="5869795"/>
+            <a:off x="1427793" y="5888820"/>
             <a:ext cx="9190920" cy="276999"/>
           </a:xfrm>
           <a:prstGeom prst="rect">
@@ -18235,16 +15496,19 @@
                   </a:schemeClr>
                 </a:solidFill>
               </a:rPr>
-              <a:t>:</a:t>
-            </a:r>
-            <a:endParaRPr lang="ko-KR" altLang="en-US" sz="1200" dirty="0">
-              <a:solidFill>
-                <a:schemeClr val="tx1">
-                  <a:lumMod val="65000"/>
-                  <a:lumOff val="35000"/>
-                </a:schemeClr>
-              </a:solidFill>
-            </a:endParaRPr>
+              <a:t>: </a:t>
+            </a:r>
+            <a:r>
+              <a:rPr lang="ko-KR" altLang="en-US" sz="1200" dirty="0">
+                <a:solidFill>
+                  <a:schemeClr val="tx1">
+                    <a:lumMod val="65000"/>
+                    <a:lumOff val="35000"/>
+                  </a:schemeClr>
+                </a:solidFill>
+              </a:rPr>
+              <a:t>기업의 새로운 변화와 성장가능성 필요</a:t>
+            </a:r>
           </a:p>
         </p:txBody>
       </p:sp>
@@ -18565,7 +15829,7 @@
           <p:nvPr>
             <p:extLst>
               <p:ext uri="{D42A27DB-BD31-4B8C-83A1-F6EECF244321}">
-                <p14:modId xmlns:p14="http://schemas.microsoft.com/office/powerpoint/2010/main" val="2586741179"/>
+                <p14:modId xmlns:p14="http://schemas.microsoft.com/office/powerpoint/2010/main" val="3035913526"/>
               </p:ext>
             </p:extLst>
           </p:nvPr>
@@ -19017,6 +16281,21 @@
                           <a:latin typeface="+mn-lt"/>
                         </a:rPr>
                         <a:t>?</a:t>
+                      </a:r>
+                    </a:p>
+                    <a:p>
+                      <a:pPr latinLnBrk="1"/>
+                      <a:r>
+                        <a:rPr lang="ko-KR" altLang="en-US" sz="1100" b="0" dirty="0" err="1">
+                          <a:solidFill>
+                            <a:schemeClr val="tx1">
+                              <a:lumMod val="75000"/>
+                              <a:lumOff val="25000"/>
+                            </a:schemeClr>
+                          </a:solidFill>
+                          <a:latin typeface="+mn-lt"/>
+                        </a:rPr>
+                        <a:t>매우적절</a:t>
                       </a:r>
                       <a:endParaRPr lang="ko-KR" altLang="en-US" sz="1100" b="0" dirty="0">
                         <a:solidFill>
@@ -19142,15 +16421,45 @@
                         </a:rPr>
                         <a:t>?</a:t>
                       </a:r>
-                      <a:endParaRPr lang="ko-KR" altLang="en-US" sz="1100" b="0" dirty="0">
-                        <a:solidFill>
-                          <a:schemeClr val="tx1">
-                            <a:lumMod val="75000"/>
-                            <a:lumOff val="25000"/>
-                          </a:schemeClr>
-                        </a:solidFill>
-                        <a:latin typeface="+mn-lt"/>
-                      </a:endParaRPr>
+                    </a:p>
+                    <a:p>
+                      <a:pPr latinLnBrk="1"/>
+                      <a:r>
+                        <a:rPr lang="ko-KR" altLang="en-US" sz="1100" b="0" dirty="0">
+                          <a:solidFill>
+                            <a:schemeClr val="tx1">
+                              <a:lumMod val="75000"/>
+                              <a:lumOff val="25000"/>
+                            </a:schemeClr>
+                          </a:solidFill>
+                          <a:latin typeface="+mn-lt"/>
+                        </a:rPr>
+                        <a:t>새로운 기술도입이 되면 성장 </a:t>
+                      </a:r>
+                      <a:r>
+                        <a:rPr lang="ko-KR" altLang="en-US" sz="1100" b="0" dirty="0" err="1">
+                          <a:solidFill>
+                            <a:schemeClr val="tx1">
+                              <a:lumMod val="75000"/>
+                              <a:lumOff val="25000"/>
+                            </a:schemeClr>
+                          </a:solidFill>
+                          <a:latin typeface="+mn-lt"/>
+                        </a:rPr>
+                        <a:t>가는성이</a:t>
+                      </a:r>
+                      <a:r>
+                        <a:rPr lang="ko-KR" altLang="en-US" sz="1100" b="0" dirty="0">
+                          <a:solidFill>
+                            <a:schemeClr val="tx1">
+                              <a:lumMod val="75000"/>
+                              <a:lumOff val="25000"/>
+                            </a:schemeClr>
+                          </a:solidFill>
+                          <a:latin typeface="+mn-lt"/>
+                        </a:rPr>
+                        <a:t> 높다</a:t>
+                      </a:r>
                     </a:p>
                   </a:txBody>
                   <a:tcPr>
@@ -19301,7 +16610,10 @@
                         </a:rPr>
                         <a:t>?</a:t>
                       </a:r>
-                      <a:endParaRPr lang="ko-KR" altLang="en-US" sz="1100" b="0" dirty="0">
+                    </a:p>
+                    <a:p>
+                      <a:pPr latinLnBrk="1"/>
+                      <a:endParaRPr lang="en-US" altLang="ko-KR" sz="1100" b="0" dirty="0">
                         <a:solidFill>
                           <a:schemeClr val="tx1">
                             <a:lumMod val="75000"/>
@@ -19310,6 +16622,21 @@
                         </a:solidFill>
                         <a:latin typeface="+mn-lt"/>
                       </a:endParaRPr>
+                    </a:p>
+                    <a:p>
+                      <a:pPr latinLnBrk="1"/>
+                      <a:r>
+                        <a:rPr lang="ko-KR" altLang="en-US" sz="1100" b="0" dirty="0">
+                          <a:solidFill>
+                            <a:schemeClr val="tx1">
+                              <a:lumMod val="75000"/>
+                              <a:lumOff val="25000"/>
+                            </a:schemeClr>
+                          </a:solidFill>
+                          <a:latin typeface="+mn-lt"/>
+                        </a:rPr>
+                        <a:t>잠재적 수요가 꽤 높은 편이다</a:t>
+                      </a:r>
                     </a:p>
                   </a:txBody>
                   <a:tcPr>
@@ -19692,14 +17019,14 @@
           <p:nvPr>
             <p:extLst>
               <p:ext uri="{D42A27DB-BD31-4B8C-83A1-F6EECF244321}">
-                <p14:modId xmlns:p14="http://schemas.microsoft.com/office/powerpoint/2010/main" val="3901198681"/>
+                <p14:modId xmlns:p14="http://schemas.microsoft.com/office/powerpoint/2010/main" val="914779709"/>
               </p:ext>
             </p:extLst>
           </p:nvPr>
         </p:nvGraphicFramePr>
         <p:xfrm>
           <a:off x="1348325" y="2109109"/>
-          <a:ext cx="9414027" cy="4055209"/>
+          <a:ext cx="9414027" cy="4055211"/>
         </p:xfrm>
         <a:graphic>
           <a:graphicData uri="http://schemas.openxmlformats.org/drawingml/2006/table">
@@ -20195,6 +17522,46 @@
                         <a:t>?</a:t>
                       </a:r>
                     </a:p>
+                    <a:p>
+                      <a:pPr marL="0" marR="0" lvl="0" indent="0" algn="l" defTabSz="914400" rtl="0" eaLnBrk="1" fontAlgn="auto" latinLnBrk="1" hangingPunct="1">
+                        <a:lnSpc>
+                          <a:spcPct val="100000"/>
+                        </a:lnSpc>
+                        <a:spcBef>
+                          <a:spcPts val="0"/>
+                        </a:spcBef>
+                        <a:spcAft>
+                          <a:spcPts val="0"/>
+                        </a:spcAft>
+                        <a:buClrTx/>
+                        <a:buSzTx/>
+                        <a:buFontTx/>
+                        <a:buNone/>
+                        <a:tabLst/>
+                        <a:defRPr/>
+                      </a:pPr>
+                      <a:r>
+                        <a:rPr lang="ko-KR" altLang="en-US" sz="1100" b="0" dirty="0">
+                          <a:solidFill>
+                            <a:schemeClr val="tx1">
+                              <a:lumMod val="75000"/>
+                              <a:lumOff val="25000"/>
+                            </a:schemeClr>
+                          </a:solidFill>
+                          <a:latin typeface="+mn-lt"/>
+                        </a:rPr>
+                        <a:t>매우 강력하다 </a:t>
+                      </a:r>
+                      <a:endParaRPr lang="en-US" altLang="ko-KR" sz="1100" b="0" dirty="0">
+                        <a:solidFill>
+                          <a:schemeClr val="tx1">
+                            <a:lumMod val="75000"/>
+                            <a:lumOff val="25000"/>
+                          </a:schemeClr>
+                        </a:solidFill>
+                        <a:latin typeface="+mn-lt"/>
+                      </a:endParaRPr>
+                    </a:p>
                   </a:txBody>
                   <a:tcPr>
                     <a:lnL w="12700" cap="flat" cmpd="sng" algn="ctr">
@@ -20326,6 +17693,46 @@
                         </a:rPr>
                         <a:t>?</a:t>
                       </a:r>
+                    </a:p>
+                    <a:p>
+                      <a:pPr marL="0" marR="0" lvl="0" indent="0" algn="l" defTabSz="914400" rtl="0" eaLnBrk="1" fontAlgn="auto" latinLnBrk="1" hangingPunct="1">
+                        <a:lnSpc>
+                          <a:spcPct val="100000"/>
+                        </a:lnSpc>
+                        <a:spcBef>
+                          <a:spcPts val="0"/>
+                        </a:spcBef>
+                        <a:spcAft>
+                          <a:spcPts val="0"/>
+                        </a:spcAft>
+                        <a:buClrTx/>
+                        <a:buSzTx/>
+                        <a:buFontTx/>
+                        <a:buNone/>
+                        <a:tabLst/>
+                        <a:defRPr/>
+                      </a:pPr>
+                      <a:r>
+                        <a:rPr lang="ko-KR" altLang="en-US" sz="1100" b="0" dirty="0">
+                          <a:solidFill>
+                            <a:schemeClr val="tx1">
+                              <a:lumMod val="75000"/>
+                              <a:lumOff val="25000"/>
+                            </a:schemeClr>
+                          </a:solidFill>
+                          <a:latin typeface="+mn-lt"/>
+                        </a:rPr>
+                        <a:t>아직 까진 가능성이 없다</a:t>
+                      </a:r>
+                      <a:endParaRPr lang="en-US" altLang="ko-KR" sz="1100" b="0" dirty="0">
+                        <a:solidFill>
+                          <a:schemeClr val="tx1">
+                            <a:lumMod val="75000"/>
+                            <a:lumOff val="25000"/>
+                          </a:schemeClr>
+                        </a:solidFill>
+                        <a:latin typeface="+mn-lt"/>
+                      </a:endParaRPr>
                     </a:p>
                   </a:txBody>
                   <a:tcPr>
@@ -20710,14 +18117,14 @@
           <p:nvPr>
             <p:extLst>
               <p:ext uri="{D42A27DB-BD31-4B8C-83A1-F6EECF244321}">
-                <p14:modId xmlns:p14="http://schemas.microsoft.com/office/powerpoint/2010/main" val="1064721228"/>
+                <p14:modId xmlns:p14="http://schemas.microsoft.com/office/powerpoint/2010/main" val="3426366671"/>
               </p:ext>
             </p:extLst>
           </p:nvPr>
         </p:nvGraphicFramePr>
         <p:xfrm>
           <a:off x="1338697" y="2109109"/>
-          <a:ext cx="9414027" cy="4063091"/>
+          <a:ext cx="9414027" cy="5285683"/>
         </p:xfrm>
         <a:graphic>
           <a:graphicData uri="http://schemas.openxmlformats.org/drawingml/2006/table">
@@ -21212,6 +18619,94 @@
                         </a:rPr>
                         <a:t>?</a:t>
                       </a:r>
+                    </a:p>
+                    <a:p>
+                      <a:pPr marL="0" marR="0" lvl="0" indent="0" algn="l" defTabSz="914400" rtl="0" eaLnBrk="1" fontAlgn="auto" latinLnBrk="1" hangingPunct="1">
+                        <a:lnSpc>
+                          <a:spcPct val="100000"/>
+                        </a:lnSpc>
+                        <a:spcBef>
+                          <a:spcPts val="0"/>
+                        </a:spcBef>
+                        <a:spcAft>
+                          <a:spcPts val="0"/>
+                        </a:spcAft>
+                        <a:buClrTx/>
+                        <a:buSzTx/>
+                        <a:buFontTx/>
+                        <a:buNone/>
+                        <a:tabLst/>
+                        <a:defRPr/>
+                      </a:pPr>
+                      <a:r>
+                        <a:rPr lang="ko-KR" altLang="en-US" sz="1100" b="0" dirty="0">
+                          <a:solidFill>
+                            <a:schemeClr val="tx1">
+                              <a:lumMod val="75000"/>
+                              <a:lumOff val="25000"/>
+                            </a:schemeClr>
+                          </a:solidFill>
+                          <a:latin typeface="+mn-lt"/>
+                        </a:rPr>
+                        <a:t>기업의 비전과 이미지가 목표가 똑같다 소비자 중심위주의경영인 만큼 소비자에 맞게 제품을 생산 기획하고 소비자중심으로 판매를 한다 기업의 철학과 가치는 </a:t>
+                      </a:r>
+                      <a:r>
+                        <a:rPr lang="ko-KR" altLang="en-US" sz="1100" b="0" dirty="0" err="1">
+                          <a:solidFill>
+                            <a:schemeClr val="tx1">
+                              <a:lumMod val="75000"/>
+                              <a:lumOff val="25000"/>
+                            </a:schemeClr>
+                          </a:solidFill>
+                          <a:latin typeface="+mn-lt"/>
+                        </a:rPr>
+                        <a:t>어느경쟁사보다</a:t>
+                      </a:r>
+                      <a:r>
+                        <a:rPr lang="ko-KR" altLang="en-US" sz="1100" b="0" dirty="0">
+                          <a:solidFill>
+                            <a:schemeClr val="tx1">
+                              <a:lumMod val="75000"/>
+                              <a:lumOff val="25000"/>
+                            </a:schemeClr>
+                          </a:solidFill>
+                          <a:latin typeface="+mn-lt"/>
+                        </a:rPr>
+                        <a:t> 그만큼 </a:t>
+                      </a:r>
+                      <a:r>
+                        <a:rPr lang="ko-KR" altLang="en-US" sz="1100" b="0" dirty="0" err="1">
+                          <a:solidFill>
+                            <a:schemeClr val="tx1">
+                              <a:lumMod val="75000"/>
+                              <a:lumOff val="25000"/>
+                            </a:schemeClr>
+                          </a:solidFill>
+                          <a:latin typeface="+mn-lt"/>
+                        </a:rPr>
+                        <a:t>뒤어나다고볼수있음</a:t>
+                      </a:r>
+                      <a:r>
+                        <a:rPr lang="ko-KR" altLang="en-US" sz="1100" b="0" dirty="0">
+                          <a:solidFill>
+                            <a:schemeClr val="tx1">
+                              <a:lumMod val="75000"/>
+                              <a:lumOff val="25000"/>
+                            </a:schemeClr>
+                          </a:solidFill>
+                          <a:latin typeface="+mn-lt"/>
+                        </a:rPr>
+                        <a:t> </a:t>
+                      </a:r>
+                      <a:endParaRPr lang="en-US" altLang="ko-KR" sz="1100" b="0" dirty="0">
+                        <a:solidFill>
+                          <a:schemeClr val="tx1">
+                            <a:lumMod val="75000"/>
+                            <a:lumOff val="25000"/>
+                          </a:schemeClr>
+                        </a:solidFill>
+                        <a:latin typeface="+mn-lt"/>
+                      </a:endParaRPr>
                     </a:p>
                   </a:txBody>
                   <a:tcPr>
@@ -21393,6 +18888,34 @@
                         <a:t>?</a:t>
                       </a:r>
                     </a:p>
+                    <a:p>
+                      <a:pPr marL="0" marR="0" lvl="0" indent="0" algn="l" defTabSz="914400" rtl="0" eaLnBrk="1" fontAlgn="auto" latinLnBrk="1" hangingPunct="1">
+                        <a:lnSpc>
+                          <a:spcPct val="100000"/>
+                        </a:lnSpc>
+                        <a:spcBef>
+                          <a:spcPts val="0"/>
+                        </a:spcBef>
+                        <a:spcAft>
+                          <a:spcPts val="0"/>
+                        </a:spcAft>
+                        <a:buClrTx/>
+                        <a:buSzTx/>
+                        <a:buFontTx/>
+                        <a:buNone/>
+                        <a:tabLst/>
+                        <a:defRPr/>
+                      </a:pPr>
+                      <a:endParaRPr lang="en-US" altLang="ko-KR" sz="1100" b="0" dirty="0">
+                        <a:solidFill>
+                          <a:schemeClr val="tx1">
+                            <a:lumMod val="75000"/>
+                            <a:lumOff val="25000"/>
+                          </a:schemeClr>
+                        </a:solidFill>
+                        <a:latin typeface="+mn-lt"/>
+                      </a:endParaRPr>
+                    </a:p>
                   </a:txBody>
                   <a:tcPr>
                     <a:lnL w="12700" cap="flat" cmpd="sng" algn="ctr">
@@ -21525,6 +19048,142 @@
                         <a:t>?</a:t>
                       </a:r>
                     </a:p>
+                    <a:p>
+                      <a:pPr marL="0" marR="0" lvl="0" indent="0" algn="l" defTabSz="914400" rtl="0" eaLnBrk="1" fontAlgn="auto" latinLnBrk="1" hangingPunct="1">
+                        <a:lnSpc>
+                          <a:spcPct val="100000"/>
+                        </a:lnSpc>
+                        <a:spcBef>
+                          <a:spcPts val="0"/>
+                        </a:spcBef>
+                        <a:spcAft>
+                          <a:spcPts val="0"/>
+                        </a:spcAft>
+                        <a:buClrTx/>
+                        <a:buSzTx/>
+                        <a:buFontTx/>
+                        <a:buNone/>
+                        <a:tabLst/>
+                        <a:defRPr/>
+                      </a:pPr>
+                      <a:r>
+                        <a:rPr lang="ko-KR" altLang="en-US" sz="1100" b="0" dirty="0">
+                          <a:solidFill>
+                            <a:schemeClr val="tx1">
+                              <a:lumMod val="75000"/>
+                              <a:lumOff val="25000"/>
+                            </a:schemeClr>
+                          </a:solidFill>
+                          <a:latin typeface="+mn-lt"/>
+                        </a:rPr>
+                        <a:t>이미 완성된 </a:t>
+                      </a:r>
+                      <a:r>
+                        <a:rPr lang="ko-KR" altLang="en-US" sz="1100" b="0" dirty="0" err="1">
+                          <a:solidFill>
+                            <a:schemeClr val="tx1">
+                              <a:lumMod val="75000"/>
+                              <a:lumOff val="25000"/>
+                            </a:schemeClr>
+                          </a:solidFill>
+                          <a:latin typeface="+mn-lt"/>
+                        </a:rPr>
+                        <a:t>기업체의표본이기때문에</a:t>
+                      </a:r>
+                      <a:r>
+                        <a:rPr lang="ko-KR" altLang="en-US" sz="1100" b="0" dirty="0">
+                          <a:solidFill>
+                            <a:schemeClr val="tx1">
+                              <a:lumMod val="75000"/>
+                              <a:lumOff val="25000"/>
+                            </a:schemeClr>
+                          </a:solidFill>
+                          <a:latin typeface="+mn-lt"/>
+                        </a:rPr>
+                        <a:t> </a:t>
+                      </a:r>
+                      <a:r>
+                        <a:rPr lang="ko-KR" altLang="en-US" sz="1100" b="0" dirty="0" err="1">
+                          <a:solidFill>
+                            <a:schemeClr val="tx1">
+                              <a:lumMod val="75000"/>
+                              <a:lumOff val="25000"/>
+                            </a:schemeClr>
+                          </a:solidFill>
+                          <a:latin typeface="+mn-lt"/>
+                        </a:rPr>
+                        <a:t>앞으로의비전</a:t>
+                      </a:r>
+                      <a:r>
+                        <a:rPr lang="ko-KR" altLang="en-US" sz="1100" b="0" dirty="0">
+                          <a:solidFill>
+                            <a:schemeClr val="tx1">
+                              <a:lumMod val="75000"/>
+                              <a:lumOff val="25000"/>
+                            </a:schemeClr>
+                          </a:solidFill>
+                          <a:latin typeface="+mn-lt"/>
+                        </a:rPr>
+                        <a:t> </a:t>
+                      </a:r>
+                      <a:r>
+                        <a:rPr lang="ko-KR" altLang="en-US" sz="1100" b="0" dirty="0" err="1">
+                          <a:solidFill>
+                            <a:schemeClr val="tx1">
+                              <a:lumMod val="75000"/>
+                              <a:lumOff val="25000"/>
+                            </a:schemeClr>
+                          </a:solidFill>
+                          <a:latin typeface="+mn-lt"/>
+                        </a:rPr>
+                        <a:t>이윤가치또는</a:t>
+                      </a:r>
+                      <a:r>
+                        <a:rPr lang="ko-KR" altLang="en-US" sz="1100" b="0" dirty="0">
+                          <a:solidFill>
+                            <a:schemeClr val="tx1">
+                              <a:lumMod val="75000"/>
+                              <a:lumOff val="25000"/>
+                            </a:schemeClr>
+                          </a:solidFill>
+                          <a:latin typeface="+mn-lt"/>
+                        </a:rPr>
+                        <a:t> </a:t>
+                      </a:r>
+                      <a:r>
+                        <a:rPr lang="ko-KR" altLang="en-US" sz="1100" b="0" dirty="0" err="1">
+                          <a:solidFill>
+                            <a:schemeClr val="tx1">
+                              <a:lumMod val="75000"/>
+                              <a:lumOff val="25000"/>
+                            </a:schemeClr>
+                          </a:solidFill>
+                          <a:latin typeface="+mn-lt"/>
+                        </a:rPr>
+                        <a:t>새로운기술도입을한다면</a:t>
+                      </a:r>
+                      <a:r>
+                        <a:rPr lang="ko-KR" altLang="en-US" sz="1100" b="0" dirty="0">
+                          <a:solidFill>
+                            <a:schemeClr val="tx1">
+                              <a:lumMod val="75000"/>
+                              <a:lumOff val="25000"/>
+                            </a:schemeClr>
+                          </a:solidFill>
+                          <a:latin typeface="+mn-lt"/>
+                        </a:rPr>
+                        <a:t> 충분히 가능하다</a:t>
+                      </a:r>
+                      <a:endParaRPr lang="en-US" altLang="ko-KR" sz="1100" b="0" dirty="0">
+                        <a:solidFill>
+                          <a:schemeClr val="tx1">
+                            <a:lumMod val="75000"/>
+                            <a:lumOff val="25000"/>
+                          </a:schemeClr>
+                        </a:solidFill>
+                        <a:latin typeface="+mn-lt"/>
+                      </a:endParaRPr>
+                    </a:p>
                   </a:txBody>
                   <a:tcPr>
                     <a:lnL w="12700" cap="flat" cmpd="sng" algn="ctr">
@@ -21584,6 +19243,254 @@
                 <a:extLst>
                   <a:ext uri="{0D108BD9-81ED-4DB2-BD59-A6C34878D82A}">
                     <a16:rowId xmlns:a16="http://schemas.microsoft.com/office/drawing/2014/main" val="2494259714"/>
+                  </a:ext>
+                </a:extLst>
+              </a:tr>
+              <a:tr h="1222592">
+                <a:tc>
+                  <a:txBody>
+                    <a:bodyPr/>
+                    <a:lstStyle/>
+                    <a:p>
+                      <a:pPr algn="ctr" latinLnBrk="1"/>
+                      <a:endParaRPr lang="ko-KR" altLang="en-US" sz="1200" b="1" dirty="0"/>
+                    </a:p>
+                  </a:txBody>
+                  <a:tcPr anchor="ctr">
+                    <a:lnL w="12700" cap="flat" cmpd="sng" algn="ctr">
+                      <a:solidFill>
+                        <a:schemeClr val="tx1">
+                          <a:lumMod val="50000"/>
+                          <a:lumOff val="50000"/>
+                        </a:schemeClr>
+                      </a:solidFill>
+                      <a:prstDash val="solid"/>
+                      <a:round/>
+                      <a:headEnd type="none" w="med" len="med"/>
+                      <a:tailEnd type="none" w="med" len="med"/>
+                    </a:lnL>
+                    <a:lnR w="12700" cap="flat" cmpd="sng" algn="ctr">
+                      <a:solidFill>
+                        <a:schemeClr val="tx1">
+                          <a:lumMod val="50000"/>
+                          <a:lumOff val="50000"/>
+                        </a:schemeClr>
+                      </a:solidFill>
+                      <a:prstDash val="solid"/>
+                      <a:round/>
+                      <a:headEnd type="none" w="med" len="med"/>
+                      <a:tailEnd type="none" w="med" len="med"/>
+                    </a:lnR>
+                    <a:lnT w="12700" cap="flat" cmpd="sng" algn="ctr">
+                      <a:solidFill>
+                        <a:schemeClr val="tx1">
+                          <a:lumMod val="50000"/>
+                          <a:lumOff val="50000"/>
+                        </a:schemeClr>
+                      </a:solidFill>
+                      <a:prstDash val="solid"/>
+                      <a:round/>
+                      <a:headEnd type="none" w="med" len="med"/>
+                      <a:tailEnd type="none" w="med" len="med"/>
+                    </a:lnT>
+                    <a:lnB w="12700" cap="flat" cmpd="sng" algn="ctr">
+                      <a:solidFill>
+                        <a:schemeClr val="tx1">
+                          <a:lumMod val="50000"/>
+                          <a:lumOff val="50000"/>
+                        </a:schemeClr>
+                      </a:solidFill>
+                      <a:prstDash val="solid"/>
+                      <a:round/>
+                      <a:headEnd type="none" w="med" len="med"/>
+                      <a:tailEnd type="none" w="med" len="med"/>
+                    </a:lnB>
+                    <a:solidFill>
+                      <a:schemeClr val="accent1">
+                        <a:lumMod val="20000"/>
+                        <a:lumOff val="80000"/>
+                      </a:schemeClr>
+                    </a:solidFill>
+                  </a:tcPr>
+                </a:tc>
+                <a:tc>
+                  <a:txBody>
+                    <a:bodyPr/>
+                    <a:lstStyle/>
+                    <a:p>
+                      <a:pPr marL="0" marR="0" lvl="0" indent="0" algn="l" defTabSz="914400" rtl="0" eaLnBrk="1" fontAlgn="auto" latinLnBrk="1" hangingPunct="1">
+                        <a:lnSpc>
+                          <a:spcPct val="100000"/>
+                        </a:lnSpc>
+                        <a:spcBef>
+                          <a:spcPts val="0"/>
+                        </a:spcBef>
+                        <a:spcAft>
+                          <a:spcPts val="0"/>
+                        </a:spcAft>
+                        <a:buClrTx/>
+                        <a:buSzTx/>
+                        <a:buFontTx/>
+                        <a:buNone/>
+                        <a:tabLst/>
+                        <a:defRPr/>
+                      </a:pPr>
+                      <a:endParaRPr lang="en-US" altLang="ko-KR" sz="1200" b="1" dirty="0">
+                        <a:solidFill>
+                          <a:schemeClr val="tx1">
+                            <a:lumMod val="75000"/>
+                            <a:lumOff val="25000"/>
+                          </a:schemeClr>
+                        </a:solidFill>
+                      </a:endParaRPr>
+                    </a:p>
+                  </a:txBody>
+                  <a:tcPr>
+                    <a:lnL w="12700" cap="flat" cmpd="sng" algn="ctr">
+                      <a:solidFill>
+                        <a:schemeClr val="tx1">
+                          <a:lumMod val="50000"/>
+                          <a:lumOff val="50000"/>
+                        </a:schemeClr>
+                      </a:solidFill>
+                      <a:prstDash val="solid"/>
+                      <a:round/>
+                      <a:headEnd type="none" w="med" len="med"/>
+                      <a:tailEnd type="none" w="med" len="med"/>
+                    </a:lnL>
+                    <a:lnR w="12700" cap="flat" cmpd="sng" algn="ctr">
+                      <a:solidFill>
+                        <a:schemeClr val="bg1">
+                          <a:lumMod val="50000"/>
+                        </a:schemeClr>
+                      </a:solidFill>
+                      <a:prstDash val="solid"/>
+                      <a:round/>
+                      <a:headEnd type="none" w="med" len="med"/>
+                      <a:tailEnd type="none" w="med" len="med"/>
+                    </a:lnR>
+                    <a:lnT w="12700" cap="flat" cmpd="sng" algn="ctr">
+                      <a:solidFill>
+                        <a:schemeClr val="tx1">
+                          <a:lumMod val="50000"/>
+                          <a:lumOff val="50000"/>
+                        </a:schemeClr>
+                      </a:solidFill>
+                      <a:prstDash val="solid"/>
+                      <a:round/>
+                      <a:headEnd type="none" w="med" len="med"/>
+                      <a:tailEnd type="none" w="med" len="med"/>
+                    </a:lnT>
+                    <a:lnB w="12700" cap="flat" cmpd="sng" algn="ctr">
+                      <a:solidFill>
+                        <a:schemeClr val="tx1">
+                          <a:lumMod val="50000"/>
+                          <a:lumOff val="50000"/>
+                        </a:schemeClr>
+                      </a:solidFill>
+                      <a:prstDash val="solid"/>
+                      <a:round/>
+                      <a:headEnd type="none" w="med" len="med"/>
+                      <a:tailEnd type="none" w="med" len="med"/>
+                    </a:lnB>
+                    <a:solidFill>
+                      <a:schemeClr val="bg1">
+                        <a:alpha val="5000"/>
+                      </a:schemeClr>
+                    </a:solidFill>
+                  </a:tcPr>
+                </a:tc>
+                <a:tc>
+                  <a:txBody>
+                    <a:bodyPr/>
+                    <a:lstStyle/>
+                    <a:p>
+                      <a:pPr marL="0" marR="0" lvl="0" indent="0" algn="l" defTabSz="914400" rtl="0" eaLnBrk="1" fontAlgn="auto" latinLnBrk="1" hangingPunct="1">
+                        <a:lnSpc>
+                          <a:spcPct val="100000"/>
+                        </a:lnSpc>
+                        <a:spcBef>
+                          <a:spcPts val="0"/>
+                        </a:spcBef>
+                        <a:spcAft>
+                          <a:spcPts val="0"/>
+                        </a:spcAft>
+                        <a:buClrTx/>
+                        <a:buSzTx/>
+                        <a:buFontTx/>
+                        <a:buNone/>
+                        <a:tabLst/>
+                        <a:defRPr/>
+                      </a:pPr>
+                      <a:endParaRPr lang="en-US" altLang="ko-KR" sz="1100" b="0" dirty="0">
+                        <a:solidFill>
+                          <a:schemeClr val="tx1">
+                            <a:lumMod val="75000"/>
+                            <a:lumOff val="25000"/>
+                          </a:schemeClr>
+                        </a:solidFill>
+                        <a:latin typeface="+mn-lt"/>
+                      </a:endParaRPr>
+                    </a:p>
+                  </a:txBody>
+                  <a:tcPr>
+                    <a:lnL w="12700" cap="flat" cmpd="sng" algn="ctr">
+                      <a:solidFill>
+                        <a:schemeClr val="bg1">
+                          <a:lumMod val="50000"/>
+                        </a:schemeClr>
+                      </a:solidFill>
+                      <a:prstDash val="solid"/>
+                      <a:round/>
+                      <a:headEnd type="none" w="med" len="med"/>
+                      <a:tailEnd type="none" w="med" len="med"/>
+                    </a:lnL>
+                    <a:lnR w="12700" cap="flat" cmpd="sng" algn="ctr">
+                      <a:solidFill>
+                        <a:schemeClr val="tx1">
+                          <a:lumMod val="50000"/>
+                          <a:lumOff val="50000"/>
+                        </a:schemeClr>
+                      </a:solidFill>
+                      <a:prstDash val="solid"/>
+                      <a:round/>
+                      <a:headEnd type="none" w="med" len="med"/>
+                      <a:tailEnd type="none" w="med" len="med"/>
+                    </a:lnR>
+                    <a:lnT w="12700" cap="flat" cmpd="sng" algn="ctr">
+                      <a:solidFill>
+                        <a:schemeClr val="tx1">
+                          <a:lumMod val="50000"/>
+                          <a:lumOff val="50000"/>
+                        </a:schemeClr>
+                      </a:solidFill>
+                      <a:prstDash val="solid"/>
+                      <a:round/>
+                      <a:headEnd type="none" w="med" len="med"/>
+                      <a:tailEnd type="none" w="med" len="med"/>
+                    </a:lnT>
+                    <a:lnB w="12700" cap="flat" cmpd="sng" algn="ctr">
+                      <a:solidFill>
+                        <a:schemeClr val="tx1">
+                          <a:lumMod val="50000"/>
+                          <a:lumOff val="50000"/>
+                        </a:schemeClr>
+                      </a:solidFill>
+                      <a:prstDash val="solid"/>
+                      <a:round/>
+                      <a:headEnd type="none" w="med" len="med"/>
+                      <a:tailEnd type="none" w="med" len="med"/>
+                    </a:lnB>
+                    <a:solidFill>
+                      <a:schemeClr val="bg1">
+                        <a:alpha val="5000"/>
+                      </a:schemeClr>
+                    </a:solidFill>
+                  </a:tcPr>
+                </a:tc>
+                <a:extLst>
+                  <a:ext uri="{0D108BD9-81ED-4DB2-BD59-A6C34878D82A}">
+                    <a16:rowId xmlns:a16="http://schemas.microsoft.com/office/drawing/2014/main" val="2576826558"/>
                   </a:ext>
                 </a:extLst>
               </a:tr>
@@ -21901,14 +19808,14 @@
           <p:nvPr>
             <p:extLst>
               <p:ext uri="{D42A27DB-BD31-4B8C-83A1-F6EECF244321}">
-                <p14:modId xmlns:p14="http://schemas.microsoft.com/office/powerpoint/2010/main" val="674230491"/>
+                <p14:modId xmlns:p14="http://schemas.microsoft.com/office/powerpoint/2010/main" val="4062794369"/>
               </p:ext>
             </p:extLst>
           </p:nvPr>
         </p:nvGraphicFramePr>
         <p:xfrm>
           <a:off x="1260094" y="2109109"/>
-          <a:ext cx="9491994" cy="3968498"/>
+          <a:ext cx="9491994" cy="3987701"/>
         </p:xfrm>
         <a:graphic>
           <a:graphicData uri="http://schemas.openxmlformats.org/drawingml/2006/table">
@@ -22143,7 +20050,29 @@
                           <a:latin typeface="맑은 고딕" panose="020B0503020000020004" pitchFamily="50" charset="-127"/>
                           <a:ea typeface="맑은 고딕" panose="020B0503020000020004" pitchFamily="50" charset="-127"/>
                         </a:rPr>
-                        <a:t>:</a:t>
+                        <a:t>: </a:t>
+                      </a:r>
+                      <a:r>
+                        <a:rPr lang="ko-KR" altLang="en-US" sz="1100" b="1" kern="0" spc="0" dirty="0" err="1">
+                          <a:solidFill>
+                            <a:srgbClr val="191919"/>
+                          </a:solidFill>
+                          <a:effectLst/>
+                          <a:latin typeface="맑은 고딕" panose="020B0503020000020004" pitchFamily="50" charset="-127"/>
+                          <a:ea typeface="맑은 고딕" panose="020B0503020000020004" pitchFamily="50" charset="-127"/>
+                        </a:rPr>
+                        <a:t>쿠첸의</a:t>
+                      </a:r>
+                      <a:r>
+                        <a:rPr lang="ko-KR" altLang="en-US" sz="1100" b="1" kern="0" spc="0" dirty="0">
+                          <a:solidFill>
+                            <a:srgbClr val="191919"/>
+                          </a:solidFill>
+                          <a:effectLst/>
+                          <a:latin typeface="맑은 고딕" panose="020B0503020000020004" pitchFamily="50" charset="-127"/>
+                          <a:ea typeface="맑은 고딕" panose="020B0503020000020004" pitchFamily="50" charset="-127"/>
+                        </a:rPr>
+                        <a:t> 기업철학과 서비스가 좋지만 좀더 보다 경쟁사들 보다 더한 특별함을 보고싶다</a:t>
                       </a:r>
                       <a:endParaRPr lang="ko-KR" altLang="en-US" sz="1100" kern="0" spc="0" dirty="0">
                         <a:solidFill>
@@ -22310,7 +20239,7 @@
                   </a:ext>
                 </a:extLst>
               </a:tr>
-              <a:tr h="443677">
+              <a:tr h="462880">
                 <a:tc>
                   <a:txBody>
                     <a:bodyPr/>
@@ -22412,13 +20341,16 @@
                           <a:spcPts val="0"/>
                         </a:spcAft>
                       </a:pPr>
-                      <a:endParaRPr lang="ko-KR" altLang="en-US" sz="1100" kern="0" spc="0" dirty="0">
-                        <a:solidFill>
-                          <a:srgbClr val="191919"/>
-                        </a:solidFill>
-                        <a:effectLst/>
-                        <a:latin typeface="맑은 고딕" panose="020B0503020000020004" pitchFamily="50" charset="-127"/>
-                      </a:endParaRPr>
+                      <a:r>
+                        <a:rPr lang="ko-KR" altLang="en-US" sz="1100" kern="0" spc="0" dirty="0">
+                          <a:solidFill>
+                            <a:srgbClr val="191919"/>
+                          </a:solidFill>
+                          <a:effectLst/>
+                          <a:latin typeface="맑은 고딕" panose="020B0503020000020004" pitchFamily="50" charset="-127"/>
+                        </a:rPr>
+                        <a:t>김요한</a:t>
+                      </a:r>
                     </a:p>
                   </a:txBody>
                   <a:tcPr marL="64771" marR="64771" marT="17907" marB="17907" anchor="ctr">
@@ -22591,6 +20523,16 @@
                           <a:spcPts val="0"/>
                         </a:spcAft>
                       </a:pPr>
+                      <a:r>
+                        <a:rPr lang="en-US" altLang="ko-KR" sz="1100" kern="0" spc="0" dirty="0">
+                          <a:solidFill>
+                            <a:srgbClr val="191919"/>
+                          </a:solidFill>
+                          <a:effectLst/>
+                          <a:latin typeface="맑은 고딕" panose="020B0503020000020004" pitchFamily="50" charset="-127"/>
+                        </a:rPr>
+                        <a:t>2424</a:t>
+                      </a:r>
                       <a:endParaRPr lang="ko-KR" altLang="en-US" sz="1100" kern="0" spc="0" dirty="0">
                         <a:solidFill>
                           <a:srgbClr val="191919"/>
@@ -22751,6 +20693,16 @@
                           <a:spcPts val="0"/>
                         </a:spcAft>
                       </a:pPr>
+                      <a:r>
+                        <a:rPr lang="en-US" altLang="ko-KR" sz="1100" kern="0" spc="0" dirty="0">
+                          <a:solidFill>
+                            <a:srgbClr val="191919"/>
+                          </a:solidFill>
+                          <a:effectLst/>
+                          <a:latin typeface="맑은 고딕" panose="020B0503020000020004" pitchFamily="50" charset="-127"/>
+                        </a:rPr>
+                        <a:t>Ad</a:t>
+                      </a:r>
                       <a:endParaRPr lang="ko-KR" altLang="en-US" sz="1100" kern="0" spc="0" dirty="0">
                         <a:solidFill>
                           <a:srgbClr val="191919"/>
@@ -22911,6 +20863,16 @@
                           <a:spcPts val="0"/>
                         </a:spcAft>
                       </a:pPr>
+                      <a:r>
+                        <a:rPr lang="en-US" altLang="ko-KR" sz="900" kern="0" spc="0" dirty="0">
+                          <a:solidFill>
+                            <a:srgbClr val="191919"/>
+                          </a:solidFill>
+                          <a:effectLst/>
+                          <a:latin typeface="맑은 고딕" panose="020B0503020000020004" pitchFamily="50" charset="-127"/>
+                        </a:rPr>
+                        <a:t>Ada</a:t>
+                      </a:r>
                       <a:endParaRPr lang="ko-KR" altLang="en-US" sz="900" kern="0" spc="0" dirty="0">
                         <a:solidFill>
                           <a:srgbClr val="191919"/>
@@ -22985,7 +20947,7 @@
                         </a:spcAft>
                       </a:pPr>
                       <a:r>
-                        <a:rPr lang="ko-KR" altLang="en-US" sz="800" b="1" kern="0" spc="0" dirty="0">
+                        <a:rPr lang="en-US" altLang="ko-KR" sz="800" b="1" kern="0" spc="0" dirty="0">
                           <a:solidFill>
                             <a:srgbClr val="191919"/>
                           </a:solidFill>
@@ -22993,7 +20955,7 @@
                           <a:latin typeface="맑은 고딕" panose="020B0503020000020004" pitchFamily="50" charset="-127"/>
                           <a:ea typeface="맑은 고딕" panose="020B0503020000020004" pitchFamily="50" charset="-127"/>
                         </a:rPr>
-                        <a:t>직업</a:t>
+                        <a:t>A</a:t>
                       </a:r>
                       <a:endParaRPr lang="ko-KR" altLang="en-US" sz="1100" kern="0" spc="0" dirty="0">
                         <a:solidFill>
@@ -23071,14 +21033,17 @@
                           <a:spcPts val="0"/>
                         </a:spcAft>
                       </a:pPr>
-                      <a:endParaRPr lang="en-US" sz="800" b="1" kern="0" spc="0">
-                        <a:solidFill>
-                          <a:srgbClr val="191919"/>
-                        </a:solidFill>
-                        <a:effectLst/>
-                        <a:latin typeface="맑은 고딕" panose="020B0503020000020004" pitchFamily="50" charset="-127"/>
-                        <a:ea typeface="맑은 고딕" panose="020B0503020000020004" pitchFamily="50" charset="-127"/>
-                      </a:endParaRPr>
+                      <a:r>
+                        <a:rPr lang="en-US" sz="800" b="1" kern="0" spc="0" dirty="0">
+                          <a:solidFill>
+                            <a:srgbClr val="191919"/>
+                          </a:solidFill>
+                          <a:effectLst/>
+                          <a:latin typeface="맑은 고딕" panose="020B0503020000020004" pitchFamily="50" charset="-127"/>
+                          <a:ea typeface="맑은 고딕" panose="020B0503020000020004" pitchFamily="50" charset="-127"/>
+                        </a:rPr>
+                        <a:t>Ad</a:t>
+                      </a:r>
                     </a:p>
                   </a:txBody>
                   <a:tcPr marL="64771" marR="64771" marT="17907" marB="17907" anchor="ctr">
@@ -23240,6 +21205,16 @@
                           <a:spcPts val="0"/>
                         </a:spcAft>
                       </a:pPr>
+                      <a:r>
+                        <a:rPr lang="en-US" altLang="ko-KR" sz="1100" b="1" kern="0" spc="0" dirty="0">
+                          <a:solidFill>
+                            <a:srgbClr val="191919"/>
+                          </a:solidFill>
+                          <a:effectLst/>
+                          <a:latin typeface="맑은 고딕" panose="020B0503020000020004" pitchFamily="50" charset="-127"/>
+                        </a:rPr>
+                        <a:t>Ada</a:t>
+                      </a:r>
                       <a:endParaRPr lang="ko-KR" altLang="en-US" sz="1100" b="1" kern="0" spc="0" dirty="0">
                         <a:solidFill>
                           <a:srgbClr val="191919"/>
@@ -23442,6 +21417,16 @@
                           <a:spcPts val="0"/>
                         </a:spcAft>
                       </a:pPr>
+                      <a:r>
+                        <a:rPr lang="en-US" altLang="ko-KR" sz="1100" kern="0" spc="0" dirty="0">
+                          <a:solidFill>
+                            <a:srgbClr val="B2B2B2"/>
+                          </a:solidFill>
+                          <a:effectLst/>
+                          <a:latin typeface="맑은 고딕" panose="020B0503020000020004" pitchFamily="50" charset="-127"/>
+                        </a:rPr>
+                        <a:t>Adad</a:t>
+                      </a:r>
                       <a:endParaRPr lang="ko-KR" altLang="en-US" sz="1100" kern="0" spc="0" dirty="0">
                         <a:solidFill>
                           <a:srgbClr val="B2B2B2"/>
@@ -23618,6 +21603,16 @@
                           <a:spcPts val="0"/>
                         </a:spcAft>
                       </a:pPr>
+                      <a:r>
+                        <a:rPr lang="en-US" altLang="ko-KR" sz="900" kern="0" spc="0" dirty="0">
+                          <a:solidFill>
+                            <a:srgbClr val="B2B2B2"/>
+                          </a:solidFill>
+                          <a:effectLst/>
+                          <a:latin typeface="맑은 고딕" panose="020B0503020000020004" pitchFamily="50" charset="-127"/>
+                        </a:rPr>
+                        <a:t>Adad</a:t>
+                      </a:r>
                       <a:endParaRPr lang="ko-KR" altLang="en-US" sz="900" kern="0" spc="0" dirty="0">
                         <a:solidFill>
                           <a:srgbClr val="B2B2B2"/>
@@ -23807,6 +21802,16 @@
                           <a:spcPts val="0"/>
                         </a:spcAft>
                       </a:pPr>
+                      <a:r>
+                        <a:rPr lang="en-US" altLang="ko-KR" sz="1100" kern="0" spc="0" dirty="0" err="1">
+                          <a:solidFill>
+                            <a:srgbClr val="B2B2B2"/>
+                          </a:solidFill>
+                          <a:effectLst/>
+                          <a:latin typeface="맑은 고딕" panose="020B0503020000020004" pitchFamily="50" charset="-127"/>
+                        </a:rPr>
+                        <a:t>Adadq</a:t>
+                      </a:r>
                       <a:endParaRPr lang="ko-KR" altLang="en-US" sz="1100" kern="0" spc="0" dirty="0">
                         <a:solidFill>
                           <a:srgbClr val="B2B2B2"/>
@@ -23976,7 +21981,7 @@
                         </a:spcAft>
                       </a:pPr>
                       <a:r>
-                        <a:rPr lang="ko-KR" altLang="en-US" sz="1100" b="1" kern="0" spc="-20" dirty="0">
+                        <a:rPr lang="en-US" altLang="ko-KR" sz="1100" b="1" kern="0" spc="-20" dirty="0">
                           <a:solidFill>
                             <a:srgbClr val="4C4C4C"/>
                           </a:solidFill>
@@ -23984,10 +21989,10 @@
                           <a:latin typeface="맑은 고딕" panose="020B0503020000020004" pitchFamily="50" charset="-127"/>
                           <a:ea typeface="맑은 고딕" panose="020B0503020000020004" pitchFamily="50" charset="-127"/>
                         </a:rPr>
-                        <a:t>특징</a:t>
+                        <a:t> </a:t>
                       </a:r>
                       <a:r>
-                        <a:rPr lang="ko-KR" altLang="en-US" sz="1100" b="1" kern="0" spc="-80" dirty="0">
+                        <a:rPr lang="en-US" altLang="ko-KR" sz="1100" b="1" kern="0" spc="-20" dirty="0" err="1">
                           <a:solidFill>
                             <a:srgbClr val="4C4C4C"/>
                           </a:solidFill>
@@ -23995,18 +22000,7 @@
                           <a:latin typeface="맑은 고딕" panose="020B0503020000020004" pitchFamily="50" charset="-127"/>
                           <a:ea typeface="맑은 고딕" panose="020B0503020000020004" pitchFamily="50" charset="-127"/>
                         </a:rPr>
-                        <a:t> 및 스토리 </a:t>
-                      </a:r>
-                      <a:r>
-                        <a:rPr lang="en-US" altLang="ko-KR" sz="1100" b="1" kern="0" spc="-80" dirty="0">
-                          <a:solidFill>
-                            <a:srgbClr val="4C4C4C"/>
-                          </a:solidFill>
-                          <a:effectLst/>
-                          <a:latin typeface="맑은 고딕" panose="020B0503020000020004" pitchFamily="50" charset="-127"/>
-                          <a:ea typeface="맑은 고딕" panose="020B0503020000020004" pitchFamily="50" charset="-127"/>
-                        </a:rPr>
-                        <a:t>:</a:t>
+                        <a:t>adafgjsdhfhhfkshfkj</a:t>
                       </a:r>
                       <a:endParaRPr lang="ko-KR" altLang="en-US" sz="1100" kern="0" spc="0" dirty="0">
                         <a:solidFill>
@@ -24508,7 +22502,7 @@
           <p:nvPr>
             <p:extLst>
               <p:ext uri="{D42A27DB-BD31-4B8C-83A1-F6EECF244321}">
-                <p14:modId xmlns:p14="http://schemas.microsoft.com/office/powerpoint/2010/main" val="1372071194"/>
+                <p14:modId xmlns:p14="http://schemas.microsoft.com/office/powerpoint/2010/main" val="285485866"/>
               </p:ext>
             </p:extLst>
           </p:nvPr>
@@ -24751,6 +22745,105 @@
                           <a:ea typeface="맑은 고딕" panose="020B0503020000020004" pitchFamily="50" charset="-127"/>
                         </a:rPr>
                         <a:t>:</a:t>
+                      </a:r>
+                      <a:r>
+                        <a:rPr lang="ko-KR" altLang="en-US" sz="1100" b="1" kern="0" spc="0" dirty="0" err="1">
+                          <a:solidFill>
+                            <a:srgbClr val="191919"/>
+                          </a:solidFill>
+                          <a:effectLst/>
+                          <a:latin typeface="맑은 고딕" panose="020B0503020000020004" pitchFamily="50" charset="-127"/>
+                          <a:ea typeface="맑은 고딕" panose="020B0503020000020004" pitchFamily="50" charset="-127"/>
+                        </a:rPr>
+                        <a:t>소비장중심에</a:t>
+                      </a:r>
+                      <a:r>
+                        <a:rPr lang="ko-KR" altLang="en-US" sz="1100" b="1" kern="0" spc="0" dirty="0">
+                          <a:solidFill>
+                            <a:srgbClr val="191919"/>
+                          </a:solidFill>
+                          <a:effectLst/>
+                          <a:latin typeface="맑은 고딕" panose="020B0503020000020004" pitchFamily="50" charset="-127"/>
+                          <a:ea typeface="맑은 고딕" panose="020B0503020000020004" pitchFamily="50" charset="-127"/>
+                        </a:rPr>
+                        <a:t> 맞게 판매하여 </a:t>
+                      </a:r>
+                      <a:r>
+                        <a:rPr lang="ko-KR" altLang="en-US" sz="1100" b="1" kern="0" spc="0" dirty="0" err="1">
+                          <a:solidFill>
+                            <a:srgbClr val="191919"/>
+                          </a:solidFill>
+                          <a:effectLst/>
+                          <a:latin typeface="맑은 고딕" panose="020B0503020000020004" pitchFamily="50" charset="-127"/>
+                          <a:ea typeface="맑은 고딕" panose="020B0503020000020004" pitchFamily="50" charset="-127"/>
+                        </a:rPr>
+                        <a:t>매우편리하지만</a:t>
+                      </a:r>
+                      <a:r>
+                        <a:rPr lang="ko-KR" altLang="en-US" sz="1100" b="1" kern="0" spc="0" dirty="0">
+                          <a:solidFill>
+                            <a:srgbClr val="191919"/>
+                          </a:solidFill>
+                          <a:effectLst/>
+                          <a:latin typeface="맑은 고딕" panose="020B0503020000020004" pitchFamily="50" charset="-127"/>
+                          <a:ea typeface="맑은 고딕" panose="020B0503020000020004" pitchFamily="50" charset="-127"/>
+                        </a:rPr>
+                        <a:t> </a:t>
+                      </a:r>
+                      <a:r>
+                        <a:rPr lang="ko-KR" altLang="en-US" sz="1100" b="1" kern="0" spc="0" dirty="0" err="1">
+                          <a:solidFill>
+                            <a:srgbClr val="191919"/>
+                          </a:solidFill>
+                          <a:effectLst/>
+                          <a:latin typeface="맑은 고딕" panose="020B0503020000020004" pitchFamily="50" charset="-127"/>
+                          <a:ea typeface="맑은 고딕" panose="020B0503020000020004" pitchFamily="50" charset="-127"/>
+                        </a:rPr>
+                        <a:t>조금더</a:t>
+                      </a:r>
+                      <a:r>
+                        <a:rPr lang="ko-KR" altLang="en-US" sz="1100" b="1" kern="0" spc="0" dirty="0">
+                          <a:solidFill>
+                            <a:srgbClr val="191919"/>
+                          </a:solidFill>
+                          <a:effectLst/>
+                          <a:latin typeface="맑은 고딕" panose="020B0503020000020004" pitchFamily="50" charset="-127"/>
+                          <a:ea typeface="맑은 고딕" panose="020B0503020000020004" pitchFamily="50" charset="-127"/>
+                        </a:rPr>
+                        <a:t> 간간한 결제방식과 </a:t>
+                      </a:r>
+                      <a:r>
+                        <a:rPr lang="ko-KR" altLang="en-US" sz="1100" b="1" kern="0" spc="0" dirty="0" err="1">
+                          <a:solidFill>
+                            <a:srgbClr val="191919"/>
+                          </a:solidFill>
+                          <a:effectLst/>
+                          <a:latin typeface="맑은 고딕" panose="020B0503020000020004" pitchFamily="50" charset="-127"/>
+                          <a:ea typeface="맑은 고딕" panose="020B0503020000020004" pitchFamily="50" charset="-127"/>
+                        </a:rPr>
+                        <a:t>더빠른시간내에</a:t>
+                      </a:r>
+                      <a:r>
+                        <a:rPr lang="ko-KR" altLang="en-US" sz="1100" b="1" kern="0" spc="0" dirty="0">
+                          <a:solidFill>
+                            <a:srgbClr val="191919"/>
+                          </a:solidFill>
+                          <a:effectLst/>
+                          <a:latin typeface="맑은 고딕" panose="020B0503020000020004" pitchFamily="50" charset="-127"/>
+                          <a:ea typeface="맑은 고딕" panose="020B0503020000020004" pitchFamily="50" charset="-127"/>
+                        </a:rPr>
+                        <a:t> 제품을 파악하고 </a:t>
+                      </a:r>
+                      <a:r>
+                        <a:rPr lang="ko-KR" altLang="en-US" sz="1100" b="1" kern="0" spc="0">
+                          <a:solidFill>
+                            <a:srgbClr val="191919"/>
+                          </a:solidFill>
+                          <a:effectLst/>
+                          <a:latin typeface="맑은 고딕" panose="020B0503020000020004" pitchFamily="50" charset="-127"/>
+                          <a:ea typeface="맑은 고딕" panose="020B0503020000020004" pitchFamily="50" charset="-127"/>
+                        </a:rPr>
+                        <a:t>구매할수있는기능이있었음좋겠다</a:t>
                       </a:r>
                       <a:endParaRPr lang="ko-KR" altLang="en-US" sz="1100" kern="0" spc="0" dirty="0">
                         <a:solidFill>
@@ -25019,13 +23112,16 @@
                           <a:spcPts val="0"/>
                         </a:spcAft>
                       </a:pPr>
-                      <a:endParaRPr lang="ko-KR" altLang="en-US" sz="1100" kern="0" spc="0" dirty="0">
-                        <a:solidFill>
-                          <a:srgbClr val="191919"/>
-                        </a:solidFill>
-                        <a:effectLst/>
-                        <a:latin typeface="맑은 고딕" panose="020B0503020000020004" pitchFamily="50" charset="-127"/>
-                      </a:endParaRPr>
+                      <a:r>
+                        <a:rPr lang="ko-KR" altLang="en-US" sz="1100" kern="0" spc="0" dirty="0">
+                          <a:solidFill>
+                            <a:srgbClr val="191919"/>
+                          </a:solidFill>
+                          <a:effectLst/>
+                          <a:latin typeface="맑은 고딕" panose="020B0503020000020004" pitchFamily="50" charset="-127"/>
+                        </a:rPr>
+                        <a:t>김요한</a:t>
+                      </a:r>
                     </a:p>
                   </a:txBody>
                   <a:tcPr marL="64771" marR="64771" marT="17907" marB="17907" anchor="ctr">
@@ -25198,6 +23294,16 @@
                           <a:spcPts val="0"/>
                         </a:spcAft>
                       </a:pPr>
+                      <a:r>
+                        <a:rPr lang="en-US" altLang="ko-KR" sz="1100" kern="0" spc="0" dirty="0">
+                          <a:solidFill>
+                            <a:srgbClr val="191919"/>
+                          </a:solidFill>
+                          <a:effectLst/>
+                          <a:latin typeface="맑은 고딕" panose="020B0503020000020004" pitchFamily="50" charset="-127"/>
+                        </a:rPr>
+                        <a:t>40</a:t>
+                      </a:r>
                       <a:endParaRPr lang="ko-KR" altLang="en-US" sz="1100" kern="0" spc="0" dirty="0">
                         <a:solidFill>
                           <a:srgbClr val="191919"/>
@@ -25358,13 +23464,16 @@
                           <a:spcPts val="0"/>
                         </a:spcAft>
                       </a:pPr>
-                      <a:endParaRPr lang="ko-KR" altLang="en-US" sz="1100" kern="0" spc="0" dirty="0">
-                        <a:solidFill>
-                          <a:srgbClr val="191919"/>
-                        </a:solidFill>
-                        <a:effectLst/>
-                        <a:latin typeface="맑은 고딕" panose="020B0503020000020004" pitchFamily="50" charset="-127"/>
-                      </a:endParaRPr>
+                      <a:r>
+                        <a:rPr lang="ko-KR" altLang="en-US" sz="1100" kern="0" spc="0" dirty="0">
+                          <a:solidFill>
+                            <a:srgbClr val="191919"/>
+                          </a:solidFill>
+                          <a:effectLst/>
+                          <a:latin typeface="맑은 고딕" panose="020B0503020000020004" pitchFamily="50" charset="-127"/>
+                        </a:rPr>
+                        <a:t>남</a:t>
+                      </a:r>
                     </a:p>
                   </a:txBody>
                   <a:tcPr marL="64771" marR="64771" marT="17907" marB="17907" anchor="ctr">
@@ -25518,13 +23627,16 @@
                           <a:spcPts val="0"/>
                         </a:spcAft>
                       </a:pPr>
-                      <a:endParaRPr lang="ko-KR" altLang="en-US" sz="900" kern="0" spc="0" dirty="0">
-                        <a:solidFill>
-                          <a:srgbClr val="191919"/>
-                        </a:solidFill>
-                        <a:effectLst/>
-                        <a:latin typeface="맑은 고딕" panose="020B0503020000020004" pitchFamily="50" charset="-127"/>
-                      </a:endParaRPr>
+                      <a:r>
+                        <a:rPr lang="ko-KR" altLang="en-US" sz="900" kern="0" spc="0" dirty="0">
+                          <a:solidFill>
+                            <a:srgbClr val="191919"/>
+                          </a:solidFill>
+                          <a:effectLst/>
+                          <a:latin typeface="맑은 고딕" panose="020B0503020000020004" pitchFamily="50" charset="-127"/>
+                        </a:rPr>
+                        <a:t>대한민국</a:t>
+                      </a:r>
                     </a:p>
                   </a:txBody>
                   <a:tcPr marL="64771" marR="64771" marT="17907" marB="17907" anchor="ctr">
@@ -25678,7 +23790,18 @@
                           <a:spcPts val="0"/>
                         </a:spcAft>
                       </a:pPr>
-                      <a:endParaRPr lang="en-US" sz="800" b="1" kern="0" spc="0">
+                      <a:r>
+                        <a:rPr lang="ko-KR" altLang="en-US" sz="800" b="1" kern="0" spc="0" dirty="0" err="1">
+                          <a:solidFill>
+                            <a:srgbClr val="191919"/>
+                          </a:solidFill>
+                          <a:effectLst/>
+                          <a:latin typeface="맑은 고딕" panose="020B0503020000020004" pitchFamily="50" charset="-127"/>
+                          <a:ea typeface="맑은 고딕" panose="020B0503020000020004" pitchFamily="50" charset="-127"/>
+                        </a:rPr>
+                        <a:t>웹기획</a:t>
+                      </a:r>
+                      <a:endParaRPr lang="en-US" sz="800" b="1" kern="0" spc="0" dirty="0">
                         <a:solidFill>
                           <a:srgbClr val="191919"/>
                         </a:solidFill>
@@ -25847,13 +23970,16 @@
                           <a:spcPts val="0"/>
                         </a:spcAft>
                       </a:pPr>
-                      <a:endParaRPr lang="ko-KR" altLang="en-US" sz="1100" b="1" kern="0" spc="0" dirty="0">
-                        <a:solidFill>
-                          <a:srgbClr val="191919"/>
-                        </a:solidFill>
-                        <a:effectLst/>
-                        <a:latin typeface="맑은 고딕" panose="020B0503020000020004" pitchFamily="50" charset="-127"/>
-                      </a:endParaRPr>
+                      <a:r>
+                        <a:rPr lang="ko-KR" altLang="en-US" sz="1100" b="1" kern="0" spc="0" dirty="0">
+                          <a:solidFill>
+                            <a:srgbClr val="191919"/>
+                          </a:solidFill>
+                          <a:effectLst/>
+                          <a:latin typeface="맑은 고딕" panose="020B0503020000020004" pitchFamily="50" charset="-127"/>
+                        </a:rPr>
+                        <a:t>없음</a:t>
+                      </a:r>
                     </a:p>
                   </a:txBody>
                   <a:tcPr marL="64771" marR="64771" marT="17907" marB="17907" anchor="ctr">
@@ -26049,13 +24175,26 @@
                           <a:spcPts val="0"/>
                         </a:spcAft>
                       </a:pPr>
-                      <a:endParaRPr lang="ko-KR" altLang="en-US" sz="1100" kern="0" spc="0" dirty="0">
-                        <a:solidFill>
-                          <a:srgbClr val="B2B2B2"/>
-                        </a:solidFill>
-                        <a:effectLst/>
-                        <a:latin typeface="맑은 고딕" panose="020B0503020000020004" pitchFamily="50" charset="-127"/>
-                      </a:endParaRPr>
+                      <a:r>
+                        <a:rPr lang="en-US" altLang="ko-KR" sz="1100" kern="0" spc="0" dirty="0">
+                          <a:solidFill>
+                            <a:srgbClr val="B2B2B2"/>
+                          </a:solidFill>
+                          <a:effectLst/>
+                          <a:latin typeface="맑은 고딕" panose="020B0503020000020004" pitchFamily="50" charset="-127"/>
+                        </a:rPr>
+                        <a:t> </a:t>
+                      </a:r>
+                      <a:r>
+                        <a:rPr lang="ko-KR" altLang="en-US" sz="1100" kern="0" spc="0" dirty="0">
+                          <a:solidFill>
+                            <a:srgbClr val="B2B2B2"/>
+                          </a:solidFill>
+                          <a:effectLst/>
+                          <a:latin typeface="맑은 고딕" panose="020B0503020000020004" pitchFamily="50" charset="-127"/>
+                        </a:rPr>
+                        <a:t>서울</a:t>
+                      </a:r>
                     </a:p>
                   </a:txBody>
                   <a:tcPr marL="64771" marR="64771" marT="17907" marB="17907" anchor="ctr">
@@ -26414,6 +24553,16 @@
                           <a:spcPts val="0"/>
                         </a:spcAft>
                       </a:pPr>
+                      <a:r>
+                        <a:rPr lang="en-US" altLang="ko-KR" sz="1100" kern="0" spc="0" dirty="0">
+                          <a:solidFill>
+                            <a:srgbClr val="B2B2B2"/>
+                          </a:solidFill>
+                          <a:effectLst/>
+                          <a:latin typeface="맑은 고딕" panose="020B0503020000020004" pitchFamily="50" charset="-127"/>
+                        </a:rPr>
+                        <a:t>adad</a:t>
+                      </a:r>
                       <a:endParaRPr lang="ko-KR" altLang="en-US" sz="1100" kern="0" spc="0" dirty="0">
                         <a:solidFill>
                           <a:srgbClr val="B2B2B2"/>
@@ -26583,37 +24732,14 @@
                         </a:spcAft>
                       </a:pPr>
                       <a:r>
-                        <a:rPr lang="ko-KR" altLang="en-US" sz="1100" b="1" kern="0" spc="-20" dirty="0">
+                        <a:rPr lang="ko-KR" altLang="en-US" sz="1100" kern="0" spc="0" dirty="0" err="1">
                           <a:solidFill>
-                            <a:srgbClr val="4C4C4C"/>
+                            <a:srgbClr val="191919"/>
                           </a:solidFill>
                           <a:effectLst/>
                           <a:latin typeface="맑은 고딕" panose="020B0503020000020004" pitchFamily="50" charset="-127"/>
-                          <a:ea typeface="맑은 고딕" panose="020B0503020000020004" pitchFamily="50" charset="-127"/>
                         </a:rPr>
-                        <a:t>특징</a:t>
-                      </a:r>
-                      <a:r>
-                        <a:rPr lang="ko-KR" altLang="en-US" sz="1100" b="1" kern="0" spc="-80" dirty="0">
-                          <a:solidFill>
-                            <a:srgbClr val="4C4C4C"/>
-                          </a:solidFill>
-                          <a:effectLst/>
-                          <a:latin typeface="맑은 고딕" panose="020B0503020000020004" pitchFamily="50" charset="-127"/>
-                          <a:ea typeface="맑은 고딕" panose="020B0503020000020004" pitchFamily="50" charset="-127"/>
-                        </a:rPr>
-                        <a:t> 및 스토리 </a:t>
-                      </a:r>
-                      <a:r>
-                        <a:rPr lang="en-US" altLang="ko-KR" sz="1100" b="1" kern="0" spc="-80" dirty="0">
-                          <a:solidFill>
-                            <a:srgbClr val="4C4C4C"/>
-                          </a:solidFill>
-                          <a:effectLst/>
-                          <a:latin typeface="맑은 고딕" panose="020B0503020000020004" pitchFamily="50" charset="-127"/>
-                          <a:ea typeface="맑은 고딕" panose="020B0503020000020004" pitchFamily="50" charset="-127"/>
-                        </a:rPr>
-                        <a:t>:</a:t>
+                        <a:t>ㄹㄴㅁㄹ</a:t>
                       </a:r>
                       <a:endParaRPr lang="ko-KR" altLang="en-US" sz="1100" kern="0" spc="0" dirty="0">
                         <a:solidFill>
@@ -27151,7 +25277,31 @@
       </a:bgFillStyleLst>
     </a:fmtScheme>
   </a:themeElements>
-  <a:objectDefaults/>
+  <a:objectDefaults>
+    <a:spDef>
+      <a:spPr/>
+      <a:bodyPr rtlCol="0" anchor="ctr"/>
+      <a:lstStyle>
+        <a:defPPr algn="ctr">
+          <a:defRPr dirty="0" smtClean="0"/>
+        </a:defPPr>
+      </a:lstStyle>
+      <a:style>
+        <a:lnRef idx="2">
+          <a:schemeClr val="dk1"/>
+        </a:lnRef>
+        <a:fillRef idx="1">
+          <a:schemeClr val="lt1"/>
+        </a:fillRef>
+        <a:effectRef idx="0">
+          <a:schemeClr val="dk1"/>
+        </a:effectRef>
+        <a:fontRef idx="minor">
+          <a:schemeClr val="dk1"/>
+        </a:fontRef>
+      </a:style>
+    </a:spDef>
+  </a:objectDefaults>
   <a:extraClrSchemeLst/>
   <a:extLst>
     <a:ext uri="{05A4C25C-085E-4340-85A3-A5531E510DB2}">
